--- a/resources/graphics.pptx
+++ b/resources/graphics.pptx
@@ -3060,18 +3060,110 @@
           <a:chExt cx="0" cy="0"/>
         </a:xfrm>
       </p:grpSpPr>
+      <p:pic>
+        <p:nvPicPr>
+          <p:cNvPr id="1038" name="Picture 14" descr="control data, database, database settings, gear, options, preferences, settings icon"/>
+          <p:cNvPicPr>
+            <a:picLocks noChangeAspect="1" noChangeArrowheads="1"/>
+          </p:cNvPicPr>
+          <p:nvPr/>
+        </p:nvPicPr>
+        <p:blipFill>
+          <a:blip r:embed="rId2" cstate="print"/>
+          <a:srcRect/>
+          <a:stretch>
+            <a:fillRect/>
+          </a:stretch>
+        </p:blipFill>
+        <p:spPr bwMode="auto">
+          <a:xfrm>
+            <a:off x="679269" y="2826483"/>
+            <a:ext cx="685800" cy="685801"/>
+          </a:xfrm>
+          <a:prstGeom prst="rect">
+            <a:avLst/>
+          </a:prstGeom>
+          <a:noFill/>
+        </p:spPr>
+      </p:pic>
+      <p:pic>
+        <p:nvPicPr>
+          <p:cNvPr id="2" name="Picture 2" descr="add, database icon"/>
+          <p:cNvPicPr>
+            <a:picLocks noChangeAspect="1" noChangeArrowheads="1"/>
+          </p:cNvPicPr>
+          <p:nvPr/>
+        </p:nvPicPr>
+        <p:blipFill>
+          <a:blip r:embed="rId3" cstate="print"/>
+          <a:srcRect/>
+          <a:stretch>
+            <a:fillRect/>
+          </a:stretch>
+        </p:blipFill>
+        <p:spPr bwMode="auto">
+          <a:xfrm>
+            <a:off x="841376" y="3940312"/>
+            <a:ext cx="321218" cy="321218"/>
+          </a:xfrm>
+          <a:prstGeom prst="rect">
+            <a:avLst/>
+          </a:prstGeom>
+          <a:noFill/>
+        </p:spPr>
+      </p:pic>
+      <p:sp>
+        <p:nvSpPr>
+          <p:cNvPr id="54" name="TextBox 53"/>
+          <p:cNvSpPr txBox="1"/>
+          <p:nvPr/>
+        </p:nvSpPr>
+        <p:spPr>
+          <a:xfrm>
+            <a:off x="933242" y="1133340"/>
+            <a:ext cx="1116203" cy="369332"/>
+          </a:xfrm>
+          <a:prstGeom prst="rect">
+            <a:avLst/>
+          </a:prstGeom>
+          <a:noFill/>
+        </p:spPr>
+        <p:txBody>
+          <a:bodyPr wrap="none" rtlCol="0">
+            <a:spAutoFit/>
+          </a:bodyPr>
+          <a:lstStyle/>
+          <a:p>
+            <a:r>
+              <a:rPr lang="en-US" i="1" dirty="0" smtClean="0">
+                <a:solidFill>
+                  <a:srgbClr val="C00000"/>
+                </a:solidFill>
+                <a:latin typeface="Arial Rounded MT Bold" pitchFamily="34" charset="0"/>
+              </a:rPr>
+              <a:t>synapse</a:t>
+            </a:r>
+            <a:endParaRPr lang="en-US" i="1" dirty="0">
+              <a:solidFill>
+                <a:srgbClr val="C00000"/>
+              </a:solidFill>
+              <a:latin typeface="Arial Rounded MT Bold" pitchFamily="34" charset="0"/>
+            </a:endParaRPr>
+          </a:p>
+        </p:txBody>
+      </p:sp>
       <p:grpSp>
         <p:nvGrpSpPr>
-          <p:cNvPr id="38" name="Group 37"/>
+          <p:cNvPr id="63" name="Group 62"/>
           <p:cNvGrpSpPr/>
           <p:nvPr/>
         </p:nvGrpSpPr>
         <p:grpSpPr>
           <a:xfrm>
             <a:off x="2057400" y="1752600"/>
-            <a:ext cx="4876800" cy="3352801"/>
+            <a:ext cx="4876800" cy="3315789"/>
             <a:chOff x="2057400" y="1752600"/>
-            <a:chExt cx="4876800" cy="3352801"/>
+            <a:chExt cx="4876800" cy="3315789"/>
           </a:xfrm>
         </p:grpSpPr>
         <p:cxnSp>
@@ -3082,17 +3174,17 @@
           </p:nvCxnSpPr>
           <p:spPr>
             <a:xfrm flipH="1" flipV="1">
-              <a:off x="2895600" y="2362200"/>
-              <a:ext cx="1371600" cy="1143000"/>
+              <a:off x="2854234" y="2364377"/>
+              <a:ext cx="1412966" cy="1140823"/>
             </a:xfrm>
             <a:prstGeom prst="line">
               <a:avLst/>
             </a:prstGeom>
             <a:ln w="44450" cmpd="sng">
               <a:solidFill>
-                <a:schemeClr val="accent1">
-                  <a:lumMod val="75000"/>
-                </a:schemeClr>
+                <a:srgbClr val="002060">
+                  <a:alpha val="74902"/>
+                </a:srgbClr>
               </a:solidFill>
               <a:bevel/>
             </a:ln>
@@ -3120,17 +3212,17 @@
           </p:nvCxnSpPr>
           <p:spPr>
             <a:xfrm flipH="1" flipV="1">
-              <a:off x="2438400" y="3352800"/>
-              <a:ext cx="1828800" cy="152400"/>
+              <a:off x="2410097" y="3383280"/>
+              <a:ext cx="1857103" cy="121920"/>
             </a:xfrm>
             <a:prstGeom prst="line">
               <a:avLst/>
             </a:prstGeom>
             <a:ln w="44450" cmpd="sng">
               <a:solidFill>
-                <a:schemeClr val="accent1">
-                  <a:lumMod val="75000"/>
-                </a:schemeClr>
+                <a:srgbClr val="002060">
+                  <a:alpha val="74902"/>
+                </a:srgbClr>
               </a:solidFill>
               <a:bevel/>
             </a:ln>
@@ -3158,17 +3250,17 @@
           </p:nvCxnSpPr>
           <p:spPr>
             <a:xfrm flipH="1">
-              <a:off x="2590800" y="3505200"/>
-              <a:ext cx="1676400" cy="685800"/>
+              <a:off x="2612571" y="3505200"/>
+              <a:ext cx="1654629" cy="714103"/>
             </a:xfrm>
             <a:prstGeom prst="line">
               <a:avLst/>
             </a:prstGeom>
             <a:ln w="44450" cmpd="sng">
               <a:solidFill>
-                <a:schemeClr val="accent1">
-                  <a:lumMod val="75000"/>
-                </a:schemeClr>
+                <a:srgbClr val="002060">
+                  <a:alpha val="74902"/>
+                </a:srgbClr>
               </a:solidFill>
               <a:bevel/>
             </a:ln>
@@ -3204,9 +3296,9 @@
             </a:prstGeom>
             <a:ln w="44450" cmpd="sng">
               <a:solidFill>
-                <a:schemeClr val="accent1">
-                  <a:lumMod val="75000"/>
-                </a:schemeClr>
+                <a:srgbClr val="002060">
+                  <a:alpha val="74902"/>
+                </a:srgbClr>
               </a:solidFill>
               <a:bevel/>
             </a:ln>
@@ -3249,7 +3341,7 @@
               <p:nvPr/>
             </p:nvPicPr>
             <p:blipFill>
-              <a:blip r:embed="rId2" cstate="print"/>
+              <a:blip r:embed="rId4" cstate="print"/>
               <a:srcRect/>
               <a:stretch>
                 <a:fillRect/>
@@ -3275,7 +3367,7 @@
               <p:nvPr/>
             </p:nvPicPr>
             <p:blipFill>
-              <a:blip r:embed="rId3" cstate="print"/>
+              <a:blip r:embed="rId5" cstate="print"/>
               <a:srcRect/>
               <a:stretch>
                 <a:fillRect/>
@@ -3293,58 +3385,6 @@
             </p:spPr>
           </p:pic>
         </p:grpSp>
-        <p:pic>
-          <p:nvPicPr>
-            <p:cNvPr id="1038" name="Picture 14" descr="control data, database, database settings, gear, options, preferences, settings icon"/>
-            <p:cNvPicPr>
-              <a:picLocks noChangeAspect="1" noChangeArrowheads="1"/>
-            </p:cNvPicPr>
-            <p:nvPr/>
-          </p:nvPicPr>
-          <p:blipFill>
-            <a:blip r:embed="rId4" cstate="print"/>
-            <a:srcRect/>
-            <a:stretch>
-              <a:fillRect/>
-            </a:stretch>
-          </p:blipFill>
-          <p:spPr bwMode="auto">
-            <a:xfrm>
-              <a:off x="2286000" y="3858448"/>
-              <a:ext cx="685800" cy="685801"/>
-            </a:xfrm>
-            <a:prstGeom prst="rect">
-              <a:avLst/>
-            </a:prstGeom>
-            <a:noFill/>
-          </p:spPr>
-        </p:pic>
-        <p:pic>
-          <p:nvPicPr>
-            <p:cNvPr id="1042" name="Picture 18" descr="document, file icon"/>
-            <p:cNvPicPr>
-              <a:picLocks noChangeAspect="1" noChangeArrowheads="1"/>
-            </p:cNvPicPr>
-            <p:nvPr/>
-          </p:nvPicPr>
-          <p:blipFill>
-            <a:blip r:embed="rId5" cstate="print"/>
-            <a:srcRect/>
-            <a:stretch>
-              <a:fillRect/>
-            </a:stretch>
-          </p:blipFill>
-          <p:spPr bwMode="auto">
-            <a:xfrm>
-              <a:off x="2895600" y="4419600"/>
-              <a:ext cx="685800" cy="685801"/>
-            </a:xfrm>
-            <a:prstGeom prst="rect">
-              <a:avLst/>
-            </a:prstGeom>
-            <a:noFill/>
-          </p:spPr>
-        </p:pic>
         <p:grpSp>
           <p:nvGrpSpPr>
             <p:cNvPr id="20" name="Group 19"/>
@@ -3579,9 +3619,9 @@
             </a:prstGeom>
             <a:ln w="44450" cmpd="sng">
               <a:solidFill>
-                <a:schemeClr val="accent1">
-                  <a:lumMod val="75000"/>
-                </a:schemeClr>
+                <a:srgbClr val="002060">
+                  <a:alpha val="74902"/>
+                </a:srgbClr>
               </a:solidFill>
               <a:bevel/>
             </a:ln>
@@ -3617,9 +3657,9 @@
             </a:prstGeom>
             <a:ln w="44450" cmpd="sng">
               <a:solidFill>
-                <a:schemeClr val="accent1">
-                  <a:lumMod val="75000"/>
-                </a:schemeClr>
+                <a:srgbClr val="002060">
+                  <a:alpha val="74902"/>
+                </a:srgbClr>
               </a:solidFill>
               <a:bevel/>
             </a:ln>
@@ -3639,6 +3679,54 @@
             </a:fontRef>
           </p:style>
         </p:cxnSp>
+        <p:sp>
+          <p:nvSpPr>
+            <p:cNvPr id="61" name="Oval 60"/>
+            <p:cNvSpPr/>
+            <p:nvPr/>
+          </p:nvSpPr>
+          <p:spPr>
+            <a:xfrm>
+              <a:off x="3431187" y="3050187"/>
+              <a:ext cx="1676400" cy="914400"/>
+            </a:xfrm>
+            <a:prstGeom prst="ellipse">
+              <a:avLst/>
+            </a:prstGeom>
+            <a:solidFill>
+              <a:srgbClr val="FFFFFF"/>
+            </a:solidFill>
+            <a:ln>
+              <a:solidFill>
+                <a:schemeClr val="bg1"/>
+              </a:solidFill>
+            </a:ln>
+          </p:spPr>
+          <p:style>
+            <a:lnRef idx="2">
+              <a:schemeClr val="accent1">
+                <a:shade val="50000"/>
+              </a:schemeClr>
+            </a:lnRef>
+            <a:fillRef idx="1">
+              <a:schemeClr val="accent1"/>
+            </a:fillRef>
+            <a:effectRef idx="0">
+              <a:schemeClr val="accent1"/>
+            </a:effectRef>
+            <a:fontRef idx="minor">
+              <a:schemeClr val="lt1"/>
+            </a:fontRef>
+          </p:style>
+          <p:txBody>
+            <a:bodyPr rtlCol="0" anchor="ctr"/>
+            <a:lstStyle/>
+            <a:p>
+              <a:pPr algn="ctr"/>
+              <a:endParaRPr lang="en-US"/>
+            </a:p>
+          </p:txBody>
+        </p:sp>
         <p:sp>
           <p:nvSpPr>
             <p:cNvPr id="49" name="Oval 48"/>
@@ -3795,101 +3883,56 @@
             </a:p>
           </p:txBody>
         </p:sp>
-        <p:grpSp>
-          <p:nvGrpSpPr>
-            <p:cNvPr id="52" name="Group 51"/>
-            <p:cNvGrpSpPr/>
+        <p:sp>
+          <p:nvSpPr>
+            <p:cNvPr id="53" name="Oval 52"/>
+            <p:cNvSpPr/>
             <p:nvPr/>
-          </p:nvGrpSpPr>
-          <p:grpSpPr>
+          </p:nvSpPr>
+          <p:spPr>
             <a:xfrm>
               <a:off x="3429000" y="3048000"/>
               <a:ext cx="1676400" cy="914400"/>
-              <a:chOff x="3429000" y="3581400"/>
-              <a:chExt cx="1676400" cy="914400"/>
             </a:xfrm>
-          </p:grpSpPr>
-          <p:sp>
-            <p:nvSpPr>
-              <p:cNvPr id="53" name="Oval 52"/>
-              <p:cNvSpPr/>
-              <p:nvPr/>
-            </p:nvSpPr>
-            <p:spPr>
-              <a:xfrm>
-                <a:off x="3429000" y="3581400"/>
-                <a:ext cx="1676400" cy="914400"/>
-              </a:xfrm>
-              <a:prstGeom prst="ellipse">
-                <a:avLst/>
-              </a:prstGeom>
-            </p:spPr>
-            <p:style>
-              <a:lnRef idx="2">
-                <a:schemeClr val="accent1">
-                  <a:shade val="50000"/>
-                </a:schemeClr>
-              </a:lnRef>
-              <a:fillRef idx="1">
-                <a:schemeClr val="accent1"/>
-              </a:fillRef>
-              <a:effectRef idx="0">
-                <a:schemeClr val="accent1"/>
-              </a:effectRef>
-              <a:fontRef idx="minor">
-                <a:schemeClr val="lt1"/>
-              </a:fontRef>
-            </p:style>
-            <p:txBody>
-              <a:bodyPr rtlCol="0" anchor="ctr"/>
-              <a:lstStyle/>
-              <a:p>
-                <a:pPr algn="ctr"/>
-                <a:endParaRPr lang="en-US"/>
-              </a:p>
-            </p:txBody>
-          </p:sp>
-          <p:sp>
-            <p:nvSpPr>
-              <p:cNvPr id="54" name="TextBox 53"/>
-              <p:cNvSpPr txBox="1"/>
-              <p:nvPr/>
-            </p:nvSpPr>
-            <p:spPr>
-              <a:xfrm>
-                <a:off x="3709099" y="3822112"/>
-                <a:ext cx="1116203" cy="369332"/>
-              </a:xfrm>
-              <a:prstGeom prst="rect">
-                <a:avLst/>
-              </a:prstGeom>
-              <a:noFill/>
-            </p:spPr>
-            <p:txBody>
-              <a:bodyPr wrap="none" rtlCol="0">
-                <a:spAutoFit/>
-              </a:bodyPr>
-              <a:lstStyle/>
-              <a:p>
-                <a:r>
-                  <a:rPr lang="en-US" i="1" dirty="0" smtClean="0">
-                    <a:solidFill>
-                      <a:schemeClr val="bg1"/>
-                    </a:solidFill>
-                    <a:latin typeface="Arial Rounded MT Bold" pitchFamily="34" charset="0"/>
-                  </a:rPr>
-                  <a:t>synapse</a:t>
-                </a:r>
-                <a:endParaRPr lang="en-US" i="1" dirty="0">
-                  <a:solidFill>
-                    <a:schemeClr val="bg1"/>
-                  </a:solidFill>
-                  <a:latin typeface="Arial Rounded MT Bold" pitchFamily="34" charset="0"/>
-                </a:endParaRPr>
-              </a:p>
-            </p:txBody>
-          </p:sp>
-        </p:grpSp>
+            <a:prstGeom prst="ellipse">
+              <a:avLst/>
+            </a:prstGeom>
+            <a:solidFill>
+              <a:srgbClr val="002060">
+                <a:alpha val="50196"/>
+              </a:srgbClr>
+            </a:solidFill>
+            <a:ln>
+              <a:solidFill>
+                <a:srgbClr val="002060"/>
+              </a:solidFill>
+            </a:ln>
+          </p:spPr>
+          <p:style>
+            <a:lnRef idx="2">
+              <a:schemeClr val="accent1">
+                <a:shade val="50000"/>
+              </a:schemeClr>
+            </a:lnRef>
+            <a:fillRef idx="1">
+              <a:schemeClr val="accent1"/>
+            </a:fillRef>
+            <a:effectRef idx="0">
+              <a:schemeClr val="accent1"/>
+            </a:effectRef>
+            <a:fontRef idx="minor">
+              <a:schemeClr val="lt1"/>
+            </a:fontRef>
+          </p:style>
+          <p:txBody>
+            <a:bodyPr rtlCol="0" anchor="ctr"/>
+            <a:lstStyle/>
+            <a:p>
+              <a:pPr algn="ctr"/>
+              <a:endParaRPr lang="en-US"/>
+            </a:p>
+          </p:txBody>
+        </p:sp>
         <p:sp>
           <p:nvSpPr>
             <p:cNvPr id="48" name="Oval 47"/>
@@ -3994,6 +4037,295 @@
             <a:noFill/>
           </p:spPr>
         </p:pic>
+        <p:pic>
+          <p:nvPicPr>
+            <p:cNvPr id="2053" name="Picture 5" descr="C:\Users\Steve Shortt\Desktop\Untitled.png"/>
+            <p:cNvPicPr>
+              <a:picLocks noChangeAspect="1" noChangeArrowheads="1"/>
+            </p:cNvPicPr>
+            <p:nvPr/>
+          </p:nvPicPr>
+          <p:blipFill>
+            <a:blip r:embed="rId9" cstate="print"/>
+            <a:srcRect/>
+            <a:stretch>
+              <a:fillRect/>
+            </a:stretch>
+          </p:blipFill>
+          <p:spPr bwMode="auto">
+            <a:xfrm>
+              <a:off x="2257695" y="3897222"/>
+              <a:ext cx="694509" cy="694509"/>
+            </a:xfrm>
+            <a:prstGeom prst="rect">
+              <a:avLst/>
+            </a:prstGeom>
+            <a:noFill/>
+          </p:spPr>
+        </p:pic>
+        <p:grpSp>
+          <p:nvGrpSpPr>
+            <p:cNvPr id="37" name="Group 36"/>
+            <p:cNvGrpSpPr/>
+            <p:nvPr/>
+          </p:nvGrpSpPr>
+          <p:grpSpPr>
+            <a:xfrm>
+              <a:off x="2934788" y="4382589"/>
+              <a:ext cx="685800" cy="685800"/>
+              <a:chOff x="2934788" y="4382589"/>
+              <a:chExt cx="685800" cy="685800"/>
+            </a:xfrm>
+          </p:grpSpPr>
+          <p:sp>
+            <p:nvSpPr>
+              <p:cNvPr id="35" name="Oval 34"/>
+              <p:cNvSpPr/>
+              <p:nvPr/>
+            </p:nvSpPr>
+            <p:spPr>
+              <a:xfrm>
+                <a:off x="2934788" y="4382589"/>
+                <a:ext cx="685800" cy="685800"/>
+              </a:xfrm>
+              <a:prstGeom prst="ellipse">
+                <a:avLst/>
+              </a:prstGeom>
+              <a:solidFill>
+                <a:schemeClr val="accent6">
+                  <a:lumMod val="60000"/>
+                  <a:lumOff val="40000"/>
+                </a:schemeClr>
+              </a:solidFill>
+              <a:ln>
+                <a:solidFill>
+                  <a:schemeClr val="accent6">
+                    <a:lumMod val="60000"/>
+                    <a:lumOff val="40000"/>
+                  </a:schemeClr>
+                </a:solidFill>
+              </a:ln>
+            </p:spPr>
+            <p:style>
+              <a:lnRef idx="2">
+                <a:schemeClr val="accent1">
+                  <a:shade val="50000"/>
+                </a:schemeClr>
+              </a:lnRef>
+              <a:fillRef idx="1">
+                <a:schemeClr val="accent1"/>
+              </a:fillRef>
+              <a:effectRef idx="0">
+                <a:schemeClr val="accent1"/>
+              </a:effectRef>
+              <a:fontRef idx="minor">
+                <a:schemeClr val="lt1"/>
+              </a:fontRef>
+            </p:style>
+            <p:txBody>
+              <a:bodyPr rtlCol="0" anchor="ctr"/>
+              <a:lstStyle/>
+              <a:p>
+                <a:pPr algn="ctr"/>
+                <a:endParaRPr lang="en-US"/>
+              </a:p>
+            </p:txBody>
+          </p:sp>
+          <p:pic>
+            <p:nvPicPr>
+              <p:cNvPr id="2051" name="Picture 3" descr="C:\Devo\git\categories-128.png"/>
+              <p:cNvPicPr>
+                <a:picLocks noChangeAspect="1" noChangeArrowheads="1"/>
+              </p:cNvPicPr>
+              <p:nvPr/>
+            </p:nvPicPr>
+            <p:blipFill>
+              <a:blip r:embed="rId10" cstate="print"/>
+              <a:srcRect/>
+              <a:stretch>
+                <a:fillRect/>
+              </a:stretch>
+            </p:blipFill>
+            <p:spPr bwMode="auto">
+              <a:xfrm>
+                <a:off x="3087370" y="4535171"/>
+                <a:ext cx="380637" cy="380637"/>
+              </a:xfrm>
+              <a:prstGeom prst="rect">
+                <a:avLst/>
+              </a:prstGeom>
+              <a:noFill/>
+            </p:spPr>
+          </p:pic>
+        </p:grpSp>
+        <p:grpSp>
+          <p:nvGrpSpPr>
+            <p:cNvPr id="47" name="Group 46"/>
+            <p:cNvGrpSpPr/>
+            <p:nvPr/>
+          </p:nvGrpSpPr>
+          <p:grpSpPr>
+            <a:xfrm>
+              <a:off x="3657600" y="3298371"/>
+              <a:ext cx="1231880" cy="451055"/>
+              <a:chOff x="1273629" y="2018211"/>
+              <a:chExt cx="1231880" cy="451055"/>
+            </a:xfrm>
+          </p:grpSpPr>
+          <p:grpSp>
+            <p:nvGrpSpPr>
+              <p:cNvPr id="55" name="Group 158"/>
+              <p:cNvGrpSpPr/>
+              <p:nvPr/>
+            </p:nvGrpSpPr>
+            <p:grpSpPr>
+              <a:xfrm rot="5400000">
+                <a:off x="1664041" y="1627799"/>
+                <a:ext cx="451055" cy="1231880"/>
+                <a:chOff x="2555966" y="727167"/>
+                <a:chExt cx="481148" cy="1330237"/>
+              </a:xfrm>
+            </p:grpSpPr>
+            <p:sp>
+              <p:nvSpPr>
+                <p:cNvPr id="58" name="Right Triangle 57"/>
+                <p:cNvSpPr/>
+                <p:nvPr/>
+              </p:nvSpPr>
+              <p:spPr>
+                <a:xfrm rot="5400000">
+                  <a:off x="2514599" y="1534888"/>
+                  <a:ext cx="738054" cy="306977"/>
+                </a:xfrm>
+                <a:prstGeom prst="rtTriangle">
+                  <a:avLst/>
+                </a:prstGeom>
+                <a:solidFill>
+                  <a:schemeClr val="accent3"/>
+                </a:solidFill>
+                <a:ln>
+                  <a:solidFill>
+                    <a:schemeClr val="accent3"/>
+                  </a:solidFill>
+                </a:ln>
+              </p:spPr>
+              <p:style>
+                <a:lnRef idx="2">
+                  <a:schemeClr val="accent1">
+                    <a:shade val="50000"/>
+                  </a:schemeClr>
+                </a:lnRef>
+                <a:fillRef idx="1">
+                  <a:schemeClr val="accent1"/>
+                </a:fillRef>
+                <a:effectRef idx="0">
+                  <a:schemeClr val="accent1"/>
+                </a:effectRef>
+                <a:fontRef idx="minor">
+                  <a:schemeClr val="lt1"/>
+                </a:fontRef>
+              </p:style>
+              <p:txBody>
+                <a:bodyPr rtlCol="0" anchor="ctr"/>
+                <a:lstStyle/>
+                <a:p>
+                  <a:pPr algn="ctr"/>
+                  <a:endParaRPr lang="en-US"/>
+                </a:p>
+              </p:txBody>
+            </p:sp>
+            <p:sp>
+              <p:nvSpPr>
+                <p:cNvPr id="60" name="Right Triangle 59"/>
+                <p:cNvSpPr/>
+                <p:nvPr/>
+              </p:nvSpPr>
+              <p:spPr>
+                <a:xfrm rot="16200000">
+                  <a:off x="2340428" y="942705"/>
+                  <a:ext cx="738054" cy="306977"/>
+                </a:xfrm>
+                <a:prstGeom prst="rtTriangle">
+                  <a:avLst/>
+                </a:prstGeom>
+                <a:solidFill>
+                  <a:schemeClr val="accent3"/>
+                </a:solidFill>
+                <a:ln>
+                  <a:solidFill>
+                    <a:schemeClr val="accent3"/>
+                  </a:solidFill>
+                </a:ln>
+              </p:spPr>
+              <p:style>
+                <a:lnRef idx="2">
+                  <a:schemeClr val="accent1">
+                    <a:shade val="50000"/>
+                  </a:schemeClr>
+                </a:lnRef>
+                <a:fillRef idx="1">
+                  <a:schemeClr val="accent1"/>
+                </a:fillRef>
+                <a:effectRef idx="0">
+                  <a:schemeClr val="accent1"/>
+                </a:effectRef>
+                <a:fontRef idx="minor">
+                  <a:schemeClr val="lt1"/>
+                </a:fontRef>
+              </p:style>
+              <p:txBody>
+                <a:bodyPr rtlCol="0" anchor="ctr"/>
+                <a:lstStyle/>
+                <a:p>
+                  <a:pPr algn="ctr"/>
+                  <a:endParaRPr lang="en-US"/>
+                </a:p>
+              </p:txBody>
+            </p:sp>
+          </p:grpSp>
+          <p:sp>
+            <p:nvSpPr>
+              <p:cNvPr id="57" name="TextBox 56"/>
+              <p:cNvSpPr txBox="1"/>
+              <p:nvPr/>
+            </p:nvSpPr>
+            <p:spPr>
+              <a:xfrm>
+                <a:off x="1410110" y="2061400"/>
+                <a:ext cx="958917" cy="338554"/>
+              </a:xfrm>
+              <a:prstGeom prst="rect">
+                <a:avLst/>
+              </a:prstGeom>
+              <a:noFill/>
+            </p:spPr>
+            <p:txBody>
+              <a:bodyPr wrap="none" rtlCol="0">
+                <a:spAutoFit/>
+              </a:bodyPr>
+              <a:lstStyle/>
+              <a:p>
+                <a:r>
+                  <a:rPr lang="en-US" sz="1600" i="1" dirty="0" smtClean="0">
+                    <a:solidFill>
+                      <a:srgbClr val="002060"/>
+                    </a:solidFill>
+                    <a:latin typeface="Microsoft JhengHei" pitchFamily="34" charset="-120"/>
+                    <a:ea typeface="Microsoft JhengHei" pitchFamily="34" charset="-120"/>
+                  </a:rPr>
+                  <a:t>synapse</a:t>
+                </a:r>
+                <a:endParaRPr lang="en-US" sz="1600" i="1" dirty="0">
+                  <a:solidFill>
+                    <a:srgbClr val="002060"/>
+                  </a:solidFill>
+                  <a:latin typeface="Microsoft JhengHei" pitchFamily="34" charset="-120"/>
+                  <a:ea typeface="Microsoft JhengHei" pitchFamily="34" charset="-120"/>
+                </a:endParaRPr>
+              </a:p>
+            </p:txBody>
+          </p:sp>
+        </p:grpSp>
       </p:grpSp>
     </p:spTree>
   </p:cSld>
@@ -4745,6 +5077,1689 @@
           </p:txBody>
         </p:sp>
       </p:grpSp>
+      <p:grpSp>
+        <p:nvGrpSpPr>
+          <p:cNvPr id="121" name="Group 120"/>
+          <p:cNvGrpSpPr/>
+          <p:nvPr/>
+        </p:nvGrpSpPr>
+        <p:grpSpPr>
+          <a:xfrm>
+            <a:off x="3799417" y="789519"/>
+            <a:ext cx="951652" cy="723051"/>
+            <a:chOff x="3799417" y="789519"/>
+            <a:chExt cx="951652" cy="723051"/>
+          </a:xfrm>
+        </p:grpSpPr>
+        <p:sp>
+          <p:nvSpPr>
+            <p:cNvPr id="21" name="Oval 20"/>
+            <p:cNvSpPr/>
+            <p:nvPr/>
+          </p:nvSpPr>
+          <p:spPr>
+            <a:xfrm>
+              <a:off x="4038600" y="1143000"/>
+              <a:ext cx="457200" cy="228600"/>
+            </a:xfrm>
+            <a:prstGeom prst="ellipse">
+              <a:avLst/>
+            </a:prstGeom>
+            <a:ln>
+              <a:solidFill>
+                <a:schemeClr val="accent1"/>
+              </a:solidFill>
+            </a:ln>
+          </p:spPr>
+          <p:style>
+            <a:lnRef idx="2">
+              <a:schemeClr val="accent1">
+                <a:shade val="50000"/>
+              </a:schemeClr>
+            </a:lnRef>
+            <a:fillRef idx="1">
+              <a:schemeClr val="accent1"/>
+            </a:fillRef>
+            <a:effectRef idx="0">
+              <a:schemeClr val="accent1"/>
+            </a:effectRef>
+            <a:fontRef idx="minor">
+              <a:schemeClr val="lt1"/>
+            </a:fontRef>
+          </p:style>
+          <p:txBody>
+            <a:bodyPr rtlCol="0" anchor="ctr"/>
+            <a:lstStyle/>
+            <a:p>
+              <a:pPr algn="ctr"/>
+              <a:endParaRPr lang="en-US"/>
+            </a:p>
+          </p:txBody>
+        </p:sp>
+        <p:grpSp>
+          <p:nvGrpSpPr>
+            <p:cNvPr id="120" name="Group 119"/>
+            <p:cNvGrpSpPr/>
+            <p:nvPr/>
+          </p:nvGrpSpPr>
+          <p:grpSpPr>
+            <a:xfrm>
+              <a:off x="4428845" y="789519"/>
+              <a:ext cx="322224" cy="386959"/>
+              <a:chOff x="4428845" y="789519"/>
+              <a:chExt cx="322224" cy="386959"/>
+            </a:xfrm>
+          </p:grpSpPr>
+          <p:cxnSp>
+            <p:nvCxnSpPr>
+              <p:cNvPr id="37" name="Straight Connector 36"/>
+              <p:cNvCxnSpPr>
+                <a:stCxn id="21" idx="7"/>
+              </p:cNvCxnSpPr>
+              <p:nvPr/>
+            </p:nvCxnSpPr>
+            <p:spPr>
+              <a:xfrm flipV="1">
+                <a:off x="4428845" y="1049867"/>
+                <a:ext cx="134688" cy="126611"/>
+              </a:xfrm>
+              <a:prstGeom prst="line">
+                <a:avLst/>
+              </a:prstGeom>
+              <a:ln w="22225"/>
+            </p:spPr>
+            <p:style>
+              <a:lnRef idx="1">
+                <a:schemeClr val="accent1"/>
+              </a:lnRef>
+              <a:fillRef idx="0">
+                <a:schemeClr val="accent1"/>
+              </a:fillRef>
+              <a:effectRef idx="0">
+                <a:schemeClr val="accent1"/>
+              </a:effectRef>
+              <a:fontRef idx="minor">
+                <a:schemeClr val="tx1"/>
+              </a:fontRef>
+            </p:style>
+          </p:cxnSp>
+          <p:cxnSp>
+            <p:nvCxnSpPr>
+              <p:cNvPr id="38" name="Straight Connector 37"/>
+              <p:cNvCxnSpPr/>
+              <p:nvPr/>
+            </p:nvCxnSpPr>
+            <p:spPr>
+              <a:xfrm>
+                <a:off x="4561417" y="823383"/>
+                <a:ext cx="2963" cy="230727"/>
+              </a:xfrm>
+              <a:prstGeom prst="line">
+                <a:avLst/>
+              </a:prstGeom>
+              <a:ln w="22225"/>
+            </p:spPr>
+            <p:style>
+              <a:lnRef idx="1">
+                <a:schemeClr val="accent1"/>
+              </a:lnRef>
+              <a:fillRef idx="0">
+                <a:schemeClr val="accent1"/>
+              </a:fillRef>
+              <a:effectRef idx="0">
+                <a:schemeClr val="accent1"/>
+              </a:effectRef>
+              <a:fontRef idx="minor">
+                <a:schemeClr val="tx1"/>
+              </a:fontRef>
+            </p:style>
+          </p:cxnSp>
+          <p:cxnSp>
+            <p:nvCxnSpPr>
+              <p:cNvPr id="42" name="Straight Connector 41"/>
+              <p:cNvCxnSpPr/>
+              <p:nvPr/>
+            </p:nvCxnSpPr>
+            <p:spPr>
+              <a:xfrm flipH="1">
+                <a:off x="4559301" y="952500"/>
+                <a:ext cx="175682" cy="97367"/>
+              </a:xfrm>
+              <a:prstGeom prst="line">
+                <a:avLst/>
+              </a:prstGeom>
+              <a:ln w="22225"/>
+            </p:spPr>
+            <p:style>
+              <a:lnRef idx="1">
+                <a:schemeClr val="accent1"/>
+              </a:lnRef>
+              <a:fillRef idx="0">
+                <a:schemeClr val="accent1"/>
+              </a:fillRef>
+              <a:effectRef idx="0">
+                <a:schemeClr val="accent1"/>
+              </a:effectRef>
+              <a:fontRef idx="minor">
+                <a:schemeClr val="tx1"/>
+              </a:fontRef>
+            </p:style>
+          </p:cxnSp>
+          <p:sp>
+            <p:nvSpPr>
+              <p:cNvPr id="31" name="Oval 30"/>
+              <p:cNvSpPr/>
+              <p:nvPr/>
+            </p:nvSpPr>
+            <p:spPr>
+              <a:xfrm>
+                <a:off x="4538975" y="789519"/>
+                <a:ext cx="45719" cy="45719"/>
+              </a:xfrm>
+              <a:prstGeom prst="ellipse">
+                <a:avLst/>
+              </a:prstGeom>
+              <a:solidFill>
+                <a:schemeClr val="accent3"/>
+              </a:solidFill>
+              <a:ln>
+                <a:solidFill>
+                  <a:schemeClr val="accent3"/>
+                </a:solidFill>
+              </a:ln>
+            </p:spPr>
+            <p:style>
+              <a:lnRef idx="2">
+                <a:schemeClr val="accent1">
+                  <a:shade val="50000"/>
+                </a:schemeClr>
+              </a:lnRef>
+              <a:fillRef idx="1">
+                <a:schemeClr val="accent1"/>
+              </a:fillRef>
+              <a:effectRef idx="0">
+                <a:schemeClr val="accent1"/>
+              </a:effectRef>
+              <a:fontRef idx="minor">
+                <a:schemeClr val="lt1"/>
+              </a:fontRef>
+            </p:style>
+            <p:txBody>
+              <a:bodyPr rtlCol="0" anchor="ctr"/>
+              <a:lstStyle/>
+              <a:p>
+                <a:pPr algn="ctr"/>
+                <a:endParaRPr lang="en-US"/>
+              </a:p>
+            </p:txBody>
+          </p:sp>
+          <p:sp>
+            <p:nvSpPr>
+              <p:cNvPr id="33" name="Oval 32"/>
+              <p:cNvSpPr/>
+              <p:nvPr/>
+            </p:nvSpPr>
+            <p:spPr>
+              <a:xfrm>
+                <a:off x="4705350" y="927099"/>
+                <a:ext cx="45719" cy="45719"/>
+              </a:xfrm>
+              <a:prstGeom prst="ellipse">
+                <a:avLst/>
+              </a:prstGeom>
+              <a:solidFill>
+                <a:schemeClr val="accent3"/>
+              </a:solidFill>
+              <a:ln>
+                <a:solidFill>
+                  <a:schemeClr val="accent3"/>
+                </a:solidFill>
+              </a:ln>
+            </p:spPr>
+            <p:style>
+              <a:lnRef idx="2">
+                <a:schemeClr val="accent1">
+                  <a:shade val="50000"/>
+                </a:schemeClr>
+              </a:lnRef>
+              <a:fillRef idx="1">
+                <a:schemeClr val="accent1"/>
+              </a:fillRef>
+              <a:effectRef idx="0">
+                <a:schemeClr val="accent1"/>
+              </a:effectRef>
+              <a:fontRef idx="minor">
+                <a:schemeClr val="lt1"/>
+              </a:fontRef>
+            </p:style>
+            <p:txBody>
+              <a:bodyPr rtlCol="0" anchor="ctr"/>
+              <a:lstStyle/>
+              <a:p>
+                <a:pPr algn="ctr"/>
+                <a:endParaRPr lang="en-US"/>
+              </a:p>
+            </p:txBody>
+          </p:sp>
+          <p:sp>
+            <p:nvSpPr>
+              <p:cNvPr id="30" name="Oval 29"/>
+              <p:cNvSpPr/>
+              <p:nvPr/>
+            </p:nvSpPr>
+            <p:spPr>
+              <a:xfrm>
+                <a:off x="4497916" y="973669"/>
+                <a:ext cx="137160" cy="137160"/>
+              </a:xfrm>
+              <a:prstGeom prst="ellipse">
+                <a:avLst/>
+              </a:prstGeom>
+              <a:solidFill>
+                <a:schemeClr val="accent3"/>
+              </a:solidFill>
+              <a:ln>
+                <a:solidFill>
+                  <a:schemeClr val="accent3"/>
+                </a:solidFill>
+              </a:ln>
+            </p:spPr>
+            <p:style>
+              <a:lnRef idx="2">
+                <a:schemeClr val="accent1">
+                  <a:shade val="50000"/>
+                </a:schemeClr>
+              </a:lnRef>
+              <a:fillRef idx="1">
+                <a:schemeClr val="accent1"/>
+              </a:fillRef>
+              <a:effectRef idx="0">
+                <a:schemeClr val="accent1"/>
+              </a:effectRef>
+              <a:fontRef idx="minor">
+                <a:schemeClr val="lt1"/>
+              </a:fontRef>
+            </p:style>
+            <p:txBody>
+              <a:bodyPr rtlCol="0" anchor="ctr"/>
+              <a:lstStyle/>
+              <a:p>
+                <a:pPr algn="ctr"/>
+                <a:endParaRPr lang="en-US"/>
+              </a:p>
+            </p:txBody>
+          </p:sp>
+        </p:grpSp>
+        <p:grpSp>
+          <p:nvGrpSpPr>
+            <p:cNvPr id="117" name="Group 116"/>
+            <p:cNvGrpSpPr/>
+            <p:nvPr/>
+          </p:nvGrpSpPr>
+          <p:grpSpPr>
+            <a:xfrm>
+              <a:off x="3812117" y="817035"/>
+              <a:ext cx="293438" cy="359443"/>
+              <a:chOff x="3812117" y="817035"/>
+              <a:chExt cx="293438" cy="359443"/>
+            </a:xfrm>
+          </p:grpSpPr>
+          <p:cxnSp>
+            <p:nvCxnSpPr>
+              <p:cNvPr id="86" name="Straight Connector 85"/>
+              <p:cNvCxnSpPr>
+                <a:stCxn id="21" idx="1"/>
+              </p:cNvCxnSpPr>
+              <p:nvPr/>
+            </p:nvCxnSpPr>
+            <p:spPr>
+              <a:xfrm flipH="1" flipV="1">
+                <a:off x="3960283" y="1049868"/>
+                <a:ext cx="145272" cy="126610"/>
+              </a:xfrm>
+              <a:prstGeom prst="line">
+                <a:avLst/>
+              </a:prstGeom>
+              <a:ln w="22225"/>
+            </p:spPr>
+            <p:style>
+              <a:lnRef idx="1">
+                <a:schemeClr val="accent1"/>
+              </a:lnRef>
+              <a:fillRef idx="0">
+                <a:schemeClr val="accent1"/>
+              </a:fillRef>
+              <a:effectRef idx="0">
+                <a:schemeClr val="accent1"/>
+              </a:effectRef>
+              <a:fontRef idx="minor">
+                <a:schemeClr val="tx1"/>
+              </a:fontRef>
+            </p:style>
+          </p:cxnSp>
+          <p:cxnSp>
+            <p:nvCxnSpPr>
+              <p:cNvPr id="87" name="Straight Connector 86"/>
+              <p:cNvCxnSpPr/>
+              <p:nvPr/>
+            </p:nvCxnSpPr>
+            <p:spPr>
+              <a:xfrm>
+                <a:off x="3867150" y="855133"/>
+                <a:ext cx="93980" cy="198977"/>
+              </a:xfrm>
+              <a:prstGeom prst="line">
+                <a:avLst/>
+              </a:prstGeom>
+              <a:ln w="22225"/>
+            </p:spPr>
+            <p:style>
+              <a:lnRef idx="1">
+                <a:schemeClr val="accent1"/>
+              </a:lnRef>
+              <a:fillRef idx="0">
+                <a:schemeClr val="accent1"/>
+              </a:fillRef>
+              <a:effectRef idx="0">
+                <a:schemeClr val="accent1"/>
+              </a:effectRef>
+              <a:fontRef idx="minor">
+                <a:schemeClr val="tx1"/>
+              </a:fontRef>
+            </p:style>
+          </p:cxnSp>
+          <p:cxnSp>
+            <p:nvCxnSpPr>
+              <p:cNvPr id="88" name="Straight Connector 87"/>
+              <p:cNvCxnSpPr/>
+              <p:nvPr/>
+            </p:nvCxnSpPr>
+            <p:spPr>
+              <a:xfrm flipV="1">
+                <a:off x="3852333" y="1049867"/>
+                <a:ext cx="103718" cy="78316"/>
+              </a:xfrm>
+              <a:prstGeom prst="line">
+                <a:avLst/>
+              </a:prstGeom>
+              <a:ln w="22225"/>
+            </p:spPr>
+            <p:style>
+              <a:lnRef idx="1">
+                <a:schemeClr val="accent1"/>
+              </a:lnRef>
+              <a:fillRef idx="0">
+                <a:schemeClr val="accent1"/>
+              </a:fillRef>
+              <a:effectRef idx="0">
+                <a:schemeClr val="accent1"/>
+              </a:effectRef>
+              <a:fontRef idx="minor">
+                <a:schemeClr val="tx1"/>
+              </a:fontRef>
+            </p:style>
+          </p:cxnSp>
+          <p:sp>
+            <p:nvSpPr>
+              <p:cNvPr id="89" name="Oval 88"/>
+              <p:cNvSpPr/>
+              <p:nvPr/>
+            </p:nvSpPr>
+            <p:spPr>
+              <a:xfrm>
+                <a:off x="3840475" y="817035"/>
+                <a:ext cx="45719" cy="45719"/>
+              </a:xfrm>
+              <a:prstGeom prst="ellipse">
+                <a:avLst/>
+              </a:prstGeom>
+              <a:solidFill>
+                <a:schemeClr val="accent3"/>
+              </a:solidFill>
+              <a:ln>
+                <a:solidFill>
+                  <a:schemeClr val="accent3"/>
+                </a:solidFill>
+              </a:ln>
+            </p:spPr>
+            <p:style>
+              <a:lnRef idx="2">
+                <a:schemeClr val="accent1">
+                  <a:shade val="50000"/>
+                </a:schemeClr>
+              </a:lnRef>
+              <a:fillRef idx="1">
+                <a:schemeClr val="accent1"/>
+              </a:fillRef>
+              <a:effectRef idx="0">
+                <a:schemeClr val="accent1"/>
+              </a:effectRef>
+              <a:fontRef idx="minor">
+                <a:schemeClr val="lt1"/>
+              </a:fontRef>
+            </p:style>
+            <p:txBody>
+              <a:bodyPr rtlCol="0" anchor="ctr"/>
+              <a:lstStyle/>
+              <a:p>
+                <a:pPr algn="ctr"/>
+                <a:endParaRPr lang="en-US"/>
+              </a:p>
+            </p:txBody>
+          </p:sp>
+          <p:sp>
+            <p:nvSpPr>
+              <p:cNvPr id="90" name="Oval 89"/>
+              <p:cNvSpPr/>
+              <p:nvPr/>
+            </p:nvSpPr>
+            <p:spPr>
+              <a:xfrm>
+                <a:off x="3812117" y="1115484"/>
+                <a:ext cx="45719" cy="45719"/>
+              </a:xfrm>
+              <a:prstGeom prst="ellipse">
+                <a:avLst/>
+              </a:prstGeom>
+              <a:solidFill>
+                <a:schemeClr val="accent3"/>
+              </a:solidFill>
+              <a:ln>
+                <a:solidFill>
+                  <a:schemeClr val="accent3"/>
+                </a:solidFill>
+              </a:ln>
+            </p:spPr>
+            <p:style>
+              <a:lnRef idx="2">
+                <a:schemeClr val="accent1">
+                  <a:shade val="50000"/>
+                </a:schemeClr>
+              </a:lnRef>
+              <a:fillRef idx="1">
+                <a:schemeClr val="accent1"/>
+              </a:fillRef>
+              <a:effectRef idx="0">
+                <a:schemeClr val="accent1"/>
+              </a:effectRef>
+              <a:fontRef idx="minor">
+                <a:schemeClr val="lt1"/>
+              </a:fontRef>
+            </p:style>
+            <p:txBody>
+              <a:bodyPr rtlCol="0" anchor="ctr"/>
+              <a:lstStyle/>
+              <a:p>
+                <a:pPr algn="ctr"/>
+                <a:endParaRPr lang="en-US"/>
+              </a:p>
+            </p:txBody>
+          </p:sp>
+          <p:sp>
+            <p:nvSpPr>
+              <p:cNvPr id="91" name="Oval 90"/>
+              <p:cNvSpPr/>
+              <p:nvPr/>
+            </p:nvSpPr>
+            <p:spPr>
+              <a:xfrm>
+                <a:off x="3894666" y="975786"/>
+                <a:ext cx="137160" cy="137160"/>
+              </a:xfrm>
+              <a:prstGeom prst="ellipse">
+                <a:avLst/>
+              </a:prstGeom>
+              <a:solidFill>
+                <a:schemeClr val="accent3"/>
+              </a:solidFill>
+              <a:ln>
+                <a:solidFill>
+                  <a:schemeClr val="accent3"/>
+                </a:solidFill>
+              </a:ln>
+            </p:spPr>
+            <p:style>
+              <a:lnRef idx="2">
+                <a:schemeClr val="accent1">
+                  <a:shade val="50000"/>
+                </a:schemeClr>
+              </a:lnRef>
+              <a:fillRef idx="1">
+                <a:schemeClr val="accent1"/>
+              </a:fillRef>
+              <a:effectRef idx="0">
+                <a:schemeClr val="accent1"/>
+              </a:effectRef>
+              <a:fontRef idx="minor">
+                <a:schemeClr val="lt1"/>
+              </a:fontRef>
+            </p:style>
+            <p:txBody>
+              <a:bodyPr rtlCol="0" anchor="ctr"/>
+              <a:lstStyle/>
+              <a:p>
+                <a:pPr algn="ctr"/>
+                <a:endParaRPr lang="en-US"/>
+              </a:p>
+            </p:txBody>
+          </p:sp>
+        </p:grpSp>
+        <p:grpSp>
+          <p:nvGrpSpPr>
+            <p:cNvPr id="118" name="Group 117"/>
+            <p:cNvGrpSpPr/>
+            <p:nvPr/>
+          </p:nvGrpSpPr>
+          <p:grpSpPr>
+            <a:xfrm>
+              <a:off x="3799417" y="1310217"/>
+              <a:ext cx="306138" cy="141396"/>
+              <a:chOff x="3799417" y="1310217"/>
+              <a:chExt cx="306138" cy="141396"/>
+            </a:xfrm>
+          </p:grpSpPr>
+          <p:cxnSp>
+            <p:nvCxnSpPr>
+              <p:cNvPr id="95" name="Straight Connector 94"/>
+              <p:cNvCxnSpPr>
+                <a:endCxn id="21" idx="3"/>
+              </p:cNvCxnSpPr>
+              <p:nvPr/>
+            </p:nvCxnSpPr>
+            <p:spPr>
+              <a:xfrm flipV="1">
+                <a:off x="3966633" y="1338122"/>
+                <a:ext cx="138922" cy="50411"/>
+              </a:xfrm>
+              <a:prstGeom prst="line">
+                <a:avLst/>
+              </a:prstGeom>
+              <a:ln w="22225"/>
+            </p:spPr>
+            <p:style>
+              <a:lnRef idx="1">
+                <a:schemeClr val="accent1"/>
+              </a:lnRef>
+              <a:fillRef idx="0">
+                <a:schemeClr val="accent1"/>
+              </a:fillRef>
+              <a:effectRef idx="0">
+                <a:schemeClr val="accent1"/>
+              </a:effectRef>
+              <a:fontRef idx="minor">
+                <a:schemeClr val="tx1"/>
+              </a:fontRef>
+            </p:style>
+          </p:cxnSp>
+          <p:cxnSp>
+            <p:nvCxnSpPr>
+              <p:cNvPr id="100" name="Straight Connector 99"/>
+              <p:cNvCxnSpPr/>
+              <p:nvPr/>
+            </p:nvCxnSpPr>
+            <p:spPr>
+              <a:xfrm>
+                <a:off x="3850217" y="1341967"/>
+                <a:ext cx="132080" cy="46576"/>
+              </a:xfrm>
+              <a:prstGeom prst="line">
+                <a:avLst/>
+              </a:prstGeom>
+              <a:ln w="22225"/>
+            </p:spPr>
+            <p:style>
+              <a:lnRef idx="1">
+                <a:schemeClr val="accent1"/>
+              </a:lnRef>
+              <a:fillRef idx="0">
+                <a:schemeClr val="accent1"/>
+              </a:fillRef>
+              <a:effectRef idx="0">
+                <a:schemeClr val="accent1"/>
+              </a:effectRef>
+              <a:fontRef idx="minor">
+                <a:schemeClr val="tx1"/>
+              </a:fontRef>
+            </p:style>
+          </p:cxnSp>
+          <p:sp>
+            <p:nvSpPr>
+              <p:cNvPr id="99" name="Oval 98"/>
+              <p:cNvSpPr/>
+              <p:nvPr/>
+            </p:nvSpPr>
+            <p:spPr>
+              <a:xfrm>
+                <a:off x="3905249" y="1314453"/>
+                <a:ext cx="137160" cy="137160"/>
+              </a:xfrm>
+              <a:prstGeom prst="ellipse">
+                <a:avLst/>
+              </a:prstGeom>
+              <a:solidFill>
+                <a:schemeClr val="accent3"/>
+              </a:solidFill>
+              <a:ln>
+                <a:solidFill>
+                  <a:schemeClr val="accent3"/>
+                </a:solidFill>
+              </a:ln>
+            </p:spPr>
+            <p:style>
+              <a:lnRef idx="2">
+                <a:schemeClr val="accent1">
+                  <a:shade val="50000"/>
+                </a:schemeClr>
+              </a:lnRef>
+              <a:fillRef idx="1">
+                <a:schemeClr val="accent1"/>
+              </a:fillRef>
+              <a:effectRef idx="0">
+                <a:schemeClr val="accent1"/>
+              </a:effectRef>
+              <a:fontRef idx="minor">
+                <a:schemeClr val="lt1"/>
+              </a:fontRef>
+            </p:style>
+            <p:txBody>
+              <a:bodyPr rtlCol="0" anchor="ctr"/>
+              <a:lstStyle/>
+              <a:p>
+                <a:pPr algn="ctr"/>
+                <a:endParaRPr lang="en-US"/>
+              </a:p>
+            </p:txBody>
+          </p:sp>
+          <p:sp>
+            <p:nvSpPr>
+              <p:cNvPr id="102" name="Oval 101"/>
+              <p:cNvSpPr/>
+              <p:nvPr/>
+            </p:nvSpPr>
+            <p:spPr>
+              <a:xfrm>
+                <a:off x="3799417" y="1310217"/>
+                <a:ext cx="45719" cy="45719"/>
+              </a:xfrm>
+              <a:prstGeom prst="ellipse">
+                <a:avLst/>
+              </a:prstGeom>
+              <a:solidFill>
+                <a:schemeClr val="accent3"/>
+              </a:solidFill>
+              <a:ln>
+                <a:solidFill>
+                  <a:schemeClr val="accent3"/>
+                </a:solidFill>
+              </a:ln>
+            </p:spPr>
+            <p:style>
+              <a:lnRef idx="2">
+                <a:schemeClr val="accent1">
+                  <a:shade val="50000"/>
+                </a:schemeClr>
+              </a:lnRef>
+              <a:fillRef idx="1">
+                <a:schemeClr val="accent1"/>
+              </a:fillRef>
+              <a:effectRef idx="0">
+                <a:schemeClr val="accent1"/>
+              </a:effectRef>
+              <a:fontRef idx="minor">
+                <a:schemeClr val="lt1"/>
+              </a:fontRef>
+            </p:style>
+            <p:txBody>
+              <a:bodyPr rtlCol="0" anchor="ctr"/>
+              <a:lstStyle/>
+              <a:p>
+                <a:pPr algn="ctr"/>
+                <a:endParaRPr lang="en-US"/>
+              </a:p>
+            </p:txBody>
+          </p:sp>
+        </p:grpSp>
+        <p:grpSp>
+          <p:nvGrpSpPr>
+            <p:cNvPr id="119" name="Group 118"/>
+            <p:cNvGrpSpPr/>
+            <p:nvPr/>
+          </p:nvGrpSpPr>
+          <p:grpSpPr>
+            <a:xfrm>
+              <a:off x="4428845" y="1274234"/>
+              <a:ext cx="303175" cy="238336"/>
+              <a:chOff x="4428845" y="1274234"/>
+              <a:chExt cx="303175" cy="238336"/>
+            </a:xfrm>
+          </p:grpSpPr>
+          <p:cxnSp>
+            <p:nvCxnSpPr>
+              <p:cNvPr id="103" name="Straight Connector 102"/>
+              <p:cNvCxnSpPr/>
+              <p:nvPr/>
+            </p:nvCxnSpPr>
+            <p:spPr>
+              <a:xfrm flipV="1">
+                <a:off x="4548717" y="1314450"/>
+                <a:ext cx="110066" cy="99484"/>
+              </a:xfrm>
+              <a:prstGeom prst="line">
+                <a:avLst/>
+              </a:prstGeom>
+              <a:ln w="22225"/>
+            </p:spPr>
+            <p:style>
+              <a:lnRef idx="1">
+                <a:schemeClr val="accent1"/>
+              </a:lnRef>
+              <a:fillRef idx="0">
+                <a:schemeClr val="accent1"/>
+              </a:fillRef>
+              <a:effectRef idx="0">
+                <a:schemeClr val="accent1"/>
+              </a:effectRef>
+              <a:fontRef idx="minor">
+                <a:schemeClr val="tx1"/>
+              </a:fontRef>
+            </p:style>
+          </p:cxnSp>
+          <p:sp>
+            <p:nvSpPr>
+              <p:cNvPr id="105" name="Oval 104"/>
+              <p:cNvSpPr/>
+              <p:nvPr/>
+            </p:nvSpPr>
+            <p:spPr>
+              <a:xfrm>
+                <a:off x="4652434" y="1274234"/>
+                <a:ext cx="45719" cy="45719"/>
+              </a:xfrm>
+              <a:prstGeom prst="ellipse">
+                <a:avLst/>
+              </a:prstGeom>
+              <a:solidFill>
+                <a:schemeClr val="accent3"/>
+              </a:solidFill>
+              <a:ln>
+                <a:solidFill>
+                  <a:schemeClr val="accent3"/>
+                </a:solidFill>
+              </a:ln>
+            </p:spPr>
+            <p:style>
+              <a:lnRef idx="2">
+                <a:schemeClr val="accent1">
+                  <a:shade val="50000"/>
+                </a:schemeClr>
+              </a:lnRef>
+              <a:fillRef idx="1">
+                <a:schemeClr val="accent1"/>
+              </a:fillRef>
+              <a:effectRef idx="0">
+                <a:schemeClr val="accent1"/>
+              </a:effectRef>
+              <a:fontRef idx="minor">
+                <a:schemeClr val="lt1"/>
+              </a:fontRef>
+            </p:style>
+            <p:txBody>
+              <a:bodyPr rtlCol="0" anchor="ctr"/>
+              <a:lstStyle/>
+              <a:p>
+                <a:pPr algn="ctr"/>
+                <a:endParaRPr lang="en-US"/>
+              </a:p>
+            </p:txBody>
+          </p:sp>
+          <p:cxnSp>
+            <p:nvCxnSpPr>
+              <p:cNvPr id="106" name="Straight Connector 105"/>
+              <p:cNvCxnSpPr>
+                <a:stCxn id="21" idx="5"/>
+              </p:cNvCxnSpPr>
+              <p:nvPr/>
+            </p:nvCxnSpPr>
+            <p:spPr>
+              <a:xfrm>
+                <a:off x="4428845" y="1338122"/>
+                <a:ext cx="130455" cy="80045"/>
+              </a:xfrm>
+              <a:prstGeom prst="line">
+                <a:avLst/>
+              </a:prstGeom>
+              <a:ln w="22225"/>
+            </p:spPr>
+            <p:style>
+              <a:lnRef idx="1">
+                <a:schemeClr val="accent1"/>
+              </a:lnRef>
+              <a:fillRef idx="0">
+                <a:schemeClr val="accent1"/>
+              </a:fillRef>
+              <a:effectRef idx="0">
+                <a:schemeClr val="accent1"/>
+              </a:effectRef>
+              <a:fontRef idx="minor">
+                <a:schemeClr val="tx1"/>
+              </a:fontRef>
+            </p:style>
+          </p:cxnSp>
+          <p:cxnSp>
+            <p:nvCxnSpPr>
+              <p:cNvPr id="113" name="Straight Connector 112"/>
+              <p:cNvCxnSpPr/>
+              <p:nvPr/>
+            </p:nvCxnSpPr>
+            <p:spPr>
+              <a:xfrm>
+                <a:off x="4555067" y="1418167"/>
+                <a:ext cx="129116" cy="61383"/>
+              </a:xfrm>
+              <a:prstGeom prst="line">
+                <a:avLst/>
+              </a:prstGeom>
+              <a:ln w="22225"/>
+            </p:spPr>
+            <p:style>
+              <a:lnRef idx="1">
+                <a:schemeClr val="accent1"/>
+              </a:lnRef>
+              <a:fillRef idx="0">
+                <a:schemeClr val="accent1"/>
+              </a:fillRef>
+              <a:effectRef idx="0">
+                <a:schemeClr val="accent1"/>
+              </a:effectRef>
+              <a:fontRef idx="minor">
+                <a:schemeClr val="tx1"/>
+              </a:fontRef>
+            </p:style>
+          </p:cxnSp>
+          <p:sp>
+            <p:nvSpPr>
+              <p:cNvPr id="104" name="Oval 103"/>
+              <p:cNvSpPr/>
+              <p:nvPr/>
+            </p:nvSpPr>
+            <p:spPr>
+              <a:xfrm>
+                <a:off x="4487333" y="1339853"/>
+                <a:ext cx="137160" cy="137160"/>
+              </a:xfrm>
+              <a:prstGeom prst="ellipse">
+                <a:avLst/>
+              </a:prstGeom>
+              <a:solidFill>
+                <a:schemeClr val="accent3"/>
+              </a:solidFill>
+              <a:ln>
+                <a:solidFill>
+                  <a:schemeClr val="accent3"/>
+                </a:solidFill>
+              </a:ln>
+            </p:spPr>
+            <p:style>
+              <a:lnRef idx="2">
+                <a:schemeClr val="accent1">
+                  <a:shade val="50000"/>
+                </a:schemeClr>
+              </a:lnRef>
+              <a:fillRef idx="1">
+                <a:schemeClr val="accent1"/>
+              </a:fillRef>
+              <a:effectRef idx="0">
+                <a:schemeClr val="accent1"/>
+              </a:effectRef>
+              <a:fontRef idx="minor">
+                <a:schemeClr val="lt1"/>
+              </a:fontRef>
+            </p:style>
+            <p:txBody>
+              <a:bodyPr rtlCol="0" anchor="ctr"/>
+              <a:lstStyle/>
+              <a:p>
+                <a:pPr algn="ctr"/>
+                <a:endParaRPr lang="en-US"/>
+              </a:p>
+            </p:txBody>
+          </p:sp>
+          <p:sp>
+            <p:nvSpPr>
+              <p:cNvPr id="116" name="Oval 115"/>
+              <p:cNvSpPr/>
+              <p:nvPr/>
+            </p:nvSpPr>
+            <p:spPr>
+              <a:xfrm>
+                <a:off x="4686301" y="1466851"/>
+                <a:ext cx="45719" cy="45719"/>
+              </a:xfrm>
+              <a:prstGeom prst="ellipse">
+                <a:avLst/>
+              </a:prstGeom>
+              <a:solidFill>
+                <a:schemeClr val="accent3"/>
+              </a:solidFill>
+              <a:ln>
+                <a:solidFill>
+                  <a:schemeClr val="accent3"/>
+                </a:solidFill>
+              </a:ln>
+            </p:spPr>
+            <p:style>
+              <a:lnRef idx="2">
+                <a:schemeClr val="accent1">
+                  <a:shade val="50000"/>
+                </a:schemeClr>
+              </a:lnRef>
+              <a:fillRef idx="1">
+                <a:schemeClr val="accent1"/>
+              </a:fillRef>
+              <a:effectRef idx="0">
+                <a:schemeClr val="accent1"/>
+              </a:effectRef>
+              <a:fontRef idx="minor">
+                <a:schemeClr val="lt1"/>
+              </a:fontRef>
+            </p:style>
+            <p:txBody>
+              <a:bodyPr rtlCol="0" anchor="ctr"/>
+              <a:lstStyle/>
+              <a:p>
+                <a:pPr algn="ctr"/>
+                <a:endParaRPr lang="en-US"/>
+              </a:p>
+            </p:txBody>
+          </p:sp>
+        </p:grpSp>
+      </p:grpSp>
+      <p:sp>
+        <p:nvSpPr>
+          <p:cNvPr id="123" name="Oval 122"/>
+          <p:cNvSpPr/>
+          <p:nvPr/>
+        </p:nvSpPr>
+        <p:spPr>
+          <a:xfrm>
+            <a:off x="6160346" y="995682"/>
+            <a:ext cx="457200" cy="228600"/>
+          </a:xfrm>
+          <a:prstGeom prst="ellipse">
+            <a:avLst/>
+          </a:prstGeom>
+          <a:ln>
+            <a:solidFill>
+              <a:schemeClr val="accent1"/>
+            </a:solidFill>
+          </a:ln>
+        </p:spPr>
+        <p:style>
+          <a:lnRef idx="2">
+            <a:schemeClr val="accent1">
+              <a:shade val="50000"/>
+            </a:schemeClr>
+          </a:lnRef>
+          <a:fillRef idx="1">
+            <a:schemeClr val="accent1"/>
+          </a:fillRef>
+          <a:effectRef idx="0">
+            <a:schemeClr val="accent1"/>
+          </a:effectRef>
+          <a:fontRef idx="minor">
+            <a:schemeClr val="lt1"/>
+          </a:fontRef>
+        </p:style>
+        <p:txBody>
+          <a:bodyPr rtlCol="0" anchor="ctr"/>
+          <a:lstStyle/>
+          <a:p>
+            <a:pPr algn="ctr"/>
+            <a:endParaRPr lang="en-US"/>
+          </a:p>
+        </p:txBody>
+      </p:sp>
+      <p:grpSp>
+        <p:nvGrpSpPr>
+          <p:cNvPr id="153" name="Group 152"/>
+          <p:cNvGrpSpPr/>
+          <p:nvPr/>
+        </p:nvGrpSpPr>
+        <p:grpSpPr>
+          <a:xfrm>
+            <a:off x="6030384" y="893236"/>
+            <a:ext cx="717125" cy="433492"/>
+            <a:chOff x="6030384" y="893236"/>
+            <a:chExt cx="717125" cy="433492"/>
+          </a:xfrm>
+        </p:grpSpPr>
+        <p:sp>
+          <p:nvSpPr>
+            <p:cNvPr id="149" name="Oval 148"/>
+            <p:cNvSpPr/>
+            <p:nvPr/>
+          </p:nvSpPr>
+          <p:spPr>
+            <a:xfrm>
+              <a:off x="6610349" y="893236"/>
+              <a:ext cx="137160" cy="137160"/>
+            </a:xfrm>
+            <a:prstGeom prst="ellipse">
+              <a:avLst/>
+            </a:prstGeom>
+            <a:solidFill>
+              <a:schemeClr val="accent3"/>
+            </a:solidFill>
+            <a:ln>
+              <a:solidFill>
+                <a:schemeClr val="accent3"/>
+              </a:solidFill>
+            </a:ln>
+          </p:spPr>
+          <p:style>
+            <a:lnRef idx="2">
+              <a:schemeClr val="accent1">
+                <a:shade val="50000"/>
+              </a:schemeClr>
+            </a:lnRef>
+            <a:fillRef idx="1">
+              <a:schemeClr val="accent1"/>
+            </a:fillRef>
+            <a:effectRef idx="0">
+              <a:schemeClr val="accent1"/>
+            </a:effectRef>
+            <a:fontRef idx="minor">
+              <a:schemeClr val="lt1"/>
+            </a:fontRef>
+          </p:style>
+          <p:txBody>
+            <a:bodyPr rtlCol="0" anchor="ctr"/>
+            <a:lstStyle/>
+            <a:p>
+              <a:pPr algn="ctr"/>
+              <a:endParaRPr lang="en-US"/>
+            </a:p>
+          </p:txBody>
+        </p:sp>
+        <p:sp>
+          <p:nvSpPr>
+            <p:cNvPr id="143" name="Oval 142"/>
+            <p:cNvSpPr/>
+            <p:nvPr/>
+          </p:nvSpPr>
+          <p:spPr>
+            <a:xfrm>
+              <a:off x="6030384" y="893236"/>
+              <a:ext cx="137160" cy="137160"/>
+            </a:xfrm>
+            <a:prstGeom prst="ellipse">
+              <a:avLst/>
+            </a:prstGeom>
+            <a:solidFill>
+              <a:schemeClr val="accent3"/>
+            </a:solidFill>
+            <a:ln>
+              <a:solidFill>
+                <a:schemeClr val="accent3"/>
+              </a:solidFill>
+            </a:ln>
+          </p:spPr>
+          <p:style>
+            <a:lnRef idx="2">
+              <a:schemeClr val="accent1">
+                <a:shade val="50000"/>
+              </a:schemeClr>
+            </a:lnRef>
+            <a:fillRef idx="1">
+              <a:schemeClr val="accent1"/>
+            </a:fillRef>
+            <a:effectRef idx="0">
+              <a:schemeClr val="accent1"/>
+            </a:effectRef>
+            <a:fontRef idx="minor">
+              <a:schemeClr val="lt1"/>
+            </a:fontRef>
+          </p:style>
+          <p:txBody>
+            <a:bodyPr rtlCol="0" anchor="ctr"/>
+            <a:lstStyle/>
+            <a:p>
+              <a:pPr algn="ctr"/>
+              <a:endParaRPr lang="en-US"/>
+            </a:p>
+          </p:txBody>
+        </p:sp>
+        <p:sp>
+          <p:nvSpPr>
+            <p:cNvPr id="136" name="Oval 135"/>
+            <p:cNvSpPr/>
+            <p:nvPr/>
+          </p:nvSpPr>
+          <p:spPr>
+            <a:xfrm>
+              <a:off x="6030384" y="1189568"/>
+              <a:ext cx="137160" cy="137160"/>
+            </a:xfrm>
+            <a:prstGeom prst="ellipse">
+              <a:avLst/>
+            </a:prstGeom>
+            <a:solidFill>
+              <a:schemeClr val="accent3"/>
+            </a:solidFill>
+            <a:ln>
+              <a:solidFill>
+                <a:schemeClr val="accent3"/>
+              </a:solidFill>
+            </a:ln>
+          </p:spPr>
+          <p:style>
+            <a:lnRef idx="2">
+              <a:schemeClr val="accent1">
+                <a:shade val="50000"/>
+              </a:schemeClr>
+            </a:lnRef>
+            <a:fillRef idx="1">
+              <a:schemeClr val="accent1"/>
+            </a:fillRef>
+            <a:effectRef idx="0">
+              <a:schemeClr val="accent1"/>
+            </a:effectRef>
+            <a:fontRef idx="minor">
+              <a:schemeClr val="lt1"/>
+            </a:fontRef>
+          </p:style>
+          <p:txBody>
+            <a:bodyPr rtlCol="0" anchor="ctr"/>
+            <a:lstStyle/>
+            <a:p>
+              <a:pPr algn="ctr"/>
+              <a:endParaRPr lang="en-US"/>
+            </a:p>
+          </p:txBody>
+        </p:sp>
+        <p:sp>
+          <p:nvSpPr>
+            <p:cNvPr id="132" name="Oval 131"/>
+            <p:cNvSpPr/>
+            <p:nvPr/>
+          </p:nvSpPr>
+          <p:spPr>
+            <a:xfrm>
+              <a:off x="6610349" y="1189568"/>
+              <a:ext cx="137160" cy="137160"/>
+            </a:xfrm>
+            <a:prstGeom prst="ellipse">
+              <a:avLst/>
+            </a:prstGeom>
+            <a:solidFill>
+              <a:schemeClr val="accent3"/>
+            </a:solidFill>
+            <a:ln>
+              <a:solidFill>
+                <a:schemeClr val="accent3"/>
+              </a:solidFill>
+            </a:ln>
+          </p:spPr>
+          <p:style>
+            <a:lnRef idx="2">
+              <a:schemeClr val="accent1">
+                <a:shade val="50000"/>
+              </a:schemeClr>
+            </a:lnRef>
+            <a:fillRef idx="1">
+              <a:schemeClr val="accent1"/>
+            </a:fillRef>
+            <a:effectRef idx="0">
+              <a:schemeClr val="accent1"/>
+            </a:effectRef>
+            <a:fontRef idx="minor">
+              <a:schemeClr val="lt1"/>
+            </a:fontRef>
+          </p:style>
+          <p:txBody>
+            <a:bodyPr rtlCol="0" anchor="ctr"/>
+            <a:lstStyle/>
+            <a:p>
+              <a:pPr algn="ctr"/>
+              <a:endParaRPr lang="en-US"/>
+            </a:p>
+          </p:txBody>
+        </p:sp>
+      </p:grpSp>
+      <p:sp>
+        <p:nvSpPr>
+          <p:cNvPr id="150" name="Oval 149"/>
+          <p:cNvSpPr/>
+          <p:nvPr/>
+        </p:nvSpPr>
+        <p:spPr>
+          <a:xfrm>
+            <a:off x="6318249" y="795871"/>
+            <a:ext cx="137160" cy="137160"/>
+          </a:xfrm>
+          <a:prstGeom prst="ellipse">
+            <a:avLst/>
+          </a:prstGeom>
+          <a:solidFill>
+            <a:schemeClr val="accent3"/>
+          </a:solidFill>
+          <a:ln>
+            <a:solidFill>
+              <a:schemeClr val="accent3"/>
+            </a:solidFill>
+          </a:ln>
+        </p:spPr>
+        <p:style>
+          <a:lnRef idx="2">
+            <a:schemeClr val="accent1">
+              <a:shade val="50000"/>
+            </a:schemeClr>
+          </a:lnRef>
+          <a:fillRef idx="1">
+            <a:schemeClr val="accent1"/>
+          </a:fillRef>
+          <a:effectRef idx="0">
+            <a:schemeClr val="accent1"/>
+          </a:effectRef>
+          <a:fontRef idx="minor">
+            <a:schemeClr val="lt1"/>
+          </a:fontRef>
+        </p:style>
+        <p:txBody>
+          <a:bodyPr rtlCol="0" anchor="ctr"/>
+          <a:lstStyle/>
+          <a:p>
+            <a:pPr algn="ctr"/>
+            <a:endParaRPr lang="en-US"/>
+          </a:p>
+        </p:txBody>
+      </p:sp>
+      <p:sp>
+        <p:nvSpPr>
+          <p:cNvPr id="151" name="Oval 150"/>
+          <p:cNvSpPr/>
+          <p:nvPr/>
+        </p:nvSpPr>
+        <p:spPr>
+          <a:xfrm>
+            <a:off x="6318249" y="1282702"/>
+            <a:ext cx="137160" cy="137160"/>
+          </a:xfrm>
+          <a:prstGeom prst="ellipse">
+            <a:avLst/>
+          </a:prstGeom>
+          <a:solidFill>
+            <a:schemeClr val="accent3"/>
+          </a:solidFill>
+          <a:ln>
+            <a:solidFill>
+              <a:schemeClr val="accent3"/>
+            </a:solidFill>
+          </a:ln>
+        </p:spPr>
+        <p:style>
+          <a:lnRef idx="2">
+            <a:schemeClr val="accent1">
+              <a:shade val="50000"/>
+            </a:schemeClr>
+          </a:lnRef>
+          <a:fillRef idx="1">
+            <a:schemeClr val="accent1"/>
+          </a:fillRef>
+          <a:effectRef idx="0">
+            <a:schemeClr val="accent1"/>
+          </a:effectRef>
+          <a:fontRef idx="minor">
+            <a:schemeClr val="lt1"/>
+          </a:fontRef>
+        </p:style>
+        <p:txBody>
+          <a:bodyPr rtlCol="0" anchor="ctr"/>
+          <a:lstStyle/>
+          <a:p>
+            <a:pPr algn="ctr"/>
+            <a:endParaRPr lang="en-US"/>
+          </a:p>
+        </p:txBody>
+      </p:sp>
+      <p:sp>
+        <p:nvSpPr>
+          <p:cNvPr id="155" name="Right Triangle 154"/>
+          <p:cNvSpPr/>
+          <p:nvPr/>
+        </p:nvSpPr>
+        <p:spPr>
+          <a:xfrm>
+            <a:off x="2050869" y="365760"/>
+            <a:ext cx="267788" cy="653143"/>
+          </a:xfrm>
+          <a:prstGeom prst="rtTriangle">
+            <a:avLst/>
+          </a:prstGeom>
+        </p:spPr>
+        <p:style>
+          <a:lnRef idx="2">
+            <a:schemeClr val="accent1">
+              <a:shade val="50000"/>
+            </a:schemeClr>
+          </a:lnRef>
+          <a:fillRef idx="1">
+            <a:schemeClr val="accent1"/>
+          </a:fillRef>
+          <a:effectRef idx="0">
+            <a:schemeClr val="accent1"/>
+          </a:effectRef>
+          <a:fontRef idx="minor">
+            <a:schemeClr val="lt1"/>
+          </a:fontRef>
+        </p:style>
+        <p:txBody>
+          <a:bodyPr rtlCol="0" anchor="ctr"/>
+          <a:lstStyle/>
+          <a:p>
+            <a:pPr algn="ctr"/>
+            <a:endParaRPr lang="en-US"/>
+          </a:p>
+        </p:txBody>
+      </p:sp>
+      <p:sp>
+        <p:nvSpPr>
+          <p:cNvPr id="156" name="Right Triangle 155"/>
+          <p:cNvSpPr/>
+          <p:nvPr/>
+        </p:nvSpPr>
+        <p:spPr>
+          <a:xfrm rot="10800000">
+            <a:off x="1876697" y="838200"/>
+            <a:ext cx="267788" cy="653143"/>
+          </a:xfrm>
+          <a:prstGeom prst="rtTriangle">
+            <a:avLst/>
+          </a:prstGeom>
+        </p:spPr>
+        <p:style>
+          <a:lnRef idx="2">
+            <a:schemeClr val="accent1">
+              <a:shade val="50000"/>
+            </a:schemeClr>
+          </a:lnRef>
+          <a:fillRef idx="1">
+            <a:schemeClr val="accent1"/>
+          </a:fillRef>
+          <a:effectRef idx="0">
+            <a:schemeClr val="accent1"/>
+          </a:effectRef>
+          <a:fontRef idx="minor">
+            <a:schemeClr val="lt1"/>
+          </a:fontRef>
+        </p:style>
+        <p:txBody>
+          <a:bodyPr rtlCol="0" anchor="ctr"/>
+          <a:lstStyle/>
+          <a:p>
+            <a:pPr algn="ctr"/>
+            <a:endParaRPr lang="en-US"/>
+          </a:p>
+        </p:txBody>
+      </p:sp>
+      <p:sp>
+        <p:nvSpPr>
+          <p:cNvPr id="160" name="Oval 159"/>
+          <p:cNvSpPr/>
+          <p:nvPr/>
+        </p:nvSpPr>
+        <p:spPr>
+          <a:xfrm>
+            <a:off x="3086221" y="1840413"/>
+            <a:ext cx="303592" cy="308156"/>
+          </a:xfrm>
+          <a:prstGeom prst="ellipse">
+            <a:avLst/>
+          </a:prstGeom>
+          <a:ln>
+            <a:solidFill>
+              <a:schemeClr val="accent1"/>
+            </a:solidFill>
+          </a:ln>
+        </p:spPr>
+        <p:style>
+          <a:lnRef idx="2">
+            <a:schemeClr val="accent1">
+              <a:shade val="50000"/>
+            </a:schemeClr>
+          </a:lnRef>
+          <a:fillRef idx="1">
+            <a:schemeClr val="accent1"/>
+          </a:fillRef>
+          <a:effectRef idx="0">
+            <a:schemeClr val="accent1"/>
+          </a:effectRef>
+          <a:fontRef idx="minor">
+            <a:schemeClr val="lt1"/>
+          </a:fontRef>
+        </p:style>
+        <p:txBody>
+          <a:bodyPr rtlCol="0" anchor="ctr"/>
+          <a:lstStyle/>
+          <a:p>
+            <a:pPr algn="ctr"/>
+            <a:endParaRPr lang="en-US"/>
+          </a:p>
+        </p:txBody>
+      </p:sp>
+      <p:sp>
+        <p:nvSpPr>
+          <p:cNvPr id="162" name="Oval 161"/>
+          <p:cNvSpPr/>
+          <p:nvPr/>
+        </p:nvSpPr>
+        <p:spPr>
+          <a:xfrm>
+            <a:off x="3186370" y="2214883"/>
+            <a:ext cx="303592" cy="308156"/>
+          </a:xfrm>
+          <a:prstGeom prst="ellipse">
+            <a:avLst/>
+          </a:prstGeom>
+          <a:ln>
+            <a:solidFill>
+              <a:schemeClr val="accent1"/>
+            </a:solidFill>
+          </a:ln>
+        </p:spPr>
+        <p:style>
+          <a:lnRef idx="2">
+            <a:schemeClr val="accent1">
+              <a:shade val="50000"/>
+            </a:schemeClr>
+          </a:lnRef>
+          <a:fillRef idx="1">
+            <a:schemeClr val="accent1"/>
+          </a:fillRef>
+          <a:effectRef idx="0">
+            <a:schemeClr val="accent1"/>
+          </a:effectRef>
+          <a:fontRef idx="minor">
+            <a:schemeClr val="lt1"/>
+          </a:fontRef>
+        </p:style>
+        <p:txBody>
+          <a:bodyPr rtlCol="0" anchor="ctr"/>
+          <a:lstStyle/>
+          <a:p>
+            <a:pPr algn="ctr"/>
+            <a:endParaRPr lang="en-US"/>
+          </a:p>
+        </p:txBody>
+      </p:sp>
+      <p:grpSp>
+        <p:nvGrpSpPr>
+          <p:cNvPr id="164" name="Group 163"/>
+          <p:cNvGrpSpPr/>
+          <p:nvPr/>
+        </p:nvGrpSpPr>
+        <p:grpSpPr>
+          <a:xfrm>
+            <a:off x="1273629" y="2018211"/>
+            <a:ext cx="1231880" cy="451055"/>
+            <a:chOff x="1273629" y="2018211"/>
+            <a:chExt cx="1231880" cy="451055"/>
+          </a:xfrm>
+        </p:grpSpPr>
+        <p:grpSp>
+          <p:nvGrpSpPr>
+            <p:cNvPr id="159" name="Group 158"/>
+            <p:cNvGrpSpPr/>
+            <p:nvPr/>
+          </p:nvGrpSpPr>
+          <p:grpSpPr>
+            <a:xfrm rot="5400000">
+              <a:off x="1664041" y="1627799"/>
+              <a:ext cx="451055" cy="1231880"/>
+              <a:chOff x="2555966" y="727167"/>
+              <a:chExt cx="481148" cy="1330237"/>
+            </a:xfrm>
+          </p:grpSpPr>
+          <p:sp>
+            <p:nvSpPr>
+              <p:cNvPr id="157" name="Right Triangle 156"/>
+              <p:cNvSpPr/>
+              <p:nvPr/>
+            </p:nvSpPr>
+            <p:spPr>
+              <a:xfrm rot="5400000">
+                <a:off x="2514599" y="1534888"/>
+                <a:ext cx="738054" cy="306977"/>
+              </a:xfrm>
+              <a:prstGeom prst="rtTriangle">
+                <a:avLst/>
+              </a:prstGeom>
+              <a:solidFill>
+                <a:schemeClr val="accent3"/>
+              </a:solidFill>
+              <a:ln>
+                <a:solidFill>
+                  <a:schemeClr val="accent3"/>
+                </a:solidFill>
+              </a:ln>
+            </p:spPr>
+            <p:style>
+              <a:lnRef idx="2">
+                <a:schemeClr val="accent1">
+                  <a:shade val="50000"/>
+                </a:schemeClr>
+              </a:lnRef>
+              <a:fillRef idx="1">
+                <a:schemeClr val="accent1"/>
+              </a:fillRef>
+              <a:effectRef idx="0">
+                <a:schemeClr val="accent1"/>
+              </a:effectRef>
+              <a:fontRef idx="minor">
+                <a:schemeClr val="lt1"/>
+              </a:fontRef>
+            </p:style>
+            <p:txBody>
+              <a:bodyPr rtlCol="0" anchor="ctr"/>
+              <a:lstStyle/>
+              <a:p>
+                <a:pPr algn="ctr"/>
+                <a:endParaRPr lang="en-US"/>
+              </a:p>
+            </p:txBody>
+          </p:sp>
+          <p:sp>
+            <p:nvSpPr>
+              <p:cNvPr id="158" name="Right Triangle 157"/>
+              <p:cNvSpPr/>
+              <p:nvPr/>
+            </p:nvSpPr>
+            <p:spPr>
+              <a:xfrm rot="16200000">
+                <a:off x="2340428" y="942705"/>
+                <a:ext cx="738054" cy="306977"/>
+              </a:xfrm>
+              <a:prstGeom prst="rtTriangle">
+                <a:avLst/>
+              </a:prstGeom>
+              <a:solidFill>
+                <a:schemeClr val="accent3"/>
+              </a:solidFill>
+              <a:ln>
+                <a:solidFill>
+                  <a:schemeClr val="accent3"/>
+                </a:solidFill>
+              </a:ln>
+            </p:spPr>
+            <p:style>
+              <a:lnRef idx="2">
+                <a:schemeClr val="accent1">
+                  <a:shade val="50000"/>
+                </a:schemeClr>
+              </a:lnRef>
+              <a:fillRef idx="1">
+                <a:schemeClr val="accent1"/>
+              </a:fillRef>
+              <a:effectRef idx="0">
+                <a:schemeClr val="accent1"/>
+              </a:effectRef>
+              <a:fontRef idx="minor">
+                <a:schemeClr val="lt1"/>
+              </a:fontRef>
+            </p:style>
+            <p:txBody>
+              <a:bodyPr rtlCol="0" anchor="ctr"/>
+              <a:lstStyle/>
+              <a:p>
+                <a:pPr algn="ctr"/>
+                <a:endParaRPr lang="en-US"/>
+              </a:p>
+            </p:txBody>
+          </p:sp>
+        </p:grpSp>
+        <p:sp>
+          <p:nvSpPr>
+            <p:cNvPr id="163" name="TextBox 162"/>
+            <p:cNvSpPr txBox="1"/>
+            <p:nvPr/>
+          </p:nvSpPr>
+          <p:spPr>
+            <a:xfrm>
+              <a:off x="1410110" y="2061400"/>
+              <a:ext cx="958917" cy="338554"/>
+            </a:xfrm>
+            <a:prstGeom prst="rect">
+              <a:avLst/>
+            </a:prstGeom>
+            <a:noFill/>
+          </p:spPr>
+          <p:txBody>
+            <a:bodyPr wrap="none" rtlCol="0">
+              <a:spAutoFit/>
+            </a:bodyPr>
+            <a:lstStyle/>
+            <a:p>
+              <a:r>
+                <a:rPr lang="en-US" sz="1600" i="1" dirty="0" smtClean="0">
+                  <a:solidFill>
+                    <a:srgbClr val="002060"/>
+                  </a:solidFill>
+                  <a:latin typeface="Microsoft JhengHei" pitchFamily="34" charset="-120"/>
+                  <a:ea typeface="Microsoft JhengHei" pitchFamily="34" charset="-120"/>
+                </a:rPr>
+                <a:t>synapse</a:t>
+              </a:r>
+              <a:endParaRPr lang="en-US" sz="1600" i="1" dirty="0">
+                <a:solidFill>
+                  <a:srgbClr val="002060"/>
+                </a:solidFill>
+                <a:latin typeface="Microsoft JhengHei" pitchFamily="34" charset="-120"/>
+                <a:ea typeface="Microsoft JhengHei" pitchFamily="34" charset="-120"/>
+              </a:endParaRPr>
+            </a:p>
+          </p:txBody>
+        </p:sp>
+      </p:grpSp>
     </p:spTree>
   </p:cSld>
   <p:clrMapOvr>

--- a/resources/graphics.pptx
+++ b/resources/graphics.pptx
@@ -290,7 +290,7 @@
             <a:fld id="{44226C23-AE07-4433-9B3A-8CE06417A35D}" type="datetimeFigureOut">
               <a:rPr lang="en-US" smtClean="0"/>
               <a:pPr/>
-              <a:t>5/5/2016</a:t>
+              <a:t>5/6/2016</a:t>
             </a:fld>
             <a:endParaRPr lang="en-US"/>
           </a:p>
@@ -457,7 +457,7 @@
             <a:fld id="{44226C23-AE07-4433-9B3A-8CE06417A35D}" type="datetimeFigureOut">
               <a:rPr lang="en-US" smtClean="0"/>
               <a:pPr/>
-              <a:t>5/5/2016</a:t>
+              <a:t>5/6/2016</a:t>
             </a:fld>
             <a:endParaRPr lang="en-US"/>
           </a:p>
@@ -634,7 +634,7 @@
             <a:fld id="{44226C23-AE07-4433-9B3A-8CE06417A35D}" type="datetimeFigureOut">
               <a:rPr lang="en-US" smtClean="0"/>
               <a:pPr/>
-              <a:t>5/5/2016</a:t>
+              <a:t>5/6/2016</a:t>
             </a:fld>
             <a:endParaRPr lang="en-US"/>
           </a:p>
@@ -801,7 +801,7 @@
             <a:fld id="{44226C23-AE07-4433-9B3A-8CE06417A35D}" type="datetimeFigureOut">
               <a:rPr lang="en-US" smtClean="0"/>
               <a:pPr/>
-              <a:t>5/5/2016</a:t>
+              <a:t>5/6/2016</a:t>
             </a:fld>
             <a:endParaRPr lang="en-US"/>
           </a:p>
@@ -1044,7 +1044,7 @@
             <a:fld id="{44226C23-AE07-4433-9B3A-8CE06417A35D}" type="datetimeFigureOut">
               <a:rPr lang="en-US" smtClean="0"/>
               <a:pPr/>
-              <a:t>5/5/2016</a:t>
+              <a:t>5/6/2016</a:t>
             </a:fld>
             <a:endParaRPr lang="en-US"/>
           </a:p>
@@ -1329,7 +1329,7 @@
             <a:fld id="{44226C23-AE07-4433-9B3A-8CE06417A35D}" type="datetimeFigureOut">
               <a:rPr lang="en-US" smtClean="0"/>
               <a:pPr/>
-              <a:t>5/5/2016</a:t>
+              <a:t>5/6/2016</a:t>
             </a:fld>
             <a:endParaRPr lang="en-US"/>
           </a:p>
@@ -1748,7 +1748,7 @@
             <a:fld id="{44226C23-AE07-4433-9B3A-8CE06417A35D}" type="datetimeFigureOut">
               <a:rPr lang="en-US" smtClean="0"/>
               <a:pPr/>
-              <a:t>5/5/2016</a:t>
+              <a:t>5/6/2016</a:t>
             </a:fld>
             <a:endParaRPr lang="en-US"/>
           </a:p>
@@ -1863,7 +1863,7 @@
             <a:fld id="{44226C23-AE07-4433-9B3A-8CE06417A35D}" type="datetimeFigureOut">
               <a:rPr lang="en-US" smtClean="0"/>
               <a:pPr/>
-              <a:t>5/5/2016</a:t>
+              <a:t>5/6/2016</a:t>
             </a:fld>
             <a:endParaRPr lang="en-US"/>
           </a:p>
@@ -1955,7 +1955,7 @@
             <a:fld id="{44226C23-AE07-4433-9B3A-8CE06417A35D}" type="datetimeFigureOut">
               <a:rPr lang="en-US" smtClean="0"/>
               <a:pPr/>
-              <a:t>5/5/2016</a:t>
+              <a:t>5/6/2016</a:t>
             </a:fld>
             <a:endParaRPr lang="en-US"/>
           </a:p>
@@ -2229,7 +2229,7 @@
             <a:fld id="{44226C23-AE07-4433-9B3A-8CE06417A35D}" type="datetimeFigureOut">
               <a:rPr lang="en-US" smtClean="0"/>
               <a:pPr/>
-              <a:t>5/5/2016</a:t>
+              <a:t>5/6/2016</a:t>
             </a:fld>
             <a:endParaRPr lang="en-US"/>
           </a:p>
@@ -2479,7 +2479,7 @@
             <a:fld id="{44226C23-AE07-4433-9B3A-8CE06417A35D}" type="datetimeFigureOut">
               <a:rPr lang="en-US" smtClean="0"/>
               <a:pPr/>
-              <a:t>5/5/2016</a:t>
+              <a:t>5/6/2016</a:t>
             </a:fld>
             <a:endParaRPr lang="en-US"/>
           </a:p>
@@ -2689,7 +2689,7 @@
             <a:fld id="{44226C23-AE07-4433-9B3A-8CE06417A35D}" type="datetimeFigureOut">
               <a:rPr lang="en-US" smtClean="0"/>
               <a:pPr/>
-              <a:t>5/5/2016</a:t>
+              <a:t>5/6/2016</a:t>
             </a:fld>
             <a:endParaRPr lang="en-US"/>
           </a:p>
@@ -3904,7 +3904,9 @@
             </a:solidFill>
             <a:ln>
               <a:solidFill>
-                <a:srgbClr val="002060"/>
+                <a:srgbClr val="002060">
+                  <a:alpha val="74902"/>
+                </a:srgbClr>
               </a:solidFill>
             </a:ln>
           </p:spPr>
@@ -3955,7 +3957,7 @@
             <a:ln>
               <a:solidFill>
                 <a:schemeClr val="bg1">
-                  <a:lumMod val="50000"/>
+                  <a:lumMod val="65000"/>
                 </a:schemeClr>
               </a:solidFill>
             </a:ln>

--- a/resources/graphics.pptx
+++ b/resources/graphics.pptx
@@ -4,9 +4,15 @@
   <p:sldMasterIdLst>
     <p:sldMasterId id="2147483648" r:id="rId1"/>
   </p:sldMasterIdLst>
+  <p:notesMasterIdLst>
+    <p:notesMasterId r:id="rId7"/>
+  </p:notesMasterIdLst>
   <p:sldIdLst>
     <p:sldId id="256" r:id="rId2"/>
-    <p:sldId id="257" r:id="rId3"/>
+    <p:sldId id="259" r:id="rId3"/>
+    <p:sldId id="258" r:id="rId4"/>
+    <p:sldId id="260" r:id="rId5"/>
+    <p:sldId id="257" r:id="rId6"/>
   </p:sldIdLst>
   <p:sldSz cx="9144000" cy="6858000" type="screen4x3"/>
   <p:notesSz cx="6858000" cy="9144000"/>
@@ -106,6 +112,434 @@
     </a:lvl9pPr>
   </p:defaultTextStyle>
 </p:presentation>
+</file>
+
+<file path=ppt/notesMasters/notesMaster1.xml><?xml version="1.0" encoding="utf-8"?>
+<p:notesMaster xmlns:a="http://schemas.openxmlformats.org/drawingml/2006/main" xmlns:r="http://schemas.openxmlformats.org/officeDocument/2006/relationships" xmlns:p="http://schemas.openxmlformats.org/presentationml/2006/main">
+  <p:cSld>
+    <p:bg>
+      <p:bgRef idx="1001">
+        <a:schemeClr val="bg1"/>
+      </p:bgRef>
+    </p:bg>
+    <p:spTree>
+      <p:nvGrpSpPr>
+        <p:cNvPr id="1" name=""/>
+        <p:cNvGrpSpPr/>
+        <p:nvPr/>
+      </p:nvGrpSpPr>
+      <p:grpSpPr>
+        <a:xfrm>
+          <a:off x="0" y="0"/>
+          <a:ext cx="0" cy="0"/>
+          <a:chOff x="0" y="0"/>
+          <a:chExt cx="0" cy="0"/>
+        </a:xfrm>
+      </p:grpSpPr>
+      <p:sp>
+        <p:nvSpPr>
+          <p:cNvPr id="2" name="Header Placeholder 1"/>
+          <p:cNvSpPr>
+            <a:spLocks noGrp="1"/>
+          </p:cNvSpPr>
+          <p:nvPr>
+            <p:ph type="hdr" sz="quarter"/>
+          </p:nvPr>
+        </p:nvSpPr>
+        <p:spPr>
+          <a:xfrm>
+            <a:off x="0" y="0"/>
+            <a:ext cx="2971800" cy="457200"/>
+          </a:xfrm>
+          <a:prstGeom prst="rect">
+            <a:avLst/>
+          </a:prstGeom>
+        </p:spPr>
+        <p:txBody>
+          <a:bodyPr vert="horz" lIns="91440" tIns="45720" rIns="91440" bIns="45720" rtlCol="0"/>
+          <a:lstStyle>
+            <a:lvl1pPr algn="l">
+              <a:defRPr sz="1200"/>
+            </a:lvl1pPr>
+          </a:lstStyle>
+          <a:p>
+            <a:endParaRPr lang="en-US"/>
+          </a:p>
+        </p:txBody>
+      </p:sp>
+      <p:sp>
+        <p:nvSpPr>
+          <p:cNvPr id="3" name="Date Placeholder 2"/>
+          <p:cNvSpPr>
+            <a:spLocks noGrp="1"/>
+          </p:cNvSpPr>
+          <p:nvPr>
+            <p:ph type="dt" idx="1"/>
+          </p:nvPr>
+        </p:nvSpPr>
+        <p:spPr>
+          <a:xfrm>
+            <a:off x="3884613" y="0"/>
+            <a:ext cx="2971800" cy="457200"/>
+          </a:xfrm>
+          <a:prstGeom prst="rect">
+            <a:avLst/>
+          </a:prstGeom>
+        </p:spPr>
+        <p:txBody>
+          <a:bodyPr vert="horz" lIns="91440" tIns="45720" rIns="91440" bIns="45720" rtlCol="0"/>
+          <a:lstStyle>
+            <a:lvl1pPr algn="r">
+              <a:defRPr sz="1200"/>
+            </a:lvl1pPr>
+          </a:lstStyle>
+          <a:p>
+            <a:fld id="{3D198B4A-6CEA-4635-A00A-E19E57BBFDB9}" type="datetimeFigureOut">
+              <a:rPr lang="en-US" smtClean="0"/>
+              <a:t>5/7/2016</a:t>
+            </a:fld>
+            <a:endParaRPr lang="en-US"/>
+          </a:p>
+        </p:txBody>
+      </p:sp>
+      <p:sp>
+        <p:nvSpPr>
+          <p:cNvPr id="4" name="Slide Image Placeholder 3"/>
+          <p:cNvSpPr>
+            <a:spLocks noGrp="1" noRot="1" noChangeAspect="1"/>
+          </p:cNvSpPr>
+          <p:nvPr>
+            <p:ph type="sldImg" idx="2"/>
+          </p:nvPr>
+        </p:nvSpPr>
+        <p:spPr>
+          <a:xfrm>
+            <a:off x="1143000" y="685800"/>
+            <a:ext cx="4572000" cy="3429000"/>
+          </a:xfrm>
+          <a:prstGeom prst="rect">
+            <a:avLst/>
+          </a:prstGeom>
+          <a:noFill/>
+          <a:ln w="12700">
+            <a:solidFill>
+              <a:prstClr val="black"/>
+            </a:solidFill>
+          </a:ln>
+        </p:spPr>
+        <p:txBody>
+          <a:bodyPr vert="horz" lIns="91440" tIns="45720" rIns="91440" bIns="45720" rtlCol="0" anchor="ctr"/>
+          <a:lstStyle/>
+          <a:p>
+            <a:endParaRPr lang="en-US"/>
+          </a:p>
+        </p:txBody>
+      </p:sp>
+      <p:sp>
+        <p:nvSpPr>
+          <p:cNvPr id="5" name="Notes Placeholder 4"/>
+          <p:cNvSpPr>
+            <a:spLocks noGrp="1"/>
+          </p:cNvSpPr>
+          <p:nvPr>
+            <p:ph type="body" sz="quarter" idx="3"/>
+          </p:nvPr>
+        </p:nvSpPr>
+        <p:spPr>
+          <a:xfrm>
+            <a:off x="685800" y="4343400"/>
+            <a:ext cx="5486400" cy="4114800"/>
+          </a:xfrm>
+          <a:prstGeom prst="rect">
+            <a:avLst/>
+          </a:prstGeom>
+        </p:spPr>
+        <p:txBody>
+          <a:bodyPr vert="horz" lIns="91440" tIns="45720" rIns="91440" bIns="45720" rtlCol="0">
+            <a:normAutofit/>
+          </a:bodyPr>
+          <a:lstStyle/>
+          <a:p>
+            <a:pPr lvl="0"/>
+            <a:r>
+              <a:rPr lang="en-US" smtClean="0"/>
+              <a:t>Click to edit Master text styles</a:t>
+            </a:r>
+          </a:p>
+          <a:p>
+            <a:pPr lvl="1"/>
+            <a:r>
+              <a:rPr lang="en-US" smtClean="0"/>
+              <a:t>Second level</a:t>
+            </a:r>
+          </a:p>
+          <a:p>
+            <a:pPr lvl="2"/>
+            <a:r>
+              <a:rPr lang="en-US" smtClean="0"/>
+              <a:t>Third level</a:t>
+            </a:r>
+          </a:p>
+          <a:p>
+            <a:pPr lvl="3"/>
+            <a:r>
+              <a:rPr lang="en-US" smtClean="0"/>
+              <a:t>Fourth level</a:t>
+            </a:r>
+          </a:p>
+          <a:p>
+            <a:pPr lvl="4"/>
+            <a:r>
+              <a:rPr lang="en-US" smtClean="0"/>
+              <a:t>Fifth level</a:t>
+            </a:r>
+            <a:endParaRPr lang="en-US"/>
+          </a:p>
+        </p:txBody>
+      </p:sp>
+      <p:sp>
+        <p:nvSpPr>
+          <p:cNvPr id="6" name="Footer Placeholder 5"/>
+          <p:cNvSpPr>
+            <a:spLocks noGrp="1"/>
+          </p:cNvSpPr>
+          <p:nvPr>
+            <p:ph type="ftr" sz="quarter" idx="4"/>
+          </p:nvPr>
+        </p:nvSpPr>
+        <p:spPr>
+          <a:xfrm>
+            <a:off x="0" y="8685213"/>
+            <a:ext cx="2971800" cy="457200"/>
+          </a:xfrm>
+          <a:prstGeom prst="rect">
+            <a:avLst/>
+          </a:prstGeom>
+        </p:spPr>
+        <p:txBody>
+          <a:bodyPr vert="horz" lIns="91440" tIns="45720" rIns="91440" bIns="45720" rtlCol="0" anchor="b"/>
+          <a:lstStyle>
+            <a:lvl1pPr algn="l">
+              <a:defRPr sz="1200"/>
+            </a:lvl1pPr>
+          </a:lstStyle>
+          <a:p>
+            <a:endParaRPr lang="en-US"/>
+          </a:p>
+        </p:txBody>
+      </p:sp>
+      <p:sp>
+        <p:nvSpPr>
+          <p:cNvPr id="7" name="Slide Number Placeholder 6"/>
+          <p:cNvSpPr>
+            <a:spLocks noGrp="1"/>
+          </p:cNvSpPr>
+          <p:nvPr>
+            <p:ph type="sldNum" sz="quarter" idx="5"/>
+          </p:nvPr>
+        </p:nvSpPr>
+        <p:spPr>
+          <a:xfrm>
+            <a:off x="3884613" y="8685213"/>
+            <a:ext cx="2971800" cy="457200"/>
+          </a:xfrm>
+          <a:prstGeom prst="rect">
+            <a:avLst/>
+          </a:prstGeom>
+        </p:spPr>
+        <p:txBody>
+          <a:bodyPr vert="horz" lIns="91440" tIns="45720" rIns="91440" bIns="45720" rtlCol="0" anchor="b"/>
+          <a:lstStyle>
+            <a:lvl1pPr algn="r">
+              <a:defRPr sz="1200"/>
+            </a:lvl1pPr>
+          </a:lstStyle>
+          <a:p>
+            <a:fld id="{9E86223B-95E8-4F3F-9A53-0545C978DF79}" type="slidenum">
+              <a:rPr lang="en-US" smtClean="0"/>
+              <a:t>‹#›</a:t>
+            </a:fld>
+            <a:endParaRPr lang="en-US"/>
+          </a:p>
+        </p:txBody>
+      </p:sp>
+    </p:spTree>
+  </p:cSld>
+  <p:clrMap bg1="lt1" tx1="dk1" bg2="lt2" tx2="dk2" accent1="accent1" accent2="accent2" accent3="accent3" accent4="accent4" accent5="accent5" accent6="accent6" hlink="hlink" folHlink="folHlink"/>
+  <p:notesStyle>
+    <a:lvl1pPr marL="0" algn="l" defTabSz="914400" rtl="0" eaLnBrk="1" latinLnBrk="0" hangingPunct="1">
+      <a:defRPr sz="1200" kern="1200">
+        <a:solidFill>
+          <a:schemeClr val="tx1"/>
+        </a:solidFill>
+        <a:latin typeface="+mn-lt"/>
+        <a:ea typeface="+mn-ea"/>
+        <a:cs typeface="+mn-cs"/>
+      </a:defRPr>
+    </a:lvl1pPr>
+    <a:lvl2pPr marL="457200" algn="l" defTabSz="914400" rtl="0" eaLnBrk="1" latinLnBrk="0" hangingPunct="1">
+      <a:defRPr sz="1200" kern="1200">
+        <a:solidFill>
+          <a:schemeClr val="tx1"/>
+        </a:solidFill>
+        <a:latin typeface="+mn-lt"/>
+        <a:ea typeface="+mn-ea"/>
+        <a:cs typeface="+mn-cs"/>
+      </a:defRPr>
+    </a:lvl2pPr>
+    <a:lvl3pPr marL="914400" algn="l" defTabSz="914400" rtl="0" eaLnBrk="1" latinLnBrk="0" hangingPunct="1">
+      <a:defRPr sz="1200" kern="1200">
+        <a:solidFill>
+          <a:schemeClr val="tx1"/>
+        </a:solidFill>
+        <a:latin typeface="+mn-lt"/>
+        <a:ea typeface="+mn-ea"/>
+        <a:cs typeface="+mn-cs"/>
+      </a:defRPr>
+    </a:lvl3pPr>
+    <a:lvl4pPr marL="1371600" algn="l" defTabSz="914400" rtl="0" eaLnBrk="1" latinLnBrk="0" hangingPunct="1">
+      <a:defRPr sz="1200" kern="1200">
+        <a:solidFill>
+          <a:schemeClr val="tx1"/>
+        </a:solidFill>
+        <a:latin typeface="+mn-lt"/>
+        <a:ea typeface="+mn-ea"/>
+        <a:cs typeface="+mn-cs"/>
+      </a:defRPr>
+    </a:lvl4pPr>
+    <a:lvl5pPr marL="1828800" algn="l" defTabSz="914400" rtl="0" eaLnBrk="1" latinLnBrk="0" hangingPunct="1">
+      <a:defRPr sz="1200" kern="1200">
+        <a:solidFill>
+          <a:schemeClr val="tx1"/>
+        </a:solidFill>
+        <a:latin typeface="+mn-lt"/>
+        <a:ea typeface="+mn-ea"/>
+        <a:cs typeface="+mn-cs"/>
+      </a:defRPr>
+    </a:lvl5pPr>
+    <a:lvl6pPr marL="2286000" algn="l" defTabSz="914400" rtl="0" eaLnBrk="1" latinLnBrk="0" hangingPunct="1">
+      <a:defRPr sz="1200" kern="1200">
+        <a:solidFill>
+          <a:schemeClr val="tx1"/>
+        </a:solidFill>
+        <a:latin typeface="+mn-lt"/>
+        <a:ea typeface="+mn-ea"/>
+        <a:cs typeface="+mn-cs"/>
+      </a:defRPr>
+    </a:lvl6pPr>
+    <a:lvl7pPr marL="2743200" algn="l" defTabSz="914400" rtl="0" eaLnBrk="1" latinLnBrk="0" hangingPunct="1">
+      <a:defRPr sz="1200" kern="1200">
+        <a:solidFill>
+          <a:schemeClr val="tx1"/>
+        </a:solidFill>
+        <a:latin typeface="+mn-lt"/>
+        <a:ea typeface="+mn-ea"/>
+        <a:cs typeface="+mn-cs"/>
+      </a:defRPr>
+    </a:lvl7pPr>
+    <a:lvl8pPr marL="3200400" algn="l" defTabSz="914400" rtl="0" eaLnBrk="1" latinLnBrk="0" hangingPunct="1">
+      <a:defRPr sz="1200" kern="1200">
+        <a:solidFill>
+          <a:schemeClr val="tx1"/>
+        </a:solidFill>
+        <a:latin typeface="+mn-lt"/>
+        <a:ea typeface="+mn-ea"/>
+        <a:cs typeface="+mn-cs"/>
+      </a:defRPr>
+    </a:lvl8pPr>
+    <a:lvl9pPr marL="3657600" algn="l" defTabSz="914400" rtl="0" eaLnBrk="1" latinLnBrk="0" hangingPunct="1">
+      <a:defRPr sz="1200" kern="1200">
+        <a:solidFill>
+          <a:schemeClr val="tx1"/>
+        </a:solidFill>
+        <a:latin typeface="+mn-lt"/>
+        <a:ea typeface="+mn-ea"/>
+        <a:cs typeface="+mn-cs"/>
+      </a:defRPr>
+    </a:lvl9pPr>
+  </p:notesStyle>
+</p:notesMaster>
+</file>
+
+<file path=ppt/notesSlides/notesSlide1.xml><?xml version="1.0" encoding="utf-8"?>
+<p:notes xmlns:a="http://schemas.openxmlformats.org/drawingml/2006/main" xmlns:r="http://schemas.openxmlformats.org/officeDocument/2006/relationships" xmlns:p="http://schemas.openxmlformats.org/presentationml/2006/main">
+  <p:cSld>
+    <p:spTree>
+      <p:nvGrpSpPr>
+        <p:cNvPr id="1" name=""/>
+        <p:cNvGrpSpPr/>
+        <p:nvPr/>
+      </p:nvGrpSpPr>
+      <p:grpSpPr>
+        <a:xfrm>
+          <a:off x="0" y="0"/>
+          <a:ext cx="0" cy="0"/>
+          <a:chOff x="0" y="0"/>
+          <a:chExt cx="0" cy="0"/>
+        </a:xfrm>
+      </p:grpSpPr>
+      <p:sp>
+        <p:nvSpPr>
+          <p:cNvPr id="2" name="Slide Image Placeholder 1"/>
+          <p:cNvSpPr>
+            <a:spLocks noGrp="1" noRot="1" noChangeAspect="1"/>
+          </p:cNvSpPr>
+          <p:nvPr>
+            <p:ph type="sldImg"/>
+          </p:nvPr>
+        </p:nvSpPr>
+        <p:spPr/>
+      </p:sp>
+      <p:sp>
+        <p:nvSpPr>
+          <p:cNvPr id="3" name="Notes Placeholder 2"/>
+          <p:cNvSpPr>
+            <a:spLocks noGrp="1"/>
+          </p:cNvSpPr>
+          <p:nvPr>
+            <p:ph type="body" idx="1"/>
+          </p:nvPr>
+        </p:nvSpPr>
+        <p:spPr/>
+        <p:txBody>
+          <a:bodyPr>
+            <a:normAutofit/>
+          </a:bodyPr>
+          <a:lstStyle/>
+          <a:p>
+            <a:endParaRPr lang="en-US" dirty="0"/>
+          </a:p>
+        </p:txBody>
+      </p:sp>
+      <p:sp>
+        <p:nvSpPr>
+          <p:cNvPr id="4" name="Slide Number Placeholder 3"/>
+          <p:cNvSpPr>
+            <a:spLocks noGrp="1"/>
+          </p:cNvSpPr>
+          <p:nvPr>
+            <p:ph type="sldNum" sz="quarter" idx="10"/>
+          </p:nvPr>
+        </p:nvSpPr>
+        <p:spPr/>
+        <p:txBody>
+          <a:bodyPr/>
+          <a:lstStyle/>
+          <a:p>
+            <a:fld id="{9E86223B-95E8-4F3F-9A53-0545C978DF79}" type="slidenum">
+              <a:rPr lang="en-US" smtClean="0"/>
+              <a:t>4</a:t>
+            </a:fld>
+            <a:endParaRPr lang="en-US"/>
+          </a:p>
+        </p:txBody>
+      </p:sp>
+    </p:spTree>
+  </p:cSld>
+  <p:clrMapOvr>
+    <a:masterClrMapping/>
+  </p:clrMapOvr>
+</p:notes>
 </file>
 
 <file path=ppt/slideLayouts/slideLayout1.xml><?xml version="1.0" encoding="utf-8"?>
@@ -290,7 +724,7 @@
             <a:fld id="{44226C23-AE07-4433-9B3A-8CE06417A35D}" type="datetimeFigureOut">
               <a:rPr lang="en-US" smtClean="0"/>
               <a:pPr/>
-              <a:t>5/6/2016</a:t>
+              <a:t>5/7/2016</a:t>
             </a:fld>
             <a:endParaRPr lang="en-US"/>
           </a:p>
@@ -457,7 +891,7 @@
             <a:fld id="{44226C23-AE07-4433-9B3A-8CE06417A35D}" type="datetimeFigureOut">
               <a:rPr lang="en-US" smtClean="0"/>
               <a:pPr/>
-              <a:t>5/6/2016</a:t>
+              <a:t>5/7/2016</a:t>
             </a:fld>
             <a:endParaRPr lang="en-US"/>
           </a:p>
@@ -634,7 +1068,7 @@
             <a:fld id="{44226C23-AE07-4433-9B3A-8CE06417A35D}" type="datetimeFigureOut">
               <a:rPr lang="en-US" smtClean="0"/>
               <a:pPr/>
-              <a:t>5/6/2016</a:t>
+              <a:t>5/7/2016</a:t>
             </a:fld>
             <a:endParaRPr lang="en-US"/>
           </a:p>
@@ -801,7 +1235,7 @@
             <a:fld id="{44226C23-AE07-4433-9B3A-8CE06417A35D}" type="datetimeFigureOut">
               <a:rPr lang="en-US" smtClean="0"/>
               <a:pPr/>
-              <a:t>5/6/2016</a:t>
+              <a:t>5/7/2016</a:t>
             </a:fld>
             <a:endParaRPr lang="en-US"/>
           </a:p>
@@ -1044,7 +1478,7 @@
             <a:fld id="{44226C23-AE07-4433-9B3A-8CE06417A35D}" type="datetimeFigureOut">
               <a:rPr lang="en-US" smtClean="0"/>
               <a:pPr/>
-              <a:t>5/6/2016</a:t>
+              <a:t>5/7/2016</a:t>
             </a:fld>
             <a:endParaRPr lang="en-US"/>
           </a:p>
@@ -1329,7 +1763,7 @@
             <a:fld id="{44226C23-AE07-4433-9B3A-8CE06417A35D}" type="datetimeFigureOut">
               <a:rPr lang="en-US" smtClean="0"/>
               <a:pPr/>
-              <a:t>5/6/2016</a:t>
+              <a:t>5/7/2016</a:t>
             </a:fld>
             <a:endParaRPr lang="en-US"/>
           </a:p>
@@ -1748,7 +2182,7 @@
             <a:fld id="{44226C23-AE07-4433-9B3A-8CE06417A35D}" type="datetimeFigureOut">
               <a:rPr lang="en-US" smtClean="0"/>
               <a:pPr/>
-              <a:t>5/6/2016</a:t>
+              <a:t>5/7/2016</a:t>
             </a:fld>
             <a:endParaRPr lang="en-US"/>
           </a:p>
@@ -1863,7 +2297,7 @@
             <a:fld id="{44226C23-AE07-4433-9B3A-8CE06417A35D}" type="datetimeFigureOut">
               <a:rPr lang="en-US" smtClean="0"/>
               <a:pPr/>
-              <a:t>5/6/2016</a:t>
+              <a:t>5/7/2016</a:t>
             </a:fld>
             <a:endParaRPr lang="en-US"/>
           </a:p>
@@ -1955,7 +2389,7 @@
             <a:fld id="{44226C23-AE07-4433-9B3A-8CE06417A35D}" type="datetimeFigureOut">
               <a:rPr lang="en-US" smtClean="0"/>
               <a:pPr/>
-              <a:t>5/6/2016</a:t>
+              <a:t>5/7/2016</a:t>
             </a:fld>
             <a:endParaRPr lang="en-US"/>
           </a:p>
@@ -2229,7 +2663,7 @@
             <a:fld id="{44226C23-AE07-4433-9B3A-8CE06417A35D}" type="datetimeFigureOut">
               <a:rPr lang="en-US" smtClean="0"/>
               <a:pPr/>
-              <a:t>5/6/2016</a:t>
+              <a:t>5/7/2016</a:t>
             </a:fld>
             <a:endParaRPr lang="en-US"/>
           </a:p>
@@ -2479,7 +2913,7 @@
             <a:fld id="{44226C23-AE07-4433-9B3A-8CE06417A35D}" type="datetimeFigureOut">
               <a:rPr lang="en-US" smtClean="0"/>
               <a:pPr/>
-              <a:t>5/6/2016</a:t>
+              <a:t>5/7/2016</a:t>
             </a:fld>
             <a:endParaRPr lang="en-US"/>
           </a:p>
@@ -2689,7 +3123,7 @@
             <a:fld id="{44226C23-AE07-4433-9B3A-8CE06417A35D}" type="datetimeFigureOut">
               <a:rPr lang="en-US" smtClean="0"/>
               <a:pPr/>
-              <a:t>5/6/2016</a:t>
+              <a:t>5/7/2016</a:t>
             </a:fld>
             <a:endParaRPr lang="en-US"/>
           </a:p>
@@ -4338,6 +4772,5723 @@
 </file>
 
 <file path=ppt/slides/slide2.xml><?xml version="1.0" encoding="utf-8"?>
+<p:sld xmlns:a="http://schemas.openxmlformats.org/drawingml/2006/main" xmlns:r="http://schemas.openxmlformats.org/officeDocument/2006/relationships" xmlns:p="http://schemas.openxmlformats.org/presentationml/2006/main">
+  <p:cSld>
+    <p:spTree>
+      <p:nvGrpSpPr>
+        <p:cNvPr id="1" name=""/>
+        <p:cNvGrpSpPr/>
+        <p:nvPr/>
+      </p:nvGrpSpPr>
+      <p:grpSpPr>
+        <a:xfrm>
+          <a:off x="0" y="0"/>
+          <a:ext cx="0" cy="0"/>
+          <a:chOff x="0" y="0"/>
+          <a:chExt cx="0" cy="0"/>
+        </a:xfrm>
+      </p:grpSpPr>
+      <p:pic>
+        <p:nvPicPr>
+          <p:cNvPr id="1038" name="Picture 14" descr="control data, database, database settings, gear, options, preferences, settings icon"/>
+          <p:cNvPicPr>
+            <a:picLocks noChangeAspect="1" noChangeArrowheads="1"/>
+          </p:cNvPicPr>
+          <p:nvPr/>
+        </p:nvPicPr>
+        <p:blipFill>
+          <a:blip r:embed="rId2" cstate="print"/>
+          <a:srcRect/>
+          <a:stretch>
+            <a:fillRect/>
+          </a:stretch>
+        </p:blipFill>
+        <p:spPr bwMode="auto">
+          <a:xfrm>
+            <a:off x="679269" y="2826483"/>
+            <a:ext cx="685800" cy="685801"/>
+          </a:xfrm>
+          <a:prstGeom prst="rect">
+            <a:avLst/>
+          </a:prstGeom>
+          <a:noFill/>
+        </p:spPr>
+      </p:pic>
+      <p:pic>
+        <p:nvPicPr>
+          <p:cNvPr id="2" name="Picture 2" descr="add, database icon"/>
+          <p:cNvPicPr>
+            <a:picLocks noChangeAspect="1" noChangeArrowheads="1"/>
+          </p:cNvPicPr>
+          <p:nvPr/>
+        </p:nvPicPr>
+        <p:blipFill>
+          <a:blip r:embed="rId3" cstate="print"/>
+          <a:srcRect/>
+          <a:stretch>
+            <a:fillRect/>
+          </a:stretch>
+        </p:blipFill>
+        <p:spPr bwMode="auto">
+          <a:xfrm>
+            <a:off x="841376" y="3940312"/>
+            <a:ext cx="321218" cy="321218"/>
+          </a:xfrm>
+          <a:prstGeom prst="rect">
+            <a:avLst/>
+          </a:prstGeom>
+          <a:noFill/>
+        </p:spPr>
+      </p:pic>
+      <p:sp>
+        <p:nvSpPr>
+          <p:cNvPr id="54" name="TextBox 53"/>
+          <p:cNvSpPr txBox="1"/>
+          <p:nvPr/>
+        </p:nvSpPr>
+        <p:spPr>
+          <a:xfrm>
+            <a:off x="933242" y="1133340"/>
+            <a:ext cx="1116203" cy="369332"/>
+          </a:xfrm>
+          <a:prstGeom prst="rect">
+            <a:avLst/>
+          </a:prstGeom>
+          <a:noFill/>
+        </p:spPr>
+        <p:txBody>
+          <a:bodyPr wrap="none" rtlCol="0">
+            <a:spAutoFit/>
+          </a:bodyPr>
+          <a:lstStyle/>
+          <a:p>
+            <a:r>
+              <a:rPr lang="en-US" i="1" dirty="0" smtClean="0">
+                <a:solidFill>
+                  <a:srgbClr val="C00000"/>
+                </a:solidFill>
+                <a:latin typeface="Arial Rounded MT Bold" pitchFamily="34" charset="0"/>
+              </a:rPr>
+              <a:t>synapse</a:t>
+            </a:r>
+            <a:endParaRPr lang="en-US" i="1" dirty="0">
+              <a:solidFill>
+                <a:srgbClr val="C00000"/>
+              </a:solidFill>
+              <a:latin typeface="Arial Rounded MT Bold" pitchFamily="34" charset="0"/>
+            </a:endParaRPr>
+          </a:p>
+        </p:txBody>
+      </p:sp>
+      <p:grpSp>
+        <p:nvGrpSpPr>
+          <p:cNvPr id="56" name="Group 55"/>
+          <p:cNvGrpSpPr/>
+          <p:nvPr/>
+        </p:nvGrpSpPr>
+        <p:grpSpPr>
+          <a:xfrm>
+            <a:off x="2057400" y="1752600"/>
+            <a:ext cx="4876800" cy="3315789"/>
+            <a:chOff x="2057400" y="1752600"/>
+            <a:chExt cx="4876800" cy="3315789"/>
+          </a:xfrm>
+        </p:grpSpPr>
+        <p:cxnSp>
+          <p:nvCxnSpPr>
+            <p:cNvPr id="59" name="Straight Connector 58"/>
+            <p:cNvCxnSpPr/>
+            <p:nvPr/>
+          </p:nvCxnSpPr>
+          <p:spPr>
+            <a:xfrm flipH="1" flipV="1">
+              <a:off x="2854234" y="2364377"/>
+              <a:ext cx="1412966" cy="1140823"/>
+            </a:xfrm>
+            <a:prstGeom prst="line">
+              <a:avLst/>
+            </a:prstGeom>
+            <a:ln w="44450" cmpd="sng">
+              <a:solidFill>
+                <a:srgbClr val="002060">
+                  <a:alpha val="74902"/>
+                </a:srgbClr>
+              </a:solidFill>
+              <a:bevel/>
+            </a:ln>
+          </p:spPr>
+          <p:style>
+            <a:lnRef idx="1">
+              <a:schemeClr val="accent1"/>
+            </a:lnRef>
+            <a:fillRef idx="0">
+              <a:schemeClr val="accent1"/>
+            </a:fillRef>
+            <a:effectRef idx="0">
+              <a:schemeClr val="accent1"/>
+            </a:effectRef>
+            <a:fontRef idx="minor">
+              <a:schemeClr val="tx1"/>
+            </a:fontRef>
+          </p:style>
+        </p:cxnSp>
+        <p:cxnSp>
+          <p:nvCxnSpPr>
+            <p:cNvPr id="62" name="Straight Connector 61"/>
+            <p:cNvCxnSpPr/>
+            <p:nvPr/>
+          </p:nvCxnSpPr>
+          <p:spPr>
+            <a:xfrm flipH="1" flipV="1">
+              <a:off x="2410097" y="3383280"/>
+              <a:ext cx="1857103" cy="121920"/>
+            </a:xfrm>
+            <a:prstGeom prst="line">
+              <a:avLst/>
+            </a:prstGeom>
+            <a:ln w="44450" cmpd="sng">
+              <a:solidFill>
+                <a:srgbClr val="002060">
+                  <a:alpha val="74902"/>
+                </a:srgbClr>
+              </a:solidFill>
+              <a:bevel/>
+            </a:ln>
+          </p:spPr>
+          <p:style>
+            <a:lnRef idx="1">
+              <a:schemeClr val="accent1"/>
+            </a:lnRef>
+            <a:fillRef idx="0">
+              <a:schemeClr val="accent1"/>
+            </a:fillRef>
+            <a:effectRef idx="0">
+              <a:schemeClr val="accent1"/>
+            </a:effectRef>
+            <a:fontRef idx="minor">
+              <a:schemeClr val="tx1"/>
+            </a:fontRef>
+          </p:style>
+        </p:cxnSp>
+        <p:cxnSp>
+          <p:nvCxnSpPr>
+            <p:cNvPr id="65" name="Straight Connector 64"/>
+            <p:cNvCxnSpPr/>
+            <p:nvPr/>
+          </p:nvCxnSpPr>
+          <p:spPr>
+            <a:xfrm flipH="1">
+              <a:off x="2612571" y="3505200"/>
+              <a:ext cx="1654629" cy="714103"/>
+            </a:xfrm>
+            <a:prstGeom prst="line">
+              <a:avLst/>
+            </a:prstGeom>
+            <a:ln w="44450" cmpd="sng">
+              <a:solidFill>
+                <a:srgbClr val="002060">
+                  <a:alpha val="74902"/>
+                </a:srgbClr>
+              </a:solidFill>
+              <a:bevel/>
+            </a:ln>
+          </p:spPr>
+          <p:style>
+            <a:lnRef idx="1">
+              <a:schemeClr val="accent1"/>
+            </a:lnRef>
+            <a:fillRef idx="0">
+              <a:schemeClr val="accent1"/>
+            </a:fillRef>
+            <a:effectRef idx="0">
+              <a:schemeClr val="accent1"/>
+            </a:effectRef>
+            <a:fontRef idx="minor">
+              <a:schemeClr val="tx1"/>
+            </a:fontRef>
+          </p:style>
+        </p:cxnSp>
+        <p:cxnSp>
+          <p:nvCxnSpPr>
+            <p:cNvPr id="68" name="Straight Connector 67"/>
+            <p:cNvCxnSpPr/>
+            <p:nvPr/>
+          </p:nvCxnSpPr>
+          <p:spPr>
+            <a:xfrm flipH="1">
+              <a:off x="3276600" y="3505200"/>
+              <a:ext cx="990600" cy="1219200"/>
+            </a:xfrm>
+            <a:prstGeom prst="line">
+              <a:avLst/>
+            </a:prstGeom>
+            <a:ln w="44450" cmpd="sng">
+              <a:solidFill>
+                <a:srgbClr val="002060">
+                  <a:alpha val="74902"/>
+                </a:srgbClr>
+              </a:solidFill>
+              <a:bevel/>
+            </a:ln>
+          </p:spPr>
+          <p:style>
+            <a:lnRef idx="1">
+              <a:schemeClr val="accent1"/>
+            </a:lnRef>
+            <a:fillRef idx="0">
+              <a:schemeClr val="accent1"/>
+            </a:fillRef>
+            <a:effectRef idx="0">
+              <a:schemeClr val="accent1"/>
+            </a:effectRef>
+            <a:fontRef idx="minor">
+              <a:schemeClr val="tx1"/>
+            </a:fontRef>
+          </p:style>
+        </p:cxnSp>
+        <p:grpSp>
+          <p:nvGrpSpPr>
+            <p:cNvPr id="4" name="Group 55"/>
+            <p:cNvGrpSpPr/>
+            <p:nvPr/>
+          </p:nvGrpSpPr>
+          <p:grpSpPr>
+            <a:xfrm>
+              <a:off x="2286000" y="1752600"/>
+              <a:ext cx="1219199" cy="1219200"/>
+              <a:chOff x="2286000" y="1752600"/>
+              <a:chExt cx="1219199" cy="1219200"/>
+            </a:xfrm>
+          </p:grpSpPr>
+          <p:pic>
+            <p:nvPicPr>
+              <p:cNvPr id="1028" name="Picture 4" descr="bitbucket, branch, contribute, files, manage, repository, svn icon"/>
+              <p:cNvPicPr>
+                <a:picLocks noChangeAspect="1" noChangeArrowheads="1"/>
+              </p:cNvPicPr>
+              <p:nvPr/>
+            </p:nvPicPr>
+            <p:blipFill>
+              <a:blip r:embed="rId4" cstate="print"/>
+              <a:srcRect/>
+              <a:stretch>
+                <a:fillRect/>
+              </a:stretch>
+            </p:blipFill>
+            <p:spPr bwMode="auto">
+              <a:xfrm>
+                <a:off x="2286000" y="2133599"/>
+                <a:ext cx="838200" cy="838201"/>
+              </a:xfrm>
+              <a:prstGeom prst="rect">
+                <a:avLst/>
+              </a:prstGeom>
+              <a:noFill/>
+            </p:spPr>
+          </p:pic>
+          <p:pic>
+            <p:nvPicPr>
+              <p:cNvPr id="1032" name="Picture 8" descr="branch, contribute, files, github, manage, repository, svn icon"/>
+              <p:cNvPicPr>
+                <a:picLocks noChangeAspect="1" noChangeArrowheads="1"/>
+              </p:cNvPicPr>
+              <p:nvPr/>
+            </p:nvPicPr>
+            <p:blipFill>
+              <a:blip r:embed="rId5" cstate="print"/>
+              <a:srcRect/>
+              <a:stretch>
+                <a:fillRect/>
+              </a:stretch>
+            </p:blipFill>
+            <p:spPr bwMode="auto">
+              <a:xfrm>
+                <a:off x="2667000" y="1752600"/>
+                <a:ext cx="838199" cy="838200"/>
+              </a:xfrm>
+              <a:prstGeom prst="rect">
+                <a:avLst/>
+              </a:prstGeom>
+              <a:noFill/>
+            </p:spPr>
+          </p:pic>
+        </p:grpSp>
+        <p:sp>
+          <p:nvSpPr>
+            <p:cNvPr id="12" name="Oval 11"/>
+            <p:cNvSpPr/>
+            <p:nvPr/>
+          </p:nvSpPr>
+          <p:spPr>
+            <a:xfrm>
+              <a:off x="2057400" y="3048000"/>
+              <a:ext cx="685800" cy="685800"/>
+            </a:xfrm>
+            <a:prstGeom prst="ellipse">
+              <a:avLst/>
+            </a:prstGeom>
+            <a:solidFill>
+              <a:srgbClr val="FFFF99"/>
+            </a:solidFill>
+            <a:ln>
+              <a:solidFill>
+                <a:srgbClr val="FFFF66"/>
+              </a:solidFill>
+            </a:ln>
+          </p:spPr>
+          <p:style>
+            <a:lnRef idx="2">
+              <a:schemeClr val="accent1">
+                <a:shade val="50000"/>
+              </a:schemeClr>
+            </a:lnRef>
+            <a:fillRef idx="1">
+              <a:schemeClr val="accent1"/>
+            </a:fillRef>
+            <a:effectRef idx="0">
+              <a:schemeClr val="accent1"/>
+            </a:effectRef>
+            <a:fontRef idx="minor">
+              <a:schemeClr val="lt1"/>
+            </a:fontRef>
+          </p:style>
+          <p:txBody>
+            <a:bodyPr rtlCol="0" anchor="ctr"/>
+            <a:lstStyle/>
+            <a:p>
+              <a:pPr algn="ctr"/>
+              <a:endParaRPr lang="en-US"/>
+            </a:p>
+          </p:txBody>
+        </p:sp>
+        <p:cxnSp>
+          <p:nvCxnSpPr>
+            <p:cNvPr id="42" name="Straight Connector 41"/>
+            <p:cNvCxnSpPr/>
+            <p:nvPr/>
+          </p:nvCxnSpPr>
+          <p:spPr>
+            <a:xfrm flipV="1">
+              <a:off x="5791200" y="1981200"/>
+              <a:ext cx="762000" cy="838200"/>
+            </a:xfrm>
+            <a:prstGeom prst="line">
+              <a:avLst/>
+            </a:prstGeom>
+            <a:ln w="44450" cmpd="sng">
+              <a:solidFill>
+                <a:schemeClr val="bg1">
+                  <a:lumMod val="65000"/>
+                </a:schemeClr>
+              </a:solidFill>
+              <a:bevel/>
+            </a:ln>
+          </p:spPr>
+          <p:style>
+            <a:lnRef idx="1">
+              <a:schemeClr val="accent1"/>
+            </a:lnRef>
+            <a:fillRef idx="0">
+              <a:schemeClr val="accent1"/>
+            </a:fillRef>
+            <a:effectRef idx="0">
+              <a:schemeClr val="accent1"/>
+            </a:effectRef>
+            <a:fontRef idx="minor">
+              <a:schemeClr val="tx1"/>
+            </a:fontRef>
+          </p:style>
+        </p:cxnSp>
+        <p:cxnSp>
+          <p:nvCxnSpPr>
+            <p:cNvPr id="43" name="Straight Connector 42"/>
+            <p:cNvCxnSpPr/>
+            <p:nvPr/>
+          </p:nvCxnSpPr>
+          <p:spPr>
+            <a:xfrm flipH="1" flipV="1">
+              <a:off x="5791200" y="2819400"/>
+              <a:ext cx="838200" cy="381000"/>
+            </a:xfrm>
+            <a:prstGeom prst="line">
+              <a:avLst/>
+            </a:prstGeom>
+            <a:ln w="44450" cmpd="sng">
+              <a:solidFill>
+                <a:schemeClr val="bg1">
+                  <a:lumMod val="65000"/>
+                </a:schemeClr>
+              </a:solidFill>
+              <a:bevel/>
+            </a:ln>
+          </p:spPr>
+          <p:style>
+            <a:lnRef idx="1">
+              <a:schemeClr val="accent1"/>
+            </a:lnRef>
+            <a:fillRef idx="0">
+              <a:schemeClr val="accent1"/>
+            </a:fillRef>
+            <a:effectRef idx="0">
+              <a:schemeClr val="accent1"/>
+            </a:effectRef>
+            <a:fontRef idx="minor">
+              <a:schemeClr val="tx1"/>
+            </a:fontRef>
+          </p:style>
+        </p:cxnSp>
+        <p:cxnSp>
+          <p:nvCxnSpPr>
+            <p:cNvPr id="44" name="Straight Connector 43"/>
+            <p:cNvCxnSpPr/>
+            <p:nvPr/>
+          </p:nvCxnSpPr>
+          <p:spPr>
+            <a:xfrm flipV="1">
+              <a:off x="5791200" y="2590800"/>
+              <a:ext cx="914400" cy="228600"/>
+            </a:xfrm>
+            <a:prstGeom prst="line">
+              <a:avLst/>
+            </a:prstGeom>
+            <a:ln w="44450" cmpd="sng">
+              <a:solidFill>
+                <a:schemeClr val="bg1">
+                  <a:lumMod val="65000"/>
+                </a:schemeClr>
+              </a:solidFill>
+              <a:bevel/>
+            </a:ln>
+          </p:spPr>
+          <p:style>
+            <a:lnRef idx="1">
+              <a:schemeClr val="accent1"/>
+            </a:lnRef>
+            <a:fillRef idx="0">
+              <a:schemeClr val="accent1"/>
+            </a:fillRef>
+            <a:effectRef idx="0">
+              <a:schemeClr val="accent1"/>
+            </a:effectRef>
+            <a:fontRef idx="minor">
+              <a:schemeClr val="tx1"/>
+            </a:fontRef>
+          </p:style>
+        </p:cxnSp>
+        <p:cxnSp>
+          <p:nvCxnSpPr>
+            <p:cNvPr id="45" name="Straight Connector 44"/>
+            <p:cNvCxnSpPr/>
+            <p:nvPr/>
+          </p:nvCxnSpPr>
+          <p:spPr>
+            <a:xfrm flipV="1">
+              <a:off x="4267200" y="2819400"/>
+              <a:ext cx="1524000" cy="685800"/>
+            </a:xfrm>
+            <a:prstGeom prst="line">
+              <a:avLst/>
+            </a:prstGeom>
+            <a:ln w="44450" cmpd="sng">
+              <a:solidFill>
+                <a:srgbClr val="002060">
+                  <a:alpha val="74902"/>
+                </a:srgbClr>
+              </a:solidFill>
+              <a:bevel/>
+            </a:ln>
+          </p:spPr>
+          <p:style>
+            <a:lnRef idx="1">
+              <a:schemeClr val="accent1"/>
+            </a:lnRef>
+            <a:fillRef idx="0">
+              <a:schemeClr val="accent1"/>
+            </a:fillRef>
+            <a:effectRef idx="0">
+              <a:schemeClr val="accent1"/>
+            </a:effectRef>
+            <a:fontRef idx="minor">
+              <a:schemeClr val="tx1"/>
+            </a:fontRef>
+          </p:style>
+        </p:cxnSp>
+        <p:cxnSp>
+          <p:nvCxnSpPr>
+            <p:cNvPr id="46" name="Straight Connector 45"/>
+            <p:cNvCxnSpPr/>
+            <p:nvPr/>
+          </p:nvCxnSpPr>
+          <p:spPr>
+            <a:xfrm flipH="1" flipV="1">
+              <a:off x="4267200" y="3505200"/>
+              <a:ext cx="1371600" cy="419100"/>
+            </a:xfrm>
+            <a:prstGeom prst="line">
+              <a:avLst/>
+            </a:prstGeom>
+            <a:ln w="44450" cmpd="sng">
+              <a:solidFill>
+                <a:srgbClr val="002060">
+                  <a:alpha val="74902"/>
+                </a:srgbClr>
+              </a:solidFill>
+              <a:bevel/>
+            </a:ln>
+          </p:spPr>
+          <p:style>
+            <a:lnRef idx="1">
+              <a:schemeClr val="accent1"/>
+            </a:lnRef>
+            <a:fillRef idx="0">
+              <a:schemeClr val="accent1"/>
+            </a:fillRef>
+            <a:effectRef idx="0">
+              <a:schemeClr val="accent1"/>
+            </a:effectRef>
+            <a:fontRef idx="minor">
+              <a:schemeClr val="tx1"/>
+            </a:fontRef>
+          </p:style>
+        </p:cxnSp>
+        <p:sp>
+          <p:nvSpPr>
+            <p:cNvPr id="61" name="Oval 60"/>
+            <p:cNvSpPr/>
+            <p:nvPr/>
+          </p:nvSpPr>
+          <p:spPr>
+            <a:xfrm>
+              <a:off x="3430093" y="3049093"/>
+              <a:ext cx="1676400" cy="914400"/>
+            </a:xfrm>
+            <a:prstGeom prst="ellipse">
+              <a:avLst/>
+            </a:prstGeom>
+            <a:solidFill>
+              <a:srgbClr val="FFFFFF"/>
+            </a:solidFill>
+            <a:ln>
+              <a:solidFill>
+                <a:schemeClr val="bg1"/>
+              </a:solidFill>
+            </a:ln>
+          </p:spPr>
+          <p:style>
+            <a:lnRef idx="2">
+              <a:schemeClr val="accent1">
+                <a:shade val="50000"/>
+              </a:schemeClr>
+            </a:lnRef>
+            <a:fillRef idx="1">
+              <a:schemeClr val="accent1"/>
+            </a:fillRef>
+            <a:effectRef idx="0">
+              <a:schemeClr val="accent1"/>
+            </a:effectRef>
+            <a:fontRef idx="minor">
+              <a:schemeClr val="lt1"/>
+            </a:fontRef>
+          </p:style>
+          <p:txBody>
+            <a:bodyPr rtlCol="0" anchor="ctr"/>
+            <a:lstStyle/>
+            <a:p>
+              <a:pPr algn="ctr"/>
+              <a:endParaRPr lang="en-US"/>
+            </a:p>
+          </p:txBody>
+        </p:sp>
+        <p:sp>
+          <p:nvSpPr>
+            <p:cNvPr id="49" name="Oval 48"/>
+            <p:cNvSpPr/>
+            <p:nvPr/>
+          </p:nvSpPr>
+          <p:spPr>
+            <a:xfrm>
+              <a:off x="6324600" y="1828800"/>
+              <a:ext cx="381000" cy="381000"/>
+            </a:xfrm>
+            <a:prstGeom prst="ellipse">
+              <a:avLst/>
+            </a:prstGeom>
+            <a:solidFill>
+              <a:schemeClr val="bg1">
+                <a:lumMod val="85000"/>
+              </a:schemeClr>
+            </a:solidFill>
+            <a:ln>
+              <a:solidFill>
+                <a:schemeClr val="bg1">
+                  <a:lumMod val="65000"/>
+                </a:schemeClr>
+              </a:solidFill>
+            </a:ln>
+          </p:spPr>
+          <p:style>
+            <a:lnRef idx="2">
+              <a:schemeClr val="accent1">
+                <a:shade val="50000"/>
+              </a:schemeClr>
+            </a:lnRef>
+            <a:fillRef idx="1">
+              <a:schemeClr val="accent1"/>
+            </a:fillRef>
+            <a:effectRef idx="0">
+              <a:schemeClr val="accent1"/>
+            </a:effectRef>
+            <a:fontRef idx="minor">
+              <a:schemeClr val="lt1"/>
+            </a:fontRef>
+          </p:style>
+          <p:txBody>
+            <a:bodyPr rtlCol="0" anchor="ctr"/>
+            <a:lstStyle/>
+            <a:p>
+              <a:pPr algn="ctr"/>
+              <a:endParaRPr lang="en-US"/>
+            </a:p>
+          </p:txBody>
+        </p:sp>
+        <p:sp>
+          <p:nvSpPr>
+            <p:cNvPr id="50" name="Oval 49"/>
+            <p:cNvSpPr/>
+            <p:nvPr/>
+          </p:nvSpPr>
+          <p:spPr>
+            <a:xfrm>
+              <a:off x="6553200" y="2362200"/>
+              <a:ext cx="381000" cy="381000"/>
+            </a:xfrm>
+            <a:prstGeom prst="ellipse">
+              <a:avLst/>
+            </a:prstGeom>
+            <a:solidFill>
+              <a:schemeClr val="bg1">
+                <a:lumMod val="85000"/>
+              </a:schemeClr>
+            </a:solidFill>
+            <a:ln>
+              <a:solidFill>
+                <a:schemeClr val="bg1">
+                  <a:lumMod val="65000"/>
+                </a:schemeClr>
+              </a:solidFill>
+            </a:ln>
+          </p:spPr>
+          <p:style>
+            <a:lnRef idx="2">
+              <a:schemeClr val="accent1">
+                <a:shade val="50000"/>
+              </a:schemeClr>
+            </a:lnRef>
+            <a:fillRef idx="1">
+              <a:schemeClr val="accent1"/>
+            </a:fillRef>
+            <a:effectRef idx="0">
+              <a:schemeClr val="accent1"/>
+            </a:effectRef>
+            <a:fontRef idx="minor">
+              <a:schemeClr val="lt1"/>
+            </a:fontRef>
+          </p:style>
+          <p:txBody>
+            <a:bodyPr rtlCol="0" anchor="ctr"/>
+            <a:lstStyle/>
+            <a:p>
+              <a:pPr algn="ctr"/>
+              <a:endParaRPr lang="en-US"/>
+            </a:p>
+          </p:txBody>
+        </p:sp>
+        <p:sp>
+          <p:nvSpPr>
+            <p:cNvPr id="51" name="Oval 50"/>
+            <p:cNvSpPr/>
+            <p:nvPr/>
+          </p:nvSpPr>
+          <p:spPr>
+            <a:xfrm>
+              <a:off x="6477000" y="2971800"/>
+              <a:ext cx="381000" cy="381000"/>
+            </a:xfrm>
+            <a:prstGeom prst="ellipse">
+              <a:avLst/>
+            </a:prstGeom>
+            <a:solidFill>
+              <a:schemeClr val="bg1">
+                <a:lumMod val="85000"/>
+              </a:schemeClr>
+            </a:solidFill>
+            <a:ln>
+              <a:solidFill>
+                <a:schemeClr val="bg1">
+                  <a:lumMod val="65000"/>
+                </a:schemeClr>
+              </a:solidFill>
+            </a:ln>
+          </p:spPr>
+          <p:style>
+            <a:lnRef idx="2">
+              <a:schemeClr val="accent1">
+                <a:shade val="50000"/>
+              </a:schemeClr>
+            </a:lnRef>
+            <a:fillRef idx="1">
+              <a:schemeClr val="accent1"/>
+            </a:fillRef>
+            <a:effectRef idx="0">
+              <a:schemeClr val="accent1"/>
+            </a:effectRef>
+            <a:fontRef idx="minor">
+              <a:schemeClr val="lt1"/>
+            </a:fontRef>
+          </p:style>
+          <p:txBody>
+            <a:bodyPr rtlCol="0" anchor="ctr"/>
+            <a:lstStyle/>
+            <a:p>
+              <a:pPr algn="ctr"/>
+              <a:endParaRPr lang="en-US"/>
+            </a:p>
+          </p:txBody>
+        </p:sp>
+        <p:sp>
+          <p:nvSpPr>
+            <p:cNvPr id="53" name="Oval 52"/>
+            <p:cNvSpPr/>
+            <p:nvPr/>
+          </p:nvSpPr>
+          <p:spPr>
+            <a:xfrm>
+              <a:off x="3430093" y="3049093"/>
+              <a:ext cx="1676400" cy="914400"/>
+            </a:xfrm>
+            <a:prstGeom prst="ellipse">
+              <a:avLst/>
+            </a:prstGeom>
+            <a:solidFill>
+              <a:srgbClr val="002060">
+                <a:alpha val="50196"/>
+              </a:srgbClr>
+            </a:solidFill>
+            <a:ln>
+              <a:solidFill>
+                <a:srgbClr val="002060">
+                  <a:alpha val="74902"/>
+                </a:srgbClr>
+              </a:solidFill>
+            </a:ln>
+          </p:spPr>
+          <p:style>
+            <a:lnRef idx="2">
+              <a:schemeClr val="accent1">
+                <a:shade val="50000"/>
+              </a:schemeClr>
+            </a:lnRef>
+            <a:fillRef idx="1">
+              <a:schemeClr val="accent1"/>
+            </a:fillRef>
+            <a:effectRef idx="0">
+              <a:schemeClr val="accent1"/>
+            </a:effectRef>
+            <a:fontRef idx="minor">
+              <a:schemeClr val="lt1"/>
+            </a:fontRef>
+          </p:style>
+          <p:txBody>
+            <a:bodyPr rtlCol="0" anchor="ctr"/>
+            <a:lstStyle/>
+            <a:p>
+              <a:pPr algn="ctr"/>
+              <a:endParaRPr lang="en-US"/>
+            </a:p>
+          </p:txBody>
+        </p:sp>
+        <p:sp>
+          <p:nvSpPr>
+            <p:cNvPr id="48" name="Oval 47"/>
+            <p:cNvSpPr/>
+            <p:nvPr/>
+          </p:nvSpPr>
+          <p:spPr>
+            <a:xfrm>
+              <a:off x="5410200" y="2438400"/>
+              <a:ext cx="762000" cy="762000"/>
+            </a:xfrm>
+            <a:prstGeom prst="ellipse">
+              <a:avLst/>
+            </a:prstGeom>
+            <a:solidFill>
+              <a:schemeClr val="bg1">
+                <a:lumMod val="85000"/>
+              </a:schemeClr>
+            </a:solidFill>
+            <a:ln>
+              <a:solidFill>
+                <a:schemeClr val="bg1">
+                  <a:lumMod val="65000"/>
+                </a:schemeClr>
+              </a:solidFill>
+            </a:ln>
+          </p:spPr>
+          <p:style>
+            <a:lnRef idx="2">
+              <a:schemeClr val="accent1">
+                <a:shade val="50000"/>
+              </a:schemeClr>
+            </a:lnRef>
+            <a:fillRef idx="1">
+              <a:schemeClr val="accent1"/>
+            </a:fillRef>
+            <a:effectRef idx="0">
+              <a:schemeClr val="accent1"/>
+            </a:effectRef>
+            <a:fontRef idx="minor">
+              <a:schemeClr val="lt1"/>
+            </a:fontRef>
+          </p:style>
+          <p:txBody>
+            <a:bodyPr rtlCol="0" anchor="ctr"/>
+            <a:lstStyle/>
+            <a:p>
+              <a:pPr algn="ctr"/>
+              <a:endParaRPr lang="en-US"/>
+            </a:p>
+          </p:txBody>
+        </p:sp>
+        <p:pic>
+          <p:nvPicPr>
+            <p:cNvPr id="2050" name="Picture 2" descr="computing, hosting, internet network, network, server, web hosting, web server icon"/>
+            <p:cNvPicPr>
+              <a:picLocks noChangeAspect="1" noChangeArrowheads="1"/>
+            </p:cNvPicPr>
+            <p:nvPr/>
+          </p:nvPicPr>
+          <p:blipFill>
+            <a:blip r:embed="rId6" cstate="print"/>
+            <a:srcRect/>
+            <a:stretch>
+              <a:fillRect/>
+            </a:stretch>
+          </p:blipFill>
+          <p:spPr bwMode="auto">
+            <a:xfrm>
+              <a:off x="5562600" y="3657600"/>
+              <a:ext cx="685800" cy="685801"/>
+            </a:xfrm>
+            <a:prstGeom prst="rect">
+              <a:avLst/>
+            </a:prstGeom>
+            <a:noFill/>
+          </p:spPr>
+        </p:pic>
+        <p:pic>
+          <p:nvPicPr>
+            <p:cNvPr id="2052" name="Picture 4" descr="cloud, cloudy, server, sky, weather icon"/>
+            <p:cNvPicPr>
+              <a:picLocks noChangeAspect="1" noChangeArrowheads="1"/>
+            </p:cNvPicPr>
+            <p:nvPr/>
+          </p:nvPicPr>
+          <p:blipFill>
+            <a:blip r:embed="rId7" cstate="print"/>
+            <a:srcRect/>
+            <a:stretch>
+              <a:fillRect/>
+            </a:stretch>
+          </p:blipFill>
+          <p:spPr bwMode="auto">
+            <a:xfrm>
+              <a:off x="5562600" y="2590800"/>
+              <a:ext cx="457200" cy="457200"/>
+            </a:xfrm>
+            <a:prstGeom prst="rect">
+              <a:avLst/>
+            </a:prstGeom>
+            <a:noFill/>
+          </p:spPr>
+        </p:pic>
+        <p:pic>
+          <p:nvPicPr>
+            <p:cNvPr id="2053" name="Picture 5" descr="C:\Users\Steve Shortt\Desktop\Untitled.png"/>
+            <p:cNvPicPr>
+              <a:picLocks noChangeAspect="1" noChangeArrowheads="1"/>
+            </p:cNvPicPr>
+            <p:nvPr/>
+          </p:nvPicPr>
+          <p:blipFill>
+            <a:blip r:embed="rId8" cstate="print"/>
+            <a:srcRect/>
+            <a:stretch>
+              <a:fillRect/>
+            </a:stretch>
+          </p:blipFill>
+          <p:spPr bwMode="auto">
+            <a:xfrm>
+              <a:off x="2257695" y="3897222"/>
+              <a:ext cx="694509" cy="694509"/>
+            </a:xfrm>
+            <a:prstGeom prst="rect">
+              <a:avLst/>
+            </a:prstGeom>
+            <a:noFill/>
+          </p:spPr>
+        </p:pic>
+        <p:grpSp>
+          <p:nvGrpSpPr>
+            <p:cNvPr id="6" name="Group 36"/>
+            <p:cNvGrpSpPr/>
+            <p:nvPr/>
+          </p:nvGrpSpPr>
+          <p:grpSpPr>
+            <a:xfrm>
+              <a:off x="2934788" y="4382589"/>
+              <a:ext cx="685800" cy="685800"/>
+              <a:chOff x="2934788" y="4382589"/>
+              <a:chExt cx="685800" cy="685800"/>
+            </a:xfrm>
+            <a:solidFill>
+              <a:schemeClr val="accent6">
+                <a:lumMod val="60000"/>
+                <a:lumOff val="40000"/>
+              </a:schemeClr>
+            </a:solidFill>
+          </p:grpSpPr>
+          <p:sp>
+            <p:nvSpPr>
+              <p:cNvPr id="35" name="Oval 34"/>
+              <p:cNvSpPr/>
+              <p:nvPr/>
+            </p:nvSpPr>
+            <p:spPr>
+              <a:xfrm>
+                <a:off x="2934788" y="4382589"/>
+                <a:ext cx="685800" cy="685800"/>
+              </a:xfrm>
+              <a:prstGeom prst="ellipse">
+                <a:avLst/>
+              </a:prstGeom>
+              <a:grpFill/>
+              <a:ln>
+                <a:solidFill>
+                  <a:schemeClr val="accent6">
+                    <a:lumMod val="60000"/>
+                    <a:lumOff val="40000"/>
+                  </a:schemeClr>
+                </a:solidFill>
+              </a:ln>
+            </p:spPr>
+            <p:style>
+              <a:lnRef idx="2">
+                <a:schemeClr val="accent1">
+                  <a:shade val="50000"/>
+                </a:schemeClr>
+              </a:lnRef>
+              <a:fillRef idx="1">
+                <a:schemeClr val="accent1"/>
+              </a:fillRef>
+              <a:effectRef idx="0">
+                <a:schemeClr val="accent1"/>
+              </a:effectRef>
+              <a:fontRef idx="minor">
+                <a:schemeClr val="lt1"/>
+              </a:fontRef>
+            </p:style>
+            <p:txBody>
+              <a:bodyPr rtlCol="0" anchor="ctr"/>
+              <a:lstStyle/>
+              <a:p>
+                <a:pPr algn="ctr"/>
+                <a:endParaRPr lang="en-US"/>
+              </a:p>
+            </p:txBody>
+          </p:sp>
+          <p:pic>
+            <p:nvPicPr>
+              <p:cNvPr id="2051" name="Picture 3" descr="C:\Devo\git\categories-128.png"/>
+              <p:cNvPicPr>
+                <a:picLocks noChangeAspect="1" noChangeArrowheads="1"/>
+              </p:cNvPicPr>
+              <p:nvPr/>
+            </p:nvPicPr>
+            <p:blipFill>
+              <a:blip r:embed="rId9" cstate="print"/>
+              <a:srcRect/>
+              <a:stretch>
+                <a:fillRect/>
+              </a:stretch>
+            </p:blipFill>
+            <p:spPr bwMode="auto">
+              <a:xfrm>
+                <a:off x="3087370" y="4535171"/>
+                <a:ext cx="380637" cy="380637"/>
+              </a:xfrm>
+              <a:prstGeom prst="rect">
+                <a:avLst/>
+              </a:prstGeom>
+              <a:grpFill/>
+              <a:ln>
+                <a:solidFill>
+                  <a:schemeClr val="accent6">
+                    <a:lumMod val="60000"/>
+                    <a:lumOff val="40000"/>
+                  </a:schemeClr>
+                </a:solidFill>
+              </a:ln>
+            </p:spPr>
+          </p:pic>
+        </p:grpSp>
+        <p:grpSp>
+          <p:nvGrpSpPr>
+            <p:cNvPr id="38" name="Group 37"/>
+            <p:cNvGrpSpPr/>
+            <p:nvPr/>
+          </p:nvGrpSpPr>
+          <p:grpSpPr>
+            <a:xfrm>
+              <a:off x="3651073" y="3294377"/>
+              <a:ext cx="1234440" cy="448056"/>
+              <a:chOff x="4652059" y="2517156"/>
+              <a:chExt cx="1234440" cy="448056"/>
+            </a:xfrm>
+          </p:grpSpPr>
+          <p:grpSp>
+            <p:nvGrpSpPr>
+              <p:cNvPr id="39" name="Group 158"/>
+              <p:cNvGrpSpPr/>
+              <p:nvPr/>
+            </p:nvGrpSpPr>
+            <p:grpSpPr>
+              <a:xfrm rot="5400000">
+                <a:off x="5045251" y="2123964"/>
+                <a:ext cx="448056" cy="1234440"/>
+                <a:chOff x="2555966" y="727167"/>
+                <a:chExt cx="481148" cy="1330237"/>
+              </a:xfrm>
+              <a:solidFill>
+                <a:srgbClr val="7CFC00"/>
+              </a:solidFill>
+            </p:grpSpPr>
+            <p:sp>
+              <p:nvSpPr>
+                <p:cNvPr id="41" name="Right Triangle 40"/>
+                <p:cNvSpPr/>
+                <p:nvPr/>
+              </p:nvSpPr>
+              <p:spPr>
+                <a:xfrm rot="5400000">
+                  <a:off x="2514599" y="1534888"/>
+                  <a:ext cx="738054" cy="306977"/>
+                </a:xfrm>
+                <a:prstGeom prst="rtTriangle">
+                  <a:avLst/>
+                </a:prstGeom>
+                <a:grpFill/>
+                <a:ln>
+                  <a:solidFill>
+                    <a:srgbClr val="66FF33"/>
+                  </a:solidFill>
+                </a:ln>
+              </p:spPr>
+              <p:style>
+                <a:lnRef idx="2">
+                  <a:schemeClr val="accent1">
+                    <a:shade val="50000"/>
+                  </a:schemeClr>
+                </a:lnRef>
+                <a:fillRef idx="1">
+                  <a:schemeClr val="accent1"/>
+                </a:fillRef>
+                <a:effectRef idx="0">
+                  <a:schemeClr val="accent1"/>
+                </a:effectRef>
+                <a:fontRef idx="minor">
+                  <a:schemeClr val="lt1"/>
+                </a:fontRef>
+              </p:style>
+              <p:txBody>
+                <a:bodyPr rtlCol="0" anchor="ctr"/>
+                <a:lstStyle/>
+                <a:p>
+                  <a:pPr algn="ctr"/>
+                  <a:endParaRPr lang="en-US"/>
+                </a:p>
+              </p:txBody>
+            </p:sp>
+            <p:sp>
+              <p:nvSpPr>
+                <p:cNvPr id="47" name="Right Triangle 46"/>
+                <p:cNvSpPr/>
+                <p:nvPr/>
+              </p:nvSpPr>
+              <p:spPr>
+                <a:xfrm rot="16200000">
+                  <a:off x="2340428" y="942705"/>
+                  <a:ext cx="738054" cy="306977"/>
+                </a:xfrm>
+                <a:prstGeom prst="rtTriangle">
+                  <a:avLst/>
+                </a:prstGeom>
+                <a:grpFill/>
+                <a:ln>
+                  <a:solidFill>
+                    <a:srgbClr val="66FF33"/>
+                  </a:solidFill>
+                </a:ln>
+              </p:spPr>
+              <p:style>
+                <a:lnRef idx="2">
+                  <a:schemeClr val="accent1">
+                    <a:shade val="50000"/>
+                  </a:schemeClr>
+                </a:lnRef>
+                <a:fillRef idx="1">
+                  <a:schemeClr val="accent1"/>
+                </a:fillRef>
+                <a:effectRef idx="0">
+                  <a:schemeClr val="accent1"/>
+                </a:effectRef>
+                <a:fontRef idx="minor">
+                  <a:schemeClr val="lt1"/>
+                </a:fontRef>
+              </p:style>
+              <p:txBody>
+                <a:bodyPr rtlCol="0" anchor="ctr"/>
+                <a:lstStyle/>
+                <a:p>
+                  <a:pPr algn="ctr"/>
+                  <a:endParaRPr lang="en-US"/>
+                </a:p>
+              </p:txBody>
+            </p:sp>
+          </p:grpSp>
+          <p:sp>
+            <p:nvSpPr>
+              <p:cNvPr id="40" name="TextBox 39"/>
+              <p:cNvSpPr txBox="1"/>
+              <p:nvPr/>
+            </p:nvSpPr>
+            <p:spPr>
+              <a:xfrm>
+                <a:off x="4789171" y="2557744"/>
+                <a:ext cx="958917" cy="338554"/>
+              </a:xfrm>
+              <a:prstGeom prst="rect">
+                <a:avLst/>
+              </a:prstGeom>
+              <a:noFill/>
+            </p:spPr>
+            <p:txBody>
+              <a:bodyPr wrap="none" rtlCol="0">
+                <a:spAutoFit/>
+              </a:bodyPr>
+              <a:lstStyle/>
+              <a:p>
+                <a:r>
+                  <a:rPr lang="en-US" sz="1600" i="1" dirty="0" smtClean="0">
+                    <a:solidFill>
+                      <a:srgbClr val="002060"/>
+                    </a:solidFill>
+                    <a:latin typeface="Microsoft JhengHei" pitchFamily="34" charset="-120"/>
+                    <a:ea typeface="Microsoft JhengHei" pitchFamily="34" charset="-120"/>
+                  </a:rPr>
+                  <a:t>synapse</a:t>
+                </a:r>
+                <a:endParaRPr lang="en-US" sz="1600" i="1" dirty="0">
+                  <a:solidFill>
+                    <a:srgbClr val="002060"/>
+                  </a:solidFill>
+                  <a:latin typeface="Microsoft JhengHei" pitchFamily="34" charset="-120"/>
+                  <a:ea typeface="Microsoft JhengHei" pitchFamily="34" charset="-120"/>
+                </a:endParaRPr>
+              </a:p>
+            </p:txBody>
+          </p:sp>
+        </p:grpSp>
+        <p:pic>
+          <p:nvPicPr>
+            <p:cNvPr id="10" name="Picture 3" descr="C:\Devo\git\Synapse\resources\service_gray.png"/>
+            <p:cNvPicPr>
+              <a:picLocks noChangeAspect="1" noChangeArrowheads="1"/>
+            </p:cNvPicPr>
+            <p:nvPr/>
+          </p:nvPicPr>
+          <p:blipFill>
+            <a:blip r:embed="rId10" cstate="print"/>
+            <a:srcRect/>
+            <a:stretch>
+              <a:fillRect/>
+            </a:stretch>
+          </p:blipFill>
+          <p:spPr bwMode="auto">
+            <a:xfrm>
+              <a:off x="2164066" y="3142554"/>
+              <a:ext cx="496692" cy="496692"/>
+            </a:xfrm>
+            <a:prstGeom prst="rect">
+              <a:avLst/>
+            </a:prstGeom>
+            <a:noFill/>
+          </p:spPr>
+        </p:pic>
+      </p:grpSp>
+    </p:spTree>
+  </p:cSld>
+  <p:clrMapOvr>
+    <a:masterClrMapping/>
+  </p:clrMapOvr>
+</p:sld>
+</file>
+
+<file path=ppt/slides/slide3.xml><?xml version="1.0" encoding="utf-8"?>
+<p:sld xmlns:a="http://schemas.openxmlformats.org/drawingml/2006/main" xmlns:r="http://schemas.openxmlformats.org/officeDocument/2006/relationships" xmlns:p="http://schemas.openxmlformats.org/presentationml/2006/main">
+  <p:cSld>
+    <p:spTree>
+      <p:nvGrpSpPr>
+        <p:cNvPr id="1" name=""/>
+        <p:cNvGrpSpPr/>
+        <p:nvPr/>
+      </p:nvGrpSpPr>
+      <p:grpSpPr>
+        <a:xfrm>
+          <a:off x="0" y="0"/>
+          <a:ext cx="0" cy="0"/>
+          <a:chOff x="0" y="0"/>
+          <a:chExt cx="0" cy="0"/>
+        </a:xfrm>
+      </p:grpSpPr>
+      <p:grpSp>
+        <p:nvGrpSpPr>
+          <p:cNvPr id="66" name="Group 65"/>
+          <p:cNvGrpSpPr/>
+          <p:nvPr/>
+        </p:nvGrpSpPr>
+        <p:grpSpPr>
+          <a:xfrm>
+            <a:off x="2547257" y="1813559"/>
+            <a:ext cx="672738" cy="877390"/>
+            <a:chOff x="3429000" y="3048000"/>
+            <a:chExt cx="1676400" cy="914400"/>
+          </a:xfrm>
+        </p:grpSpPr>
+        <p:sp>
+          <p:nvSpPr>
+            <p:cNvPr id="55" name="Oval 54"/>
+            <p:cNvSpPr/>
+            <p:nvPr/>
+          </p:nvSpPr>
+          <p:spPr>
+            <a:xfrm>
+              <a:off x="3429000" y="3048000"/>
+              <a:ext cx="1676400" cy="914400"/>
+            </a:xfrm>
+            <a:prstGeom prst="ellipse">
+              <a:avLst/>
+            </a:prstGeom>
+            <a:solidFill>
+              <a:srgbClr val="002060">
+                <a:alpha val="50196"/>
+              </a:srgbClr>
+            </a:solidFill>
+            <a:ln>
+              <a:solidFill>
+                <a:srgbClr val="002060">
+                  <a:alpha val="74902"/>
+                </a:srgbClr>
+              </a:solidFill>
+            </a:ln>
+          </p:spPr>
+          <p:style>
+            <a:lnRef idx="2">
+              <a:schemeClr val="accent1">
+                <a:shade val="50000"/>
+              </a:schemeClr>
+            </a:lnRef>
+            <a:fillRef idx="1">
+              <a:schemeClr val="accent1"/>
+            </a:fillRef>
+            <a:effectRef idx="0">
+              <a:schemeClr val="accent1"/>
+            </a:effectRef>
+            <a:fontRef idx="minor">
+              <a:schemeClr val="lt1"/>
+            </a:fontRef>
+          </p:style>
+          <p:txBody>
+            <a:bodyPr rtlCol="0" anchor="ctr"/>
+            <a:lstStyle/>
+            <a:p>
+              <a:pPr algn="ctr"/>
+              <a:endParaRPr lang="en-US"/>
+            </a:p>
+          </p:txBody>
+        </p:sp>
+        <p:sp>
+          <p:nvSpPr>
+            <p:cNvPr id="56" name="Right Triangle 55"/>
+            <p:cNvSpPr/>
+            <p:nvPr/>
+          </p:nvSpPr>
+          <p:spPr>
+            <a:xfrm rot="10800000">
+              <a:off x="3657600" y="3461650"/>
+              <a:ext cx="683483" cy="287777"/>
+            </a:xfrm>
+            <a:prstGeom prst="rtTriangle">
+              <a:avLst/>
+            </a:prstGeom>
+            <a:solidFill>
+              <a:schemeClr val="accent3"/>
+            </a:solidFill>
+            <a:ln>
+              <a:solidFill>
+                <a:schemeClr val="accent3"/>
+              </a:solidFill>
+            </a:ln>
+          </p:spPr>
+          <p:style>
+            <a:lnRef idx="2">
+              <a:schemeClr val="accent1">
+                <a:shade val="50000"/>
+              </a:schemeClr>
+            </a:lnRef>
+            <a:fillRef idx="1">
+              <a:schemeClr val="accent1"/>
+            </a:fillRef>
+            <a:effectRef idx="0">
+              <a:schemeClr val="accent1"/>
+            </a:effectRef>
+            <a:fontRef idx="minor">
+              <a:schemeClr val="lt1"/>
+            </a:fontRef>
+          </p:style>
+          <p:txBody>
+            <a:bodyPr rtlCol="0" anchor="ctr"/>
+            <a:lstStyle/>
+            <a:p>
+              <a:pPr algn="ctr"/>
+              <a:endParaRPr lang="en-US"/>
+            </a:p>
+          </p:txBody>
+        </p:sp>
+        <p:sp>
+          <p:nvSpPr>
+            <p:cNvPr id="63" name="Right Triangle 62"/>
+            <p:cNvSpPr/>
+            <p:nvPr/>
+          </p:nvSpPr>
+          <p:spPr>
+            <a:xfrm>
+              <a:off x="4205997" y="3298372"/>
+              <a:ext cx="683483" cy="287777"/>
+            </a:xfrm>
+            <a:prstGeom prst="rtTriangle">
+              <a:avLst/>
+            </a:prstGeom>
+            <a:solidFill>
+              <a:schemeClr val="accent3"/>
+            </a:solidFill>
+            <a:ln>
+              <a:solidFill>
+                <a:schemeClr val="accent3"/>
+              </a:solidFill>
+            </a:ln>
+          </p:spPr>
+          <p:style>
+            <a:lnRef idx="2">
+              <a:schemeClr val="accent1">
+                <a:shade val="50000"/>
+              </a:schemeClr>
+            </a:lnRef>
+            <a:fillRef idx="1">
+              <a:schemeClr val="accent1"/>
+            </a:fillRef>
+            <a:effectRef idx="0">
+              <a:schemeClr val="accent1"/>
+            </a:effectRef>
+            <a:fontRef idx="minor">
+              <a:schemeClr val="lt1"/>
+            </a:fontRef>
+          </p:style>
+          <p:txBody>
+            <a:bodyPr rtlCol="0" anchor="ctr"/>
+            <a:lstStyle/>
+            <a:p>
+              <a:pPr algn="ctr"/>
+              <a:endParaRPr lang="en-US"/>
+            </a:p>
+          </p:txBody>
+        </p:sp>
+      </p:grpSp>
+      <p:grpSp>
+        <p:nvGrpSpPr>
+          <p:cNvPr id="72" name="Group 71"/>
+          <p:cNvGrpSpPr/>
+          <p:nvPr/>
+        </p:nvGrpSpPr>
+        <p:grpSpPr>
+          <a:xfrm>
+            <a:off x="4441372" y="1140823"/>
+            <a:ext cx="1676400" cy="914400"/>
+            <a:chOff x="3429000" y="3048000"/>
+            <a:chExt cx="1676400" cy="914400"/>
+          </a:xfrm>
+        </p:grpSpPr>
+        <p:sp>
+          <p:nvSpPr>
+            <p:cNvPr id="67" name="Oval 66"/>
+            <p:cNvSpPr/>
+            <p:nvPr/>
+          </p:nvSpPr>
+          <p:spPr>
+            <a:xfrm>
+              <a:off x="3429000" y="3048000"/>
+              <a:ext cx="1676400" cy="914400"/>
+            </a:xfrm>
+            <a:prstGeom prst="ellipse">
+              <a:avLst/>
+            </a:prstGeom>
+            <a:solidFill>
+              <a:srgbClr val="002060">
+                <a:alpha val="50196"/>
+              </a:srgbClr>
+            </a:solidFill>
+            <a:ln>
+              <a:solidFill>
+                <a:srgbClr val="002060">
+                  <a:alpha val="74902"/>
+                </a:srgbClr>
+              </a:solidFill>
+            </a:ln>
+          </p:spPr>
+          <p:style>
+            <a:lnRef idx="2">
+              <a:schemeClr val="accent1">
+                <a:shade val="50000"/>
+              </a:schemeClr>
+            </a:lnRef>
+            <a:fillRef idx="1">
+              <a:schemeClr val="accent1"/>
+            </a:fillRef>
+            <a:effectRef idx="0">
+              <a:schemeClr val="accent1"/>
+            </a:effectRef>
+            <a:fontRef idx="minor">
+              <a:schemeClr val="lt1"/>
+            </a:fontRef>
+          </p:style>
+          <p:txBody>
+            <a:bodyPr rtlCol="0" anchor="ctr"/>
+            <a:lstStyle/>
+            <a:p>
+              <a:pPr algn="ctr"/>
+              <a:endParaRPr lang="en-US"/>
+            </a:p>
+          </p:txBody>
+        </p:sp>
+        <p:sp>
+          <p:nvSpPr>
+            <p:cNvPr id="69" name="Right Triangle 68"/>
+            <p:cNvSpPr/>
+            <p:nvPr/>
+          </p:nvSpPr>
+          <p:spPr>
+            <a:xfrm rot="10800000">
+              <a:off x="3657600" y="3461650"/>
+              <a:ext cx="683483" cy="287777"/>
+            </a:xfrm>
+            <a:prstGeom prst="rtTriangle">
+              <a:avLst/>
+            </a:prstGeom>
+            <a:solidFill>
+              <a:schemeClr val="accent3"/>
+            </a:solidFill>
+            <a:ln>
+              <a:solidFill>
+                <a:schemeClr val="accent3"/>
+              </a:solidFill>
+            </a:ln>
+          </p:spPr>
+          <p:style>
+            <a:lnRef idx="2">
+              <a:schemeClr val="accent1">
+                <a:shade val="50000"/>
+              </a:schemeClr>
+            </a:lnRef>
+            <a:fillRef idx="1">
+              <a:schemeClr val="accent1"/>
+            </a:fillRef>
+            <a:effectRef idx="0">
+              <a:schemeClr val="accent1"/>
+            </a:effectRef>
+            <a:fontRef idx="minor">
+              <a:schemeClr val="lt1"/>
+            </a:fontRef>
+          </p:style>
+          <p:txBody>
+            <a:bodyPr rtlCol="0" anchor="ctr"/>
+            <a:lstStyle/>
+            <a:p>
+              <a:pPr algn="ctr"/>
+              <a:endParaRPr lang="en-US"/>
+            </a:p>
+          </p:txBody>
+        </p:sp>
+        <p:sp>
+          <p:nvSpPr>
+            <p:cNvPr id="70" name="Right Triangle 69"/>
+            <p:cNvSpPr/>
+            <p:nvPr/>
+          </p:nvSpPr>
+          <p:spPr>
+            <a:xfrm>
+              <a:off x="4205997" y="3298372"/>
+              <a:ext cx="683483" cy="287777"/>
+            </a:xfrm>
+            <a:prstGeom prst="rtTriangle">
+              <a:avLst/>
+            </a:prstGeom>
+            <a:solidFill>
+              <a:schemeClr val="accent3"/>
+            </a:solidFill>
+            <a:ln>
+              <a:solidFill>
+                <a:schemeClr val="accent3"/>
+              </a:solidFill>
+            </a:ln>
+          </p:spPr>
+          <p:style>
+            <a:lnRef idx="2">
+              <a:schemeClr val="accent1">
+                <a:shade val="50000"/>
+              </a:schemeClr>
+            </a:lnRef>
+            <a:fillRef idx="1">
+              <a:schemeClr val="accent1"/>
+            </a:fillRef>
+            <a:effectRef idx="0">
+              <a:schemeClr val="accent1"/>
+            </a:effectRef>
+            <a:fontRef idx="minor">
+              <a:schemeClr val="lt1"/>
+            </a:fontRef>
+          </p:style>
+          <p:txBody>
+            <a:bodyPr rtlCol="0" anchor="ctr"/>
+            <a:lstStyle/>
+            <a:p>
+              <a:pPr algn="ctr"/>
+              <a:endParaRPr lang="en-US"/>
+            </a:p>
+          </p:txBody>
+        </p:sp>
+        <p:sp>
+          <p:nvSpPr>
+            <p:cNvPr id="71" name="TextBox 70"/>
+            <p:cNvSpPr txBox="1"/>
+            <p:nvPr/>
+          </p:nvSpPr>
+          <p:spPr>
+            <a:xfrm>
+              <a:off x="3794081" y="3341560"/>
+              <a:ext cx="958917" cy="338554"/>
+            </a:xfrm>
+            <a:prstGeom prst="rect">
+              <a:avLst/>
+            </a:prstGeom>
+            <a:noFill/>
+          </p:spPr>
+          <p:txBody>
+            <a:bodyPr wrap="none" rtlCol="0">
+              <a:spAutoFit/>
+            </a:bodyPr>
+            <a:lstStyle/>
+            <a:p>
+              <a:r>
+                <a:rPr lang="en-US" sz="1600" i="1" dirty="0" smtClean="0">
+                  <a:solidFill>
+                    <a:srgbClr val="002060"/>
+                  </a:solidFill>
+                  <a:latin typeface="Microsoft JhengHei" pitchFamily="34" charset="-120"/>
+                  <a:ea typeface="Microsoft JhengHei" pitchFamily="34" charset="-120"/>
+                </a:rPr>
+                <a:t>synapse</a:t>
+              </a:r>
+              <a:endParaRPr lang="en-US" sz="1600" i="1" dirty="0">
+                <a:solidFill>
+                  <a:srgbClr val="002060"/>
+                </a:solidFill>
+                <a:latin typeface="Microsoft JhengHei" pitchFamily="34" charset="-120"/>
+                <a:ea typeface="Microsoft JhengHei" pitchFamily="34" charset="-120"/>
+              </a:endParaRPr>
+            </a:p>
+          </p:txBody>
+        </p:sp>
+      </p:grpSp>
+      <p:sp>
+        <p:nvSpPr>
+          <p:cNvPr id="75" name="Can 74"/>
+          <p:cNvSpPr/>
+          <p:nvPr/>
+        </p:nvSpPr>
+        <p:spPr>
+          <a:xfrm>
+            <a:off x="1685108" y="2965267"/>
+            <a:ext cx="535577" cy="587829"/>
+          </a:xfrm>
+          <a:prstGeom prst="can">
+            <a:avLst/>
+          </a:prstGeom>
+        </p:spPr>
+        <p:style>
+          <a:lnRef idx="2">
+            <a:schemeClr val="accent1">
+              <a:shade val="50000"/>
+            </a:schemeClr>
+          </a:lnRef>
+          <a:fillRef idx="1">
+            <a:schemeClr val="accent1"/>
+          </a:fillRef>
+          <a:effectRef idx="0">
+            <a:schemeClr val="accent1"/>
+          </a:effectRef>
+          <a:fontRef idx="minor">
+            <a:schemeClr val="lt1"/>
+          </a:fontRef>
+        </p:style>
+        <p:txBody>
+          <a:bodyPr rtlCol="0" anchor="ctr"/>
+          <a:lstStyle/>
+          <a:p>
+            <a:pPr algn="ctr"/>
+            <a:endParaRPr lang="en-US"/>
+          </a:p>
+        </p:txBody>
+      </p:sp>
+      <p:sp>
+        <p:nvSpPr>
+          <p:cNvPr id="77" name="Flowchart: Sequential Access Storage 76"/>
+          <p:cNvSpPr/>
+          <p:nvPr/>
+        </p:nvSpPr>
+        <p:spPr>
+          <a:xfrm>
+            <a:off x="3526972" y="3350622"/>
+            <a:ext cx="612648" cy="612648"/>
+          </a:xfrm>
+          <a:prstGeom prst="flowChartMagneticTape">
+            <a:avLst/>
+          </a:prstGeom>
+        </p:spPr>
+        <p:style>
+          <a:lnRef idx="2">
+            <a:schemeClr val="accent1">
+              <a:shade val="50000"/>
+            </a:schemeClr>
+          </a:lnRef>
+          <a:fillRef idx="1">
+            <a:schemeClr val="accent1"/>
+          </a:fillRef>
+          <a:effectRef idx="0">
+            <a:schemeClr val="accent1"/>
+          </a:effectRef>
+          <a:fontRef idx="minor">
+            <a:schemeClr val="lt1"/>
+          </a:fontRef>
+        </p:style>
+        <p:txBody>
+          <a:bodyPr rtlCol="0" anchor="ctr"/>
+          <a:lstStyle/>
+          <a:p>
+            <a:pPr algn="ctr"/>
+            <a:endParaRPr lang="en-US"/>
+          </a:p>
+        </p:txBody>
+      </p:sp>
+      <p:sp>
+        <p:nvSpPr>
+          <p:cNvPr id="78" name="10-Point Star 77"/>
+          <p:cNvSpPr/>
+          <p:nvPr/>
+        </p:nvSpPr>
+        <p:spPr>
+          <a:xfrm>
+            <a:off x="888274" y="1763486"/>
+            <a:ext cx="666205" cy="692331"/>
+          </a:xfrm>
+          <a:prstGeom prst="star10">
+            <a:avLst/>
+          </a:prstGeom>
+        </p:spPr>
+        <p:style>
+          <a:lnRef idx="2">
+            <a:schemeClr val="accent1">
+              <a:shade val="50000"/>
+            </a:schemeClr>
+          </a:lnRef>
+          <a:fillRef idx="1">
+            <a:schemeClr val="accent1"/>
+          </a:fillRef>
+          <a:effectRef idx="0">
+            <a:schemeClr val="accent1"/>
+          </a:effectRef>
+          <a:fontRef idx="minor">
+            <a:schemeClr val="lt1"/>
+          </a:fontRef>
+        </p:style>
+        <p:txBody>
+          <a:bodyPr rtlCol="0" anchor="ctr"/>
+          <a:lstStyle/>
+          <a:p>
+            <a:pPr algn="ctr"/>
+            <a:endParaRPr lang="en-US"/>
+          </a:p>
+        </p:txBody>
+      </p:sp>
+      <p:sp>
+        <p:nvSpPr>
+          <p:cNvPr id="80" name="Rounded Rectangle 79"/>
+          <p:cNvSpPr/>
+          <p:nvPr/>
+        </p:nvSpPr>
+        <p:spPr>
+          <a:xfrm>
+            <a:off x="2194559" y="378822"/>
+            <a:ext cx="1216152" cy="1216152"/>
+          </a:xfrm>
+          <a:prstGeom prst="roundRect">
+            <a:avLst/>
+          </a:prstGeom>
+          <a:solidFill>
+            <a:srgbClr val="002060">
+              <a:alpha val="50000"/>
+            </a:srgbClr>
+          </a:solidFill>
+          <a:ln w="0">
+            <a:noFill/>
+          </a:ln>
+        </p:spPr>
+        <p:style>
+          <a:lnRef idx="2">
+            <a:schemeClr val="accent1">
+              <a:shade val="50000"/>
+            </a:schemeClr>
+          </a:lnRef>
+          <a:fillRef idx="1">
+            <a:schemeClr val="accent1"/>
+          </a:fillRef>
+          <a:effectRef idx="0">
+            <a:schemeClr val="accent1"/>
+          </a:effectRef>
+          <a:fontRef idx="minor">
+            <a:schemeClr val="lt1"/>
+          </a:fontRef>
+        </p:style>
+        <p:txBody>
+          <a:bodyPr rtlCol="0" anchor="ctr"/>
+          <a:lstStyle/>
+          <a:p>
+            <a:pPr algn="ctr"/>
+            <a:endParaRPr lang="en-US"/>
+          </a:p>
+        </p:txBody>
+      </p:sp>
+      <p:grpSp>
+        <p:nvGrpSpPr>
+          <p:cNvPr id="82" name="Group 158"/>
+          <p:cNvGrpSpPr/>
+          <p:nvPr/>
+        </p:nvGrpSpPr>
+        <p:grpSpPr>
+          <a:xfrm rot="5400000">
+            <a:off x="711099" y="291182"/>
+            <a:ext cx="373073" cy="1018902"/>
+            <a:chOff x="2555966" y="727167"/>
+            <a:chExt cx="481148" cy="1330237"/>
+          </a:xfrm>
+        </p:grpSpPr>
+        <p:sp>
+          <p:nvSpPr>
+            <p:cNvPr id="84" name="Right Triangle 83"/>
+            <p:cNvSpPr/>
+            <p:nvPr/>
+          </p:nvSpPr>
+          <p:spPr>
+            <a:xfrm rot="5400000">
+              <a:off x="2514599" y="1534888"/>
+              <a:ext cx="738054" cy="306977"/>
+            </a:xfrm>
+            <a:prstGeom prst="rtTriangle">
+              <a:avLst/>
+            </a:prstGeom>
+            <a:solidFill>
+              <a:schemeClr val="accent3"/>
+            </a:solidFill>
+            <a:ln>
+              <a:solidFill>
+                <a:schemeClr val="accent3"/>
+              </a:solidFill>
+            </a:ln>
+          </p:spPr>
+          <p:style>
+            <a:lnRef idx="2">
+              <a:schemeClr val="accent1">
+                <a:shade val="50000"/>
+              </a:schemeClr>
+            </a:lnRef>
+            <a:fillRef idx="1">
+              <a:schemeClr val="accent1"/>
+            </a:fillRef>
+            <a:effectRef idx="0">
+              <a:schemeClr val="accent1"/>
+            </a:effectRef>
+            <a:fontRef idx="minor">
+              <a:schemeClr val="lt1"/>
+            </a:fontRef>
+          </p:style>
+          <p:txBody>
+            <a:bodyPr rtlCol="0" anchor="ctr"/>
+            <a:lstStyle/>
+            <a:p>
+              <a:pPr algn="ctr"/>
+              <a:endParaRPr lang="en-US"/>
+            </a:p>
+          </p:txBody>
+        </p:sp>
+        <p:sp>
+          <p:nvSpPr>
+            <p:cNvPr id="85" name="Right Triangle 84"/>
+            <p:cNvSpPr/>
+            <p:nvPr/>
+          </p:nvSpPr>
+          <p:spPr>
+            <a:xfrm rot="16200000">
+              <a:off x="2340428" y="942705"/>
+              <a:ext cx="738054" cy="306977"/>
+            </a:xfrm>
+            <a:prstGeom prst="rtTriangle">
+              <a:avLst/>
+            </a:prstGeom>
+            <a:solidFill>
+              <a:schemeClr val="accent3"/>
+            </a:solidFill>
+            <a:ln>
+              <a:solidFill>
+                <a:schemeClr val="accent3"/>
+              </a:solidFill>
+            </a:ln>
+          </p:spPr>
+          <p:style>
+            <a:lnRef idx="2">
+              <a:schemeClr val="accent1">
+                <a:shade val="50000"/>
+              </a:schemeClr>
+            </a:lnRef>
+            <a:fillRef idx="1">
+              <a:schemeClr val="accent1"/>
+            </a:fillRef>
+            <a:effectRef idx="0">
+              <a:schemeClr val="accent1"/>
+            </a:effectRef>
+            <a:fontRef idx="minor">
+              <a:schemeClr val="lt1"/>
+            </a:fontRef>
+          </p:style>
+          <p:txBody>
+            <a:bodyPr rtlCol="0" anchor="ctr"/>
+            <a:lstStyle/>
+            <a:p>
+              <a:pPr algn="ctr"/>
+              <a:endParaRPr lang="en-US"/>
+            </a:p>
+          </p:txBody>
+        </p:sp>
+      </p:grpSp>
+      <p:sp>
+        <p:nvSpPr>
+          <p:cNvPr id="83" name="TextBox 82"/>
+          <p:cNvSpPr txBox="1"/>
+          <p:nvPr/>
+        </p:nvSpPr>
+        <p:spPr>
+          <a:xfrm>
+            <a:off x="4968045" y="3680228"/>
+            <a:ext cx="958917" cy="338554"/>
+          </a:xfrm>
+          <a:prstGeom prst="rect">
+            <a:avLst/>
+          </a:prstGeom>
+          <a:noFill/>
+        </p:spPr>
+        <p:txBody>
+          <a:bodyPr wrap="none" rtlCol="0">
+            <a:spAutoFit/>
+          </a:bodyPr>
+          <a:lstStyle/>
+          <a:p>
+            <a:r>
+              <a:rPr lang="en-US" sz="1600" i="1" dirty="0" smtClean="0">
+                <a:solidFill>
+                  <a:srgbClr val="002060"/>
+                </a:solidFill>
+                <a:latin typeface="Microsoft JhengHei" pitchFamily="34" charset="-120"/>
+                <a:ea typeface="Microsoft JhengHei" pitchFamily="34" charset="-120"/>
+              </a:rPr>
+              <a:t>synapse</a:t>
+            </a:r>
+            <a:endParaRPr lang="en-US" sz="1600" i="1" dirty="0">
+              <a:solidFill>
+                <a:srgbClr val="002060"/>
+              </a:solidFill>
+              <a:latin typeface="Microsoft JhengHei" pitchFamily="34" charset="-120"/>
+              <a:ea typeface="Microsoft JhengHei" pitchFamily="34" charset="-120"/>
+            </a:endParaRPr>
+          </a:p>
+        </p:txBody>
+      </p:sp>
+      <p:grpSp>
+        <p:nvGrpSpPr>
+          <p:cNvPr id="87" name="Group 158"/>
+          <p:cNvGrpSpPr/>
+          <p:nvPr/>
+        </p:nvGrpSpPr>
+        <p:grpSpPr>
+          <a:xfrm rot="5400000">
+            <a:off x="2616099" y="477447"/>
+            <a:ext cx="373073" cy="1018902"/>
+            <a:chOff x="2555966" y="727167"/>
+            <a:chExt cx="481148" cy="1330237"/>
+          </a:xfrm>
+          <a:solidFill>
+            <a:srgbClr val="7CFC00"/>
+          </a:solidFill>
+        </p:grpSpPr>
+        <p:sp>
+          <p:nvSpPr>
+            <p:cNvPr id="88" name="Right Triangle 87"/>
+            <p:cNvSpPr/>
+            <p:nvPr/>
+          </p:nvSpPr>
+          <p:spPr>
+            <a:xfrm rot="5400000">
+              <a:off x="2514599" y="1534888"/>
+              <a:ext cx="738054" cy="306977"/>
+            </a:xfrm>
+            <a:prstGeom prst="rtTriangle">
+              <a:avLst/>
+            </a:prstGeom>
+            <a:grpFill/>
+            <a:ln>
+              <a:solidFill>
+                <a:srgbClr val="66FF33"/>
+              </a:solidFill>
+            </a:ln>
+          </p:spPr>
+          <p:style>
+            <a:lnRef idx="2">
+              <a:schemeClr val="accent1">
+                <a:shade val="50000"/>
+              </a:schemeClr>
+            </a:lnRef>
+            <a:fillRef idx="1">
+              <a:schemeClr val="accent1"/>
+            </a:fillRef>
+            <a:effectRef idx="0">
+              <a:schemeClr val="accent1"/>
+            </a:effectRef>
+            <a:fontRef idx="minor">
+              <a:schemeClr val="lt1"/>
+            </a:fontRef>
+          </p:style>
+          <p:txBody>
+            <a:bodyPr rtlCol="0" anchor="ctr"/>
+            <a:lstStyle/>
+            <a:p>
+              <a:pPr algn="ctr"/>
+              <a:endParaRPr lang="en-US"/>
+            </a:p>
+          </p:txBody>
+        </p:sp>
+        <p:sp>
+          <p:nvSpPr>
+            <p:cNvPr id="89" name="Right Triangle 88"/>
+            <p:cNvSpPr/>
+            <p:nvPr/>
+          </p:nvSpPr>
+          <p:spPr>
+            <a:xfrm rot="16200000">
+              <a:off x="2340428" y="942705"/>
+              <a:ext cx="738054" cy="306977"/>
+            </a:xfrm>
+            <a:prstGeom prst="rtTriangle">
+              <a:avLst/>
+            </a:prstGeom>
+            <a:grpFill/>
+            <a:ln>
+              <a:solidFill>
+                <a:srgbClr val="66FF33"/>
+              </a:solidFill>
+            </a:ln>
+          </p:spPr>
+          <p:style>
+            <a:lnRef idx="2">
+              <a:schemeClr val="accent1">
+                <a:shade val="50000"/>
+              </a:schemeClr>
+            </a:lnRef>
+            <a:fillRef idx="1">
+              <a:schemeClr val="accent1"/>
+            </a:fillRef>
+            <a:effectRef idx="0">
+              <a:schemeClr val="accent1"/>
+            </a:effectRef>
+            <a:fontRef idx="minor">
+              <a:schemeClr val="lt1"/>
+            </a:fontRef>
+          </p:style>
+          <p:txBody>
+            <a:bodyPr rtlCol="0" anchor="ctr"/>
+            <a:lstStyle/>
+            <a:p>
+              <a:pPr algn="ctr"/>
+              <a:endParaRPr lang="en-US"/>
+            </a:p>
+          </p:txBody>
+        </p:sp>
+      </p:grpSp>
+      <p:grpSp>
+        <p:nvGrpSpPr>
+          <p:cNvPr id="90" name="Group 158"/>
+          <p:cNvGrpSpPr/>
+          <p:nvPr/>
+        </p:nvGrpSpPr>
+        <p:grpSpPr>
+          <a:xfrm rot="5400000">
+            <a:off x="3885578" y="50099"/>
+            <a:ext cx="373073" cy="1018902"/>
+            <a:chOff x="2555966" y="727167"/>
+            <a:chExt cx="481148" cy="1330237"/>
+          </a:xfrm>
+          <a:solidFill>
+            <a:srgbClr val="7CFC00"/>
+          </a:solidFill>
+        </p:grpSpPr>
+        <p:sp>
+          <p:nvSpPr>
+            <p:cNvPr id="91" name="Right Triangle 90"/>
+            <p:cNvSpPr/>
+            <p:nvPr/>
+          </p:nvSpPr>
+          <p:spPr>
+            <a:xfrm rot="5400000">
+              <a:off x="2514599" y="1534888"/>
+              <a:ext cx="738054" cy="306977"/>
+            </a:xfrm>
+            <a:prstGeom prst="rtTriangle">
+              <a:avLst/>
+            </a:prstGeom>
+            <a:grpFill/>
+            <a:ln>
+              <a:solidFill>
+                <a:srgbClr val="66FF33"/>
+              </a:solidFill>
+            </a:ln>
+          </p:spPr>
+          <p:style>
+            <a:lnRef idx="2">
+              <a:schemeClr val="accent1">
+                <a:shade val="50000"/>
+              </a:schemeClr>
+            </a:lnRef>
+            <a:fillRef idx="1">
+              <a:schemeClr val="accent1"/>
+            </a:fillRef>
+            <a:effectRef idx="0">
+              <a:schemeClr val="accent1"/>
+            </a:effectRef>
+            <a:fontRef idx="minor">
+              <a:schemeClr val="lt1"/>
+            </a:fontRef>
+          </p:style>
+          <p:txBody>
+            <a:bodyPr rtlCol="0" anchor="ctr"/>
+            <a:lstStyle/>
+            <a:p>
+              <a:pPr algn="ctr"/>
+              <a:endParaRPr lang="en-US"/>
+            </a:p>
+          </p:txBody>
+        </p:sp>
+        <p:sp>
+          <p:nvSpPr>
+            <p:cNvPr id="92" name="Right Triangle 91"/>
+            <p:cNvSpPr/>
+            <p:nvPr/>
+          </p:nvSpPr>
+          <p:spPr>
+            <a:xfrm rot="16200000">
+              <a:off x="2340428" y="942705"/>
+              <a:ext cx="738054" cy="306977"/>
+            </a:xfrm>
+            <a:prstGeom prst="rtTriangle">
+              <a:avLst/>
+            </a:prstGeom>
+            <a:grpFill/>
+            <a:ln>
+              <a:solidFill>
+                <a:srgbClr val="66FF33"/>
+              </a:solidFill>
+            </a:ln>
+          </p:spPr>
+          <p:style>
+            <a:lnRef idx="2">
+              <a:schemeClr val="accent1">
+                <a:shade val="50000"/>
+              </a:schemeClr>
+            </a:lnRef>
+            <a:fillRef idx="1">
+              <a:schemeClr val="accent1"/>
+            </a:fillRef>
+            <a:effectRef idx="0">
+              <a:schemeClr val="accent1"/>
+            </a:effectRef>
+            <a:fontRef idx="minor">
+              <a:schemeClr val="lt1"/>
+            </a:fontRef>
+          </p:style>
+          <p:txBody>
+            <a:bodyPr rtlCol="0" anchor="ctr"/>
+            <a:lstStyle/>
+            <a:p>
+              <a:pPr algn="ctr"/>
+              <a:endParaRPr lang="en-US"/>
+            </a:p>
+          </p:txBody>
+        </p:sp>
+      </p:grpSp>
+      <p:sp>
+        <p:nvSpPr>
+          <p:cNvPr id="94" name="Oval 93"/>
+          <p:cNvSpPr/>
+          <p:nvPr/>
+        </p:nvSpPr>
+        <p:spPr>
+          <a:xfrm>
+            <a:off x="4424090" y="2264184"/>
+            <a:ext cx="1676400" cy="914400"/>
+          </a:xfrm>
+          <a:prstGeom prst="ellipse">
+            <a:avLst/>
+          </a:prstGeom>
+          <a:solidFill>
+            <a:srgbClr val="002060">
+              <a:alpha val="50196"/>
+            </a:srgbClr>
+          </a:solidFill>
+          <a:ln>
+            <a:solidFill>
+              <a:srgbClr val="002060">
+                <a:alpha val="74902"/>
+              </a:srgbClr>
+            </a:solidFill>
+          </a:ln>
+        </p:spPr>
+        <p:style>
+          <a:lnRef idx="2">
+            <a:schemeClr val="accent1">
+              <a:shade val="50000"/>
+            </a:schemeClr>
+          </a:lnRef>
+          <a:fillRef idx="1">
+            <a:schemeClr val="accent1"/>
+          </a:fillRef>
+          <a:effectRef idx="0">
+            <a:schemeClr val="accent1"/>
+          </a:effectRef>
+          <a:fontRef idx="minor">
+            <a:schemeClr val="lt1"/>
+          </a:fontRef>
+        </p:style>
+        <p:txBody>
+          <a:bodyPr rtlCol="0" anchor="ctr"/>
+          <a:lstStyle/>
+          <a:p>
+            <a:pPr algn="ctr"/>
+            <a:endParaRPr lang="en-US"/>
+          </a:p>
+        </p:txBody>
+      </p:sp>
+      <p:grpSp>
+        <p:nvGrpSpPr>
+          <p:cNvPr id="109" name="Group 108"/>
+          <p:cNvGrpSpPr/>
+          <p:nvPr/>
+        </p:nvGrpSpPr>
+        <p:grpSpPr>
+          <a:xfrm>
+            <a:off x="4652059" y="2517156"/>
+            <a:ext cx="1234440" cy="448056"/>
+            <a:chOff x="4652059" y="2517156"/>
+            <a:chExt cx="1234440" cy="448056"/>
+          </a:xfrm>
+        </p:grpSpPr>
+        <p:grpSp>
+          <p:nvGrpSpPr>
+            <p:cNvPr id="106" name="Group 158"/>
+            <p:cNvGrpSpPr/>
+            <p:nvPr/>
+          </p:nvGrpSpPr>
+          <p:grpSpPr>
+            <a:xfrm rot="5400000">
+              <a:off x="5045251" y="2123964"/>
+              <a:ext cx="448056" cy="1234440"/>
+              <a:chOff x="2555966" y="727167"/>
+              <a:chExt cx="481148" cy="1330237"/>
+            </a:xfrm>
+            <a:solidFill>
+              <a:srgbClr val="7CFC00"/>
+            </a:solidFill>
+          </p:grpSpPr>
+          <p:sp>
+            <p:nvSpPr>
+              <p:cNvPr id="107" name="Right Triangle 106"/>
+              <p:cNvSpPr/>
+              <p:nvPr/>
+            </p:nvSpPr>
+            <p:spPr>
+              <a:xfrm rot="5400000">
+                <a:off x="2514599" y="1534888"/>
+                <a:ext cx="738054" cy="306977"/>
+              </a:xfrm>
+              <a:prstGeom prst="rtTriangle">
+                <a:avLst/>
+              </a:prstGeom>
+              <a:grpFill/>
+              <a:ln>
+                <a:solidFill>
+                  <a:srgbClr val="66FF33"/>
+                </a:solidFill>
+              </a:ln>
+            </p:spPr>
+            <p:style>
+              <a:lnRef idx="2">
+                <a:schemeClr val="accent1">
+                  <a:shade val="50000"/>
+                </a:schemeClr>
+              </a:lnRef>
+              <a:fillRef idx="1">
+                <a:schemeClr val="accent1"/>
+              </a:fillRef>
+              <a:effectRef idx="0">
+                <a:schemeClr val="accent1"/>
+              </a:effectRef>
+              <a:fontRef idx="minor">
+                <a:schemeClr val="lt1"/>
+              </a:fontRef>
+            </p:style>
+            <p:txBody>
+              <a:bodyPr rtlCol="0" anchor="ctr"/>
+              <a:lstStyle/>
+              <a:p>
+                <a:pPr algn="ctr"/>
+                <a:endParaRPr lang="en-US"/>
+              </a:p>
+            </p:txBody>
+          </p:sp>
+          <p:sp>
+            <p:nvSpPr>
+              <p:cNvPr id="108" name="Right Triangle 107"/>
+              <p:cNvSpPr/>
+              <p:nvPr/>
+            </p:nvSpPr>
+            <p:spPr>
+              <a:xfrm rot="16200000">
+                <a:off x="2340428" y="942705"/>
+                <a:ext cx="738054" cy="306977"/>
+              </a:xfrm>
+              <a:prstGeom prst="rtTriangle">
+                <a:avLst/>
+              </a:prstGeom>
+              <a:grpFill/>
+              <a:ln>
+                <a:solidFill>
+                  <a:srgbClr val="66FF33"/>
+                </a:solidFill>
+              </a:ln>
+            </p:spPr>
+            <p:style>
+              <a:lnRef idx="2">
+                <a:schemeClr val="accent1">
+                  <a:shade val="50000"/>
+                </a:schemeClr>
+              </a:lnRef>
+              <a:fillRef idx="1">
+                <a:schemeClr val="accent1"/>
+              </a:fillRef>
+              <a:effectRef idx="0">
+                <a:schemeClr val="accent1"/>
+              </a:effectRef>
+              <a:fontRef idx="minor">
+                <a:schemeClr val="lt1"/>
+              </a:fontRef>
+            </p:style>
+            <p:txBody>
+              <a:bodyPr rtlCol="0" anchor="ctr"/>
+              <a:lstStyle/>
+              <a:p>
+                <a:pPr algn="ctr"/>
+                <a:endParaRPr lang="en-US"/>
+              </a:p>
+            </p:txBody>
+          </p:sp>
+        </p:grpSp>
+        <p:sp>
+          <p:nvSpPr>
+            <p:cNvPr id="97" name="TextBox 96"/>
+            <p:cNvSpPr txBox="1"/>
+            <p:nvPr/>
+          </p:nvSpPr>
+          <p:spPr>
+            <a:xfrm>
+              <a:off x="4789171" y="2557744"/>
+              <a:ext cx="958917" cy="338554"/>
+            </a:xfrm>
+            <a:prstGeom prst="rect">
+              <a:avLst/>
+            </a:prstGeom>
+            <a:noFill/>
+          </p:spPr>
+          <p:txBody>
+            <a:bodyPr wrap="none" rtlCol="0">
+              <a:spAutoFit/>
+            </a:bodyPr>
+            <a:lstStyle/>
+            <a:p>
+              <a:r>
+                <a:rPr lang="en-US" sz="1600" i="1" dirty="0" smtClean="0">
+                  <a:solidFill>
+                    <a:srgbClr val="002060"/>
+                  </a:solidFill>
+                  <a:latin typeface="Microsoft JhengHei" pitchFamily="34" charset="-120"/>
+                  <a:ea typeface="Microsoft JhengHei" pitchFamily="34" charset="-120"/>
+                </a:rPr>
+                <a:t>synapse</a:t>
+              </a:r>
+              <a:endParaRPr lang="en-US" sz="1600" i="1" dirty="0">
+                <a:solidFill>
+                  <a:srgbClr val="002060"/>
+                </a:solidFill>
+                <a:latin typeface="Microsoft JhengHei" pitchFamily="34" charset="-120"/>
+                <a:ea typeface="Microsoft JhengHei" pitchFamily="34" charset="-120"/>
+              </a:endParaRPr>
+            </a:p>
+          </p:txBody>
+        </p:sp>
+      </p:grpSp>
+      <p:grpSp>
+        <p:nvGrpSpPr>
+          <p:cNvPr id="110" name="Group 109"/>
+          <p:cNvGrpSpPr/>
+          <p:nvPr/>
+        </p:nvGrpSpPr>
+        <p:grpSpPr>
+          <a:xfrm>
+            <a:off x="6253432" y="2092781"/>
+            <a:ext cx="1234440" cy="448056"/>
+            <a:chOff x="4652059" y="2517156"/>
+            <a:chExt cx="1234440" cy="448056"/>
+          </a:xfrm>
+        </p:grpSpPr>
+        <p:grpSp>
+          <p:nvGrpSpPr>
+            <p:cNvPr id="111" name="Group 158"/>
+            <p:cNvGrpSpPr/>
+            <p:nvPr/>
+          </p:nvGrpSpPr>
+          <p:grpSpPr>
+            <a:xfrm rot="5400000">
+              <a:off x="5045251" y="2123964"/>
+              <a:ext cx="448056" cy="1234440"/>
+              <a:chOff x="2555966" y="727167"/>
+              <a:chExt cx="481148" cy="1330237"/>
+            </a:xfrm>
+            <a:solidFill>
+              <a:srgbClr val="7CFC00"/>
+            </a:solidFill>
+          </p:grpSpPr>
+          <p:sp>
+            <p:nvSpPr>
+              <p:cNvPr id="113" name="Right Triangle 112"/>
+              <p:cNvSpPr/>
+              <p:nvPr/>
+            </p:nvSpPr>
+            <p:spPr>
+              <a:xfrm rot="5400000">
+                <a:off x="2514599" y="1534888"/>
+                <a:ext cx="738054" cy="306977"/>
+              </a:xfrm>
+              <a:prstGeom prst="rtTriangle">
+                <a:avLst/>
+              </a:prstGeom>
+              <a:grpFill/>
+              <a:ln>
+                <a:solidFill>
+                  <a:srgbClr val="66FF33"/>
+                </a:solidFill>
+              </a:ln>
+            </p:spPr>
+            <p:style>
+              <a:lnRef idx="2">
+                <a:schemeClr val="accent1">
+                  <a:shade val="50000"/>
+                </a:schemeClr>
+              </a:lnRef>
+              <a:fillRef idx="1">
+                <a:schemeClr val="accent1"/>
+              </a:fillRef>
+              <a:effectRef idx="0">
+                <a:schemeClr val="accent1"/>
+              </a:effectRef>
+              <a:fontRef idx="minor">
+                <a:schemeClr val="lt1"/>
+              </a:fontRef>
+            </p:style>
+            <p:txBody>
+              <a:bodyPr rtlCol="0" anchor="ctr"/>
+              <a:lstStyle/>
+              <a:p>
+                <a:pPr algn="ctr"/>
+                <a:endParaRPr lang="en-US"/>
+              </a:p>
+            </p:txBody>
+          </p:sp>
+          <p:sp>
+            <p:nvSpPr>
+              <p:cNvPr id="114" name="Right Triangle 113"/>
+              <p:cNvSpPr/>
+              <p:nvPr/>
+            </p:nvSpPr>
+            <p:spPr>
+              <a:xfrm rot="16200000">
+                <a:off x="2340428" y="942705"/>
+                <a:ext cx="738054" cy="306977"/>
+              </a:xfrm>
+              <a:prstGeom prst="rtTriangle">
+                <a:avLst/>
+              </a:prstGeom>
+              <a:grpFill/>
+              <a:ln>
+                <a:solidFill>
+                  <a:srgbClr val="66FF33"/>
+                </a:solidFill>
+              </a:ln>
+            </p:spPr>
+            <p:style>
+              <a:lnRef idx="2">
+                <a:schemeClr val="accent1">
+                  <a:shade val="50000"/>
+                </a:schemeClr>
+              </a:lnRef>
+              <a:fillRef idx="1">
+                <a:schemeClr val="accent1"/>
+              </a:fillRef>
+              <a:effectRef idx="0">
+                <a:schemeClr val="accent1"/>
+              </a:effectRef>
+              <a:fontRef idx="minor">
+                <a:schemeClr val="lt1"/>
+              </a:fontRef>
+            </p:style>
+            <p:txBody>
+              <a:bodyPr rtlCol="0" anchor="ctr"/>
+              <a:lstStyle/>
+              <a:p>
+                <a:pPr algn="ctr"/>
+                <a:endParaRPr lang="en-US"/>
+              </a:p>
+            </p:txBody>
+          </p:sp>
+        </p:grpSp>
+        <p:sp>
+          <p:nvSpPr>
+            <p:cNvPr id="112" name="TextBox 111"/>
+            <p:cNvSpPr txBox="1"/>
+            <p:nvPr/>
+          </p:nvSpPr>
+          <p:spPr>
+            <a:xfrm>
+              <a:off x="4789171" y="2557744"/>
+              <a:ext cx="958917" cy="338554"/>
+            </a:xfrm>
+            <a:prstGeom prst="rect">
+              <a:avLst/>
+            </a:prstGeom>
+            <a:noFill/>
+          </p:spPr>
+          <p:txBody>
+            <a:bodyPr wrap="none" rtlCol="0">
+              <a:spAutoFit/>
+            </a:bodyPr>
+            <a:lstStyle/>
+            <a:p>
+              <a:r>
+                <a:rPr lang="en-US" sz="1600" i="1" dirty="0" smtClean="0">
+                  <a:solidFill>
+                    <a:srgbClr val="002060"/>
+                  </a:solidFill>
+                  <a:latin typeface="Microsoft JhengHei" pitchFamily="34" charset="-120"/>
+                  <a:ea typeface="Microsoft JhengHei" pitchFamily="34" charset="-120"/>
+                </a:rPr>
+                <a:t>synapse</a:t>
+              </a:r>
+              <a:endParaRPr lang="en-US" sz="1600" i="1" dirty="0">
+                <a:solidFill>
+                  <a:srgbClr val="002060"/>
+                </a:solidFill>
+                <a:latin typeface="Microsoft JhengHei" pitchFamily="34" charset="-120"/>
+                <a:ea typeface="Microsoft JhengHei" pitchFamily="34" charset="-120"/>
+              </a:endParaRPr>
+            </a:p>
+          </p:txBody>
+        </p:sp>
+      </p:grpSp>
+      <p:pic>
+        <p:nvPicPr>
+          <p:cNvPr id="1026" name="Picture 2" descr="C:\Devo\git\Synapse\resources\service.png"/>
+          <p:cNvPicPr>
+            <a:picLocks noChangeAspect="1" noChangeArrowheads="1"/>
+          </p:cNvPicPr>
+          <p:nvPr/>
+        </p:nvPicPr>
+        <p:blipFill>
+          <a:blip r:embed="rId2" cstate="print"/>
+          <a:srcRect/>
+          <a:stretch>
+            <a:fillRect/>
+          </a:stretch>
+        </p:blipFill>
+        <p:spPr bwMode="auto">
+          <a:xfrm>
+            <a:off x="2049463" y="5024438"/>
+            <a:ext cx="1219200" cy="1219200"/>
+          </a:xfrm>
+          <a:prstGeom prst="rect">
+            <a:avLst/>
+          </a:prstGeom>
+          <a:noFill/>
+        </p:spPr>
+      </p:pic>
+    </p:spTree>
+  </p:cSld>
+  <p:clrMapOvr>
+    <a:masterClrMapping/>
+  </p:clrMapOvr>
+</p:sld>
+</file>
+
+<file path=ppt/slides/slide4.xml><?xml version="1.0" encoding="utf-8"?>
+<p:sld xmlns:a="http://schemas.openxmlformats.org/drawingml/2006/main" xmlns:r="http://schemas.openxmlformats.org/officeDocument/2006/relationships" xmlns:p="http://schemas.openxmlformats.org/presentationml/2006/main">
+  <p:cSld>
+    <p:spTree>
+      <p:nvGrpSpPr>
+        <p:cNvPr id="1" name=""/>
+        <p:cNvGrpSpPr/>
+        <p:nvPr/>
+      </p:nvGrpSpPr>
+      <p:grpSpPr>
+        <a:xfrm>
+          <a:off x="0" y="0"/>
+          <a:ext cx="0" cy="0"/>
+          <a:chOff x="0" y="0"/>
+          <a:chExt cx="0" cy="0"/>
+        </a:xfrm>
+      </p:grpSpPr>
+      <p:grpSp>
+        <p:nvGrpSpPr>
+          <p:cNvPr id="4" name="Group 158"/>
+          <p:cNvGrpSpPr/>
+          <p:nvPr/>
+        </p:nvGrpSpPr>
+        <p:grpSpPr>
+          <a:xfrm rot="5400000">
+            <a:off x="711099" y="291182"/>
+            <a:ext cx="373073" cy="1018902"/>
+            <a:chOff x="2555966" y="727167"/>
+            <a:chExt cx="481148" cy="1330237"/>
+          </a:xfrm>
+        </p:grpSpPr>
+        <p:sp>
+          <p:nvSpPr>
+            <p:cNvPr id="84" name="Right Triangle 83"/>
+            <p:cNvSpPr/>
+            <p:nvPr/>
+          </p:nvSpPr>
+          <p:spPr>
+            <a:xfrm rot="5400000">
+              <a:off x="2514599" y="1534888"/>
+              <a:ext cx="738054" cy="306977"/>
+            </a:xfrm>
+            <a:prstGeom prst="rtTriangle">
+              <a:avLst/>
+            </a:prstGeom>
+            <a:solidFill>
+              <a:schemeClr val="accent3"/>
+            </a:solidFill>
+            <a:ln>
+              <a:solidFill>
+                <a:schemeClr val="accent3"/>
+              </a:solidFill>
+            </a:ln>
+          </p:spPr>
+          <p:style>
+            <a:lnRef idx="2">
+              <a:schemeClr val="accent1">
+                <a:shade val="50000"/>
+              </a:schemeClr>
+            </a:lnRef>
+            <a:fillRef idx="1">
+              <a:schemeClr val="accent1"/>
+            </a:fillRef>
+            <a:effectRef idx="0">
+              <a:schemeClr val="accent1"/>
+            </a:effectRef>
+            <a:fontRef idx="minor">
+              <a:schemeClr val="lt1"/>
+            </a:fontRef>
+          </p:style>
+          <p:txBody>
+            <a:bodyPr rtlCol="0" anchor="ctr"/>
+            <a:lstStyle/>
+            <a:p>
+              <a:pPr algn="ctr"/>
+              <a:endParaRPr lang="en-US"/>
+            </a:p>
+          </p:txBody>
+        </p:sp>
+        <p:sp>
+          <p:nvSpPr>
+            <p:cNvPr id="85" name="Right Triangle 84"/>
+            <p:cNvSpPr/>
+            <p:nvPr/>
+          </p:nvSpPr>
+          <p:spPr>
+            <a:xfrm rot="16200000">
+              <a:off x="2340428" y="942705"/>
+              <a:ext cx="738054" cy="306977"/>
+            </a:xfrm>
+            <a:prstGeom prst="rtTriangle">
+              <a:avLst/>
+            </a:prstGeom>
+            <a:solidFill>
+              <a:schemeClr val="accent3"/>
+            </a:solidFill>
+            <a:ln>
+              <a:solidFill>
+                <a:schemeClr val="accent3"/>
+              </a:solidFill>
+            </a:ln>
+          </p:spPr>
+          <p:style>
+            <a:lnRef idx="2">
+              <a:schemeClr val="accent1">
+                <a:shade val="50000"/>
+              </a:schemeClr>
+            </a:lnRef>
+            <a:fillRef idx="1">
+              <a:schemeClr val="accent1"/>
+            </a:fillRef>
+            <a:effectRef idx="0">
+              <a:schemeClr val="accent1"/>
+            </a:effectRef>
+            <a:fontRef idx="minor">
+              <a:schemeClr val="lt1"/>
+            </a:fontRef>
+          </p:style>
+          <p:txBody>
+            <a:bodyPr rtlCol="0" anchor="ctr"/>
+            <a:lstStyle/>
+            <a:p>
+              <a:pPr algn="ctr"/>
+              <a:endParaRPr lang="en-US"/>
+            </a:p>
+          </p:txBody>
+        </p:sp>
+      </p:grpSp>
+      <p:grpSp>
+        <p:nvGrpSpPr>
+          <p:cNvPr id="148" name="Group 147"/>
+          <p:cNvGrpSpPr/>
+          <p:nvPr/>
+        </p:nvGrpSpPr>
+        <p:grpSpPr>
+          <a:xfrm>
+            <a:off x="2194559" y="378822"/>
+            <a:ext cx="1216152" cy="1216152"/>
+            <a:chOff x="2194559" y="378822"/>
+            <a:chExt cx="1216152" cy="1216152"/>
+          </a:xfrm>
+        </p:grpSpPr>
+        <p:sp>
+          <p:nvSpPr>
+            <p:cNvPr id="80" name="Rounded Rectangle 79"/>
+            <p:cNvSpPr/>
+            <p:nvPr/>
+          </p:nvSpPr>
+          <p:spPr>
+            <a:xfrm>
+              <a:off x="2194559" y="378822"/>
+              <a:ext cx="1216152" cy="1216152"/>
+            </a:xfrm>
+            <a:prstGeom prst="roundRect">
+              <a:avLst/>
+            </a:prstGeom>
+            <a:solidFill>
+              <a:srgbClr val="002060">
+                <a:alpha val="50000"/>
+              </a:srgbClr>
+            </a:solidFill>
+            <a:ln w="0">
+              <a:noFill/>
+            </a:ln>
+          </p:spPr>
+          <p:style>
+            <a:lnRef idx="2">
+              <a:schemeClr val="accent1">
+                <a:shade val="50000"/>
+              </a:schemeClr>
+            </a:lnRef>
+            <a:fillRef idx="1">
+              <a:schemeClr val="accent1"/>
+            </a:fillRef>
+            <a:effectRef idx="0">
+              <a:schemeClr val="accent1"/>
+            </a:effectRef>
+            <a:fontRef idx="minor">
+              <a:schemeClr val="lt1"/>
+            </a:fontRef>
+          </p:style>
+          <p:txBody>
+            <a:bodyPr rtlCol="0" anchor="ctr"/>
+            <a:lstStyle/>
+            <a:p>
+              <a:pPr algn="ctr"/>
+              <a:endParaRPr lang="en-US"/>
+            </a:p>
+          </p:txBody>
+        </p:sp>
+        <p:grpSp>
+          <p:nvGrpSpPr>
+            <p:cNvPr id="5" name="Group 158"/>
+            <p:cNvGrpSpPr/>
+            <p:nvPr/>
+          </p:nvGrpSpPr>
+          <p:grpSpPr>
+            <a:xfrm rot="5400000">
+              <a:off x="2616099" y="477444"/>
+              <a:ext cx="373074" cy="1018902"/>
+              <a:chOff x="2555966" y="727167"/>
+              <a:chExt cx="481150" cy="1330238"/>
+            </a:xfrm>
+            <a:solidFill>
+              <a:srgbClr val="7CFC00"/>
+            </a:solidFill>
+          </p:grpSpPr>
+          <p:sp>
+            <p:nvSpPr>
+              <p:cNvPr id="88" name="Right Triangle 87"/>
+              <p:cNvSpPr/>
+              <p:nvPr/>
+            </p:nvSpPr>
+            <p:spPr>
+              <a:xfrm rot="5400000">
+                <a:off x="2514601" y="1534889"/>
+                <a:ext cx="738054" cy="306977"/>
+              </a:xfrm>
+              <a:prstGeom prst="rtTriangle">
+                <a:avLst/>
+              </a:prstGeom>
+              <a:grpFill/>
+              <a:ln>
+                <a:solidFill>
+                  <a:srgbClr val="66FF33"/>
+                </a:solidFill>
+              </a:ln>
+            </p:spPr>
+            <p:style>
+              <a:lnRef idx="2">
+                <a:schemeClr val="accent1">
+                  <a:shade val="50000"/>
+                </a:schemeClr>
+              </a:lnRef>
+              <a:fillRef idx="1">
+                <a:schemeClr val="accent1"/>
+              </a:fillRef>
+              <a:effectRef idx="0">
+                <a:schemeClr val="accent1"/>
+              </a:effectRef>
+              <a:fontRef idx="minor">
+                <a:schemeClr val="lt1"/>
+              </a:fontRef>
+            </p:style>
+            <p:txBody>
+              <a:bodyPr rtlCol="0" anchor="ctr"/>
+              <a:lstStyle/>
+              <a:p>
+                <a:pPr algn="ctr"/>
+                <a:endParaRPr lang="en-US"/>
+              </a:p>
+            </p:txBody>
+          </p:sp>
+          <p:sp>
+            <p:nvSpPr>
+              <p:cNvPr id="89" name="Right Triangle 88"/>
+              <p:cNvSpPr/>
+              <p:nvPr/>
+            </p:nvSpPr>
+            <p:spPr>
+              <a:xfrm rot="16200000">
+                <a:off x="2340428" y="942705"/>
+                <a:ext cx="738054" cy="306977"/>
+              </a:xfrm>
+              <a:prstGeom prst="rtTriangle">
+                <a:avLst/>
+              </a:prstGeom>
+              <a:grpFill/>
+              <a:ln>
+                <a:solidFill>
+                  <a:srgbClr val="66FF33"/>
+                </a:solidFill>
+              </a:ln>
+            </p:spPr>
+            <p:style>
+              <a:lnRef idx="2">
+                <a:schemeClr val="accent1">
+                  <a:shade val="50000"/>
+                </a:schemeClr>
+              </a:lnRef>
+              <a:fillRef idx="1">
+                <a:schemeClr val="accent1"/>
+              </a:fillRef>
+              <a:effectRef idx="0">
+                <a:schemeClr val="accent1"/>
+              </a:effectRef>
+              <a:fontRef idx="minor">
+                <a:schemeClr val="lt1"/>
+              </a:fontRef>
+            </p:style>
+            <p:txBody>
+              <a:bodyPr rtlCol="0" anchor="ctr"/>
+              <a:lstStyle/>
+              <a:p>
+                <a:pPr algn="ctr"/>
+                <a:endParaRPr lang="en-US"/>
+              </a:p>
+            </p:txBody>
+          </p:sp>
+        </p:grpSp>
+      </p:grpSp>
+      <p:grpSp>
+        <p:nvGrpSpPr>
+          <p:cNvPr id="6" name="Group 158"/>
+          <p:cNvGrpSpPr/>
+          <p:nvPr/>
+        </p:nvGrpSpPr>
+        <p:grpSpPr>
+          <a:xfrm rot="5400000">
+            <a:off x="3885578" y="50099"/>
+            <a:ext cx="373073" cy="1018902"/>
+            <a:chOff x="2555966" y="727167"/>
+            <a:chExt cx="481148" cy="1330237"/>
+          </a:xfrm>
+          <a:solidFill>
+            <a:srgbClr val="7CFC00"/>
+          </a:solidFill>
+        </p:grpSpPr>
+        <p:sp>
+          <p:nvSpPr>
+            <p:cNvPr id="91" name="Right Triangle 90"/>
+            <p:cNvSpPr/>
+            <p:nvPr/>
+          </p:nvSpPr>
+          <p:spPr>
+            <a:xfrm rot="5400000">
+              <a:off x="2514599" y="1534888"/>
+              <a:ext cx="738054" cy="306977"/>
+            </a:xfrm>
+            <a:prstGeom prst="rtTriangle">
+              <a:avLst/>
+            </a:prstGeom>
+            <a:grpFill/>
+            <a:ln>
+              <a:solidFill>
+                <a:srgbClr val="66FF33"/>
+              </a:solidFill>
+            </a:ln>
+          </p:spPr>
+          <p:style>
+            <a:lnRef idx="2">
+              <a:schemeClr val="accent1">
+                <a:shade val="50000"/>
+              </a:schemeClr>
+            </a:lnRef>
+            <a:fillRef idx="1">
+              <a:schemeClr val="accent1"/>
+            </a:fillRef>
+            <a:effectRef idx="0">
+              <a:schemeClr val="accent1"/>
+            </a:effectRef>
+            <a:fontRef idx="minor">
+              <a:schemeClr val="lt1"/>
+            </a:fontRef>
+          </p:style>
+          <p:txBody>
+            <a:bodyPr rtlCol="0" anchor="ctr"/>
+            <a:lstStyle/>
+            <a:p>
+              <a:pPr algn="ctr"/>
+              <a:endParaRPr lang="en-US"/>
+            </a:p>
+          </p:txBody>
+        </p:sp>
+        <p:sp>
+          <p:nvSpPr>
+            <p:cNvPr id="92" name="Right Triangle 91"/>
+            <p:cNvSpPr/>
+            <p:nvPr/>
+          </p:nvSpPr>
+          <p:spPr>
+            <a:xfrm rot="16200000">
+              <a:off x="2340428" y="942705"/>
+              <a:ext cx="738054" cy="306977"/>
+            </a:xfrm>
+            <a:prstGeom prst="rtTriangle">
+              <a:avLst/>
+            </a:prstGeom>
+            <a:grpFill/>
+            <a:ln>
+              <a:solidFill>
+                <a:srgbClr val="66FF33"/>
+              </a:solidFill>
+            </a:ln>
+          </p:spPr>
+          <p:style>
+            <a:lnRef idx="2">
+              <a:schemeClr val="accent1">
+                <a:shade val="50000"/>
+              </a:schemeClr>
+            </a:lnRef>
+            <a:fillRef idx="1">
+              <a:schemeClr val="accent1"/>
+            </a:fillRef>
+            <a:effectRef idx="0">
+              <a:schemeClr val="accent1"/>
+            </a:effectRef>
+            <a:fontRef idx="minor">
+              <a:schemeClr val="lt1"/>
+            </a:fontRef>
+          </p:style>
+          <p:txBody>
+            <a:bodyPr rtlCol="0" anchor="ctr"/>
+            <a:lstStyle/>
+            <a:p>
+              <a:pPr algn="ctr"/>
+              <a:endParaRPr lang="en-US"/>
+            </a:p>
+          </p:txBody>
+        </p:sp>
+      </p:grpSp>
+      <p:sp>
+        <p:nvSpPr>
+          <p:cNvPr id="94" name="Oval 93"/>
+          <p:cNvSpPr/>
+          <p:nvPr/>
+        </p:nvSpPr>
+        <p:spPr>
+          <a:xfrm>
+            <a:off x="6540757" y="545451"/>
+            <a:ext cx="1676400" cy="914400"/>
+          </a:xfrm>
+          <a:prstGeom prst="ellipse">
+            <a:avLst/>
+          </a:prstGeom>
+          <a:solidFill>
+            <a:srgbClr val="002060">
+              <a:alpha val="50196"/>
+            </a:srgbClr>
+          </a:solidFill>
+          <a:ln>
+            <a:solidFill>
+              <a:srgbClr val="002060">
+                <a:alpha val="74902"/>
+              </a:srgbClr>
+            </a:solidFill>
+          </a:ln>
+        </p:spPr>
+        <p:style>
+          <a:lnRef idx="2">
+            <a:schemeClr val="accent1">
+              <a:shade val="50000"/>
+            </a:schemeClr>
+          </a:lnRef>
+          <a:fillRef idx="1">
+            <a:schemeClr val="accent1"/>
+          </a:fillRef>
+          <a:effectRef idx="0">
+            <a:schemeClr val="accent1"/>
+          </a:effectRef>
+          <a:fontRef idx="minor">
+            <a:schemeClr val="lt1"/>
+          </a:fontRef>
+        </p:style>
+        <p:txBody>
+          <a:bodyPr rtlCol="0" anchor="ctr"/>
+          <a:lstStyle/>
+          <a:p>
+            <a:pPr algn="ctr"/>
+            <a:endParaRPr lang="en-US"/>
+          </a:p>
+        </p:txBody>
+      </p:sp>
+      <p:grpSp>
+        <p:nvGrpSpPr>
+          <p:cNvPr id="7" name="Group 108"/>
+          <p:cNvGrpSpPr/>
+          <p:nvPr/>
+        </p:nvGrpSpPr>
+        <p:grpSpPr>
+          <a:xfrm>
+            <a:off x="6768726" y="798423"/>
+            <a:ext cx="1234440" cy="448056"/>
+            <a:chOff x="4652059" y="2517156"/>
+            <a:chExt cx="1234440" cy="448056"/>
+          </a:xfrm>
+        </p:grpSpPr>
+        <p:grpSp>
+          <p:nvGrpSpPr>
+            <p:cNvPr id="8" name="Group 158"/>
+            <p:cNvGrpSpPr/>
+            <p:nvPr/>
+          </p:nvGrpSpPr>
+          <p:grpSpPr>
+            <a:xfrm rot="5400000">
+              <a:off x="5045251" y="2123964"/>
+              <a:ext cx="448056" cy="1234440"/>
+              <a:chOff x="2555966" y="727167"/>
+              <a:chExt cx="481148" cy="1330237"/>
+            </a:xfrm>
+            <a:solidFill>
+              <a:srgbClr val="7CFC00"/>
+            </a:solidFill>
+          </p:grpSpPr>
+          <p:sp>
+            <p:nvSpPr>
+              <p:cNvPr id="107" name="Right Triangle 106"/>
+              <p:cNvSpPr/>
+              <p:nvPr/>
+            </p:nvSpPr>
+            <p:spPr>
+              <a:xfrm rot="5400000">
+                <a:off x="2514599" y="1534888"/>
+                <a:ext cx="738054" cy="306977"/>
+              </a:xfrm>
+              <a:prstGeom prst="rtTriangle">
+                <a:avLst/>
+              </a:prstGeom>
+              <a:grpFill/>
+              <a:ln>
+                <a:solidFill>
+                  <a:srgbClr val="66FF33"/>
+                </a:solidFill>
+              </a:ln>
+            </p:spPr>
+            <p:style>
+              <a:lnRef idx="2">
+                <a:schemeClr val="accent1">
+                  <a:shade val="50000"/>
+                </a:schemeClr>
+              </a:lnRef>
+              <a:fillRef idx="1">
+                <a:schemeClr val="accent1"/>
+              </a:fillRef>
+              <a:effectRef idx="0">
+                <a:schemeClr val="accent1"/>
+              </a:effectRef>
+              <a:fontRef idx="minor">
+                <a:schemeClr val="lt1"/>
+              </a:fontRef>
+            </p:style>
+            <p:txBody>
+              <a:bodyPr rtlCol="0" anchor="ctr"/>
+              <a:lstStyle/>
+              <a:p>
+                <a:pPr algn="ctr"/>
+                <a:endParaRPr lang="en-US"/>
+              </a:p>
+            </p:txBody>
+          </p:sp>
+          <p:sp>
+            <p:nvSpPr>
+              <p:cNvPr id="108" name="Right Triangle 107"/>
+              <p:cNvSpPr/>
+              <p:nvPr/>
+            </p:nvSpPr>
+            <p:spPr>
+              <a:xfrm rot="16200000">
+                <a:off x="2340428" y="942705"/>
+                <a:ext cx="738054" cy="306977"/>
+              </a:xfrm>
+              <a:prstGeom prst="rtTriangle">
+                <a:avLst/>
+              </a:prstGeom>
+              <a:grpFill/>
+              <a:ln>
+                <a:solidFill>
+                  <a:srgbClr val="66FF33"/>
+                </a:solidFill>
+              </a:ln>
+            </p:spPr>
+            <p:style>
+              <a:lnRef idx="2">
+                <a:schemeClr val="accent1">
+                  <a:shade val="50000"/>
+                </a:schemeClr>
+              </a:lnRef>
+              <a:fillRef idx="1">
+                <a:schemeClr val="accent1"/>
+              </a:fillRef>
+              <a:effectRef idx="0">
+                <a:schemeClr val="accent1"/>
+              </a:effectRef>
+              <a:fontRef idx="minor">
+                <a:schemeClr val="lt1"/>
+              </a:fontRef>
+            </p:style>
+            <p:txBody>
+              <a:bodyPr rtlCol="0" anchor="ctr"/>
+              <a:lstStyle/>
+              <a:p>
+                <a:pPr algn="ctr"/>
+                <a:endParaRPr lang="en-US"/>
+              </a:p>
+            </p:txBody>
+          </p:sp>
+        </p:grpSp>
+        <p:sp>
+          <p:nvSpPr>
+            <p:cNvPr id="97" name="TextBox 96"/>
+            <p:cNvSpPr txBox="1"/>
+            <p:nvPr/>
+          </p:nvSpPr>
+          <p:spPr>
+            <a:xfrm>
+              <a:off x="4789171" y="2557744"/>
+              <a:ext cx="958917" cy="338554"/>
+            </a:xfrm>
+            <a:prstGeom prst="rect">
+              <a:avLst/>
+            </a:prstGeom>
+            <a:noFill/>
+          </p:spPr>
+          <p:txBody>
+            <a:bodyPr wrap="none" rtlCol="0">
+              <a:spAutoFit/>
+            </a:bodyPr>
+            <a:lstStyle/>
+            <a:p>
+              <a:r>
+                <a:rPr lang="en-US" sz="1600" i="1" dirty="0" smtClean="0">
+                  <a:solidFill>
+                    <a:srgbClr val="002060"/>
+                  </a:solidFill>
+                  <a:latin typeface="Microsoft JhengHei" pitchFamily="34" charset="-120"/>
+                  <a:ea typeface="Microsoft JhengHei" pitchFamily="34" charset="-120"/>
+                </a:rPr>
+                <a:t>synapse</a:t>
+              </a:r>
+              <a:endParaRPr lang="en-US" sz="1600" i="1" dirty="0">
+                <a:solidFill>
+                  <a:srgbClr val="002060"/>
+                </a:solidFill>
+                <a:latin typeface="Microsoft JhengHei" pitchFamily="34" charset="-120"/>
+                <a:ea typeface="Microsoft JhengHei" pitchFamily="34" charset="-120"/>
+              </a:endParaRPr>
+            </a:p>
+          </p:txBody>
+        </p:sp>
+      </p:grpSp>
+      <p:grpSp>
+        <p:nvGrpSpPr>
+          <p:cNvPr id="9" name="Group 109"/>
+          <p:cNvGrpSpPr/>
+          <p:nvPr/>
+        </p:nvGrpSpPr>
+        <p:grpSpPr>
+          <a:xfrm>
+            <a:off x="4558275" y="1199482"/>
+            <a:ext cx="1234440" cy="448056"/>
+            <a:chOff x="4652059" y="2517156"/>
+            <a:chExt cx="1234440" cy="448056"/>
+          </a:xfrm>
+        </p:grpSpPr>
+        <p:grpSp>
+          <p:nvGrpSpPr>
+            <p:cNvPr id="10" name="Group 158"/>
+            <p:cNvGrpSpPr/>
+            <p:nvPr/>
+          </p:nvGrpSpPr>
+          <p:grpSpPr>
+            <a:xfrm rot="5400000">
+              <a:off x="5045251" y="2123964"/>
+              <a:ext cx="448056" cy="1234440"/>
+              <a:chOff x="2555966" y="727167"/>
+              <a:chExt cx="481148" cy="1330237"/>
+            </a:xfrm>
+            <a:solidFill>
+              <a:srgbClr val="7CFC00"/>
+            </a:solidFill>
+          </p:grpSpPr>
+          <p:sp>
+            <p:nvSpPr>
+              <p:cNvPr id="113" name="Right Triangle 112"/>
+              <p:cNvSpPr/>
+              <p:nvPr/>
+            </p:nvSpPr>
+            <p:spPr>
+              <a:xfrm rot="5400000">
+                <a:off x="2514599" y="1534888"/>
+                <a:ext cx="738054" cy="306977"/>
+              </a:xfrm>
+              <a:prstGeom prst="rtTriangle">
+                <a:avLst/>
+              </a:prstGeom>
+              <a:grpFill/>
+              <a:ln>
+                <a:solidFill>
+                  <a:srgbClr val="66FF33"/>
+                </a:solidFill>
+              </a:ln>
+            </p:spPr>
+            <p:style>
+              <a:lnRef idx="2">
+                <a:schemeClr val="accent1">
+                  <a:shade val="50000"/>
+                </a:schemeClr>
+              </a:lnRef>
+              <a:fillRef idx="1">
+                <a:schemeClr val="accent1"/>
+              </a:fillRef>
+              <a:effectRef idx="0">
+                <a:schemeClr val="accent1"/>
+              </a:effectRef>
+              <a:fontRef idx="minor">
+                <a:schemeClr val="lt1"/>
+              </a:fontRef>
+            </p:style>
+            <p:txBody>
+              <a:bodyPr rtlCol="0" anchor="ctr"/>
+              <a:lstStyle/>
+              <a:p>
+                <a:pPr algn="ctr"/>
+                <a:endParaRPr lang="en-US"/>
+              </a:p>
+            </p:txBody>
+          </p:sp>
+          <p:sp>
+            <p:nvSpPr>
+              <p:cNvPr id="114" name="Right Triangle 113"/>
+              <p:cNvSpPr/>
+              <p:nvPr/>
+            </p:nvSpPr>
+            <p:spPr>
+              <a:xfrm rot="16200000">
+                <a:off x="2340428" y="942705"/>
+                <a:ext cx="738054" cy="306977"/>
+              </a:xfrm>
+              <a:prstGeom prst="rtTriangle">
+                <a:avLst/>
+              </a:prstGeom>
+              <a:grpFill/>
+              <a:ln>
+                <a:solidFill>
+                  <a:srgbClr val="66FF33"/>
+                </a:solidFill>
+              </a:ln>
+            </p:spPr>
+            <p:style>
+              <a:lnRef idx="2">
+                <a:schemeClr val="accent1">
+                  <a:shade val="50000"/>
+                </a:schemeClr>
+              </a:lnRef>
+              <a:fillRef idx="1">
+                <a:schemeClr val="accent1"/>
+              </a:fillRef>
+              <a:effectRef idx="0">
+                <a:schemeClr val="accent1"/>
+              </a:effectRef>
+              <a:fontRef idx="minor">
+                <a:schemeClr val="lt1"/>
+              </a:fontRef>
+            </p:style>
+            <p:txBody>
+              <a:bodyPr rtlCol="0" anchor="ctr"/>
+              <a:lstStyle/>
+              <a:p>
+                <a:pPr algn="ctr"/>
+                <a:endParaRPr lang="en-US"/>
+              </a:p>
+            </p:txBody>
+          </p:sp>
+        </p:grpSp>
+        <p:sp>
+          <p:nvSpPr>
+            <p:cNvPr id="112" name="TextBox 111"/>
+            <p:cNvSpPr txBox="1"/>
+            <p:nvPr/>
+          </p:nvSpPr>
+          <p:spPr>
+            <a:xfrm>
+              <a:off x="4789171" y="2557744"/>
+              <a:ext cx="958917" cy="338554"/>
+            </a:xfrm>
+            <a:prstGeom prst="rect">
+              <a:avLst/>
+            </a:prstGeom>
+            <a:noFill/>
+          </p:spPr>
+          <p:txBody>
+            <a:bodyPr wrap="none" rtlCol="0">
+              <a:spAutoFit/>
+            </a:bodyPr>
+            <a:lstStyle/>
+            <a:p>
+              <a:r>
+                <a:rPr lang="en-US" sz="1600" i="1" dirty="0" smtClean="0">
+                  <a:solidFill>
+                    <a:srgbClr val="002060"/>
+                  </a:solidFill>
+                  <a:latin typeface="Microsoft JhengHei" pitchFamily="34" charset="-120"/>
+                  <a:ea typeface="Microsoft JhengHei" pitchFamily="34" charset="-120"/>
+                </a:rPr>
+                <a:t>synapse</a:t>
+              </a:r>
+              <a:endParaRPr lang="en-US" sz="1600" i="1" dirty="0">
+                <a:solidFill>
+                  <a:srgbClr val="002060"/>
+                </a:solidFill>
+                <a:latin typeface="Microsoft JhengHei" pitchFamily="34" charset="-120"/>
+                <a:ea typeface="Microsoft JhengHei" pitchFamily="34" charset="-120"/>
+              </a:endParaRPr>
+            </a:p>
+          </p:txBody>
+        </p:sp>
+      </p:grpSp>
+      <p:grpSp>
+        <p:nvGrpSpPr>
+          <p:cNvPr id="155" name="Group 154"/>
+          <p:cNvGrpSpPr/>
+          <p:nvPr/>
+        </p:nvGrpSpPr>
+        <p:grpSpPr>
+          <a:xfrm>
+            <a:off x="672903" y="1175992"/>
+            <a:ext cx="1220841" cy="1218496"/>
+            <a:chOff x="1355187" y="4692915"/>
+            <a:chExt cx="1220841" cy="1218496"/>
+          </a:xfrm>
+        </p:grpSpPr>
+        <p:sp>
+          <p:nvSpPr>
+            <p:cNvPr id="154" name="Rounded Rectangle 153"/>
+            <p:cNvSpPr/>
+            <p:nvPr/>
+          </p:nvSpPr>
+          <p:spPr>
+            <a:xfrm>
+              <a:off x="1359876" y="4692915"/>
+              <a:ext cx="1216152" cy="1216152"/>
+            </a:xfrm>
+            <a:prstGeom prst="roundRect">
+              <a:avLst/>
+            </a:prstGeom>
+            <a:solidFill>
+              <a:srgbClr val="F8F8F8"/>
+            </a:solidFill>
+            <a:ln w="0">
+              <a:noFill/>
+            </a:ln>
+          </p:spPr>
+          <p:style>
+            <a:lnRef idx="2">
+              <a:schemeClr val="accent1">
+                <a:shade val="50000"/>
+              </a:schemeClr>
+            </a:lnRef>
+            <a:fillRef idx="1">
+              <a:schemeClr val="accent1"/>
+            </a:fillRef>
+            <a:effectRef idx="0">
+              <a:schemeClr val="accent1"/>
+            </a:effectRef>
+            <a:fontRef idx="minor">
+              <a:schemeClr val="lt1"/>
+            </a:fontRef>
+          </p:style>
+          <p:txBody>
+            <a:bodyPr rtlCol="0" anchor="ctr"/>
+            <a:lstStyle/>
+            <a:p>
+              <a:pPr algn="ctr"/>
+              <a:endParaRPr lang="en-US"/>
+            </a:p>
+          </p:txBody>
+        </p:sp>
+        <p:sp>
+          <p:nvSpPr>
+            <p:cNvPr id="150" name="Rounded Rectangle 149"/>
+            <p:cNvSpPr/>
+            <p:nvPr/>
+          </p:nvSpPr>
+          <p:spPr>
+            <a:xfrm>
+              <a:off x="1355187" y="4695259"/>
+              <a:ext cx="1216152" cy="1216152"/>
+            </a:xfrm>
+            <a:prstGeom prst="roundRect">
+              <a:avLst/>
+            </a:prstGeom>
+            <a:solidFill>
+              <a:srgbClr val="002060">
+                <a:alpha val="50000"/>
+              </a:srgbClr>
+            </a:solidFill>
+            <a:ln w="0">
+              <a:noFill/>
+            </a:ln>
+          </p:spPr>
+          <p:style>
+            <a:lnRef idx="2">
+              <a:schemeClr val="accent1">
+                <a:shade val="50000"/>
+              </a:schemeClr>
+            </a:lnRef>
+            <a:fillRef idx="1">
+              <a:schemeClr val="accent1"/>
+            </a:fillRef>
+            <a:effectRef idx="0">
+              <a:schemeClr val="accent1"/>
+            </a:effectRef>
+            <a:fontRef idx="minor">
+              <a:schemeClr val="lt1"/>
+            </a:fontRef>
+          </p:style>
+          <p:txBody>
+            <a:bodyPr rtlCol="0" anchor="ctr"/>
+            <a:lstStyle/>
+            <a:p>
+              <a:pPr algn="ctr"/>
+              <a:endParaRPr lang="en-US"/>
+            </a:p>
+          </p:txBody>
+        </p:sp>
+        <p:grpSp>
+          <p:nvGrpSpPr>
+            <p:cNvPr id="151" name="Group 158"/>
+            <p:cNvGrpSpPr/>
+            <p:nvPr/>
+          </p:nvGrpSpPr>
+          <p:grpSpPr>
+            <a:xfrm rot="5400000">
+              <a:off x="1776727" y="4793881"/>
+              <a:ext cx="373074" cy="1018902"/>
+              <a:chOff x="2555966" y="727167"/>
+              <a:chExt cx="481150" cy="1330238"/>
+            </a:xfrm>
+            <a:solidFill>
+              <a:srgbClr val="7CFC00"/>
+            </a:solidFill>
+          </p:grpSpPr>
+          <p:sp>
+            <p:nvSpPr>
+              <p:cNvPr id="152" name="Right Triangle 151"/>
+              <p:cNvSpPr/>
+              <p:nvPr/>
+            </p:nvSpPr>
+            <p:spPr>
+              <a:xfrm rot="5400000">
+                <a:off x="2514601" y="1534889"/>
+                <a:ext cx="738054" cy="306977"/>
+              </a:xfrm>
+              <a:prstGeom prst="rtTriangle">
+                <a:avLst/>
+              </a:prstGeom>
+              <a:grpFill/>
+              <a:ln>
+                <a:solidFill>
+                  <a:srgbClr val="66FF33"/>
+                </a:solidFill>
+              </a:ln>
+            </p:spPr>
+            <p:style>
+              <a:lnRef idx="2">
+                <a:schemeClr val="accent1">
+                  <a:shade val="50000"/>
+                </a:schemeClr>
+              </a:lnRef>
+              <a:fillRef idx="1">
+                <a:schemeClr val="accent1"/>
+              </a:fillRef>
+              <a:effectRef idx="0">
+                <a:schemeClr val="accent1"/>
+              </a:effectRef>
+              <a:fontRef idx="minor">
+                <a:schemeClr val="lt1"/>
+              </a:fontRef>
+            </p:style>
+            <p:txBody>
+              <a:bodyPr rtlCol="0" anchor="ctr"/>
+              <a:lstStyle/>
+              <a:p>
+                <a:pPr algn="ctr"/>
+                <a:endParaRPr lang="en-US"/>
+              </a:p>
+            </p:txBody>
+          </p:sp>
+          <p:sp>
+            <p:nvSpPr>
+              <p:cNvPr id="153" name="Right Triangle 152"/>
+              <p:cNvSpPr/>
+              <p:nvPr/>
+            </p:nvSpPr>
+            <p:spPr>
+              <a:xfrm rot="16200000">
+                <a:off x="2340428" y="942705"/>
+                <a:ext cx="738054" cy="306977"/>
+              </a:xfrm>
+              <a:prstGeom prst="rtTriangle">
+                <a:avLst/>
+              </a:prstGeom>
+              <a:grpFill/>
+              <a:ln>
+                <a:solidFill>
+                  <a:srgbClr val="66FF33"/>
+                </a:solidFill>
+              </a:ln>
+            </p:spPr>
+            <p:style>
+              <a:lnRef idx="2">
+                <a:schemeClr val="accent1">
+                  <a:shade val="50000"/>
+                </a:schemeClr>
+              </a:lnRef>
+              <a:fillRef idx="1">
+                <a:schemeClr val="accent1"/>
+              </a:fillRef>
+              <a:effectRef idx="0">
+                <a:schemeClr val="accent1"/>
+              </a:effectRef>
+              <a:fontRef idx="minor">
+                <a:schemeClr val="lt1"/>
+              </a:fontRef>
+            </p:style>
+            <p:txBody>
+              <a:bodyPr rtlCol="0" anchor="ctr"/>
+              <a:lstStyle/>
+              <a:p>
+                <a:pPr algn="ctr"/>
+                <a:endParaRPr lang="en-US"/>
+              </a:p>
+            </p:txBody>
+          </p:sp>
+        </p:grpSp>
+      </p:grpSp>
+      <p:grpSp>
+        <p:nvGrpSpPr>
+          <p:cNvPr id="169" name="Group 168"/>
+          <p:cNvGrpSpPr/>
+          <p:nvPr/>
+        </p:nvGrpSpPr>
+        <p:grpSpPr>
+          <a:xfrm>
+            <a:off x="1158240" y="3115994"/>
+            <a:ext cx="6571955" cy="3570013"/>
+            <a:chOff x="1158240" y="3115994"/>
+            <a:chExt cx="6571955" cy="3570013"/>
+          </a:xfrm>
+        </p:grpSpPr>
+        <p:sp>
+          <p:nvSpPr>
+            <p:cNvPr id="75" name="Can 74"/>
+            <p:cNvSpPr/>
+            <p:nvPr/>
+          </p:nvSpPr>
+          <p:spPr>
+            <a:xfrm>
+              <a:off x="4206482" y="5251267"/>
+              <a:ext cx="738788" cy="810866"/>
+            </a:xfrm>
+            <a:prstGeom prst="can">
+              <a:avLst/>
+            </a:prstGeom>
+            <a:solidFill>
+              <a:srgbClr val="FFFF00"/>
+            </a:solidFill>
+            <a:ln>
+              <a:solidFill>
+                <a:srgbClr val="FFC000"/>
+              </a:solidFill>
+            </a:ln>
+          </p:spPr>
+          <p:style>
+            <a:lnRef idx="2">
+              <a:schemeClr val="accent1">
+                <a:shade val="50000"/>
+              </a:schemeClr>
+            </a:lnRef>
+            <a:fillRef idx="1">
+              <a:schemeClr val="accent1"/>
+            </a:fillRef>
+            <a:effectRef idx="0">
+              <a:schemeClr val="accent1"/>
+            </a:effectRef>
+            <a:fontRef idx="minor">
+              <a:schemeClr val="lt1"/>
+            </a:fontRef>
+          </p:style>
+          <p:txBody>
+            <a:bodyPr rtlCol="0" anchor="ctr"/>
+            <a:lstStyle/>
+            <a:p>
+              <a:pPr algn="ctr"/>
+              <a:endParaRPr lang="en-US"/>
+            </a:p>
+          </p:txBody>
+        </p:sp>
+        <p:grpSp>
+          <p:nvGrpSpPr>
+            <p:cNvPr id="42" name="Group 41"/>
+            <p:cNvGrpSpPr/>
+            <p:nvPr/>
+          </p:nvGrpSpPr>
+          <p:grpSpPr>
+            <a:xfrm>
+              <a:off x="2791581" y="3431418"/>
+              <a:ext cx="1195306" cy="1242181"/>
+              <a:chOff x="888274" y="1763486"/>
+              <a:chExt cx="1618958" cy="1682447"/>
+            </a:xfrm>
+          </p:grpSpPr>
+          <p:sp>
+            <p:nvSpPr>
+              <p:cNvPr id="78" name="10-Point Star 77"/>
+              <p:cNvSpPr/>
+              <p:nvPr/>
+            </p:nvSpPr>
+            <p:spPr>
+              <a:xfrm>
+                <a:off x="888274" y="1763486"/>
+                <a:ext cx="1618958" cy="1682447"/>
+              </a:xfrm>
+              <a:prstGeom prst="star10">
+                <a:avLst/>
+              </a:prstGeom>
+              <a:solidFill>
+                <a:srgbClr val="002060">
+                  <a:alpha val="50196"/>
+                </a:srgbClr>
+              </a:solidFill>
+            </p:spPr>
+            <p:style>
+              <a:lnRef idx="2">
+                <a:schemeClr val="accent1">
+                  <a:shade val="50000"/>
+                </a:schemeClr>
+              </a:lnRef>
+              <a:fillRef idx="1">
+                <a:schemeClr val="accent1"/>
+              </a:fillRef>
+              <a:effectRef idx="0">
+                <a:schemeClr val="accent1"/>
+              </a:effectRef>
+              <a:fontRef idx="minor">
+                <a:schemeClr val="lt1"/>
+              </a:fontRef>
+            </p:style>
+            <p:txBody>
+              <a:bodyPr rtlCol="0" anchor="ctr"/>
+              <a:lstStyle/>
+              <a:p>
+                <a:pPr algn="ctr"/>
+                <a:endParaRPr lang="en-US"/>
+              </a:p>
+            </p:txBody>
+          </p:sp>
+          <p:pic>
+            <p:nvPicPr>
+              <p:cNvPr id="1026" name="Picture 2" descr="C:\Devo\git\Synapse\resources\service.png"/>
+              <p:cNvPicPr>
+                <a:picLocks noChangeAspect="1" noChangeArrowheads="1"/>
+              </p:cNvPicPr>
+              <p:nvPr/>
+            </p:nvPicPr>
+            <p:blipFill>
+              <a:blip r:embed="rId3" cstate="print"/>
+              <a:srcRect/>
+              <a:stretch>
+                <a:fillRect/>
+              </a:stretch>
+            </p:blipFill>
+            <p:spPr bwMode="auto">
+              <a:xfrm>
+                <a:off x="1088153" y="1995109"/>
+                <a:ext cx="1219200" cy="1219200"/>
+              </a:xfrm>
+              <a:prstGeom prst="rect">
+                <a:avLst/>
+              </a:prstGeom>
+              <a:noFill/>
+            </p:spPr>
+          </p:pic>
+        </p:grpSp>
+        <p:grpSp>
+          <p:nvGrpSpPr>
+            <p:cNvPr id="41" name="Group 40"/>
+            <p:cNvGrpSpPr/>
+            <p:nvPr/>
+          </p:nvGrpSpPr>
+          <p:grpSpPr>
+            <a:xfrm>
+              <a:off x="5181599" y="3530719"/>
+              <a:ext cx="844333" cy="844333"/>
+              <a:chOff x="4057226" y="2614022"/>
+              <a:chExt cx="1216152" cy="1216152"/>
+            </a:xfrm>
+          </p:grpSpPr>
+          <p:sp>
+            <p:nvSpPr>
+              <p:cNvPr id="37" name="Rounded Rectangle 36"/>
+              <p:cNvSpPr/>
+              <p:nvPr/>
+            </p:nvSpPr>
+            <p:spPr>
+              <a:xfrm>
+                <a:off x="4057226" y="2614022"/>
+                <a:ext cx="1216152" cy="1216152"/>
+              </a:xfrm>
+              <a:prstGeom prst="roundRect">
+                <a:avLst/>
+              </a:prstGeom>
+              <a:solidFill>
+                <a:srgbClr val="002060">
+                  <a:alpha val="50000"/>
+                </a:srgbClr>
+              </a:solidFill>
+              <a:ln w="0">
+                <a:noFill/>
+              </a:ln>
+            </p:spPr>
+            <p:style>
+              <a:lnRef idx="2">
+                <a:schemeClr val="accent1">
+                  <a:shade val="50000"/>
+                </a:schemeClr>
+              </a:lnRef>
+              <a:fillRef idx="1">
+                <a:schemeClr val="accent1"/>
+              </a:fillRef>
+              <a:effectRef idx="0">
+                <a:schemeClr val="accent1"/>
+              </a:effectRef>
+              <a:fontRef idx="minor">
+                <a:schemeClr val="lt1"/>
+              </a:fontRef>
+            </p:style>
+            <p:txBody>
+              <a:bodyPr rtlCol="0" anchor="ctr"/>
+              <a:lstStyle/>
+              <a:p>
+                <a:pPr algn="ctr"/>
+                <a:endParaRPr lang="en-US"/>
+              </a:p>
+            </p:txBody>
+          </p:sp>
+          <p:grpSp>
+            <p:nvGrpSpPr>
+              <p:cNvPr id="38" name="Group 158"/>
+              <p:cNvGrpSpPr/>
+              <p:nvPr/>
+            </p:nvGrpSpPr>
+            <p:grpSpPr>
+              <a:xfrm rot="5400000">
+                <a:off x="4478766" y="2712647"/>
+                <a:ext cx="373073" cy="1018902"/>
+                <a:chOff x="2555966" y="727167"/>
+                <a:chExt cx="481148" cy="1330237"/>
+              </a:xfrm>
+              <a:solidFill>
+                <a:srgbClr val="7CFC00"/>
+              </a:solidFill>
+            </p:grpSpPr>
+            <p:sp>
+              <p:nvSpPr>
+                <p:cNvPr id="39" name="Right Triangle 38"/>
+                <p:cNvSpPr/>
+                <p:nvPr/>
+              </p:nvSpPr>
+              <p:spPr>
+                <a:xfrm rot="5400000">
+                  <a:off x="2514599" y="1534888"/>
+                  <a:ext cx="738054" cy="306977"/>
+                </a:xfrm>
+                <a:prstGeom prst="rtTriangle">
+                  <a:avLst/>
+                </a:prstGeom>
+                <a:grpFill/>
+                <a:ln>
+                  <a:solidFill>
+                    <a:srgbClr val="66FF33"/>
+                  </a:solidFill>
+                </a:ln>
+              </p:spPr>
+              <p:style>
+                <a:lnRef idx="2">
+                  <a:schemeClr val="accent1">
+                    <a:shade val="50000"/>
+                  </a:schemeClr>
+                </a:lnRef>
+                <a:fillRef idx="1">
+                  <a:schemeClr val="accent1"/>
+                </a:fillRef>
+                <a:effectRef idx="0">
+                  <a:schemeClr val="accent1"/>
+                </a:effectRef>
+                <a:fontRef idx="minor">
+                  <a:schemeClr val="lt1"/>
+                </a:fontRef>
+              </p:style>
+              <p:txBody>
+                <a:bodyPr rtlCol="0" anchor="ctr"/>
+                <a:lstStyle/>
+                <a:p>
+                  <a:pPr algn="ctr"/>
+                  <a:endParaRPr lang="en-US"/>
+                </a:p>
+              </p:txBody>
+            </p:sp>
+            <p:sp>
+              <p:nvSpPr>
+                <p:cNvPr id="40" name="Right Triangle 39"/>
+                <p:cNvSpPr/>
+                <p:nvPr/>
+              </p:nvSpPr>
+              <p:spPr>
+                <a:xfrm rot="16200000">
+                  <a:off x="2340428" y="942705"/>
+                  <a:ext cx="738054" cy="306977"/>
+                </a:xfrm>
+                <a:prstGeom prst="rtTriangle">
+                  <a:avLst/>
+                </a:prstGeom>
+                <a:grpFill/>
+                <a:ln>
+                  <a:solidFill>
+                    <a:srgbClr val="66FF33"/>
+                  </a:solidFill>
+                </a:ln>
+              </p:spPr>
+              <p:style>
+                <a:lnRef idx="2">
+                  <a:schemeClr val="accent1">
+                    <a:shade val="50000"/>
+                  </a:schemeClr>
+                </a:lnRef>
+                <a:fillRef idx="1">
+                  <a:schemeClr val="accent1"/>
+                </a:fillRef>
+                <a:effectRef idx="0">
+                  <a:schemeClr val="accent1"/>
+                </a:effectRef>
+                <a:fontRef idx="minor">
+                  <a:schemeClr val="lt1"/>
+                </a:fontRef>
+              </p:style>
+              <p:txBody>
+                <a:bodyPr rtlCol="0" anchor="ctr"/>
+                <a:lstStyle/>
+                <a:p>
+                  <a:pPr algn="ctr"/>
+                  <a:endParaRPr lang="en-US"/>
+                </a:p>
+              </p:txBody>
+            </p:sp>
+          </p:grpSp>
+        </p:grpSp>
+        <p:grpSp>
+          <p:nvGrpSpPr>
+            <p:cNvPr id="60" name="Group 59"/>
+            <p:cNvGrpSpPr/>
+            <p:nvPr/>
+          </p:nvGrpSpPr>
+          <p:grpSpPr>
+            <a:xfrm>
+              <a:off x="3655722" y="5620120"/>
+              <a:ext cx="524937" cy="303694"/>
+              <a:chOff x="2108199" y="4691638"/>
+              <a:chExt cx="524937" cy="303694"/>
+            </a:xfrm>
+          </p:grpSpPr>
+          <p:sp>
+            <p:nvSpPr>
+              <p:cNvPr id="43" name="Left Bracket 42"/>
+              <p:cNvSpPr/>
+              <p:nvPr/>
+            </p:nvSpPr>
+            <p:spPr>
+              <a:xfrm rot="16200000">
+                <a:off x="2269068" y="4631263"/>
+                <a:ext cx="203200" cy="524937"/>
+              </a:xfrm>
+              <a:prstGeom prst="leftBracket">
+                <a:avLst/>
+              </a:prstGeom>
+              <a:ln w="34925">
+                <a:solidFill>
+                  <a:schemeClr val="tx1">
+                    <a:lumMod val="75000"/>
+                    <a:lumOff val="25000"/>
+                  </a:schemeClr>
+                </a:solidFill>
+              </a:ln>
+            </p:spPr>
+            <p:style>
+              <a:lnRef idx="1">
+                <a:schemeClr val="accent1"/>
+              </a:lnRef>
+              <a:fillRef idx="0">
+                <a:schemeClr val="accent1"/>
+              </a:fillRef>
+              <a:effectRef idx="0">
+                <a:schemeClr val="accent1"/>
+              </a:effectRef>
+              <a:fontRef idx="minor">
+                <a:schemeClr val="tx1"/>
+              </a:fontRef>
+            </p:style>
+            <p:txBody>
+              <a:bodyPr rtlCol="0" anchor="ctr"/>
+              <a:lstStyle/>
+              <a:p>
+                <a:pPr algn="ctr"/>
+                <a:endParaRPr lang="en-US"/>
+              </a:p>
+            </p:txBody>
+          </p:sp>
+          <p:grpSp>
+            <p:nvGrpSpPr>
+              <p:cNvPr id="50" name="Group 49"/>
+              <p:cNvGrpSpPr/>
+              <p:nvPr/>
+            </p:nvGrpSpPr>
+            <p:grpSpPr>
+              <a:xfrm>
+                <a:off x="2183665" y="4691638"/>
+                <a:ext cx="374006" cy="226575"/>
+                <a:chOff x="2186148" y="4691638"/>
+                <a:chExt cx="374006" cy="226575"/>
+              </a:xfrm>
+            </p:grpSpPr>
+            <p:cxnSp>
+              <p:nvCxnSpPr>
+                <p:cNvPr id="45" name="Straight Connector 44"/>
+                <p:cNvCxnSpPr/>
+                <p:nvPr/>
+              </p:nvCxnSpPr>
+              <p:spPr>
+                <a:xfrm>
+                  <a:off x="2186148" y="4761211"/>
+                  <a:ext cx="374006" cy="2946"/>
+                </a:xfrm>
+                <a:prstGeom prst="line">
+                  <a:avLst/>
+                </a:prstGeom>
+                <a:ln w="34925">
+                  <a:solidFill>
+                    <a:schemeClr val="tx1">
+                      <a:lumMod val="75000"/>
+                      <a:lumOff val="25000"/>
+                    </a:schemeClr>
+                  </a:solidFill>
+                </a:ln>
+              </p:spPr>
+              <p:style>
+                <a:lnRef idx="1">
+                  <a:schemeClr val="accent1"/>
+                </a:lnRef>
+                <a:fillRef idx="0">
+                  <a:schemeClr val="accent1"/>
+                </a:fillRef>
+                <a:effectRef idx="0">
+                  <a:schemeClr val="accent1"/>
+                </a:effectRef>
+                <a:fontRef idx="minor">
+                  <a:schemeClr val="tx1"/>
+                </a:fontRef>
+              </p:style>
+            </p:cxnSp>
+            <p:cxnSp>
+              <p:nvCxnSpPr>
+                <p:cNvPr id="47" name="Straight Connector 46"/>
+                <p:cNvCxnSpPr/>
+                <p:nvPr/>
+              </p:nvCxnSpPr>
+              <p:spPr>
+                <a:xfrm>
+                  <a:off x="2186148" y="4691638"/>
+                  <a:ext cx="374006" cy="2946"/>
+                </a:xfrm>
+                <a:prstGeom prst="line">
+                  <a:avLst/>
+                </a:prstGeom>
+                <a:ln w="34925">
+                  <a:solidFill>
+                    <a:schemeClr val="tx1">
+                      <a:lumMod val="75000"/>
+                      <a:lumOff val="25000"/>
+                    </a:schemeClr>
+                  </a:solidFill>
+                </a:ln>
+              </p:spPr>
+              <p:style>
+                <a:lnRef idx="1">
+                  <a:schemeClr val="accent1"/>
+                </a:lnRef>
+                <a:fillRef idx="0">
+                  <a:schemeClr val="accent1"/>
+                </a:fillRef>
+                <a:effectRef idx="0">
+                  <a:schemeClr val="accent1"/>
+                </a:effectRef>
+                <a:fontRef idx="minor">
+                  <a:schemeClr val="tx1"/>
+                </a:fontRef>
+              </p:style>
+            </p:cxnSp>
+            <p:cxnSp>
+              <p:nvCxnSpPr>
+                <p:cNvPr id="48" name="Straight Connector 47"/>
+                <p:cNvCxnSpPr/>
+                <p:nvPr/>
+              </p:nvCxnSpPr>
+              <p:spPr>
+                <a:xfrm>
+                  <a:off x="2186148" y="4830784"/>
+                  <a:ext cx="374006" cy="2946"/>
+                </a:xfrm>
+                <a:prstGeom prst="line">
+                  <a:avLst/>
+                </a:prstGeom>
+                <a:ln w="34925">
+                  <a:solidFill>
+                    <a:schemeClr val="tx1">
+                      <a:lumMod val="75000"/>
+                      <a:lumOff val="25000"/>
+                    </a:schemeClr>
+                  </a:solidFill>
+                </a:ln>
+              </p:spPr>
+              <p:style>
+                <a:lnRef idx="1">
+                  <a:schemeClr val="accent1"/>
+                </a:lnRef>
+                <a:fillRef idx="0">
+                  <a:schemeClr val="accent1"/>
+                </a:fillRef>
+                <a:effectRef idx="0">
+                  <a:schemeClr val="accent1"/>
+                </a:effectRef>
+                <a:fontRef idx="minor">
+                  <a:schemeClr val="tx1"/>
+                </a:fontRef>
+              </p:style>
+            </p:cxnSp>
+            <p:cxnSp>
+              <p:nvCxnSpPr>
+                <p:cNvPr id="49" name="Straight Connector 48"/>
+                <p:cNvCxnSpPr/>
+                <p:nvPr/>
+              </p:nvCxnSpPr>
+              <p:spPr>
+                <a:xfrm>
+                  <a:off x="2186148" y="4915267"/>
+                  <a:ext cx="374006" cy="2946"/>
+                </a:xfrm>
+                <a:prstGeom prst="line">
+                  <a:avLst/>
+                </a:prstGeom>
+                <a:ln w="57150">
+                  <a:solidFill>
+                    <a:schemeClr val="tx1">
+                      <a:lumMod val="75000"/>
+                      <a:lumOff val="25000"/>
+                    </a:schemeClr>
+                  </a:solidFill>
+                </a:ln>
+              </p:spPr>
+              <p:style>
+                <a:lnRef idx="1">
+                  <a:schemeClr val="accent1"/>
+                </a:lnRef>
+                <a:fillRef idx="0">
+                  <a:schemeClr val="accent1"/>
+                </a:fillRef>
+                <a:effectRef idx="0">
+                  <a:schemeClr val="accent1"/>
+                </a:effectRef>
+                <a:fontRef idx="minor">
+                  <a:schemeClr val="tx1"/>
+                </a:fontRef>
+              </p:style>
+            </p:cxnSp>
+          </p:grpSp>
+        </p:grpSp>
+        <p:grpSp>
+          <p:nvGrpSpPr>
+            <p:cNvPr id="59" name="Group 58"/>
+            <p:cNvGrpSpPr/>
+            <p:nvPr/>
+          </p:nvGrpSpPr>
+          <p:grpSpPr>
+            <a:xfrm>
+              <a:off x="4966032" y="5620120"/>
+              <a:ext cx="524937" cy="303694"/>
+              <a:chOff x="3592444" y="4645257"/>
+              <a:chExt cx="524937" cy="303694"/>
+            </a:xfrm>
+          </p:grpSpPr>
+          <p:sp>
+            <p:nvSpPr>
+              <p:cNvPr id="51" name="Left Bracket 50"/>
+              <p:cNvSpPr/>
+              <p:nvPr/>
+            </p:nvSpPr>
+            <p:spPr>
+              <a:xfrm rot="16200000">
+                <a:off x="3753313" y="4584882"/>
+                <a:ext cx="203200" cy="524937"/>
+              </a:xfrm>
+              <a:prstGeom prst="leftBracket">
+                <a:avLst/>
+              </a:prstGeom>
+              <a:ln w="34925">
+                <a:solidFill>
+                  <a:schemeClr val="tx1">
+                    <a:lumMod val="75000"/>
+                    <a:lumOff val="25000"/>
+                  </a:schemeClr>
+                </a:solidFill>
+              </a:ln>
+            </p:spPr>
+            <p:style>
+              <a:lnRef idx="1">
+                <a:schemeClr val="accent1"/>
+              </a:lnRef>
+              <a:fillRef idx="0">
+                <a:schemeClr val="accent1"/>
+              </a:fillRef>
+              <a:effectRef idx="0">
+                <a:schemeClr val="accent1"/>
+              </a:effectRef>
+              <a:fontRef idx="minor">
+                <a:schemeClr val="tx1"/>
+              </a:fontRef>
+            </p:style>
+            <p:txBody>
+              <a:bodyPr rtlCol="0" anchor="ctr"/>
+              <a:lstStyle/>
+              <a:p>
+                <a:pPr algn="ctr"/>
+                <a:endParaRPr lang="en-US"/>
+              </a:p>
+            </p:txBody>
+          </p:sp>
+          <p:grpSp>
+            <p:nvGrpSpPr>
+              <p:cNvPr id="52" name="Group 51"/>
+              <p:cNvGrpSpPr/>
+              <p:nvPr/>
+            </p:nvGrpSpPr>
+            <p:grpSpPr>
+              <a:xfrm rot="10800000">
+                <a:off x="3667910" y="4645257"/>
+                <a:ext cx="374006" cy="226575"/>
+                <a:chOff x="2186148" y="4691638"/>
+                <a:chExt cx="374006" cy="226575"/>
+              </a:xfrm>
+            </p:grpSpPr>
+            <p:cxnSp>
+              <p:nvCxnSpPr>
+                <p:cNvPr id="53" name="Straight Connector 52"/>
+                <p:cNvCxnSpPr/>
+                <p:nvPr/>
+              </p:nvCxnSpPr>
+              <p:spPr>
+                <a:xfrm>
+                  <a:off x="2186148" y="4761211"/>
+                  <a:ext cx="374006" cy="2946"/>
+                </a:xfrm>
+                <a:prstGeom prst="line">
+                  <a:avLst/>
+                </a:prstGeom>
+                <a:ln w="34925">
+                  <a:solidFill>
+                    <a:schemeClr val="tx1">
+                      <a:lumMod val="75000"/>
+                      <a:lumOff val="25000"/>
+                    </a:schemeClr>
+                  </a:solidFill>
+                </a:ln>
+              </p:spPr>
+              <p:style>
+                <a:lnRef idx="1">
+                  <a:schemeClr val="accent1"/>
+                </a:lnRef>
+                <a:fillRef idx="0">
+                  <a:schemeClr val="accent1"/>
+                </a:fillRef>
+                <a:effectRef idx="0">
+                  <a:schemeClr val="accent1"/>
+                </a:effectRef>
+                <a:fontRef idx="minor">
+                  <a:schemeClr val="tx1"/>
+                </a:fontRef>
+              </p:style>
+            </p:cxnSp>
+            <p:cxnSp>
+              <p:nvCxnSpPr>
+                <p:cNvPr id="54" name="Straight Connector 53"/>
+                <p:cNvCxnSpPr/>
+                <p:nvPr/>
+              </p:nvCxnSpPr>
+              <p:spPr>
+                <a:xfrm>
+                  <a:off x="2186148" y="4691638"/>
+                  <a:ext cx="374006" cy="2946"/>
+                </a:xfrm>
+                <a:prstGeom prst="line">
+                  <a:avLst/>
+                </a:prstGeom>
+                <a:ln w="34925">
+                  <a:solidFill>
+                    <a:schemeClr val="tx1">
+                      <a:lumMod val="75000"/>
+                      <a:lumOff val="25000"/>
+                    </a:schemeClr>
+                  </a:solidFill>
+                </a:ln>
+              </p:spPr>
+              <p:style>
+                <a:lnRef idx="1">
+                  <a:schemeClr val="accent1"/>
+                </a:lnRef>
+                <a:fillRef idx="0">
+                  <a:schemeClr val="accent1"/>
+                </a:fillRef>
+                <a:effectRef idx="0">
+                  <a:schemeClr val="accent1"/>
+                </a:effectRef>
+                <a:fontRef idx="minor">
+                  <a:schemeClr val="tx1"/>
+                </a:fontRef>
+              </p:style>
+            </p:cxnSp>
+            <p:cxnSp>
+              <p:nvCxnSpPr>
+                <p:cNvPr id="57" name="Straight Connector 56"/>
+                <p:cNvCxnSpPr/>
+                <p:nvPr/>
+              </p:nvCxnSpPr>
+              <p:spPr>
+                <a:xfrm>
+                  <a:off x="2186148" y="4830784"/>
+                  <a:ext cx="374006" cy="2946"/>
+                </a:xfrm>
+                <a:prstGeom prst="line">
+                  <a:avLst/>
+                </a:prstGeom>
+                <a:ln w="34925">
+                  <a:solidFill>
+                    <a:schemeClr val="tx1">
+                      <a:lumMod val="75000"/>
+                      <a:lumOff val="25000"/>
+                    </a:schemeClr>
+                  </a:solidFill>
+                </a:ln>
+              </p:spPr>
+              <p:style>
+                <a:lnRef idx="1">
+                  <a:schemeClr val="accent1"/>
+                </a:lnRef>
+                <a:fillRef idx="0">
+                  <a:schemeClr val="accent1"/>
+                </a:fillRef>
+                <a:effectRef idx="0">
+                  <a:schemeClr val="accent1"/>
+                </a:effectRef>
+                <a:fontRef idx="minor">
+                  <a:schemeClr val="tx1"/>
+                </a:fontRef>
+              </p:style>
+            </p:cxnSp>
+            <p:cxnSp>
+              <p:nvCxnSpPr>
+                <p:cNvPr id="58" name="Straight Connector 57"/>
+                <p:cNvCxnSpPr/>
+                <p:nvPr/>
+              </p:nvCxnSpPr>
+              <p:spPr>
+                <a:xfrm>
+                  <a:off x="2186148" y="4915267"/>
+                  <a:ext cx="374006" cy="2946"/>
+                </a:xfrm>
+                <a:prstGeom prst="line">
+                  <a:avLst/>
+                </a:prstGeom>
+                <a:ln w="57150">
+                  <a:solidFill>
+                    <a:schemeClr val="tx1">
+                      <a:lumMod val="75000"/>
+                      <a:lumOff val="25000"/>
+                    </a:schemeClr>
+                  </a:solidFill>
+                </a:ln>
+              </p:spPr>
+              <p:style>
+                <a:lnRef idx="1">
+                  <a:schemeClr val="accent1"/>
+                </a:lnRef>
+                <a:fillRef idx="0">
+                  <a:schemeClr val="accent1"/>
+                </a:fillRef>
+                <a:effectRef idx="0">
+                  <a:schemeClr val="accent1"/>
+                </a:effectRef>
+                <a:fontRef idx="minor">
+                  <a:schemeClr val="tx1"/>
+                </a:fontRef>
+              </p:style>
+            </p:cxnSp>
+          </p:grpSp>
+        </p:grpSp>
+        <p:cxnSp>
+          <p:nvCxnSpPr>
+            <p:cNvPr id="62" name="Straight Arrow Connector 61"/>
+            <p:cNvCxnSpPr/>
+            <p:nvPr/>
+          </p:nvCxnSpPr>
+          <p:spPr>
+            <a:xfrm>
+              <a:off x="3566160" y="4543865"/>
+              <a:ext cx="344658" cy="1026941"/>
+            </a:xfrm>
+            <a:prstGeom prst="straightConnector1">
+              <a:avLst/>
+            </a:prstGeom>
+            <a:ln w="25400">
+              <a:solidFill>
+                <a:schemeClr val="tx1">
+                  <a:lumMod val="75000"/>
+                  <a:lumOff val="25000"/>
+                </a:schemeClr>
+              </a:solidFill>
+              <a:tailEnd type="triangle"/>
+            </a:ln>
+          </p:spPr>
+          <p:style>
+            <a:lnRef idx="1">
+              <a:schemeClr val="accent1"/>
+            </a:lnRef>
+            <a:fillRef idx="0">
+              <a:schemeClr val="accent1"/>
+            </a:fillRef>
+            <a:effectRef idx="0">
+              <a:schemeClr val="accent1"/>
+            </a:effectRef>
+            <a:fontRef idx="minor">
+              <a:schemeClr val="tx1"/>
+            </a:fontRef>
+          </p:style>
+        </p:cxnSp>
+        <p:cxnSp>
+          <p:nvCxnSpPr>
+            <p:cNvPr id="66" name="Straight Arrow Connector 65"/>
+            <p:cNvCxnSpPr>
+              <a:endCxn id="37" idx="2"/>
+            </p:cNvCxnSpPr>
+            <p:nvPr/>
+          </p:nvCxnSpPr>
+          <p:spPr>
+            <a:xfrm flipV="1">
+              <a:off x="5226148" y="4375052"/>
+              <a:ext cx="377618" cy="1174654"/>
+            </a:xfrm>
+            <a:prstGeom prst="straightConnector1">
+              <a:avLst/>
+            </a:prstGeom>
+            <a:ln w="25400">
+              <a:solidFill>
+                <a:schemeClr val="tx1">
+                  <a:lumMod val="75000"/>
+                  <a:lumOff val="25000"/>
+                </a:schemeClr>
+              </a:solidFill>
+              <a:tailEnd type="triangle"/>
+            </a:ln>
+          </p:spPr>
+          <p:style>
+            <a:lnRef idx="1">
+              <a:schemeClr val="accent1"/>
+            </a:lnRef>
+            <a:fillRef idx="0">
+              <a:schemeClr val="accent1"/>
+            </a:fillRef>
+            <a:effectRef idx="0">
+              <a:schemeClr val="accent1"/>
+            </a:effectRef>
+            <a:fontRef idx="minor">
+              <a:schemeClr val="tx1"/>
+            </a:fontRef>
+          </p:style>
+        </p:cxnSp>
+        <p:sp>
+          <p:nvSpPr>
+            <p:cNvPr id="76" name="TextBox 75"/>
+            <p:cNvSpPr txBox="1"/>
+            <p:nvPr/>
+          </p:nvSpPr>
+          <p:spPr>
+            <a:xfrm>
+              <a:off x="2834640" y="4781846"/>
+              <a:ext cx="1026941" cy="646331"/>
+            </a:xfrm>
+            <a:prstGeom prst="rect">
+              <a:avLst/>
+            </a:prstGeom>
+            <a:noFill/>
+          </p:spPr>
+          <p:txBody>
+            <a:bodyPr wrap="square" rtlCol="0">
+              <a:spAutoFit/>
+            </a:bodyPr>
+            <a:lstStyle/>
+            <a:p>
+              <a:pPr algn="ctr"/>
+              <a:r>
+                <a:rPr lang="en-US" sz="1200" dirty="0" smtClean="0"/>
+                <a:t>publisher</a:t>
+              </a:r>
+            </a:p>
+            <a:p>
+              <a:pPr algn="ctr"/>
+              <a:r>
+                <a:rPr lang="en-US" sz="1200" dirty="0" err="1" smtClean="0"/>
+                <a:t>e</a:t>
+              </a:r>
+              <a:r>
+                <a:rPr lang="en-US" sz="1200" dirty="0" err="1" smtClean="0"/>
+                <a:t>nqueues</a:t>
+              </a:r>
+              <a:endParaRPr lang="en-US" sz="1200" dirty="0" smtClean="0"/>
+            </a:p>
+            <a:p>
+              <a:pPr algn="ctr"/>
+              <a:r>
+                <a:rPr lang="en-US" sz="1200" dirty="0" smtClean="0"/>
+                <a:t>request</a:t>
+              </a:r>
+              <a:endParaRPr lang="en-US" dirty="0"/>
+            </a:p>
+          </p:txBody>
+        </p:sp>
+        <p:sp>
+          <p:nvSpPr>
+            <p:cNvPr id="79" name="TextBox 78"/>
+            <p:cNvSpPr txBox="1"/>
+            <p:nvPr/>
+          </p:nvSpPr>
+          <p:spPr>
+            <a:xfrm>
+              <a:off x="5392612" y="5288281"/>
+              <a:ext cx="752622" cy="276999"/>
+            </a:xfrm>
+            <a:prstGeom prst="rect">
+              <a:avLst/>
+            </a:prstGeom>
+            <a:noFill/>
+          </p:spPr>
+          <p:txBody>
+            <a:bodyPr wrap="square" rtlCol="0">
+              <a:spAutoFit/>
+            </a:bodyPr>
+            <a:lstStyle/>
+            <a:p>
+              <a:pPr algn="ctr"/>
+              <a:r>
+                <a:rPr lang="en-US" sz="1200" dirty="0" err="1" smtClean="0"/>
+                <a:t>dequeue</a:t>
+              </a:r>
+              <a:endParaRPr lang="en-US" dirty="0"/>
+            </a:p>
+          </p:txBody>
+        </p:sp>
+        <p:grpSp>
+          <p:nvGrpSpPr>
+            <p:cNvPr id="82" name="Group 81"/>
+            <p:cNvGrpSpPr/>
+            <p:nvPr/>
+          </p:nvGrpSpPr>
+          <p:grpSpPr>
+            <a:xfrm>
+              <a:off x="1158240" y="3639550"/>
+              <a:ext cx="1008188" cy="840173"/>
+              <a:chOff x="1383320" y="3147182"/>
+              <a:chExt cx="1008188" cy="840173"/>
+            </a:xfrm>
+          </p:grpSpPr>
+          <p:pic>
+            <p:nvPicPr>
+              <p:cNvPr id="3074" name="Picture 2" descr="C:\Devo\git\Synapse\resources\yaml_doc.png"/>
+              <p:cNvPicPr>
+                <a:picLocks noChangeAspect="1" noChangeArrowheads="1"/>
+              </p:cNvPicPr>
+              <p:nvPr/>
+            </p:nvPicPr>
+            <p:blipFill>
+              <a:blip r:embed="rId4" cstate="print"/>
+              <a:srcRect/>
+              <a:stretch>
+                <a:fillRect/>
+              </a:stretch>
+            </p:blipFill>
+            <p:spPr bwMode="auto">
+              <a:xfrm>
+                <a:off x="1654089" y="3147182"/>
+                <a:ext cx="466651" cy="609503"/>
+              </a:xfrm>
+              <a:prstGeom prst="rect">
+                <a:avLst/>
+              </a:prstGeom>
+              <a:noFill/>
+            </p:spPr>
+          </p:pic>
+          <p:sp>
+            <p:nvSpPr>
+              <p:cNvPr id="81" name="TextBox 80"/>
+              <p:cNvSpPr txBox="1"/>
+              <p:nvPr/>
+            </p:nvSpPr>
+            <p:spPr>
+              <a:xfrm>
+                <a:off x="1383320" y="3710356"/>
+                <a:ext cx="1008188" cy="276999"/>
+              </a:xfrm>
+              <a:prstGeom prst="rect">
+                <a:avLst/>
+              </a:prstGeom>
+              <a:noFill/>
+            </p:spPr>
+            <p:txBody>
+              <a:bodyPr wrap="square" rtlCol="0">
+                <a:spAutoFit/>
+              </a:bodyPr>
+              <a:lstStyle/>
+              <a:p>
+                <a:pPr algn="ctr"/>
+                <a:r>
+                  <a:rPr lang="en-US" sz="1200" dirty="0" smtClean="0"/>
+                  <a:t>synapse plan</a:t>
+                </a:r>
+                <a:endParaRPr lang="en-US" dirty="0"/>
+              </a:p>
+            </p:txBody>
+          </p:sp>
+        </p:grpSp>
+        <p:cxnSp>
+          <p:nvCxnSpPr>
+            <p:cNvPr id="96" name="Straight Connector 95"/>
+            <p:cNvCxnSpPr/>
+            <p:nvPr/>
+          </p:nvCxnSpPr>
+          <p:spPr>
+            <a:xfrm>
+              <a:off x="1941341" y="4058529"/>
+              <a:ext cx="914400" cy="0"/>
+            </a:xfrm>
+            <a:prstGeom prst="line">
+              <a:avLst/>
+            </a:prstGeom>
+            <a:ln w="25400">
+              <a:solidFill>
+                <a:schemeClr val="tx1">
+                  <a:lumMod val="75000"/>
+                  <a:lumOff val="25000"/>
+                </a:schemeClr>
+              </a:solidFill>
+              <a:tailEnd type="triangle"/>
+            </a:ln>
+          </p:spPr>
+          <p:style>
+            <a:lnRef idx="1">
+              <a:schemeClr val="accent1"/>
+            </a:lnRef>
+            <a:fillRef idx="0">
+              <a:schemeClr val="accent1"/>
+            </a:fillRef>
+            <a:effectRef idx="0">
+              <a:schemeClr val="accent1"/>
+            </a:effectRef>
+            <a:fontRef idx="minor">
+              <a:schemeClr val="tx1"/>
+            </a:fontRef>
+          </p:style>
+        </p:cxnSp>
+        <p:grpSp>
+          <p:nvGrpSpPr>
+            <p:cNvPr id="142" name="Group 141"/>
+            <p:cNvGrpSpPr/>
+            <p:nvPr/>
+          </p:nvGrpSpPr>
+          <p:grpSpPr>
+            <a:xfrm>
+              <a:off x="6712634" y="3115994"/>
+              <a:ext cx="947224" cy="883524"/>
+              <a:chOff x="6712634" y="3115994"/>
+              <a:chExt cx="947224" cy="883524"/>
+            </a:xfrm>
+          </p:grpSpPr>
+          <p:grpSp>
+            <p:nvGrpSpPr>
+              <p:cNvPr id="106" name="Group 105"/>
+              <p:cNvGrpSpPr/>
+              <p:nvPr/>
+            </p:nvGrpSpPr>
+            <p:grpSpPr>
+              <a:xfrm>
+                <a:off x="6712634" y="3115994"/>
+                <a:ext cx="947224" cy="262207"/>
+                <a:chOff x="6787662" y="3341077"/>
+                <a:chExt cx="1041010" cy="288169"/>
+              </a:xfrm>
+            </p:grpSpPr>
+            <p:sp>
+              <p:nvSpPr>
+                <p:cNvPr id="100" name="Flowchart: Terminator 99"/>
+                <p:cNvSpPr/>
+                <p:nvPr/>
+              </p:nvSpPr>
+              <p:spPr>
+                <a:xfrm>
+                  <a:off x="6787662" y="3341077"/>
+                  <a:ext cx="1041010" cy="288169"/>
+                </a:xfrm>
+                <a:prstGeom prst="flowChartTerminator">
+                  <a:avLst/>
+                </a:prstGeom>
+                <a:solidFill>
+                  <a:schemeClr val="bg1"/>
+                </a:solidFill>
+                <a:ln>
+                  <a:solidFill>
+                    <a:schemeClr val="tx1">
+                      <a:lumMod val="75000"/>
+                      <a:lumOff val="25000"/>
+                    </a:schemeClr>
+                  </a:solidFill>
+                </a:ln>
+              </p:spPr>
+              <p:style>
+                <a:lnRef idx="2">
+                  <a:schemeClr val="accent1">
+                    <a:shade val="50000"/>
+                  </a:schemeClr>
+                </a:lnRef>
+                <a:fillRef idx="1">
+                  <a:schemeClr val="accent1"/>
+                </a:fillRef>
+                <a:effectRef idx="0">
+                  <a:schemeClr val="accent1"/>
+                </a:effectRef>
+                <a:fontRef idx="minor">
+                  <a:schemeClr val="lt1"/>
+                </a:fontRef>
+              </p:style>
+              <p:txBody>
+                <a:bodyPr rtlCol="0" anchor="ctr"/>
+                <a:lstStyle/>
+                <a:p>
+                  <a:pPr algn="ctr"/>
+                  <a:endParaRPr lang="en-US"/>
+                </a:p>
+              </p:txBody>
+            </p:sp>
+            <p:sp>
+              <p:nvSpPr>
+                <p:cNvPr id="101" name="Oval 100"/>
+                <p:cNvSpPr/>
+                <p:nvPr/>
+              </p:nvSpPr>
+              <p:spPr>
+                <a:xfrm>
+                  <a:off x="6893169" y="3425374"/>
+                  <a:ext cx="119575" cy="119575"/>
+                </a:xfrm>
+                <a:prstGeom prst="ellipse">
+                  <a:avLst/>
+                </a:prstGeom>
+                <a:solidFill>
+                  <a:srgbClr val="FF0000"/>
+                </a:solidFill>
+                <a:ln>
+                  <a:solidFill>
+                    <a:srgbClr val="FF0000"/>
+                  </a:solidFill>
+                </a:ln>
+              </p:spPr>
+              <p:style>
+                <a:lnRef idx="2">
+                  <a:schemeClr val="accent1">
+                    <a:shade val="50000"/>
+                  </a:schemeClr>
+                </a:lnRef>
+                <a:fillRef idx="1">
+                  <a:schemeClr val="accent1"/>
+                </a:fillRef>
+                <a:effectRef idx="0">
+                  <a:schemeClr val="accent1"/>
+                </a:effectRef>
+                <a:fontRef idx="minor">
+                  <a:schemeClr val="lt1"/>
+                </a:fontRef>
+              </p:style>
+              <p:txBody>
+                <a:bodyPr rtlCol="0" anchor="ctr"/>
+                <a:lstStyle/>
+                <a:p>
+                  <a:pPr algn="ctr"/>
+                  <a:endParaRPr lang="en-US"/>
+                </a:p>
+              </p:txBody>
+            </p:sp>
+          </p:grpSp>
+          <p:grpSp>
+            <p:nvGrpSpPr>
+              <p:cNvPr id="109" name="Group 108"/>
+              <p:cNvGrpSpPr/>
+              <p:nvPr/>
+            </p:nvGrpSpPr>
+            <p:grpSpPr>
+              <a:xfrm>
+                <a:off x="6712634" y="3426653"/>
+                <a:ext cx="947224" cy="262207"/>
+                <a:chOff x="6787662" y="3341077"/>
+                <a:chExt cx="1041010" cy="288169"/>
+              </a:xfrm>
+            </p:grpSpPr>
+            <p:sp>
+              <p:nvSpPr>
+                <p:cNvPr id="110" name="Flowchart: Terminator 109"/>
+                <p:cNvSpPr/>
+                <p:nvPr/>
+              </p:nvSpPr>
+              <p:spPr>
+                <a:xfrm>
+                  <a:off x="6787662" y="3341077"/>
+                  <a:ext cx="1041010" cy="288169"/>
+                </a:xfrm>
+                <a:prstGeom prst="flowChartTerminator">
+                  <a:avLst/>
+                </a:prstGeom>
+                <a:solidFill>
+                  <a:schemeClr val="bg1"/>
+                </a:solidFill>
+                <a:ln>
+                  <a:solidFill>
+                    <a:schemeClr val="tx1">
+                      <a:lumMod val="75000"/>
+                      <a:lumOff val="25000"/>
+                    </a:schemeClr>
+                  </a:solidFill>
+                </a:ln>
+              </p:spPr>
+              <p:style>
+                <a:lnRef idx="2">
+                  <a:schemeClr val="accent1">
+                    <a:shade val="50000"/>
+                  </a:schemeClr>
+                </a:lnRef>
+                <a:fillRef idx="1">
+                  <a:schemeClr val="accent1"/>
+                </a:fillRef>
+                <a:effectRef idx="0">
+                  <a:schemeClr val="accent1"/>
+                </a:effectRef>
+                <a:fontRef idx="minor">
+                  <a:schemeClr val="lt1"/>
+                </a:fontRef>
+              </p:style>
+              <p:txBody>
+                <a:bodyPr rtlCol="0" anchor="ctr"/>
+                <a:lstStyle/>
+                <a:p>
+                  <a:pPr algn="ctr"/>
+                  <a:endParaRPr lang="en-US"/>
+                </a:p>
+              </p:txBody>
+            </p:sp>
+            <p:sp>
+              <p:nvSpPr>
+                <p:cNvPr id="111" name="Oval 110"/>
+                <p:cNvSpPr/>
+                <p:nvPr/>
+              </p:nvSpPr>
+              <p:spPr>
+                <a:xfrm>
+                  <a:off x="6893169" y="3425374"/>
+                  <a:ext cx="119575" cy="119575"/>
+                </a:xfrm>
+                <a:prstGeom prst="ellipse">
+                  <a:avLst/>
+                </a:prstGeom>
+                <a:solidFill>
+                  <a:srgbClr val="00B050"/>
+                </a:solidFill>
+                <a:ln>
+                  <a:solidFill>
+                    <a:srgbClr val="00B050"/>
+                  </a:solidFill>
+                </a:ln>
+              </p:spPr>
+              <p:style>
+                <a:lnRef idx="2">
+                  <a:schemeClr val="accent1">
+                    <a:shade val="50000"/>
+                  </a:schemeClr>
+                </a:lnRef>
+                <a:fillRef idx="1">
+                  <a:schemeClr val="accent1"/>
+                </a:fillRef>
+                <a:effectRef idx="0">
+                  <a:schemeClr val="accent1"/>
+                </a:effectRef>
+                <a:fontRef idx="minor">
+                  <a:schemeClr val="lt1"/>
+                </a:fontRef>
+              </p:style>
+              <p:txBody>
+                <a:bodyPr rtlCol="0" anchor="ctr"/>
+                <a:lstStyle/>
+                <a:p>
+                  <a:pPr algn="ctr"/>
+                  <a:endParaRPr lang="en-US"/>
+                </a:p>
+              </p:txBody>
+            </p:sp>
+          </p:grpSp>
+          <p:grpSp>
+            <p:nvGrpSpPr>
+              <p:cNvPr id="115" name="Group 114"/>
+              <p:cNvGrpSpPr/>
+              <p:nvPr/>
+            </p:nvGrpSpPr>
+            <p:grpSpPr>
+              <a:xfrm>
+                <a:off x="6712634" y="3737311"/>
+                <a:ext cx="947224" cy="262207"/>
+                <a:chOff x="6787662" y="3341077"/>
+                <a:chExt cx="1041010" cy="288169"/>
+              </a:xfrm>
+            </p:grpSpPr>
+            <p:sp>
+              <p:nvSpPr>
+                <p:cNvPr id="116" name="Flowchart: Terminator 115"/>
+                <p:cNvSpPr/>
+                <p:nvPr/>
+              </p:nvSpPr>
+              <p:spPr>
+                <a:xfrm>
+                  <a:off x="6787662" y="3341077"/>
+                  <a:ext cx="1041010" cy="288169"/>
+                </a:xfrm>
+                <a:prstGeom prst="flowChartTerminator">
+                  <a:avLst/>
+                </a:prstGeom>
+                <a:solidFill>
+                  <a:schemeClr val="bg1"/>
+                </a:solidFill>
+                <a:ln>
+                  <a:solidFill>
+                    <a:schemeClr val="tx1">
+                      <a:lumMod val="75000"/>
+                      <a:lumOff val="25000"/>
+                    </a:schemeClr>
+                  </a:solidFill>
+                </a:ln>
+              </p:spPr>
+              <p:style>
+                <a:lnRef idx="2">
+                  <a:schemeClr val="accent1">
+                    <a:shade val="50000"/>
+                  </a:schemeClr>
+                </a:lnRef>
+                <a:fillRef idx="1">
+                  <a:schemeClr val="accent1"/>
+                </a:fillRef>
+                <a:effectRef idx="0">
+                  <a:schemeClr val="accent1"/>
+                </a:effectRef>
+                <a:fontRef idx="minor">
+                  <a:schemeClr val="lt1"/>
+                </a:fontRef>
+              </p:style>
+              <p:txBody>
+                <a:bodyPr rtlCol="0" anchor="ctr"/>
+                <a:lstStyle/>
+                <a:p>
+                  <a:pPr algn="ctr"/>
+                  <a:endParaRPr lang="en-US"/>
+                </a:p>
+              </p:txBody>
+            </p:sp>
+            <p:sp>
+              <p:nvSpPr>
+                <p:cNvPr id="117" name="Oval 116"/>
+                <p:cNvSpPr/>
+                <p:nvPr/>
+              </p:nvSpPr>
+              <p:spPr>
+                <a:xfrm>
+                  <a:off x="6893169" y="3425374"/>
+                  <a:ext cx="119575" cy="119575"/>
+                </a:xfrm>
+                <a:prstGeom prst="ellipse">
+                  <a:avLst/>
+                </a:prstGeom>
+                <a:solidFill>
+                  <a:srgbClr val="00B050"/>
+                </a:solidFill>
+                <a:ln>
+                  <a:solidFill>
+                    <a:srgbClr val="00B050"/>
+                  </a:solidFill>
+                </a:ln>
+              </p:spPr>
+              <p:style>
+                <a:lnRef idx="2">
+                  <a:schemeClr val="accent1">
+                    <a:shade val="50000"/>
+                  </a:schemeClr>
+                </a:lnRef>
+                <a:fillRef idx="1">
+                  <a:schemeClr val="accent1"/>
+                </a:fillRef>
+                <a:effectRef idx="0">
+                  <a:schemeClr val="accent1"/>
+                </a:effectRef>
+                <a:fontRef idx="minor">
+                  <a:schemeClr val="lt1"/>
+                </a:fontRef>
+              </p:style>
+              <p:txBody>
+                <a:bodyPr rtlCol="0" anchor="ctr"/>
+                <a:lstStyle/>
+                <a:p>
+                  <a:pPr algn="ctr"/>
+                  <a:endParaRPr lang="en-US"/>
+                </a:p>
+              </p:txBody>
+            </p:sp>
+          </p:grpSp>
+        </p:grpSp>
+        <p:pic>
+          <p:nvPicPr>
+            <p:cNvPr id="3076" name="Picture 4" descr="https://cdn2.iconfinder.com/data/icons/amazon-aws-stencils/100/Non-Service_Specific_copy_Generic_Database-128.png"/>
+            <p:cNvPicPr>
+              <a:picLocks noChangeAspect="1" noChangeArrowheads="1"/>
+            </p:cNvPicPr>
+            <p:nvPr/>
+          </p:nvPicPr>
+          <p:blipFill>
+            <a:blip r:embed="rId5" cstate="print"/>
+            <a:srcRect/>
+            <a:stretch>
+              <a:fillRect/>
+            </a:stretch>
+          </p:blipFill>
+          <p:spPr bwMode="auto">
+            <a:xfrm>
+              <a:off x="6662922" y="3861582"/>
+              <a:ext cx="1039138" cy="1039140"/>
+            </a:xfrm>
+            <a:prstGeom prst="rect">
+              <a:avLst/>
+            </a:prstGeom>
+            <a:noFill/>
+          </p:spPr>
+        </p:pic>
+        <p:cxnSp>
+          <p:nvCxnSpPr>
+            <p:cNvPr id="118" name="Straight Connector 117"/>
+            <p:cNvCxnSpPr>
+              <a:stCxn id="37" idx="3"/>
+              <a:endCxn id="110" idx="1"/>
+            </p:cNvCxnSpPr>
+            <p:nvPr/>
+          </p:nvCxnSpPr>
+          <p:spPr>
+            <a:xfrm flipV="1">
+              <a:off x="6025932" y="3557757"/>
+              <a:ext cx="686702" cy="395129"/>
+            </a:xfrm>
+            <a:prstGeom prst="line">
+              <a:avLst/>
+            </a:prstGeom>
+            <a:ln w="25400">
+              <a:solidFill>
+                <a:schemeClr val="tx1">
+                  <a:lumMod val="75000"/>
+                  <a:lumOff val="25000"/>
+                </a:schemeClr>
+              </a:solidFill>
+              <a:tailEnd type="triangle"/>
+            </a:ln>
+          </p:spPr>
+          <p:style>
+            <a:lnRef idx="1">
+              <a:schemeClr val="accent1"/>
+            </a:lnRef>
+            <a:fillRef idx="0">
+              <a:schemeClr val="accent1"/>
+            </a:fillRef>
+            <a:effectRef idx="0">
+              <a:schemeClr val="accent1"/>
+            </a:effectRef>
+            <a:fontRef idx="minor">
+              <a:schemeClr val="tx1"/>
+            </a:fontRef>
+          </p:style>
+        </p:cxnSp>
+        <p:cxnSp>
+          <p:nvCxnSpPr>
+            <p:cNvPr id="121" name="Straight Connector 120"/>
+            <p:cNvCxnSpPr>
+              <a:stCxn id="37" idx="3"/>
+              <a:endCxn id="116" idx="1"/>
+            </p:cNvCxnSpPr>
+            <p:nvPr/>
+          </p:nvCxnSpPr>
+          <p:spPr>
+            <a:xfrm flipV="1">
+              <a:off x="6025932" y="3868415"/>
+              <a:ext cx="686702" cy="84471"/>
+            </a:xfrm>
+            <a:prstGeom prst="line">
+              <a:avLst/>
+            </a:prstGeom>
+            <a:ln w="25400">
+              <a:solidFill>
+                <a:schemeClr val="tx1">
+                  <a:lumMod val="75000"/>
+                  <a:lumOff val="25000"/>
+                </a:schemeClr>
+              </a:solidFill>
+              <a:tailEnd type="triangle"/>
+            </a:ln>
+          </p:spPr>
+          <p:style>
+            <a:lnRef idx="1">
+              <a:schemeClr val="accent1"/>
+            </a:lnRef>
+            <a:fillRef idx="0">
+              <a:schemeClr val="accent1"/>
+            </a:fillRef>
+            <a:effectRef idx="0">
+              <a:schemeClr val="accent1"/>
+            </a:effectRef>
+            <a:fontRef idx="minor">
+              <a:schemeClr val="tx1"/>
+            </a:fontRef>
+          </p:style>
+        </p:cxnSp>
+        <p:cxnSp>
+          <p:nvCxnSpPr>
+            <p:cNvPr id="124" name="Straight Connector 123"/>
+            <p:cNvCxnSpPr>
+              <a:stCxn id="37" idx="3"/>
+              <a:endCxn id="100" idx="1"/>
+            </p:cNvCxnSpPr>
+            <p:nvPr/>
+          </p:nvCxnSpPr>
+          <p:spPr>
+            <a:xfrm flipV="1">
+              <a:off x="6025932" y="3247098"/>
+              <a:ext cx="686702" cy="705788"/>
+            </a:xfrm>
+            <a:prstGeom prst="line">
+              <a:avLst/>
+            </a:prstGeom>
+            <a:ln w="25400">
+              <a:solidFill>
+                <a:schemeClr val="tx1">
+                  <a:lumMod val="75000"/>
+                  <a:lumOff val="25000"/>
+                </a:schemeClr>
+              </a:solidFill>
+              <a:tailEnd type="triangle"/>
+            </a:ln>
+          </p:spPr>
+          <p:style>
+            <a:lnRef idx="1">
+              <a:schemeClr val="accent1"/>
+            </a:lnRef>
+            <a:fillRef idx="0">
+              <a:schemeClr val="accent1"/>
+            </a:fillRef>
+            <a:effectRef idx="0">
+              <a:schemeClr val="accent1"/>
+            </a:effectRef>
+            <a:fontRef idx="minor">
+              <a:schemeClr val="tx1"/>
+            </a:fontRef>
+          </p:style>
+        </p:cxnSp>
+        <p:cxnSp>
+          <p:nvCxnSpPr>
+            <p:cNvPr id="127" name="Straight Connector 126"/>
+            <p:cNvCxnSpPr>
+              <a:stCxn id="37" idx="3"/>
+            </p:cNvCxnSpPr>
+            <p:nvPr/>
+          </p:nvCxnSpPr>
+          <p:spPr>
+            <a:xfrm>
+              <a:off x="6025932" y="3952886"/>
+              <a:ext cx="937576" cy="450302"/>
+            </a:xfrm>
+            <a:prstGeom prst="line">
+              <a:avLst/>
+            </a:prstGeom>
+            <a:ln w="25400">
+              <a:solidFill>
+                <a:schemeClr val="tx1">
+                  <a:lumMod val="75000"/>
+                  <a:lumOff val="25000"/>
+                </a:schemeClr>
+              </a:solidFill>
+              <a:tailEnd type="triangle"/>
+            </a:ln>
+          </p:spPr>
+          <p:style>
+            <a:lnRef idx="1">
+              <a:schemeClr val="accent1"/>
+            </a:lnRef>
+            <a:fillRef idx="0">
+              <a:schemeClr val="accent1"/>
+            </a:fillRef>
+            <a:effectRef idx="0">
+              <a:schemeClr val="accent1"/>
+            </a:effectRef>
+            <a:fontRef idx="minor">
+              <a:schemeClr val="tx1"/>
+            </a:fontRef>
+          </p:style>
+        </p:cxnSp>
+        <p:cxnSp>
+          <p:nvCxnSpPr>
+            <p:cNvPr id="143" name="Straight Arrow Connector 142"/>
+            <p:cNvCxnSpPr/>
+            <p:nvPr/>
+          </p:nvCxnSpPr>
+          <p:spPr>
+            <a:xfrm>
+              <a:off x="5521569" y="5655212"/>
+              <a:ext cx="991773" cy="499403"/>
+            </a:xfrm>
+            <a:prstGeom prst="straightConnector1">
+              <a:avLst/>
+            </a:prstGeom>
+            <a:ln w="25400">
+              <a:solidFill>
+                <a:schemeClr val="tx1">
+                  <a:lumMod val="75000"/>
+                  <a:lumOff val="25000"/>
+                </a:schemeClr>
+              </a:solidFill>
+              <a:tailEnd type="triangle"/>
+            </a:ln>
+          </p:spPr>
+          <p:style>
+            <a:lnRef idx="1">
+              <a:schemeClr val="accent1"/>
+            </a:lnRef>
+            <a:fillRef idx="0">
+              <a:schemeClr val="accent1"/>
+            </a:fillRef>
+            <a:effectRef idx="0">
+              <a:schemeClr val="accent1"/>
+            </a:effectRef>
+            <a:fontRef idx="minor">
+              <a:schemeClr val="tx1"/>
+            </a:fontRef>
+          </p:style>
+        </p:cxnSp>
+        <p:grpSp>
+          <p:nvGrpSpPr>
+            <p:cNvPr id="166" name="Group 165"/>
+            <p:cNvGrpSpPr/>
+            <p:nvPr/>
+          </p:nvGrpSpPr>
+          <p:grpSpPr>
+            <a:xfrm>
+              <a:off x="6515684" y="5338689"/>
+              <a:ext cx="1214511" cy="1174652"/>
+              <a:chOff x="6515684" y="5338689"/>
+              <a:chExt cx="1214511" cy="1174652"/>
+            </a:xfrm>
+          </p:grpSpPr>
+          <p:grpSp>
+            <p:nvGrpSpPr>
+              <p:cNvPr id="165" name="Group 164"/>
+              <p:cNvGrpSpPr/>
+              <p:nvPr/>
+            </p:nvGrpSpPr>
+            <p:grpSpPr>
+              <a:xfrm>
+                <a:off x="6646983" y="5338689"/>
+                <a:ext cx="1083212" cy="1035925"/>
+                <a:chOff x="6646983" y="5338689"/>
+                <a:chExt cx="1083212" cy="1035925"/>
+              </a:xfrm>
+            </p:grpSpPr>
+            <p:sp>
+              <p:nvSpPr>
+                <p:cNvPr id="131" name="Flowchart: Terminator 130"/>
+                <p:cNvSpPr/>
+                <p:nvPr/>
+              </p:nvSpPr>
+              <p:spPr>
+                <a:xfrm>
+                  <a:off x="6646983" y="5338689"/>
+                  <a:ext cx="1083212" cy="1035925"/>
+                </a:xfrm>
+                <a:prstGeom prst="flowChartTerminator">
+                  <a:avLst/>
+                </a:prstGeom>
+                <a:solidFill>
+                  <a:schemeClr val="bg1"/>
+                </a:solidFill>
+                <a:ln>
+                  <a:solidFill>
+                    <a:schemeClr val="tx1">
+                      <a:lumMod val="75000"/>
+                      <a:lumOff val="25000"/>
+                    </a:schemeClr>
+                  </a:solidFill>
+                </a:ln>
+              </p:spPr>
+              <p:style>
+                <a:lnRef idx="2">
+                  <a:schemeClr val="accent1">
+                    <a:shade val="50000"/>
+                  </a:schemeClr>
+                </a:lnRef>
+                <a:fillRef idx="1">
+                  <a:schemeClr val="accent1"/>
+                </a:fillRef>
+                <a:effectRef idx="0">
+                  <a:schemeClr val="accent1"/>
+                </a:effectRef>
+                <a:fontRef idx="minor">
+                  <a:schemeClr val="lt1"/>
+                </a:fontRef>
+              </p:style>
+              <p:txBody>
+                <a:bodyPr rtlCol="0" anchor="ctr"/>
+                <a:lstStyle/>
+                <a:p>
+                  <a:pPr algn="ctr"/>
+                  <a:endParaRPr lang="en-US"/>
+                </a:p>
+              </p:txBody>
+            </p:sp>
+            <p:sp>
+              <p:nvSpPr>
+                <p:cNvPr id="132" name="Oval 131"/>
+                <p:cNvSpPr/>
+                <p:nvPr/>
+              </p:nvSpPr>
+              <p:spPr>
+                <a:xfrm>
+                  <a:off x="6785188" y="5422420"/>
+                  <a:ext cx="108802" cy="108802"/>
+                </a:xfrm>
+                <a:prstGeom prst="ellipse">
+                  <a:avLst/>
+                </a:prstGeom>
+                <a:solidFill>
+                  <a:srgbClr val="00B050"/>
+                </a:solidFill>
+                <a:ln>
+                  <a:solidFill>
+                    <a:srgbClr val="00B050"/>
+                  </a:solidFill>
+                </a:ln>
+              </p:spPr>
+              <p:style>
+                <a:lnRef idx="2">
+                  <a:schemeClr val="accent1">
+                    <a:shade val="50000"/>
+                  </a:schemeClr>
+                </a:lnRef>
+                <a:fillRef idx="1">
+                  <a:schemeClr val="accent1"/>
+                </a:fillRef>
+                <a:effectRef idx="0">
+                  <a:schemeClr val="accent1"/>
+                </a:effectRef>
+                <a:fontRef idx="minor">
+                  <a:schemeClr val="lt1"/>
+                </a:fontRef>
+              </p:style>
+              <p:txBody>
+                <a:bodyPr rtlCol="0" anchor="ctr"/>
+                <a:lstStyle/>
+                <a:p>
+                  <a:pPr algn="ctr"/>
+                  <a:endParaRPr lang="en-US"/>
+                </a:p>
+              </p:txBody>
+            </p:sp>
+            <p:pic>
+              <p:nvPicPr>
+                <p:cNvPr id="133" name="Picture 4" descr="https://cdn2.iconfinder.com/data/icons/amazon-aws-stencils/100/Non-Service_Specific_copy_Generic_Database-128.png"/>
+                <p:cNvPicPr>
+                  <a:picLocks noChangeAspect="1" noChangeArrowheads="1"/>
+                </p:cNvPicPr>
+                <p:nvPr/>
+              </p:nvPicPr>
+              <p:blipFill>
+                <a:blip r:embed="rId5" cstate="print"/>
+                <a:srcRect/>
+                <a:stretch>
+                  <a:fillRect/>
+                </a:stretch>
+              </p:blipFill>
+              <p:spPr bwMode="auto">
+                <a:xfrm>
+                  <a:off x="6730914" y="5399650"/>
+                  <a:ext cx="914875" cy="914877"/>
+                </a:xfrm>
+                <a:prstGeom prst="rect">
+                  <a:avLst/>
+                </a:prstGeom>
+                <a:noFill/>
+              </p:spPr>
+            </p:pic>
+          </p:grpSp>
+          <p:grpSp>
+            <p:nvGrpSpPr>
+              <p:cNvPr id="157" name="Group 156"/>
+              <p:cNvGrpSpPr/>
+              <p:nvPr/>
+            </p:nvGrpSpPr>
+            <p:grpSpPr>
+              <a:xfrm>
+                <a:off x="6515684" y="6119446"/>
+                <a:ext cx="394653" cy="393895"/>
+                <a:chOff x="1355187" y="4692915"/>
+                <a:chExt cx="1220841" cy="1218496"/>
+              </a:xfrm>
+            </p:grpSpPr>
+            <p:sp>
+              <p:nvSpPr>
+                <p:cNvPr id="158" name="Rounded Rectangle 157"/>
+                <p:cNvSpPr/>
+                <p:nvPr/>
+              </p:nvSpPr>
+              <p:spPr>
+                <a:xfrm>
+                  <a:off x="1359876" y="4692915"/>
+                  <a:ext cx="1216152" cy="1216152"/>
+                </a:xfrm>
+                <a:prstGeom prst="roundRect">
+                  <a:avLst/>
+                </a:prstGeom>
+                <a:solidFill>
+                  <a:srgbClr val="F8F8F8"/>
+                </a:solidFill>
+                <a:ln w="0">
+                  <a:noFill/>
+                </a:ln>
+              </p:spPr>
+              <p:style>
+                <a:lnRef idx="2">
+                  <a:schemeClr val="accent1">
+                    <a:shade val="50000"/>
+                  </a:schemeClr>
+                </a:lnRef>
+                <a:fillRef idx="1">
+                  <a:schemeClr val="accent1"/>
+                </a:fillRef>
+                <a:effectRef idx="0">
+                  <a:schemeClr val="accent1"/>
+                </a:effectRef>
+                <a:fontRef idx="minor">
+                  <a:schemeClr val="lt1"/>
+                </a:fontRef>
+              </p:style>
+              <p:txBody>
+                <a:bodyPr rtlCol="0" anchor="ctr"/>
+                <a:lstStyle/>
+                <a:p>
+                  <a:pPr algn="ctr"/>
+                  <a:endParaRPr lang="en-US"/>
+                </a:p>
+              </p:txBody>
+            </p:sp>
+            <p:sp>
+              <p:nvSpPr>
+                <p:cNvPr id="159" name="Rounded Rectangle 158"/>
+                <p:cNvSpPr/>
+                <p:nvPr/>
+              </p:nvSpPr>
+              <p:spPr>
+                <a:xfrm>
+                  <a:off x="1355187" y="4695259"/>
+                  <a:ext cx="1216152" cy="1216152"/>
+                </a:xfrm>
+                <a:prstGeom prst="roundRect">
+                  <a:avLst/>
+                </a:prstGeom>
+                <a:solidFill>
+                  <a:srgbClr val="002060">
+                    <a:alpha val="50000"/>
+                  </a:srgbClr>
+                </a:solidFill>
+                <a:ln w="0">
+                  <a:noFill/>
+                </a:ln>
+              </p:spPr>
+              <p:style>
+                <a:lnRef idx="2">
+                  <a:schemeClr val="accent1">
+                    <a:shade val="50000"/>
+                  </a:schemeClr>
+                </a:lnRef>
+                <a:fillRef idx="1">
+                  <a:schemeClr val="accent1"/>
+                </a:fillRef>
+                <a:effectRef idx="0">
+                  <a:schemeClr val="accent1"/>
+                </a:effectRef>
+                <a:fontRef idx="minor">
+                  <a:schemeClr val="lt1"/>
+                </a:fontRef>
+              </p:style>
+              <p:txBody>
+                <a:bodyPr rtlCol="0" anchor="ctr"/>
+                <a:lstStyle/>
+                <a:p>
+                  <a:pPr algn="ctr"/>
+                  <a:endParaRPr lang="en-US"/>
+                </a:p>
+              </p:txBody>
+            </p:sp>
+            <p:grpSp>
+              <p:nvGrpSpPr>
+                <p:cNvPr id="160" name="Group 158"/>
+                <p:cNvGrpSpPr/>
+                <p:nvPr/>
+              </p:nvGrpSpPr>
+              <p:grpSpPr>
+                <a:xfrm rot="5400000">
+                  <a:off x="1776727" y="4793881"/>
+                  <a:ext cx="373074" cy="1018902"/>
+                  <a:chOff x="2555966" y="727167"/>
+                  <a:chExt cx="481150" cy="1330238"/>
+                </a:xfrm>
+                <a:solidFill>
+                  <a:srgbClr val="7CFC00"/>
+                </a:solidFill>
+              </p:grpSpPr>
+              <p:sp>
+                <p:nvSpPr>
+                  <p:cNvPr id="161" name="Right Triangle 160"/>
+                  <p:cNvSpPr/>
+                  <p:nvPr/>
+                </p:nvSpPr>
+                <p:spPr>
+                  <a:xfrm rot="5400000">
+                    <a:off x="2514601" y="1534889"/>
+                    <a:ext cx="738054" cy="306977"/>
+                  </a:xfrm>
+                  <a:prstGeom prst="rtTriangle">
+                    <a:avLst/>
+                  </a:prstGeom>
+                  <a:grpFill/>
+                  <a:ln>
+                    <a:solidFill>
+                      <a:srgbClr val="66FF33"/>
+                    </a:solidFill>
+                  </a:ln>
+                </p:spPr>
+                <p:style>
+                  <a:lnRef idx="2">
+                    <a:schemeClr val="accent1">
+                      <a:shade val="50000"/>
+                    </a:schemeClr>
+                  </a:lnRef>
+                  <a:fillRef idx="1">
+                    <a:schemeClr val="accent1"/>
+                  </a:fillRef>
+                  <a:effectRef idx="0">
+                    <a:schemeClr val="accent1"/>
+                  </a:effectRef>
+                  <a:fontRef idx="minor">
+                    <a:schemeClr val="lt1"/>
+                  </a:fontRef>
+                </p:style>
+                <p:txBody>
+                  <a:bodyPr rtlCol="0" anchor="ctr"/>
+                  <a:lstStyle/>
+                  <a:p>
+                    <a:pPr algn="ctr"/>
+                    <a:endParaRPr lang="en-US"/>
+                  </a:p>
+                </p:txBody>
+              </p:sp>
+              <p:sp>
+                <p:nvSpPr>
+                  <p:cNvPr id="162" name="Right Triangle 161"/>
+                  <p:cNvSpPr/>
+                  <p:nvPr/>
+                </p:nvSpPr>
+                <p:spPr>
+                  <a:xfrm rot="16200000">
+                    <a:off x="2340428" y="942705"/>
+                    <a:ext cx="738054" cy="306977"/>
+                  </a:xfrm>
+                  <a:prstGeom prst="rtTriangle">
+                    <a:avLst/>
+                  </a:prstGeom>
+                  <a:grpFill/>
+                  <a:ln>
+                    <a:solidFill>
+                      <a:srgbClr val="66FF33"/>
+                    </a:solidFill>
+                  </a:ln>
+                </p:spPr>
+                <p:style>
+                  <a:lnRef idx="2">
+                    <a:schemeClr val="accent1">
+                      <a:shade val="50000"/>
+                    </a:schemeClr>
+                  </a:lnRef>
+                  <a:fillRef idx="1">
+                    <a:schemeClr val="accent1"/>
+                  </a:fillRef>
+                  <a:effectRef idx="0">
+                    <a:schemeClr val="accent1"/>
+                  </a:effectRef>
+                  <a:fontRef idx="minor">
+                    <a:schemeClr val="lt1"/>
+                  </a:fontRef>
+                </p:style>
+                <p:txBody>
+                  <a:bodyPr rtlCol="0" anchor="ctr"/>
+                  <a:lstStyle/>
+                  <a:p>
+                    <a:pPr algn="ctr"/>
+                    <a:endParaRPr lang="en-US"/>
+                  </a:p>
+                </p:txBody>
+              </p:sp>
+            </p:grpSp>
+          </p:grpSp>
+        </p:grpSp>
+        <p:sp>
+          <p:nvSpPr>
+            <p:cNvPr id="167" name="TextBox 166"/>
+            <p:cNvSpPr txBox="1"/>
+            <p:nvPr/>
+          </p:nvSpPr>
+          <p:spPr>
+            <a:xfrm>
+              <a:off x="5981110" y="4392638"/>
+              <a:ext cx="778415" cy="276999"/>
+            </a:xfrm>
+            <a:prstGeom prst="rect">
+              <a:avLst/>
+            </a:prstGeom>
+            <a:noFill/>
+          </p:spPr>
+          <p:txBody>
+            <a:bodyPr wrap="square" rtlCol="0">
+              <a:spAutoFit/>
+            </a:bodyPr>
+            <a:lstStyle/>
+            <a:p>
+              <a:pPr algn="ctr"/>
+              <a:r>
+                <a:rPr lang="en-US" sz="1200" dirty="0" err="1" smtClean="0"/>
+                <a:t>agentless</a:t>
+              </a:r>
+              <a:endParaRPr lang="en-US" dirty="0"/>
+            </a:p>
+          </p:txBody>
+        </p:sp>
+        <p:sp>
+          <p:nvSpPr>
+            <p:cNvPr id="168" name="TextBox 167"/>
+            <p:cNvSpPr txBox="1"/>
+            <p:nvPr/>
+          </p:nvSpPr>
+          <p:spPr>
+            <a:xfrm>
+              <a:off x="6801725" y="6409008"/>
+              <a:ext cx="778415" cy="276999"/>
+            </a:xfrm>
+            <a:prstGeom prst="rect">
+              <a:avLst/>
+            </a:prstGeom>
+            <a:noFill/>
+          </p:spPr>
+          <p:txBody>
+            <a:bodyPr wrap="square" rtlCol="0">
+              <a:spAutoFit/>
+            </a:bodyPr>
+            <a:lstStyle/>
+            <a:p>
+              <a:pPr algn="ctr"/>
+              <a:r>
+                <a:rPr lang="en-US" sz="1200" dirty="0" smtClean="0"/>
+                <a:t>agent</a:t>
+              </a:r>
+              <a:endParaRPr lang="en-US" dirty="0"/>
+            </a:p>
+          </p:txBody>
+        </p:sp>
+      </p:grpSp>
+    </p:spTree>
+  </p:cSld>
+  <p:clrMapOvr>
+    <a:masterClrMapping/>
+  </p:clrMapOvr>
+</p:sld>
+</file>
+
+<file path=ppt/slides/slide5.xml><?xml version="1.0" encoding="utf-8"?>
 <p:sld xmlns:a="http://schemas.openxmlformats.org/drawingml/2006/main" xmlns:r="http://schemas.openxmlformats.org/officeDocument/2006/relationships" xmlns:p="http://schemas.openxmlformats.org/presentationml/2006/main">
   <p:cSld>
     <p:spTree>
@@ -7048,6 +13199,319 @@
       </a:bgFillStyleLst>
     </a:fmtScheme>
   </a:themeElements>
+  <a:objectDefaults>
+    <a:lnDef>
+      <a:spPr>
+        <a:ln w="25400">
+          <a:solidFill>
+            <a:schemeClr val="tx1">
+              <a:lumMod val="75000"/>
+              <a:lumOff val="25000"/>
+            </a:schemeClr>
+          </a:solidFill>
+          <a:tailEnd type="triangle"/>
+        </a:ln>
+      </a:spPr>
+      <a:bodyPr/>
+      <a:lstStyle/>
+      <a:style>
+        <a:lnRef idx="1">
+          <a:schemeClr val="accent1"/>
+        </a:lnRef>
+        <a:fillRef idx="0">
+          <a:schemeClr val="accent1"/>
+        </a:fillRef>
+        <a:effectRef idx="0">
+          <a:schemeClr val="accent1"/>
+        </a:effectRef>
+        <a:fontRef idx="minor">
+          <a:schemeClr val="tx1"/>
+        </a:fontRef>
+      </a:style>
+    </a:lnDef>
+  </a:objectDefaults>
+  <a:extraClrSchemeLst/>
+</a:theme>
+</file>
+
+<file path=ppt/theme/theme2.xml><?xml version="1.0" encoding="utf-8"?>
+<a:theme xmlns:a="http://schemas.openxmlformats.org/drawingml/2006/main" name="Office Theme">
+  <a:themeElements>
+    <a:clrScheme name="Office">
+      <a:dk1>
+        <a:sysClr val="windowText" lastClr="000000"/>
+      </a:dk1>
+      <a:lt1>
+        <a:sysClr val="window" lastClr="FFFFFF"/>
+      </a:lt1>
+      <a:dk2>
+        <a:srgbClr val="1F497D"/>
+      </a:dk2>
+      <a:lt2>
+        <a:srgbClr val="EEECE1"/>
+      </a:lt2>
+      <a:accent1>
+        <a:srgbClr val="4F81BD"/>
+      </a:accent1>
+      <a:accent2>
+        <a:srgbClr val="C0504D"/>
+      </a:accent2>
+      <a:accent3>
+        <a:srgbClr val="9BBB59"/>
+      </a:accent3>
+      <a:accent4>
+        <a:srgbClr val="8064A2"/>
+      </a:accent4>
+      <a:accent5>
+        <a:srgbClr val="4BACC6"/>
+      </a:accent5>
+      <a:accent6>
+        <a:srgbClr val="F79646"/>
+      </a:accent6>
+      <a:hlink>
+        <a:srgbClr val="0000FF"/>
+      </a:hlink>
+      <a:folHlink>
+        <a:srgbClr val="800080"/>
+      </a:folHlink>
+    </a:clrScheme>
+    <a:fontScheme name="Office">
+      <a:majorFont>
+        <a:latin typeface="Calibri"/>
+        <a:ea typeface=""/>
+        <a:cs typeface=""/>
+        <a:font script="Jpan" typeface="ＭＳ Ｐゴシック"/>
+        <a:font script="Hang" typeface="맑은 고딕"/>
+        <a:font script="Hans" typeface="宋体"/>
+        <a:font script="Hant" typeface="新細明體"/>
+        <a:font script="Arab" typeface="Times New Roman"/>
+        <a:font script="Hebr" typeface="Times New Roman"/>
+        <a:font script="Thai" typeface="Angsana New"/>
+        <a:font script="Ethi" typeface="Nyala"/>
+        <a:font script="Beng" typeface="Vrinda"/>
+        <a:font script="Gujr" typeface="Shruti"/>
+        <a:font script="Khmr" typeface="MoolBoran"/>
+        <a:font script="Knda" typeface="Tunga"/>
+        <a:font script="Guru" typeface="Raavi"/>
+        <a:font script="Cans" typeface="Euphemia"/>
+        <a:font script="Cher" typeface="Plantagenet Cherokee"/>
+        <a:font script="Yiii" typeface="Microsoft Yi Baiti"/>
+        <a:font script="Tibt" typeface="Microsoft Himalaya"/>
+        <a:font script="Thaa" typeface="MV Boli"/>
+        <a:font script="Deva" typeface="Mangal"/>
+        <a:font script="Telu" typeface="Gautami"/>
+        <a:font script="Taml" typeface="Latha"/>
+        <a:font script="Syrc" typeface="Estrangelo Edessa"/>
+        <a:font script="Orya" typeface="Kalinga"/>
+        <a:font script="Mlym" typeface="Kartika"/>
+        <a:font script="Laoo" typeface="DokChampa"/>
+        <a:font script="Sinh" typeface="Iskoola Pota"/>
+        <a:font script="Mong" typeface="Mongolian Baiti"/>
+        <a:font script="Viet" typeface="Times New Roman"/>
+        <a:font script="Uigh" typeface="Microsoft Uighur"/>
+      </a:majorFont>
+      <a:minorFont>
+        <a:latin typeface="Calibri"/>
+        <a:ea typeface=""/>
+        <a:cs typeface=""/>
+        <a:font script="Jpan" typeface="ＭＳ Ｐゴシック"/>
+        <a:font script="Hang" typeface="맑은 고딕"/>
+        <a:font script="Hans" typeface="宋体"/>
+        <a:font script="Hant" typeface="新細明體"/>
+        <a:font script="Arab" typeface="Arial"/>
+        <a:font script="Hebr" typeface="Arial"/>
+        <a:font script="Thai" typeface="Cordia New"/>
+        <a:font script="Ethi" typeface="Nyala"/>
+        <a:font script="Beng" typeface="Vrinda"/>
+        <a:font script="Gujr" typeface="Shruti"/>
+        <a:font script="Khmr" typeface="DaunPenh"/>
+        <a:font script="Knda" typeface="Tunga"/>
+        <a:font script="Guru" typeface="Raavi"/>
+        <a:font script="Cans" typeface="Euphemia"/>
+        <a:font script="Cher" typeface="Plantagenet Cherokee"/>
+        <a:font script="Yiii" typeface="Microsoft Yi Baiti"/>
+        <a:font script="Tibt" typeface="Microsoft Himalaya"/>
+        <a:font script="Thaa" typeface="MV Boli"/>
+        <a:font script="Deva" typeface="Mangal"/>
+        <a:font script="Telu" typeface="Gautami"/>
+        <a:font script="Taml" typeface="Latha"/>
+        <a:font script="Syrc" typeface="Estrangelo Edessa"/>
+        <a:font script="Orya" typeface="Kalinga"/>
+        <a:font script="Mlym" typeface="Kartika"/>
+        <a:font script="Laoo" typeface="DokChampa"/>
+        <a:font script="Sinh" typeface="Iskoola Pota"/>
+        <a:font script="Mong" typeface="Mongolian Baiti"/>
+        <a:font script="Viet" typeface="Arial"/>
+        <a:font script="Uigh" typeface="Microsoft Uighur"/>
+      </a:minorFont>
+    </a:fontScheme>
+    <a:fmtScheme name="Office">
+      <a:fillStyleLst>
+        <a:solidFill>
+          <a:schemeClr val="phClr"/>
+        </a:solidFill>
+        <a:gradFill rotWithShape="1">
+          <a:gsLst>
+            <a:gs pos="0">
+              <a:schemeClr val="phClr">
+                <a:tint val="50000"/>
+                <a:satMod val="300000"/>
+              </a:schemeClr>
+            </a:gs>
+            <a:gs pos="35000">
+              <a:schemeClr val="phClr">
+                <a:tint val="37000"/>
+                <a:satMod val="300000"/>
+              </a:schemeClr>
+            </a:gs>
+            <a:gs pos="100000">
+              <a:schemeClr val="phClr">
+                <a:tint val="15000"/>
+                <a:satMod val="350000"/>
+              </a:schemeClr>
+            </a:gs>
+          </a:gsLst>
+          <a:lin ang="16200000" scaled="1"/>
+        </a:gradFill>
+        <a:gradFill rotWithShape="1">
+          <a:gsLst>
+            <a:gs pos="0">
+              <a:schemeClr val="phClr">
+                <a:shade val="51000"/>
+                <a:satMod val="130000"/>
+              </a:schemeClr>
+            </a:gs>
+            <a:gs pos="80000">
+              <a:schemeClr val="phClr">
+                <a:shade val="93000"/>
+                <a:satMod val="130000"/>
+              </a:schemeClr>
+            </a:gs>
+            <a:gs pos="100000">
+              <a:schemeClr val="phClr">
+                <a:shade val="94000"/>
+                <a:satMod val="135000"/>
+              </a:schemeClr>
+            </a:gs>
+          </a:gsLst>
+          <a:lin ang="16200000" scaled="0"/>
+        </a:gradFill>
+      </a:fillStyleLst>
+      <a:lnStyleLst>
+        <a:ln w="9525" cap="flat" cmpd="sng" algn="ctr">
+          <a:solidFill>
+            <a:schemeClr val="phClr">
+              <a:shade val="95000"/>
+              <a:satMod val="105000"/>
+            </a:schemeClr>
+          </a:solidFill>
+          <a:prstDash val="solid"/>
+        </a:ln>
+        <a:ln w="25400" cap="flat" cmpd="sng" algn="ctr">
+          <a:solidFill>
+            <a:schemeClr val="phClr"/>
+          </a:solidFill>
+          <a:prstDash val="solid"/>
+        </a:ln>
+        <a:ln w="38100" cap="flat" cmpd="sng" algn="ctr">
+          <a:solidFill>
+            <a:schemeClr val="phClr"/>
+          </a:solidFill>
+          <a:prstDash val="solid"/>
+        </a:ln>
+      </a:lnStyleLst>
+      <a:effectStyleLst>
+        <a:effectStyle>
+          <a:effectLst>
+            <a:outerShdw blurRad="40000" dist="20000" dir="5400000" rotWithShape="0">
+              <a:srgbClr val="000000">
+                <a:alpha val="38000"/>
+              </a:srgbClr>
+            </a:outerShdw>
+          </a:effectLst>
+        </a:effectStyle>
+        <a:effectStyle>
+          <a:effectLst>
+            <a:outerShdw blurRad="40000" dist="23000" dir="5400000" rotWithShape="0">
+              <a:srgbClr val="000000">
+                <a:alpha val="35000"/>
+              </a:srgbClr>
+            </a:outerShdw>
+          </a:effectLst>
+        </a:effectStyle>
+        <a:effectStyle>
+          <a:effectLst>
+            <a:outerShdw blurRad="40000" dist="23000" dir="5400000" rotWithShape="0">
+              <a:srgbClr val="000000">
+                <a:alpha val="35000"/>
+              </a:srgbClr>
+            </a:outerShdw>
+          </a:effectLst>
+          <a:scene3d>
+            <a:camera prst="orthographicFront">
+              <a:rot lat="0" lon="0" rev="0"/>
+            </a:camera>
+            <a:lightRig rig="threePt" dir="t">
+              <a:rot lat="0" lon="0" rev="1200000"/>
+            </a:lightRig>
+          </a:scene3d>
+          <a:sp3d>
+            <a:bevelT w="63500" h="25400"/>
+          </a:sp3d>
+        </a:effectStyle>
+      </a:effectStyleLst>
+      <a:bgFillStyleLst>
+        <a:solidFill>
+          <a:schemeClr val="phClr"/>
+        </a:solidFill>
+        <a:gradFill rotWithShape="1">
+          <a:gsLst>
+            <a:gs pos="0">
+              <a:schemeClr val="phClr">
+                <a:tint val="40000"/>
+                <a:satMod val="350000"/>
+              </a:schemeClr>
+            </a:gs>
+            <a:gs pos="40000">
+              <a:schemeClr val="phClr">
+                <a:tint val="45000"/>
+                <a:shade val="99000"/>
+                <a:satMod val="350000"/>
+              </a:schemeClr>
+            </a:gs>
+            <a:gs pos="100000">
+              <a:schemeClr val="phClr">
+                <a:shade val="20000"/>
+                <a:satMod val="255000"/>
+              </a:schemeClr>
+            </a:gs>
+          </a:gsLst>
+          <a:path path="circle">
+            <a:fillToRect l="50000" t="-80000" r="50000" b="180000"/>
+          </a:path>
+        </a:gradFill>
+        <a:gradFill rotWithShape="1">
+          <a:gsLst>
+            <a:gs pos="0">
+              <a:schemeClr val="phClr">
+                <a:tint val="80000"/>
+                <a:satMod val="300000"/>
+              </a:schemeClr>
+            </a:gs>
+            <a:gs pos="100000">
+              <a:schemeClr val="phClr">
+                <a:shade val="30000"/>
+                <a:satMod val="200000"/>
+              </a:schemeClr>
+            </a:gs>
+          </a:gsLst>
+          <a:path path="circle">
+            <a:fillToRect l="50000" t="50000" r="50000" b="50000"/>
+          </a:path>
+        </a:gradFill>
+      </a:bgFillStyleLst>
+    </a:fmtScheme>
+  </a:themeElements>
   <a:objectDefaults/>
   <a:extraClrSchemeLst/>
 </a:theme>

--- a/resources/graphics.pptx
+++ b/resources/graphics.pptx
@@ -5,7 +5,7 @@
     <p:sldMasterId id="2147483648" r:id="rId1"/>
   </p:sldMasterIdLst>
   <p:notesMasterIdLst>
-    <p:notesMasterId r:id="rId9"/>
+    <p:notesMasterId r:id="rId10"/>
   </p:notesMasterIdLst>
   <p:sldIdLst>
     <p:sldId id="256" r:id="rId2"/>
@@ -13,8 +13,9 @@
     <p:sldId id="260" r:id="rId4"/>
     <p:sldId id="262" r:id="rId5"/>
     <p:sldId id="261" r:id="rId6"/>
-    <p:sldId id="257" r:id="rId7"/>
-    <p:sldId id="258" r:id="rId8"/>
+    <p:sldId id="263" r:id="rId7"/>
+    <p:sldId id="257" r:id="rId8"/>
+    <p:sldId id="258" r:id="rId9"/>
   </p:sldIdLst>
   <p:sldSz cx="9144000" cy="6858000" type="screen4x3"/>
   <p:notesSz cx="6858000" cy="9144000"/>
@@ -4877,7 +4878,174 @@
       </p:grpSpPr>
       <p:grpSp>
         <p:nvGrpSpPr>
-          <p:cNvPr id="56" name="Group 55"/>
+          <p:cNvPr id="38" name="Group 37"/>
+          <p:cNvGrpSpPr/>
+          <p:nvPr/>
+        </p:nvGrpSpPr>
+        <p:grpSpPr>
+          <a:xfrm>
+            <a:off x="7367940" y="6105309"/>
+            <a:ext cx="1234440" cy="448056"/>
+            <a:chOff x="4652059" y="2517156"/>
+            <a:chExt cx="1234440" cy="448056"/>
+          </a:xfrm>
+        </p:grpSpPr>
+        <p:grpSp>
+          <p:nvGrpSpPr>
+            <p:cNvPr id="39" name="Group 158"/>
+            <p:cNvGrpSpPr/>
+            <p:nvPr/>
+          </p:nvGrpSpPr>
+          <p:grpSpPr>
+            <a:xfrm rot="5400000">
+              <a:off x="5045251" y="2123964"/>
+              <a:ext cx="448056" cy="1234440"/>
+              <a:chOff x="2555966" y="727167"/>
+              <a:chExt cx="481148" cy="1330237"/>
+            </a:xfrm>
+            <a:solidFill>
+              <a:srgbClr val="7CFC00"/>
+            </a:solidFill>
+          </p:grpSpPr>
+          <p:sp>
+            <p:nvSpPr>
+              <p:cNvPr id="41" name="Right Triangle 40"/>
+              <p:cNvSpPr/>
+              <p:nvPr/>
+            </p:nvSpPr>
+            <p:spPr>
+              <a:xfrm rot="5400000">
+                <a:off x="2514599" y="1534888"/>
+                <a:ext cx="738054" cy="306977"/>
+              </a:xfrm>
+              <a:prstGeom prst="rtTriangle">
+                <a:avLst/>
+              </a:prstGeom>
+              <a:grpFill/>
+              <a:ln>
+                <a:solidFill>
+                  <a:srgbClr val="66FF33"/>
+                </a:solidFill>
+              </a:ln>
+            </p:spPr>
+            <p:style>
+              <a:lnRef idx="2">
+                <a:schemeClr val="accent1">
+                  <a:shade val="50000"/>
+                </a:schemeClr>
+              </a:lnRef>
+              <a:fillRef idx="1">
+                <a:schemeClr val="accent1"/>
+              </a:fillRef>
+              <a:effectRef idx="0">
+                <a:schemeClr val="accent1"/>
+              </a:effectRef>
+              <a:fontRef idx="minor">
+                <a:schemeClr val="lt1"/>
+              </a:fontRef>
+            </p:style>
+            <p:txBody>
+              <a:bodyPr rtlCol="0" anchor="ctr"/>
+              <a:lstStyle/>
+              <a:p>
+                <a:pPr algn="ctr"/>
+                <a:endParaRPr lang="en-US"/>
+              </a:p>
+            </p:txBody>
+          </p:sp>
+          <p:sp>
+            <p:nvSpPr>
+              <p:cNvPr id="47" name="Right Triangle 46"/>
+              <p:cNvSpPr/>
+              <p:nvPr/>
+            </p:nvSpPr>
+            <p:spPr>
+              <a:xfrm rot="16200000">
+                <a:off x="2340428" y="942705"/>
+                <a:ext cx="738054" cy="306977"/>
+              </a:xfrm>
+              <a:prstGeom prst="rtTriangle">
+                <a:avLst/>
+              </a:prstGeom>
+              <a:grpFill/>
+              <a:ln>
+                <a:solidFill>
+                  <a:srgbClr val="66FF33"/>
+                </a:solidFill>
+              </a:ln>
+            </p:spPr>
+            <p:style>
+              <a:lnRef idx="2">
+                <a:schemeClr val="accent1">
+                  <a:shade val="50000"/>
+                </a:schemeClr>
+              </a:lnRef>
+              <a:fillRef idx="1">
+                <a:schemeClr val="accent1"/>
+              </a:fillRef>
+              <a:effectRef idx="0">
+                <a:schemeClr val="accent1"/>
+              </a:effectRef>
+              <a:fontRef idx="minor">
+                <a:schemeClr val="lt1"/>
+              </a:fontRef>
+            </p:style>
+            <p:txBody>
+              <a:bodyPr rtlCol="0" anchor="ctr"/>
+              <a:lstStyle/>
+              <a:p>
+                <a:pPr algn="ctr"/>
+                <a:endParaRPr lang="en-US"/>
+              </a:p>
+            </p:txBody>
+          </p:sp>
+        </p:grpSp>
+        <p:sp>
+          <p:nvSpPr>
+            <p:cNvPr id="40" name="TextBox 39"/>
+            <p:cNvSpPr txBox="1"/>
+            <p:nvPr/>
+          </p:nvSpPr>
+          <p:spPr>
+            <a:xfrm>
+              <a:off x="4789171" y="2557744"/>
+              <a:ext cx="958917" cy="338554"/>
+            </a:xfrm>
+            <a:prstGeom prst="rect">
+              <a:avLst/>
+            </a:prstGeom>
+            <a:noFill/>
+          </p:spPr>
+          <p:txBody>
+            <a:bodyPr wrap="none" rtlCol="0">
+              <a:spAutoFit/>
+            </a:bodyPr>
+            <a:lstStyle/>
+            <a:p>
+              <a:r>
+                <a:rPr lang="en-US" sz="1600" i="1" dirty="0" smtClean="0">
+                  <a:solidFill>
+                    <a:srgbClr val="002060"/>
+                  </a:solidFill>
+                  <a:latin typeface="Microsoft JhengHei" pitchFamily="34" charset="-120"/>
+                  <a:ea typeface="Microsoft JhengHei" pitchFamily="34" charset="-120"/>
+                </a:rPr>
+                <a:t>synapse</a:t>
+              </a:r>
+              <a:endParaRPr lang="en-US" sz="1600" i="1" dirty="0">
+                <a:solidFill>
+                  <a:srgbClr val="002060"/>
+                </a:solidFill>
+                <a:latin typeface="Microsoft JhengHei" pitchFamily="34" charset="-120"/>
+                <a:ea typeface="Microsoft JhengHei" pitchFamily="34" charset="-120"/>
+              </a:endParaRPr>
+            </a:p>
+          </p:txBody>
+        </p:sp>
+      </p:grpSp>
+      <p:grpSp>
+        <p:nvGrpSpPr>
+          <p:cNvPr id="60" name="Group 59"/>
           <p:cNvGrpSpPr/>
           <p:nvPr/>
         </p:nvGrpSpPr>
@@ -5836,173 +6004,6 @@
             </p:spPr>
           </p:pic>
         </p:grpSp>
-        <p:grpSp>
-          <p:nvGrpSpPr>
-            <p:cNvPr id="38" name="Group 37"/>
-            <p:cNvGrpSpPr/>
-            <p:nvPr/>
-          </p:nvGrpSpPr>
-          <p:grpSpPr>
-            <a:xfrm>
-              <a:off x="3651073" y="3294377"/>
-              <a:ext cx="1234440" cy="448056"/>
-              <a:chOff x="4652059" y="2517156"/>
-              <a:chExt cx="1234440" cy="448056"/>
-            </a:xfrm>
-          </p:grpSpPr>
-          <p:grpSp>
-            <p:nvGrpSpPr>
-              <p:cNvPr id="39" name="Group 158"/>
-              <p:cNvGrpSpPr/>
-              <p:nvPr/>
-            </p:nvGrpSpPr>
-            <p:grpSpPr>
-              <a:xfrm rot="5400000">
-                <a:off x="5045251" y="2123964"/>
-                <a:ext cx="448056" cy="1234440"/>
-                <a:chOff x="2555966" y="727167"/>
-                <a:chExt cx="481148" cy="1330237"/>
-              </a:xfrm>
-              <a:solidFill>
-                <a:srgbClr val="7CFC00"/>
-              </a:solidFill>
-            </p:grpSpPr>
-            <p:sp>
-              <p:nvSpPr>
-                <p:cNvPr id="41" name="Right Triangle 40"/>
-                <p:cNvSpPr/>
-                <p:nvPr/>
-              </p:nvSpPr>
-              <p:spPr>
-                <a:xfrm rot="5400000">
-                  <a:off x="2514599" y="1534888"/>
-                  <a:ext cx="738054" cy="306977"/>
-                </a:xfrm>
-                <a:prstGeom prst="rtTriangle">
-                  <a:avLst/>
-                </a:prstGeom>
-                <a:grpFill/>
-                <a:ln>
-                  <a:solidFill>
-                    <a:srgbClr val="66FF33"/>
-                  </a:solidFill>
-                </a:ln>
-              </p:spPr>
-              <p:style>
-                <a:lnRef idx="2">
-                  <a:schemeClr val="accent1">
-                    <a:shade val="50000"/>
-                  </a:schemeClr>
-                </a:lnRef>
-                <a:fillRef idx="1">
-                  <a:schemeClr val="accent1"/>
-                </a:fillRef>
-                <a:effectRef idx="0">
-                  <a:schemeClr val="accent1"/>
-                </a:effectRef>
-                <a:fontRef idx="minor">
-                  <a:schemeClr val="lt1"/>
-                </a:fontRef>
-              </p:style>
-              <p:txBody>
-                <a:bodyPr rtlCol="0" anchor="ctr"/>
-                <a:lstStyle/>
-                <a:p>
-                  <a:pPr algn="ctr"/>
-                  <a:endParaRPr lang="en-US"/>
-                </a:p>
-              </p:txBody>
-            </p:sp>
-            <p:sp>
-              <p:nvSpPr>
-                <p:cNvPr id="47" name="Right Triangle 46"/>
-                <p:cNvSpPr/>
-                <p:nvPr/>
-              </p:nvSpPr>
-              <p:spPr>
-                <a:xfrm rot="16200000">
-                  <a:off x="2340428" y="942705"/>
-                  <a:ext cx="738054" cy="306977"/>
-                </a:xfrm>
-                <a:prstGeom prst="rtTriangle">
-                  <a:avLst/>
-                </a:prstGeom>
-                <a:grpFill/>
-                <a:ln>
-                  <a:solidFill>
-                    <a:srgbClr val="66FF33"/>
-                  </a:solidFill>
-                </a:ln>
-              </p:spPr>
-              <p:style>
-                <a:lnRef idx="2">
-                  <a:schemeClr val="accent1">
-                    <a:shade val="50000"/>
-                  </a:schemeClr>
-                </a:lnRef>
-                <a:fillRef idx="1">
-                  <a:schemeClr val="accent1"/>
-                </a:fillRef>
-                <a:effectRef idx="0">
-                  <a:schemeClr val="accent1"/>
-                </a:effectRef>
-                <a:fontRef idx="minor">
-                  <a:schemeClr val="lt1"/>
-                </a:fontRef>
-              </p:style>
-              <p:txBody>
-                <a:bodyPr rtlCol="0" anchor="ctr"/>
-                <a:lstStyle/>
-                <a:p>
-                  <a:pPr algn="ctr"/>
-                  <a:endParaRPr lang="en-US"/>
-                </a:p>
-              </p:txBody>
-            </p:sp>
-          </p:grpSp>
-          <p:sp>
-            <p:nvSpPr>
-              <p:cNvPr id="40" name="TextBox 39"/>
-              <p:cNvSpPr txBox="1"/>
-              <p:nvPr/>
-            </p:nvSpPr>
-            <p:spPr>
-              <a:xfrm>
-                <a:off x="4789171" y="2557744"/>
-                <a:ext cx="958917" cy="338554"/>
-              </a:xfrm>
-              <a:prstGeom prst="rect">
-                <a:avLst/>
-              </a:prstGeom>
-              <a:noFill/>
-            </p:spPr>
-            <p:txBody>
-              <a:bodyPr wrap="none" rtlCol="0">
-                <a:spAutoFit/>
-              </a:bodyPr>
-              <a:lstStyle/>
-              <a:p>
-                <a:r>
-                  <a:rPr lang="en-US" sz="1600" i="1" dirty="0" smtClean="0">
-                    <a:solidFill>
-                      <a:srgbClr val="002060"/>
-                    </a:solidFill>
-                    <a:latin typeface="Microsoft JhengHei" pitchFamily="34" charset="-120"/>
-                    <a:ea typeface="Microsoft JhengHei" pitchFamily="34" charset="-120"/>
-                  </a:rPr>
-                  <a:t>synapse</a:t>
-                </a:r>
-                <a:endParaRPr lang="en-US" sz="1600" i="1" dirty="0">
-                  <a:solidFill>
-                    <a:srgbClr val="002060"/>
-                  </a:solidFill>
-                  <a:latin typeface="Microsoft JhengHei" pitchFamily="34" charset="-120"/>
-                  <a:ea typeface="Microsoft JhengHei" pitchFamily="34" charset="-120"/>
-                </a:endParaRPr>
-              </a:p>
-            </p:txBody>
-          </p:sp>
-        </p:grpSp>
         <p:pic>
           <p:nvPicPr>
             <p:cNvPr id="10" name="Picture 3" descr="C:\Devo\git\Synapse\resources\service_gray.png"/>
@@ -6029,6 +6030,74 @@
             <a:noFill/>
           </p:spPr>
         </p:pic>
+        <p:pic>
+          <p:nvPicPr>
+            <p:cNvPr id="58" name="Picture 5" descr="C:\Devo\git\Synapse\resources\syn_lightning.png"/>
+            <p:cNvPicPr>
+              <a:picLocks noChangeAspect="1" noChangeArrowheads="1"/>
+            </p:cNvPicPr>
+            <p:nvPr/>
+          </p:nvPicPr>
+          <p:blipFill>
+            <a:blip r:embed="rId9" cstate="print"/>
+            <a:srcRect/>
+            <a:stretch>
+              <a:fillRect/>
+            </a:stretch>
+          </p:blipFill>
+          <p:spPr bwMode="auto">
+            <a:xfrm>
+              <a:off x="3669361" y="3270998"/>
+              <a:ext cx="1197864" cy="470590"/>
+            </a:xfrm>
+            <a:prstGeom prst="rect">
+              <a:avLst/>
+            </a:prstGeom>
+            <a:noFill/>
+          </p:spPr>
+        </p:pic>
+        <p:sp>
+          <p:nvSpPr>
+            <p:cNvPr id="52" name="TextBox 51"/>
+            <p:cNvSpPr txBox="1"/>
+            <p:nvPr/>
+          </p:nvSpPr>
+          <p:spPr>
+            <a:xfrm>
+              <a:off x="3836925" y="3343938"/>
+              <a:ext cx="862737" cy="307777"/>
+            </a:xfrm>
+            <a:prstGeom prst="rect">
+              <a:avLst/>
+            </a:prstGeom>
+            <a:noFill/>
+          </p:spPr>
+          <p:txBody>
+            <a:bodyPr wrap="none" rtlCol="0">
+              <a:spAutoFit/>
+            </a:bodyPr>
+            <a:lstStyle/>
+            <a:p>
+              <a:r>
+                <a:rPr lang="en-US" sz="1400" i="1" dirty="0" smtClean="0">
+                  <a:solidFill>
+                    <a:srgbClr val="002060"/>
+                  </a:solidFill>
+                  <a:latin typeface="Microsoft JhengHei" pitchFamily="34" charset="-120"/>
+                  <a:ea typeface="Microsoft JhengHei" pitchFamily="34" charset="-120"/>
+                </a:rPr>
+                <a:t>synapse</a:t>
+              </a:r>
+              <a:endParaRPr lang="en-US" sz="1200" i="1" dirty="0">
+                <a:solidFill>
+                  <a:srgbClr val="002060"/>
+                </a:solidFill>
+                <a:latin typeface="Microsoft JhengHei" pitchFamily="34" charset="-120"/>
+                <a:ea typeface="Microsoft JhengHei" pitchFamily="34" charset="-120"/>
+              </a:endParaRPr>
+            </a:p>
+          </p:txBody>
+        </p:sp>
       </p:grpSp>
     </p:spTree>
   </p:cSld>
@@ -8207,40 +8276,1905 @@
           <a:chExt cx="0" cy="0"/>
         </a:xfrm>
       </p:grpSpPr>
+      <p:sp>
+        <p:nvSpPr>
+          <p:cNvPr id="75" name="Can 74"/>
+          <p:cNvSpPr/>
+          <p:nvPr/>
+        </p:nvSpPr>
+        <p:spPr>
+          <a:xfrm>
+            <a:off x="4121815" y="3608734"/>
+            <a:ext cx="738788" cy="810866"/>
+          </a:xfrm>
+          <a:prstGeom prst="can">
+            <a:avLst/>
+          </a:prstGeom>
+          <a:solidFill>
+            <a:srgbClr val="FFFF00"/>
+          </a:solidFill>
+          <a:ln>
+            <a:solidFill>
+              <a:srgbClr val="FFC000"/>
+            </a:solidFill>
+          </a:ln>
+        </p:spPr>
+        <p:style>
+          <a:lnRef idx="2">
+            <a:schemeClr val="accent1">
+              <a:shade val="50000"/>
+            </a:schemeClr>
+          </a:lnRef>
+          <a:fillRef idx="1">
+            <a:schemeClr val="accent1"/>
+          </a:fillRef>
+          <a:effectRef idx="0">
+            <a:schemeClr val="accent1"/>
+          </a:effectRef>
+          <a:fontRef idx="minor">
+            <a:schemeClr val="lt1"/>
+          </a:fontRef>
+        </p:style>
+        <p:txBody>
+          <a:bodyPr rtlCol="0" anchor="ctr"/>
+          <a:lstStyle/>
+          <a:p>
+            <a:pPr algn="ctr"/>
+            <a:endParaRPr lang="en-US"/>
+          </a:p>
+        </p:txBody>
+      </p:sp>
+      <p:sp>
+        <p:nvSpPr>
+          <p:cNvPr id="78" name="10-Point Star 77"/>
+          <p:cNvSpPr/>
+          <p:nvPr/>
+        </p:nvSpPr>
+        <p:spPr>
+          <a:xfrm>
+            <a:off x="2842304" y="1890490"/>
+            <a:ext cx="841248" cy="841248"/>
+          </a:xfrm>
+          <a:prstGeom prst="star10">
+            <a:avLst/>
+          </a:prstGeom>
+          <a:solidFill>
+            <a:srgbClr val="002060">
+              <a:alpha val="50196"/>
+            </a:srgbClr>
+          </a:solidFill>
+        </p:spPr>
+        <p:style>
+          <a:lnRef idx="2">
+            <a:schemeClr val="accent1">
+              <a:shade val="50000"/>
+            </a:schemeClr>
+          </a:lnRef>
+          <a:fillRef idx="1">
+            <a:schemeClr val="accent1"/>
+          </a:fillRef>
+          <a:effectRef idx="0">
+            <a:schemeClr val="accent1"/>
+          </a:effectRef>
+          <a:fontRef idx="minor">
+            <a:schemeClr val="lt1"/>
+          </a:fontRef>
+        </p:style>
+        <p:txBody>
+          <a:bodyPr rtlCol="0" anchor="ctr"/>
+          <a:lstStyle/>
+          <a:p>
+            <a:pPr algn="ctr"/>
+            <a:endParaRPr lang="en-US"/>
+          </a:p>
+        </p:txBody>
+      </p:sp>
       <p:grpSp>
         <p:nvGrpSpPr>
-          <p:cNvPr id="86" name="Group 85"/>
+          <p:cNvPr id="6" name="Group 59"/>
           <p:cNvGrpSpPr/>
           <p:nvPr/>
         </p:nvGrpSpPr>
         <p:grpSpPr>
           <a:xfrm>
-            <a:off x="1242913" y="1471638"/>
-            <a:ext cx="6402615" cy="3571836"/>
-            <a:chOff x="1242913" y="1471638"/>
-            <a:chExt cx="6402615" cy="3571836"/>
+            <a:off x="3571055" y="3977587"/>
+            <a:ext cx="524937" cy="303694"/>
+            <a:chOff x="2108199" y="4691638"/>
+            <a:chExt cx="524937" cy="303694"/>
           </a:xfrm>
         </p:grpSpPr>
         <p:sp>
           <p:nvSpPr>
-            <p:cNvPr id="75" name="Can 74"/>
+            <p:cNvPr id="43" name="Left Bracket 42"/>
+            <p:cNvSpPr/>
+            <p:nvPr/>
+          </p:nvSpPr>
+          <p:spPr>
+            <a:xfrm rot="16200000">
+              <a:off x="2269068" y="4631263"/>
+              <a:ext cx="203200" cy="524937"/>
+            </a:xfrm>
+            <a:prstGeom prst="leftBracket">
+              <a:avLst/>
+            </a:prstGeom>
+            <a:ln w="34925">
+              <a:solidFill>
+                <a:schemeClr val="tx1">
+                  <a:lumMod val="75000"/>
+                  <a:lumOff val="25000"/>
+                </a:schemeClr>
+              </a:solidFill>
+            </a:ln>
+          </p:spPr>
+          <p:style>
+            <a:lnRef idx="1">
+              <a:schemeClr val="accent1"/>
+            </a:lnRef>
+            <a:fillRef idx="0">
+              <a:schemeClr val="accent1"/>
+            </a:fillRef>
+            <a:effectRef idx="0">
+              <a:schemeClr val="accent1"/>
+            </a:effectRef>
+            <a:fontRef idx="minor">
+              <a:schemeClr val="tx1"/>
+            </a:fontRef>
+          </p:style>
+          <p:txBody>
+            <a:bodyPr rtlCol="0" anchor="ctr"/>
+            <a:lstStyle/>
+            <a:p>
+              <a:pPr algn="ctr"/>
+              <a:endParaRPr lang="en-US"/>
+            </a:p>
+          </p:txBody>
+        </p:sp>
+        <p:grpSp>
+          <p:nvGrpSpPr>
+            <p:cNvPr id="7" name="Group 49"/>
+            <p:cNvGrpSpPr/>
+            <p:nvPr/>
+          </p:nvGrpSpPr>
+          <p:grpSpPr>
+            <a:xfrm>
+              <a:off x="2183665" y="4691638"/>
+              <a:ext cx="374006" cy="226575"/>
+              <a:chOff x="2186148" y="4691638"/>
+              <a:chExt cx="374006" cy="226575"/>
+            </a:xfrm>
+          </p:grpSpPr>
+          <p:cxnSp>
+            <p:nvCxnSpPr>
+              <p:cNvPr id="45" name="Straight Connector 44"/>
+              <p:cNvCxnSpPr/>
+              <p:nvPr/>
+            </p:nvCxnSpPr>
+            <p:spPr>
+              <a:xfrm>
+                <a:off x="2186148" y="4761211"/>
+                <a:ext cx="374006" cy="2946"/>
+              </a:xfrm>
+              <a:prstGeom prst="line">
+                <a:avLst/>
+              </a:prstGeom>
+              <a:ln w="34925">
+                <a:solidFill>
+                  <a:schemeClr val="tx1">
+                    <a:lumMod val="75000"/>
+                    <a:lumOff val="25000"/>
+                  </a:schemeClr>
+                </a:solidFill>
+              </a:ln>
+            </p:spPr>
+            <p:style>
+              <a:lnRef idx="1">
+                <a:schemeClr val="accent1"/>
+              </a:lnRef>
+              <a:fillRef idx="0">
+                <a:schemeClr val="accent1"/>
+              </a:fillRef>
+              <a:effectRef idx="0">
+                <a:schemeClr val="accent1"/>
+              </a:effectRef>
+              <a:fontRef idx="minor">
+                <a:schemeClr val="tx1"/>
+              </a:fontRef>
+            </p:style>
+          </p:cxnSp>
+          <p:cxnSp>
+            <p:nvCxnSpPr>
+              <p:cNvPr id="47" name="Straight Connector 46"/>
+              <p:cNvCxnSpPr/>
+              <p:nvPr/>
+            </p:nvCxnSpPr>
+            <p:spPr>
+              <a:xfrm>
+                <a:off x="2186148" y="4691638"/>
+                <a:ext cx="374006" cy="2946"/>
+              </a:xfrm>
+              <a:prstGeom prst="line">
+                <a:avLst/>
+              </a:prstGeom>
+              <a:ln w="34925">
+                <a:solidFill>
+                  <a:schemeClr val="tx1">
+                    <a:lumMod val="75000"/>
+                    <a:lumOff val="25000"/>
+                  </a:schemeClr>
+                </a:solidFill>
+              </a:ln>
+            </p:spPr>
+            <p:style>
+              <a:lnRef idx="1">
+                <a:schemeClr val="accent1"/>
+              </a:lnRef>
+              <a:fillRef idx="0">
+                <a:schemeClr val="accent1"/>
+              </a:fillRef>
+              <a:effectRef idx="0">
+                <a:schemeClr val="accent1"/>
+              </a:effectRef>
+              <a:fontRef idx="minor">
+                <a:schemeClr val="tx1"/>
+              </a:fontRef>
+            </p:style>
+          </p:cxnSp>
+          <p:cxnSp>
+            <p:nvCxnSpPr>
+              <p:cNvPr id="48" name="Straight Connector 47"/>
+              <p:cNvCxnSpPr/>
+              <p:nvPr/>
+            </p:nvCxnSpPr>
+            <p:spPr>
+              <a:xfrm>
+                <a:off x="2186148" y="4830784"/>
+                <a:ext cx="374006" cy="2946"/>
+              </a:xfrm>
+              <a:prstGeom prst="line">
+                <a:avLst/>
+              </a:prstGeom>
+              <a:ln w="34925">
+                <a:solidFill>
+                  <a:schemeClr val="tx1">
+                    <a:lumMod val="75000"/>
+                    <a:lumOff val="25000"/>
+                  </a:schemeClr>
+                </a:solidFill>
+              </a:ln>
+            </p:spPr>
+            <p:style>
+              <a:lnRef idx="1">
+                <a:schemeClr val="accent1"/>
+              </a:lnRef>
+              <a:fillRef idx="0">
+                <a:schemeClr val="accent1"/>
+              </a:fillRef>
+              <a:effectRef idx="0">
+                <a:schemeClr val="accent1"/>
+              </a:effectRef>
+              <a:fontRef idx="minor">
+                <a:schemeClr val="tx1"/>
+              </a:fontRef>
+            </p:style>
+          </p:cxnSp>
+          <p:cxnSp>
+            <p:nvCxnSpPr>
+              <p:cNvPr id="49" name="Straight Connector 48"/>
+              <p:cNvCxnSpPr/>
+              <p:nvPr/>
+            </p:nvCxnSpPr>
+            <p:spPr>
+              <a:xfrm>
+                <a:off x="2186148" y="4915267"/>
+                <a:ext cx="374006" cy="2946"/>
+              </a:xfrm>
+              <a:prstGeom prst="line">
+                <a:avLst/>
+              </a:prstGeom>
+              <a:ln w="57150">
+                <a:solidFill>
+                  <a:schemeClr val="tx1">
+                    <a:lumMod val="75000"/>
+                    <a:lumOff val="25000"/>
+                  </a:schemeClr>
+                </a:solidFill>
+              </a:ln>
+            </p:spPr>
+            <p:style>
+              <a:lnRef idx="1">
+                <a:schemeClr val="accent1"/>
+              </a:lnRef>
+              <a:fillRef idx="0">
+                <a:schemeClr val="accent1"/>
+              </a:fillRef>
+              <a:effectRef idx="0">
+                <a:schemeClr val="accent1"/>
+              </a:effectRef>
+              <a:fontRef idx="minor">
+                <a:schemeClr val="tx1"/>
+              </a:fontRef>
+            </p:style>
+          </p:cxnSp>
+        </p:grpSp>
+      </p:grpSp>
+      <p:grpSp>
+        <p:nvGrpSpPr>
+          <p:cNvPr id="8" name="Group 58"/>
+          <p:cNvGrpSpPr/>
+          <p:nvPr/>
+        </p:nvGrpSpPr>
+        <p:grpSpPr>
+          <a:xfrm>
+            <a:off x="4881365" y="3977587"/>
+            <a:ext cx="524937" cy="303694"/>
+            <a:chOff x="3592444" y="4645257"/>
+            <a:chExt cx="524937" cy="303694"/>
+          </a:xfrm>
+        </p:grpSpPr>
+        <p:sp>
+          <p:nvSpPr>
+            <p:cNvPr id="51" name="Left Bracket 50"/>
+            <p:cNvSpPr/>
+            <p:nvPr/>
+          </p:nvSpPr>
+          <p:spPr>
+            <a:xfrm rot="16200000">
+              <a:off x="3753313" y="4584882"/>
+              <a:ext cx="203200" cy="524937"/>
+            </a:xfrm>
+            <a:prstGeom prst="leftBracket">
+              <a:avLst/>
+            </a:prstGeom>
+            <a:ln w="34925">
+              <a:solidFill>
+                <a:schemeClr val="tx1">
+                  <a:lumMod val="75000"/>
+                  <a:lumOff val="25000"/>
+                </a:schemeClr>
+              </a:solidFill>
+            </a:ln>
+          </p:spPr>
+          <p:style>
+            <a:lnRef idx="1">
+              <a:schemeClr val="accent1"/>
+            </a:lnRef>
+            <a:fillRef idx="0">
+              <a:schemeClr val="accent1"/>
+            </a:fillRef>
+            <a:effectRef idx="0">
+              <a:schemeClr val="accent1"/>
+            </a:effectRef>
+            <a:fontRef idx="minor">
+              <a:schemeClr val="tx1"/>
+            </a:fontRef>
+          </p:style>
+          <p:txBody>
+            <a:bodyPr rtlCol="0" anchor="ctr"/>
+            <a:lstStyle/>
+            <a:p>
+              <a:pPr algn="ctr"/>
+              <a:endParaRPr lang="en-US"/>
+            </a:p>
+          </p:txBody>
+        </p:sp>
+        <p:grpSp>
+          <p:nvGrpSpPr>
+            <p:cNvPr id="9" name="Group 51"/>
+            <p:cNvGrpSpPr/>
+            <p:nvPr/>
+          </p:nvGrpSpPr>
+          <p:grpSpPr>
+            <a:xfrm rot="10800000">
+              <a:off x="3667910" y="4645257"/>
+              <a:ext cx="374006" cy="226575"/>
+              <a:chOff x="2186148" y="4691638"/>
+              <a:chExt cx="374006" cy="226575"/>
+            </a:xfrm>
+          </p:grpSpPr>
+          <p:cxnSp>
+            <p:nvCxnSpPr>
+              <p:cNvPr id="53" name="Straight Connector 52"/>
+              <p:cNvCxnSpPr/>
+              <p:nvPr/>
+            </p:nvCxnSpPr>
+            <p:spPr>
+              <a:xfrm>
+                <a:off x="2186148" y="4761211"/>
+                <a:ext cx="374006" cy="2946"/>
+              </a:xfrm>
+              <a:prstGeom prst="line">
+                <a:avLst/>
+              </a:prstGeom>
+              <a:ln w="34925">
+                <a:solidFill>
+                  <a:schemeClr val="tx1">
+                    <a:lumMod val="75000"/>
+                    <a:lumOff val="25000"/>
+                  </a:schemeClr>
+                </a:solidFill>
+              </a:ln>
+            </p:spPr>
+            <p:style>
+              <a:lnRef idx="1">
+                <a:schemeClr val="accent1"/>
+              </a:lnRef>
+              <a:fillRef idx="0">
+                <a:schemeClr val="accent1"/>
+              </a:fillRef>
+              <a:effectRef idx="0">
+                <a:schemeClr val="accent1"/>
+              </a:effectRef>
+              <a:fontRef idx="minor">
+                <a:schemeClr val="tx1"/>
+              </a:fontRef>
+            </p:style>
+          </p:cxnSp>
+          <p:cxnSp>
+            <p:nvCxnSpPr>
+              <p:cNvPr id="54" name="Straight Connector 53"/>
+              <p:cNvCxnSpPr/>
+              <p:nvPr/>
+            </p:nvCxnSpPr>
+            <p:spPr>
+              <a:xfrm>
+                <a:off x="2186148" y="4691638"/>
+                <a:ext cx="374006" cy="2946"/>
+              </a:xfrm>
+              <a:prstGeom prst="line">
+                <a:avLst/>
+              </a:prstGeom>
+              <a:ln w="34925">
+                <a:solidFill>
+                  <a:schemeClr val="tx1">
+                    <a:lumMod val="75000"/>
+                    <a:lumOff val="25000"/>
+                  </a:schemeClr>
+                </a:solidFill>
+              </a:ln>
+            </p:spPr>
+            <p:style>
+              <a:lnRef idx="1">
+                <a:schemeClr val="accent1"/>
+              </a:lnRef>
+              <a:fillRef idx="0">
+                <a:schemeClr val="accent1"/>
+              </a:fillRef>
+              <a:effectRef idx="0">
+                <a:schemeClr val="accent1"/>
+              </a:effectRef>
+              <a:fontRef idx="minor">
+                <a:schemeClr val="tx1"/>
+              </a:fontRef>
+            </p:style>
+          </p:cxnSp>
+          <p:cxnSp>
+            <p:nvCxnSpPr>
+              <p:cNvPr id="57" name="Straight Connector 56"/>
+              <p:cNvCxnSpPr/>
+              <p:nvPr/>
+            </p:nvCxnSpPr>
+            <p:spPr>
+              <a:xfrm>
+                <a:off x="2186148" y="4830784"/>
+                <a:ext cx="374006" cy="2946"/>
+              </a:xfrm>
+              <a:prstGeom prst="line">
+                <a:avLst/>
+              </a:prstGeom>
+              <a:ln w="34925">
+                <a:solidFill>
+                  <a:schemeClr val="tx1">
+                    <a:lumMod val="75000"/>
+                    <a:lumOff val="25000"/>
+                  </a:schemeClr>
+                </a:solidFill>
+              </a:ln>
+            </p:spPr>
+            <p:style>
+              <a:lnRef idx="1">
+                <a:schemeClr val="accent1"/>
+              </a:lnRef>
+              <a:fillRef idx="0">
+                <a:schemeClr val="accent1"/>
+              </a:fillRef>
+              <a:effectRef idx="0">
+                <a:schemeClr val="accent1"/>
+              </a:effectRef>
+              <a:fontRef idx="minor">
+                <a:schemeClr val="tx1"/>
+              </a:fontRef>
+            </p:style>
+          </p:cxnSp>
+          <p:cxnSp>
+            <p:nvCxnSpPr>
+              <p:cNvPr id="58" name="Straight Connector 57"/>
+              <p:cNvCxnSpPr/>
+              <p:nvPr/>
+            </p:nvCxnSpPr>
+            <p:spPr>
+              <a:xfrm>
+                <a:off x="2186148" y="4915267"/>
+                <a:ext cx="374006" cy="2946"/>
+              </a:xfrm>
+              <a:prstGeom prst="line">
+                <a:avLst/>
+              </a:prstGeom>
+              <a:ln w="57150">
+                <a:solidFill>
+                  <a:schemeClr val="tx1">
+                    <a:lumMod val="75000"/>
+                    <a:lumOff val="25000"/>
+                  </a:schemeClr>
+                </a:solidFill>
+              </a:ln>
+            </p:spPr>
+            <p:style>
+              <a:lnRef idx="1">
+                <a:schemeClr val="accent1"/>
+              </a:lnRef>
+              <a:fillRef idx="0">
+                <a:schemeClr val="accent1"/>
+              </a:fillRef>
+              <a:effectRef idx="0">
+                <a:schemeClr val="accent1"/>
+              </a:effectRef>
+              <a:fontRef idx="minor">
+                <a:schemeClr val="tx1"/>
+              </a:fontRef>
+            </p:style>
+          </p:cxnSp>
+        </p:grpSp>
+      </p:grpSp>
+      <p:cxnSp>
+        <p:nvCxnSpPr>
+          <p:cNvPr id="62" name="Straight Arrow Connector 61"/>
+          <p:cNvCxnSpPr/>
+          <p:nvPr/>
+        </p:nvCxnSpPr>
+        <p:spPr>
+          <a:xfrm>
+            <a:off x="3259671" y="2726268"/>
+            <a:ext cx="558800" cy="1236134"/>
+          </a:xfrm>
+          <a:prstGeom prst="straightConnector1">
+            <a:avLst/>
+          </a:prstGeom>
+          <a:ln w="25400">
+            <a:solidFill>
+              <a:schemeClr val="tx1">
+                <a:lumMod val="75000"/>
+                <a:lumOff val="25000"/>
+              </a:schemeClr>
+            </a:solidFill>
+            <a:tailEnd type="triangle"/>
+          </a:ln>
+        </p:spPr>
+        <p:style>
+          <a:lnRef idx="1">
+            <a:schemeClr val="accent1"/>
+          </a:lnRef>
+          <a:fillRef idx="0">
+            <a:schemeClr val="accent1"/>
+          </a:fillRef>
+          <a:effectRef idx="0">
+            <a:schemeClr val="accent1"/>
+          </a:effectRef>
+          <a:fontRef idx="minor">
+            <a:schemeClr val="tx1"/>
+          </a:fontRef>
+        </p:style>
+      </p:cxnSp>
+      <p:cxnSp>
+        <p:nvCxnSpPr>
+          <p:cNvPr id="66" name="Straight Arrow Connector 65"/>
+          <p:cNvCxnSpPr/>
+          <p:nvPr/>
+        </p:nvCxnSpPr>
+        <p:spPr>
+          <a:xfrm flipV="1">
+            <a:off x="5260015" y="2740985"/>
+            <a:ext cx="377618" cy="1174654"/>
+          </a:xfrm>
+          <a:prstGeom prst="straightConnector1">
+            <a:avLst/>
+          </a:prstGeom>
+          <a:ln w="25400">
+            <a:solidFill>
+              <a:schemeClr val="tx1">
+                <a:lumMod val="75000"/>
+                <a:lumOff val="25000"/>
+              </a:schemeClr>
+            </a:solidFill>
+            <a:tailEnd type="triangle"/>
+          </a:ln>
+        </p:spPr>
+        <p:style>
+          <a:lnRef idx="1">
+            <a:schemeClr val="accent1"/>
+          </a:lnRef>
+          <a:fillRef idx="0">
+            <a:schemeClr val="accent1"/>
+          </a:fillRef>
+          <a:effectRef idx="0">
+            <a:schemeClr val="accent1"/>
+          </a:effectRef>
+          <a:fontRef idx="minor">
+            <a:schemeClr val="tx1"/>
+          </a:fontRef>
+        </p:style>
+      </p:cxnSp>
+      <p:sp>
+        <p:nvSpPr>
+          <p:cNvPr id="76" name="TextBox 75"/>
+          <p:cNvSpPr txBox="1"/>
+          <p:nvPr/>
+        </p:nvSpPr>
+        <p:spPr>
+          <a:xfrm>
+            <a:off x="2512905" y="3139310"/>
+            <a:ext cx="1026941" cy="461665"/>
+          </a:xfrm>
+          <a:prstGeom prst="rect">
+            <a:avLst/>
+          </a:prstGeom>
+          <a:noFill/>
+        </p:spPr>
+        <p:txBody>
+          <a:bodyPr wrap="square" rtlCol="0">
+            <a:spAutoFit/>
+          </a:bodyPr>
+          <a:lstStyle/>
+          <a:p>
+            <a:pPr algn="ctr"/>
+            <a:r>
+              <a:rPr lang="en-US" sz="1200" dirty="0" err="1" smtClean="0"/>
+              <a:t>enqueues</a:t>
+            </a:r>
+            <a:endParaRPr lang="en-US" sz="1200" dirty="0" smtClean="0"/>
+          </a:p>
+          <a:p>
+            <a:pPr algn="ctr"/>
+            <a:r>
+              <a:rPr lang="en-US" sz="1200" dirty="0" smtClean="0"/>
+              <a:t>request</a:t>
+            </a:r>
+            <a:endParaRPr lang="en-US" dirty="0"/>
+          </a:p>
+        </p:txBody>
+      </p:sp>
+      <p:sp>
+        <p:nvSpPr>
+          <p:cNvPr id="79" name="TextBox 78"/>
+          <p:cNvSpPr txBox="1"/>
+          <p:nvPr/>
+        </p:nvSpPr>
+        <p:spPr>
+          <a:xfrm>
+            <a:off x="5299479" y="3527214"/>
+            <a:ext cx="752622" cy="461665"/>
+          </a:xfrm>
+          <a:prstGeom prst="rect">
+            <a:avLst/>
+          </a:prstGeom>
+          <a:noFill/>
+        </p:spPr>
+        <p:txBody>
+          <a:bodyPr wrap="square" rtlCol="0">
+            <a:spAutoFit/>
+          </a:bodyPr>
+          <a:lstStyle/>
+          <a:p>
+            <a:pPr algn="ctr"/>
+            <a:r>
+              <a:rPr lang="en-US" sz="1200" dirty="0" err="1" smtClean="0"/>
+              <a:t>dequeue</a:t>
+            </a:r>
+            <a:endParaRPr lang="en-US" sz="1200" dirty="0" smtClean="0"/>
+          </a:p>
+          <a:p>
+            <a:pPr algn="ctr"/>
+            <a:r>
+              <a:rPr lang="en-US" sz="1200" dirty="0" smtClean="0"/>
+              <a:t>request</a:t>
+            </a:r>
+            <a:endParaRPr lang="en-US" dirty="0"/>
+          </a:p>
+        </p:txBody>
+      </p:sp>
+      <p:grpSp>
+        <p:nvGrpSpPr>
+          <p:cNvPr id="10" name="Group 81"/>
+          <p:cNvGrpSpPr/>
+          <p:nvPr/>
+        </p:nvGrpSpPr>
+        <p:grpSpPr>
+          <a:xfrm>
+            <a:off x="1242913" y="1895413"/>
+            <a:ext cx="1008188" cy="840173"/>
+            <a:chOff x="1383320" y="3147182"/>
+            <a:chExt cx="1008188" cy="840173"/>
+          </a:xfrm>
+        </p:grpSpPr>
+        <p:pic>
+          <p:nvPicPr>
+            <p:cNvPr id="3074" name="Picture 2" descr="C:\Devo\git\Synapse\resources\yaml_doc.png"/>
+            <p:cNvPicPr>
+              <a:picLocks noChangeAspect="1" noChangeArrowheads="1"/>
+            </p:cNvPicPr>
+            <p:nvPr/>
+          </p:nvPicPr>
+          <p:blipFill>
+            <a:blip r:embed="rId3" cstate="print"/>
+            <a:srcRect/>
+            <a:stretch>
+              <a:fillRect/>
+            </a:stretch>
+          </p:blipFill>
+          <p:spPr bwMode="auto">
+            <a:xfrm>
+              <a:off x="1654089" y="3147182"/>
+              <a:ext cx="466651" cy="609503"/>
+            </a:xfrm>
+            <a:prstGeom prst="rect">
+              <a:avLst/>
+            </a:prstGeom>
+            <a:noFill/>
+          </p:spPr>
+        </p:pic>
+        <p:sp>
+          <p:nvSpPr>
+            <p:cNvPr id="81" name="TextBox 80"/>
+            <p:cNvSpPr txBox="1"/>
+            <p:nvPr/>
+          </p:nvSpPr>
+          <p:spPr>
+            <a:xfrm>
+              <a:off x="1383320" y="3710356"/>
+              <a:ext cx="1008188" cy="276999"/>
+            </a:xfrm>
+            <a:prstGeom prst="rect">
+              <a:avLst/>
+            </a:prstGeom>
+            <a:noFill/>
+          </p:spPr>
+          <p:txBody>
+            <a:bodyPr wrap="square" rtlCol="0">
+              <a:spAutoFit/>
+            </a:bodyPr>
+            <a:lstStyle/>
+            <a:p>
+              <a:pPr algn="ctr"/>
+              <a:r>
+                <a:rPr lang="en-US" sz="1200" dirty="0" smtClean="0"/>
+                <a:t>synapse plan</a:t>
+              </a:r>
+              <a:endParaRPr lang="en-US" dirty="0"/>
+            </a:p>
+          </p:txBody>
+        </p:sp>
+      </p:grpSp>
+      <p:cxnSp>
+        <p:nvCxnSpPr>
+          <p:cNvPr id="96" name="Straight Connector 95"/>
+          <p:cNvCxnSpPr/>
+          <p:nvPr/>
+        </p:nvCxnSpPr>
+        <p:spPr>
+          <a:xfrm>
+            <a:off x="2026014" y="2314392"/>
+            <a:ext cx="844192" cy="0"/>
+          </a:xfrm>
+          <a:prstGeom prst="line">
+            <a:avLst/>
+          </a:prstGeom>
+          <a:ln w="25400">
+            <a:solidFill>
+              <a:schemeClr val="tx1">
+                <a:lumMod val="75000"/>
+                <a:lumOff val="25000"/>
+              </a:schemeClr>
+            </a:solidFill>
+            <a:tailEnd type="triangle"/>
+          </a:ln>
+        </p:spPr>
+        <p:style>
+          <a:lnRef idx="1">
+            <a:schemeClr val="accent1"/>
+          </a:lnRef>
+          <a:fillRef idx="0">
+            <a:schemeClr val="accent1"/>
+          </a:fillRef>
+          <a:effectRef idx="0">
+            <a:schemeClr val="accent1"/>
+          </a:effectRef>
+          <a:fontRef idx="minor">
+            <a:schemeClr val="tx1"/>
+          </a:fontRef>
+        </p:style>
+      </p:cxnSp>
+      <p:grpSp>
+        <p:nvGrpSpPr>
+          <p:cNvPr id="11" name="Group 141"/>
+          <p:cNvGrpSpPr/>
+          <p:nvPr/>
+        </p:nvGrpSpPr>
+        <p:grpSpPr>
+          <a:xfrm>
+            <a:off x="6627967" y="1473461"/>
+            <a:ext cx="947224" cy="883524"/>
+            <a:chOff x="6712634" y="3115994"/>
+            <a:chExt cx="947224" cy="883524"/>
+          </a:xfrm>
+        </p:grpSpPr>
+        <p:grpSp>
+          <p:nvGrpSpPr>
+            <p:cNvPr id="12" name="Group 105"/>
+            <p:cNvGrpSpPr/>
+            <p:nvPr/>
+          </p:nvGrpSpPr>
+          <p:grpSpPr>
+            <a:xfrm>
+              <a:off x="6712634" y="3115994"/>
+              <a:ext cx="947224" cy="262207"/>
+              <a:chOff x="6787662" y="3341077"/>
+              <a:chExt cx="1041010" cy="288169"/>
+            </a:xfrm>
+          </p:grpSpPr>
+          <p:sp>
+            <p:nvSpPr>
+              <p:cNvPr id="100" name="Flowchart: Terminator 99"/>
+              <p:cNvSpPr/>
+              <p:nvPr/>
+            </p:nvSpPr>
+            <p:spPr>
+              <a:xfrm>
+                <a:off x="6787662" y="3341077"/>
+                <a:ext cx="1041010" cy="288169"/>
+              </a:xfrm>
+              <a:prstGeom prst="flowChartTerminator">
+                <a:avLst/>
+              </a:prstGeom>
+              <a:solidFill>
+                <a:schemeClr val="bg1"/>
+              </a:solidFill>
+              <a:ln>
+                <a:solidFill>
+                  <a:schemeClr val="tx1">
+                    <a:lumMod val="75000"/>
+                    <a:lumOff val="25000"/>
+                  </a:schemeClr>
+                </a:solidFill>
+              </a:ln>
+            </p:spPr>
+            <p:style>
+              <a:lnRef idx="2">
+                <a:schemeClr val="accent1">
+                  <a:shade val="50000"/>
+                </a:schemeClr>
+              </a:lnRef>
+              <a:fillRef idx="1">
+                <a:schemeClr val="accent1"/>
+              </a:fillRef>
+              <a:effectRef idx="0">
+                <a:schemeClr val="accent1"/>
+              </a:effectRef>
+              <a:fontRef idx="minor">
+                <a:schemeClr val="lt1"/>
+              </a:fontRef>
+            </p:style>
+            <p:txBody>
+              <a:bodyPr rtlCol="0" anchor="ctr"/>
+              <a:lstStyle/>
+              <a:p>
+                <a:pPr algn="ctr"/>
+                <a:endParaRPr lang="en-US"/>
+              </a:p>
+            </p:txBody>
+          </p:sp>
+          <p:sp>
+            <p:nvSpPr>
+              <p:cNvPr id="101" name="Oval 100"/>
+              <p:cNvSpPr/>
+              <p:nvPr/>
+            </p:nvSpPr>
+            <p:spPr>
+              <a:xfrm>
+                <a:off x="6893169" y="3425374"/>
+                <a:ext cx="119575" cy="119575"/>
+              </a:xfrm>
+              <a:prstGeom prst="ellipse">
+                <a:avLst/>
+              </a:prstGeom>
+              <a:solidFill>
+                <a:srgbClr val="FF0000"/>
+              </a:solidFill>
+              <a:ln>
+                <a:solidFill>
+                  <a:srgbClr val="FF0000"/>
+                </a:solidFill>
+              </a:ln>
+            </p:spPr>
+            <p:style>
+              <a:lnRef idx="2">
+                <a:schemeClr val="accent1">
+                  <a:shade val="50000"/>
+                </a:schemeClr>
+              </a:lnRef>
+              <a:fillRef idx="1">
+                <a:schemeClr val="accent1"/>
+              </a:fillRef>
+              <a:effectRef idx="0">
+                <a:schemeClr val="accent1"/>
+              </a:effectRef>
+              <a:fontRef idx="minor">
+                <a:schemeClr val="lt1"/>
+              </a:fontRef>
+            </p:style>
+            <p:txBody>
+              <a:bodyPr rtlCol="0" anchor="ctr"/>
+              <a:lstStyle/>
+              <a:p>
+                <a:pPr algn="ctr"/>
+                <a:endParaRPr lang="en-US"/>
+              </a:p>
+            </p:txBody>
+          </p:sp>
+        </p:grpSp>
+        <p:grpSp>
+          <p:nvGrpSpPr>
+            <p:cNvPr id="13" name="Group 108"/>
+            <p:cNvGrpSpPr/>
+            <p:nvPr/>
+          </p:nvGrpSpPr>
+          <p:grpSpPr>
+            <a:xfrm>
+              <a:off x="6712634" y="3426653"/>
+              <a:ext cx="947224" cy="262207"/>
+              <a:chOff x="6787662" y="3341077"/>
+              <a:chExt cx="1041010" cy="288169"/>
+            </a:xfrm>
+          </p:grpSpPr>
+          <p:sp>
+            <p:nvSpPr>
+              <p:cNvPr id="110" name="Flowchart: Terminator 109"/>
+              <p:cNvSpPr/>
+              <p:nvPr/>
+            </p:nvSpPr>
+            <p:spPr>
+              <a:xfrm>
+                <a:off x="6787662" y="3341077"/>
+                <a:ext cx="1041010" cy="288169"/>
+              </a:xfrm>
+              <a:prstGeom prst="flowChartTerminator">
+                <a:avLst/>
+              </a:prstGeom>
+              <a:solidFill>
+                <a:schemeClr val="bg1"/>
+              </a:solidFill>
+              <a:ln>
+                <a:solidFill>
+                  <a:schemeClr val="tx1">
+                    <a:lumMod val="75000"/>
+                    <a:lumOff val="25000"/>
+                  </a:schemeClr>
+                </a:solidFill>
+              </a:ln>
+            </p:spPr>
+            <p:style>
+              <a:lnRef idx="2">
+                <a:schemeClr val="accent1">
+                  <a:shade val="50000"/>
+                </a:schemeClr>
+              </a:lnRef>
+              <a:fillRef idx="1">
+                <a:schemeClr val="accent1"/>
+              </a:fillRef>
+              <a:effectRef idx="0">
+                <a:schemeClr val="accent1"/>
+              </a:effectRef>
+              <a:fontRef idx="minor">
+                <a:schemeClr val="lt1"/>
+              </a:fontRef>
+            </p:style>
+            <p:txBody>
+              <a:bodyPr rtlCol="0" anchor="ctr"/>
+              <a:lstStyle/>
+              <a:p>
+                <a:pPr algn="ctr"/>
+                <a:endParaRPr lang="en-US"/>
+              </a:p>
+            </p:txBody>
+          </p:sp>
+          <p:sp>
+            <p:nvSpPr>
+              <p:cNvPr id="111" name="Oval 110"/>
+              <p:cNvSpPr/>
+              <p:nvPr/>
+            </p:nvSpPr>
+            <p:spPr>
+              <a:xfrm>
+                <a:off x="6893169" y="3425374"/>
+                <a:ext cx="119575" cy="119575"/>
+              </a:xfrm>
+              <a:prstGeom prst="ellipse">
+                <a:avLst/>
+              </a:prstGeom>
+              <a:solidFill>
+                <a:srgbClr val="00B050"/>
+              </a:solidFill>
+              <a:ln>
+                <a:solidFill>
+                  <a:srgbClr val="00B050"/>
+                </a:solidFill>
+              </a:ln>
+            </p:spPr>
+            <p:style>
+              <a:lnRef idx="2">
+                <a:schemeClr val="accent1">
+                  <a:shade val="50000"/>
+                </a:schemeClr>
+              </a:lnRef>
+              <a:fillRef idx="1">
+                <a:schemeClr val="accent1"/>
+              </a:fillRef>
+              <a:effectRef idx="0">
+                <a:schemeClr val="accent1"/>
+              </a:effectRef>
+              <a:fontRef idx="minor">
+                <a:schemeClr val="lt1"/>
+              </a:fontRef>
+            </p:style>
+            <p:txBody>
+              <a:bodyPr rtlCol="0" anchor="ctr"/>
+              <a:lstStyle/>
+              <a:p>
+                <a:pPr algn="ctr"/>
+                <a:endParaRPr lang="en-US"/>
+              </a:p>
+            </p:txBody>
+          </p:sp>
+        </p:grpSp>
+        <p:grpSp>
+          <p:nvGrpSpPr>
+            <p:cNvPr id="14" name="Group 114"/>
+            <p:cNvGrpSpPr/>
+            <p:nvPr/>
+          </p:nvGrpSpPr>
+          <p:grpSpPr>
+            <a:xfrm>
+              <a:off x="6712634" y="3737311"/>
+              <a:ext cx="947224" cy="262207"/>
+              <a:chOff x="6787662" y="3341077"/>
+              <a:chExt cx="1041010" cy="288169"/>
+            </a:xfrm>
+          </p:grpSpPr>
+          <p:sp>
+            <p:nvSpPr>
+              <p:cNvPr id="116" name="Flowchart: Terminator 115"/>
+              <p:cNvSpPr/>
+              <p:nvPr/>
+            </p:nvSpPr>
+            <p:spPr>
+              <a:xfrm>
+                <a:off x="6787662" y="3341077"/>
+                <a:ext cx="1041010" cy="288169"/>
+              </a:xfrm>
+              <a:prstGeom prst="flowChartTerminator">
+                <a:avLst/>
+              </a:prstGeom>
+              <a:solidFill>
+                <a:schemeClr val="bg1"/>
+              </a:solidFill>
+              <a:ln>
+                <a:solidFill>
+                  <a:schemeClr val="tx1">
+                    <a:lumMod val="75000"/>
+                    <a:lumOff val="25000"/>
+                  </a:schemeClr>
+                </a:solidFill>
+              </a:ln>
+            </p:spPr>
+            <p:style>
+              <a:lnRef idx="2">
+                <a:schemeClr val="accent1">
+                  <a:shade val="50000"/>
+                </a:schemeClr>
+              </a:lnRef>
+              <a:fillRef idx="1">
+                <a:schemeClr val="accent1"/>
+              </a:fillRef>
+              <a:effectRef idx="0">
+                <a:schemeClr val="accent1"/>
+              </a:effectRef>
+              <a:fontRef idx="minor">
+                <a:schemeClr val="lt1"/>
+              </a:fontRef>
+            </p:style>
+            <p:txBody>
+              <a:bodyPr rtlCol="0" anchor="ctr"/>
+              <a:lstStyle/>
+              <a:p>
+                <a:pPr algn="ctr"/>
+                <a:endParaRPr lang="en-US"/>
+              </a:p>
+            </p:txBody>
+          </p:sp>
+          <p:sp>
+            <p:nvSpPr>
+              <p:cNvPr id="117" name="Oval 116"/>
+              <p:cNvSpPr/>
+              <p:nvPr/>
+            </p:nvSpPr>
+            <p:spPr>
+              <a:xfrm>
+                <a:off x="6893169" y="3425374"/>
+                <a:ext cx="119575" cy="119575"/>
+              </a:xfrm>
+              <a:prstGeom prst="ellipse">
+                <a:avLst/>
+              </a:prstGeom>
+              <a:solidFill>
+                <a:srgbClr val="00B050"/>
+              </a:solidFill>
+              <a:ln>
+                <a:solidFill>
+                  <a:srgbClr val="00B050"/>
+                </a:solidFill>
+              </a:ln>
+            </p:spPr>
+            <p:style>
+              <a:lnRef idx="2">
+                <a:schemeClr val="accent1">
+                  <a:shade val="50000"/>
+                </a:schemeClr>
+              </a:lnRef>
+              <a:fillRef idx="1">
+                <a:schemeClr val="accent1"/>
+              </a:fillRef>
+              <a:effectRef idx="0">
+                <a:schemeClr val="accent1"/>
+              </a:effectRef>
+              <a:fontRef idx="minor">
+                <a:schemeClr val="lt1"/>
+              </a:fontRef>
+            </p:style>
+            <p:txBody>
+              <a:bodyPr rtlCol="0" anchor="ctr"/>
+              <a:lstStyle/>
+              <a:p>
+                <a:pPr algn="ctr"/>
+                <a:endParaRPr lang="en-US"/>
+              </a:p>
+            </p:txBody>
+          </p:sp>
+        </p:grpSp>
+      </p:grpSp>
+      <p:pic>
+        <p:nvPicPr>
+          <p:cNvPr id="3076" name="Picture 4" descr="https://cdn2.iconfinder.com/data/icons/amazon-aws-stencils/100/Non-Service_Specific_copy_Generic_Database-128.png"/>
+          <p:cNvPicPr>
+            <a:picLocks noChangeAspect="1" noChangeArrowheads="1"/>
+          </p:cNvPicPr>
+          <p:nvPr/>
+        </p:nvPicPr>
+        <p:blipFill>
+          <a:blip r:embed="rId4" cstate="print"/>
+          <a:srcRect/>
+          <a:stretch>
+            <a:fillRect/>
+          </a:stretch>
+        </p:blipFill>
+        <p:spPr bwMode="auto">
+          <a:xfrm>
+            <a:off x="6578255" y="2219049"/>
+            <a:ext cx="1039138" cy="1039140"/>
+          </a:xfrm>
+          <a:prstGeom prst="rect">
+            <a:avLst/>
+          </a:prstGeom>
+          <a:noFill/>
+        </p:spPr>
+      </p:pic>
+      <p:cxnSp>
+        <p:nvCxnSpPr>
+          <p:cNvPr id="118" name="Straight Connector 117"/>
+          <p:cNvCxnSpPr>
+            <a:stCxn id="37" idx="3"/>
+            <a:endCxn id="110" idx="1"/>
+          </p:cNvCxnSpPr>
+          <p:nvPr/>
+        </p:nvCxnSpPr>
+        <p:spPr>
+          <a:xfrm flipV="1">
+            <a:off x="5941265" y="1915224"/>
+            <a:ext cx="686702" cy="395129"/>
+          </a:xfrm>
+          <a:prstGeom prst="line">
+            <a:avLst/>
+          </a:prstGeom>
+          <a:ln w="25400">
+            <a:solidFill>
+              <a:schemeClr val="tx1">
+                <a:lumMod val="75000"/>
+                <a:lumOff val="25000"/>
+              </a:schemeClr>
+            </a:solidFill>
+            <a:tailEnd type="triangle"/>
+          </a:ln>
+        </p:spPr>
+        <p:style>
+          <a:lnRef idx="1">
+            <a:schemeClr val="accent1"/>
+          </a:lnRef>
+          <a:fillRef idx="0">
+            <a:schemeClr val="accent1"/>
+          </a:fillRef>
+          <a:effectRef idx="0">
+            <a:schemeClr val="accent1"/>
+          </a:effectRef>
+          <a:fontRef idx="minor">
+            <a:schemeClr val="tx1"/>
+          </a:fontRef>
+        </p:style>
+      </p:cxnSp>
+      <p:cxnSp>
+        <p:nvCxnSpPr>
+          <p:cNvPr id="121" name="Straight Connector 120"/>
+          <p:cNvCxnSpPr>
+            <a:stCxn id="37" idx="3"/>
+            <a:endCxn id="116" idx="1"/>
+          </p:cNvCxnSpPr>
+          <p:nvPr/>
+        </p:nvCxnSpPr>
+        <p:spPr>
+          <a:xfrm flipV="1">
+            <a:off x="5941265" y="2225882"/>
+            <a:ext cx="686702" cy="84471"/>
+          </a:xfrm>
+          <a:prstGeom prst="line">
+            <a:avLst/>
+          </a:prstGeom>
+          <a:ln w="25400">
+            <a:solidFill>
+              <a:schemeClr val="tx1">
+                <a:lumMod val="75000"/>
+                <a:lumOff val="25000"/>
+              </a:schemeClr>
+            </a:solidFill>
+            <a:tailEnd type="triangle"/>
+          </a:ln>
+        </p:spPr>
+        <p:style>
+          <a:lnRef idx="1">
+            <a:schemeClr val="accent1"/>
+          </a:lnRef>
+          <a:fillRef idx="0">
+            <a:schemeClr val="accent1"/>
+          </a:fillRef>
+          <a:effectRef idx="0">
+            <a:schemeClr val="accent1"/>
+          </a:effectRef>
+          <a:fontRef idx="minor">
+            <a:schemeClr val="tx1"/>
+          </a:fontRef>
+        </p:style>
+      </p:cxnSp>
+      <p:cxnSp>
+        <p:nvCxnSpPr>
+          <p:cNvPr id="124" name="Straight Connector 123"/>
+          <p:cNvCxnSpPr>
+            <a:stCxn id="37" idx="3"/>
+            <a:endCxn id="100" idx="1"/>
+          </p:cNvCxnSpPr>
+          <p:nvPr/>
+        </p:nvCxnSpPr>
+        <p:spPr>
+          <a:xfrm flipV="1">
+            <a:off x="5941265" y="1604565"/>
+            <a:ext cx="686702" cy="705788"/>
+          </a:xfrm>
+          <a:prstGeom prst="line">
+            <a:avLst/>
+          </a:prstGeom>
+          <a:ln w="25400">
+            <a:solidFill>
+              <a:schemeClr val="tx1">
+                <a:lumMod val="75000"/>
+                <a:lumOff val="25000"/>
+              </a:schemeClr>
+            </a:solidFill>
+            <a:tailEnd type="triangle"/>
+          </a:ln>
+        </p:spPr>
+        <p:style>
+          <a:lnRef idx="1">
+            <a:schemeClr val="accent1"/>
+          </a:lnRef>
+          <a:fillRef idx="0">
+            <a:schemeClr val="accent1"/>
+          </a:fillRef>
+          <a:effectRef idx="0">
+            <a:schemeClr val="accent1"/>
+          </a:effectRef>
+          <a:fontRef idx="minor">
+            <a:schemeClr val="tx1"/>
+          </a:fontRef>
+        </p:style>
+      </p:cxnSp>
+      <p:cxnSp>
+        <p:nvCxnSpPr>
+          <p:cNvPr id="127" name="Straight Connector 126"/>
+          <p:cNvCxnSpPr>
+            <a:stCxn id="37" idx="3"/>
+          </p:cNvCxnSpPr>
+          <p:nvPr/>
+        </p:nvCxnSpPr>
+        <p:spPr>
+          <a:xfrm>
+            <a:off x="5941265" y="2310353"/>
+            <a:ext cx="937576" cy="450302"/>
+          </a:xfrm>
+          <a:prstGeom prst="line">
+            <a:avLst/>
+          </a:prstGeom>
+          <a:ln w="25400">
+            <a:solidFill>
+              <a:schemeClr val="tx1">
+                <a:lumMod val="75000"/>
+                <a:lumOff val="25000"/>
+              </a:schemeClr>
+            </a:solidFill>
+            <a:tailEnd type="triangle"/>
+          </a:ln>
+        </p:spPr>
+        <p:style>
+          <a:lnRef idx="1">
+            <a:schemeClr val="accent1"/>
+          </a:lnRef>
+          <a:fillRef idx="0">
+            <a:schemeClr val="accent1"/>
+          </a:fillRef>
+          <a:effectRef idx="0">
+            <a:schemeClr val="accent1"/>
+          </a:effectRef>
+          <a:fontRef idx="minor">
+            <a:schemeClr val="tx1"/>
+          </a:fontRef>
+        </p:style>
+      </p:cxnSp>
+      <p:cxnSp>
+        <p:nvCxnSpPr>
+          <p:cNvPr id="143" name="Straight Arrow Connector 142"/>
+          <p:cNvCxnSpPr/>
+          <p:nvPr/>
+        </p:nvCxnSpPr>
+        <p:spPr>
+          <a:xfrm>
+            <a:off x="5436902" y="4012679"/>
+            <a:ext cx="991773" cy="499403"/>
+          </a:xfrm>
+          <a:prstGeom prst="straightConnector1">
+            <a:avLst/>
+          </a:prstGeom>
+          <a:ln w="25400">
+            <a:solidFill>
+              <a:schemeClr val="tx1">
+                <a:lumMod val="75000"/>
+                <a:lumOff val="25000"/>
+              </a:schemeClr>
+            </a:solidFill>
+            <a:tailEnd type="triangle"/>
+          </a:ln>
+        </p:spPr>
+        <p:style>
+          <a:lnRef idx="1">
+            <a:schemeClr val="accent1"/>
+          </a:lnRef>
+          <a:fillRef idx="0">
+            <a:schemeClr val="accent1"/>
+          </a:fillRef>
+          <a:effectRef idx="0">
+            <a:schemeClr val="accent1"/>
+          </a:effectRef>
+          <a:fontRef idx="minor">
+            <a:schemeClr val="tx1"/>
+          </a:fontRef>
+        </p:style>
+      </p:cxnSp>
+      <p:sp>
+        <p:nvSpPr>
+          <p:cNvPr id="167" name="TextBox 166"/>
+          <p:cNvSpPr txBox="1"/>
+          <p:nvPr/>
+        </p:nvSpPr>
+        <p:spPr>
+          <a:xfrm>
+            <a:off x="5600109" y="1556308"/>
+            <a:ext cx="778415" cy="276999"/>
+          </a:xfrm>
+          <a:prstGeom prst="rect">
+            <a:avLst/>
+          </a:prstGeom>
+          <a:noFill/>
+        </p:spPr>
+        <p:txBody>
+          <a:bodyPr wrap="square" rtlCol="0">
+            <a:spAutoFit/>
+          </a:bodyPr>
+          <a:lstStyle/>
+          <a:p>
+            <a:pPr algn="ctr"/>
+            <a:r>
+              <a:rPr lang="en-US" sz="1200" dirty="0" err="1" smtClean="0"/>
+              <a:t>agentless</a:t>
+            </a:r>
+            <a:endParaRPr lang="en-US" dirty="0"/>
+          </a:p>
+        </p:txBody>
+      </p:sp>
+      <p:sp>
+        <p:nvSpPr>
+          <p:cNvPr id="168" name="TextBox 167"/>
+          <p:cNvSpPr txBox="1"/>
+          <p:nvPr/>
+        </p:nvSpPr>
+        <p:spPr>
+          <a:xfrm>
+            <a:off x="6717058" y="4766475"/>
+            <a:ext cx="778415" cy="276999"/>
+          </a:xfrm>
+          <a:prstGeom prst="rect">
+            <a:avLst/>
+          </a:prstGeom>
+          <a:noFill/>
+        </p:spPr>
+        <p:txBody>
+          <a:bodyPr wrap="square" rtlCol="0">
+            <a:spAutoFit/>
+          </a:bodyPr>
+          <a:lstStyle/>
+          <a:p>
+            <a:pPr algn="ctr"/>
+            <a:r>
+              <a:rPr lang="en-US" sz="1200" dirty="0" smtClean="0"/>
+              <a:t>agent</a:t>
+            </a:r>
+            <a:endParaRPr lang="en-US" dirty="0"/>
+          </a:p>
+        </p:txBody>
+      </p:sp>
+      <p:cxnSp>
+        <p:nvCxnSpPr>
+          <p:cNvPr id="103" name="Straight Arrow Connector 102"/>
+          <p:cNvCxnSpPr/>
+          <p:nvPr/>
+        </p:nvCxnSpPr>
+        <p:spPr>
+          <a:xfrm>
+            <a:off x="5867398" y="2760134"/>
+            <a:ext cx="583418" cy="1693073"/>
+          </a:xfrm>
+          <a:prstGeom prst="straightConnector1">
+            <a:avLst/>
+          </a:prstGeom>
+          <a:ln w="25400">
+            <a:solidFill>
+              <a:schemeClr val="tx1">
+                <a:lumMod val="75000"/>
+                <a:lumOff val="25000"/>
+              </a:schemeClr>
+            </a:solidFill>
+            <a:prstDash val="dash"/>
+            <a:tailEnd type="triangle"/>
+          </a:ln>
+        </p:spPr>
+        <p:style>
+          <a:lnRef idx="1">
+            <a:schemeClr val="accent1"/>
+          </a:lnRef>
+          <a:fillRef idx="0">
+            <a:schemeClr val="accent1"/>
+          </a:fillRef>
+          <a:effectRef idx="0">
+            <a:schemeClr val="accent1"/>
+          </a:effectRef>
+          <a:fontRef idx="minor">
+            <a:schemeClr val="tx1"/>
+          </a:fontRef>
+        </p:style>
+      </p:cxnSp>
+      <p:sp>
+        <p:nvSpPr>
+          <p:cNvPr id="105" name="TextBox 104"/>
+          <p:cNvSpPr txBox="1"/>
+          <p:nvPr/>
+        </p:nvSpPr>
+        <p:spPr>
+          <a:xfrm>
+            <a:off x="6048192" y="3200143"/>
+            <a:ext cx="778415" cy="276999"/>
+          </a:xfrm>
+          <a:prstGeom prst="rect">
+            <a:avLst/>
+          </a:prstGeom>
+          <a:noFill/>
+        </p:spPr>
+        <p:txBody>
+          <a:bodyPr wrap="square" rtlCol="0">
+            <a:spAutoFit/>
+          </a:bodyPr>
+          <a:lstStyle/>
+          <a:p>
+            <a:pPr algn="ctr"/>
+            <a:r>
+              <a:rPr lang="en-US" sz="1200" dirty="0" smtClean="0"/>
+              <a:t>proxy</a:t>
+            </a:r>
+            <a:endParaRPr lang="en-US" dirty="0"/>
+          </a:p>
+        </p:txBody>
+      </p:sp>
+      <p:pic>
+        <p:nvPicPr>
+          <p:cNvPr id="2" name="Picture 2" descr="C:\Devo\git\Synapse\resources\service_syn_f.png"/>
+          <p:cNvPicPr>
+            <a:picLocks noChangeAspect="1" noChangeArrowheads="1"/>
+          </p:cNvPicPr>
+          <p:nvPr/>
+        </p:nvPicPr>
+        <p:blipFill>
+          <a:blip r:embed="rId5" cstate="print"/>
+          <a:srcRect/>
+          <a:stretch>
+            <a:fillRect/>
+          </a:stretch>
+        </p:blipFill>
+        <p:spPr bwMode="auto">
+          <a:xfrm>
+            <a:off x="3023470" y="2071656"/>
+            <a:ext cx="478917" cy="478917"/>
+          </a:xfrm>
+          <a:prstGeom prst="rect">
+            <a:avLst/>
+          </a:prstGeom>
+          <a:noFill/>
+        </p:spPr>
+      </p:pic>
+      <p:sp>
+        <p:nvSpPr>
+          <p:cNvPr id="72" name="TextBox 71"/>
+          <p:cNvSpPr txBox="1"/>
+          <p:nvPr/>
+        </p:nvSpPr>
+        <p:spPr>
+          <a:xfrm>
+            <a:off x="3401905" y="2758311"/>
+            <a:ext cx="1026941" cy="461665"/>
+          </a:xfrm>
+          <a:prstGeom prst="rect">
+            <a:avLst/>
+          </a:prstGeom>
+          <a:noFill/>
+        </p:spPr>
+        <p:txBody>
+          <a:bodyPr wrap="square" rtlCol="0">
+            <a:spAutoFit/>
+          </a:bodyPr>
+          <a:lstStyle/>
+          <a:p>
+            <a:pPr algn="ctr"/>
+            <a:r>
+              <a:rPr lang="en-US" sz="1200" dirty="0" err="1" smtClean="0">
+                <a:solidFill>
+                  <a:srgbClr val="002060"/>
+                </a:solidFill>
+              </a:rPr>
+              <a:t>dequeues</a:t>
+            </a:r>
+            <a:endParaRPr lang="en-US" sz="1200" dirty="0" smtClean="0">
+              <a:solidFill>
+                <a:srgbClr val="002060"/>
+              </a:solidFill>
+            </a:endParaRPr>
+          </a:p>
+          <a:p>
+            <a:pPr algn="ctr"/>
+            <a:r>
+              <a:rPr lang="en-US" sz="1200" dirty="0" smtClean="0">
+                <a:solidFill>
+                  <a:srgbClr val="002060"/>
+                </a:solidFill>
+              </a:rPr>
+              <a:t>response</a:t>
+            </a:r>
+            <a:endParaRPr lang="en-US" dirty="0">
+              <a:solidFill>
+                <a:srgbClr val="002060"/>
+              </a:solidFill>
+            </a:endParaRPr>
+          </a:p>
+        </p:txBody>
+      </p:sp>
+      <p:cxnSp>
+        <p:nvCxnSpPr>
+          <p:cNvPr id="74" name="Straight Arrow Connector 73"/>
+          <p:cNvCxnSpPr/>
+          <p:nvPr/>
+        </p:nvCxnSpPr>
+        <p:spPr>
+          <a:xfrm>
+            <a:off x="5926661" y="2726260"/>
+            <a:ext cx="583418" cy="1693073"/>
+          </a:xfrm>
+          <a:prstGeom prst="straightConnector1">
+            <a:avLst/>
+          </a:prstGeom>
+          <a:ln w="25400">
+            <a:solidFill>
+              <a:srgbClr val="002060">
+                <a:alpha val="74902"/>
+              </a:srgbClr>
+            </a:solidFill>
+            <a:prstDash val="dash"/>
+            <a:headEnd type="triangle"/>
+            <a:tailEnd type="none"/>
+          </a:ln>
+        </p:spPr>
+        <p:style>
+          <a:lnRef idx="1">
+            <a:schemeClr val="accent1"/>
+          </a:lnRef>
+          <a:fillRef idx="0">
+            <a:schemeClr val="accent1"/>
+          </a:fillRef>
+          <a:effectRef idx="0">
+            <a:schemeClr val="accent1"/>
+          </a:effectRef>
+          <a:fontRef idx="minor">
+            <a:schemeClr val="tx1"/>
+          </a:fontRef>
+        </p:style>
+      </p:cxnSp>
+      <p:cxnSp>
+        <p:nvCxnSpPr>
+          <p:cNvPr id="77" name="Straight Arrow Connector 76"/>
+          <p:cNvCxnSpPr/>
+          <p:nvPr/>
+        </p:nvCxnSpPr>
+        <p:spPr>
+          <a:xfrm>
+            <a:off x="5419968" y="4088879"/>
+            <a:ext cx="991773" cy="499403"/>
+          </a:xfrm>
+          <a:prstGeom prst="straightConnector1">
+            <a:avLst/>
+          </a:prstGeom>
+          <a:ln w="25400">
+            <a:solidFill>
+              <a:srgbClr val="002060">
+                <a:alpha val="74902"/>
+              </a:srgbClr>
+            </a:solidFill>
+            <a:headEnd type="triangle"/>
+            <a:tailEnd type="none"/>
+          </a:ln>
+        </p:spPr>
+        <p:style>
+          <a:lnRef idx="1">
+            <a:schemeClr val="accent1"/>
+          </a:lnRef>
+          <a:fillRef idx="0">
+            <a:schemeClr val="accent1"/>
+          </a:fillRef>
+          <a:effectRef idx="0">
+            <a:schemeClr val="accent1"/>
+          </a:effectRef>
+          <a:fontRef idx="minor">
+            <a:schemeClr val="tx1"/>
+          </a:fontRef>
+        </p:style>
+      </p:cxnSp>
+      <p:cxnSp>
+        <p:nvCxnSpPr>
+          <p:cNvPr id="80" name="Straight Arrow Connector 79"/>
+          <p:cNvCxnSpPr/>
+          <p:nvPr/>
+        </p:nvCxnSpPr>
+        <p:spPr>
+          <a:xfrm flipV="1">
+            <a:off x="5166882" y="2766385"/>
+            <a:ext cx="377618" cy="1174654"/>
+          </a:xfrm>
+          <a:prstGeom prst="straightConnector1">
+            <a:avLst/>
+          </a:prstGeom>
+          <a:ln w="25400">
+            <a:solidFill>
+              <a:srgbClr val="002060">
+                <a:alpha val="74902"/>
+              </a:srgbClr>
+            </a:solidFill>
+            <a:headEnd type="triangle"/>
+            <a:tailEnd type="none"/>
+          </a:ln>
+        </p:spPr>
+        <p:style>
+          <a:lnRef idx="1">
+            <a:schemeClr val="accent1"/>
+          </a:lnRef>
+          <a:fillRef idx="0">
+            <a:schemeClr val="accent1"/>
+          </a:fillRef>
+          <a:effectRef idx="0">
+            <a:schemeClr val="accent1"/>
+          </a:effectRef>
+          <a:fontRef idx="minor">
+            <a:schemeClr val="tx1"/>
+          </a:fontRef>
+        </p:style>
+      </p:cxnSp>
+      <p:cxnSp>
+        <p:nvCxnSpPr>
+          <p:cNvPr id="82" name="Straight Arrow Connector 81"/>
+          <p:cNvCxnSpPr/>
+          <p:nvPr/>
+        </p:nvCxnSpPr>
+        <p:spPr>
+          <a:xfrm>
+            <a:off x="3335868" y="2709328"/>
+            <a:ext cx="558800" cy="1236134"/>
+          </a:xfrm>
+          <a:prstGeom prst="straightConnector1">
+            <a:avLst/>
+          </a:prstGeom>
+          <a:ln w="25400">
+            <a:solidFill>
+              <a:srgbClr val="002060">
+                <a:alpha val="74902"/>
+              </a:srgbClr>
+            </a:solidFill>
+            <a:headEnd type="triangle"/>
+            <a:tailEnd type="none"/>
+          </a:ln>
+        </p:spPr>
+        <p:style>
+          <a:lnRef idx="1">
+            <a:schemeClr val="accent1"/>
+          </a:lnRef>
+          <a:fillRef idx="0">
+            <a:schemeClr val="accent1"/>
+          </a:fillRef>
+          <a:effectRef idx="0">
+            <a:schemeClr val="accent1"/>
+          </a:effectRef>
+          <a:fontRef idx="minor">
+            <a:schemeClr val="tx1"/>
+          </a:fontRef>
+        </p:style>
+      </p:cxnSp>
+      <p:sp>
+        <p:nvSpPr>
+          <p:cNvPr id="83" name="TextBox 82"/>
+          <p:cNvSpPr txBox="1"/>
+          <p:nvPr/>
+        </p:nvSpPr>
+        <p:spPr>
+          <a:xfrm>
+            <a:off x="5188371" y="4341578"/>
+            <a:ext cx="1026941" cy="461665"/>
+          </a:xfrm>
+          <a:prstGeom prst="rect">
+            <a:avLst/>
+          </a:prstGeom>
+          <a:noFill/>
+        </p:spPr>
+        <p:txBody>
+          <a:bodyPr wrap="square" rtlCol="0">
+            <a:spAutoFit/>
+          </a:bodyPr>
+          <a:lstStyle/>
+          <a:p>
+            <a:pPr algn="ctr"/>
+            <a:r>
+              <a:rPr lang="en-US" sz="1200" dirty="0" err="1" smtClean="0">
+                <a:solidFill>
+                  <a:srgbClr val="002060"/>
+                </a:solidFill>
+              </a:rPr>
+              <a:t>enqueues</a:t>
+            </a:r>
+            <a:endParaRPr lang="en-US" sz="1200" dirty="0" smtClean="0">
+              <a:solidFill>
+                <a:srgbClr val="002060"/>
+              </a:solidFill>
+            </a:endParaRPr>
+          </a:p>
+          <a:p>
+            <a:pPr algn="ctr"/>
+            <a:r>
+              <a:rPr lang="en-US" sz="1200" dirty="0" smtClean="0">
+                <a:solidFill>
+                  <a:srgbClr val="002060"/>
+                </a:solidFill>
+              </a:rPr>
+              <a:t>response</a:t>
+            </a:r>
+            <a:endParaRPr lang="en-US" dirty="0">
+              <a:solidFill>
+                <a:srgbClr val="002060"/>
+              </a:solidFill>
+            </a:endParaRPr>
+          </a:p>
+        </p:txBody>
+      </p:sp>
+      <p:sp>
+        <p:nvSpPr>
+          <p:cNvPr id="85" name="TextBox 84"/>
+          <p:cNvSpPr txBox="1"/>
+          <p:nvPr/>
+        </p:nvSpPr>
+        <p:spPr>
+          <a:xfrm>
+            <a:off x="2416644" y="1471638"/>
+            <a:ext cx="1689690" cy="461665"/>
+          </a:xfrm>
+          <a:prstGeom prst="rect">
+            <a:avLst/>
+          </a:prstGeom>
+          <a:noFill/>
+        </p:spPr>
+        <p:txBody>
+          <a:bodyPr wrap="square" rtlCol="0">
+            <a:spAutoFit/>
+          </a:bodyPr>
+          <a:lstStyle/>
+          <a:p>
+            <a:pPr algn="ctr"/>
+            <a:r>
+              <a:rPr lang="en-US" sz="1200" dirty="0" smtClean="0"/>
+              <a:t>synapse enterprise service</a:t>
+            </a:r>
+            <a:endParaRPr lang="en-US" dirty="0"/>
+          </a:p>
+        </p:txBody>
+      </p:sp>
+      <p:grpSp>
+        <p:nvGrpSpPr>
+          <p:cNvPr id="16" name="Group 164"/>
+          <p:cNvGrpSpPr/>
+          <p:nvPr/>
+        </p:nvGrpSpPr>
+        <p:grpSpPr>
+          <a:xfrm>
+            <a:off x="6562316" y="3696156"/>
+            <a:ext cx="1083212" cy="1035925"/>
+            <a:chOff x="6646983" y="5338689"/>
+            <a:chExt cx="1083212" cy="1035925"/>
+          </a:xfrm>
+        </p:grpSpPr>
+        <p:sp>
+          <p:nvSpPr>
+            <p:cNvPr id="131" name="Flowchart: Terminator 130"/>
             <p:cNvSpPr/>
             <p:nvPr/>
           </p:nvSpPr>
           <p:spPr>
             <a:xfrm>
-              <a:off x="4121815" y="3608734"/>
-              <a:ext cx="738788" cy="810866"/>
+              <a:off x="6646983" y="5338689"/>
+              <a:ext cx="1083212" cy="1035925"/>
             </a:xfrm>
-            <a:prstGeom prst="can">
+            <a:prstGeom prst="flowChartTerminator">
               <a:avLst/>
             </a:prstGeom>
             <a:solidFill>
-              <a:srgbClr val="FFFF00"/>
+              <a:schemeClr val="bg1"/>
             </a:solidFill>
             <a:ln>
               <a:solidFill>
-                <a:srgbClr val="FFC000"/>
+                <a:schemeClr val="tx1">
+                  <a:lumMod val="75000"/>
+                  <a:lumOff val="25000"/>
+                </a:schemeClr>
               </a:solidFill>
             </a:ln>
           </p:spPr>
@@ -8271,23 +10205,26 @@
         </p:sp>
         <p:sp>
           <p:nvSpPr>
-            <p:cNvPr id="78" name="10-Point Star 77"/>
+            <p:cNvPr id="132" name="Oval 131"/>
             <p:cNvSpPr/>
             <p:nvPr/>
           </p:nvSpPr>
           <p:spPr>
             <a:xfrm>
-              <a:off x="2842304" y="1890490"/>
-              <a:ext cx="841248" cy="841248"/>
+              <a:off x="6785188" y="5422420"/>
+              <a:ext cx="108802" cy="108802"/>
             </a:xfrm>
-            <a:prstGeom prst="star10">
+            <a:prstGeom prst="ellipse">
               <a:avLst/>
             </a:prstGeom>
             <a:solidFill>
-              <a:srgbClr val="002060">
-                <a:alpha val="50196"/>
-              </a:srgbClr>
+              <a:srgbClr val="00B050"/>
             </a:solidFill>
+            <a:ln>
+              <a:solidFill>
+                <a:srgbClr val="00B050"/>
+              </a:solidFill>
+            </a:ln>
           </p:spPr>
           <p:style>
             <a:lnRef idx="2">
@@ -8314,1262 +10251,9 @@
             </a:p>
           </p:txBody>
         </p:sp>
-        <p:grpSp>
-          <p:nvGrpSpPr>
-            <p:cNvPr id="4" name="Group 40"/>
-            <p:cNvGrpSpPr/>
-            <p:nvPr/>
-          </p:nvGrpSpPr>
-          <p:grpSpPr>
-            <a:xfrm>
-              <a:off x="5096932" y="1888186"/>
-              <a:ext cx="844333" cy="844333"/>
-              <a:chOff x="4057226" y="2614022"/>
-              <a:chExt cx="1216152" cy="1216152"/>
-            </a:xfrm>
-          </p:grpSpPr>
-          <p:sp>
-            <p:nvSpPr>
-              <p:cNvPr id="37" name="Rounded Rectangle 36"/>
-              <p:cNvSpPr/>
-              <p:nvPr/>
-            </p:nvSpPr>
-            <p:spPr>
-              <a:xfrm>
-                <a:off x="4057226" y="2614022"/>
-                <a:ext cx="1216152" cy="1216152"/>
-              </a:xfrm>
-              <a:prstGeom prst="roundRect">
-                <a:avLst/>
-              </a:prstGeom>
-              <a:solidFill>
-                <a:srgbClr val="002060">
-                  <a:alpha val="50000"/>
-                </a:srgbClr>
-              </a:solidFill>
-              <a:ln w="0">
-                <a:noFill/>
-              </a:ln>
-            </p:spPr>
-            <p:style>
-              <a:lnRef idx="2">
-                <a:schemeClr val="accent1">
-                  <a:shade val="50000"/>
-                </a:schemeClr>
-              </a:lnRef>
-              <a:fillRef idx="1">
-                <a:schemeClr val="accent1"/>
-              </a:fillRef>
-              <a:effectRef idx="0">
-                <a:schemeClr val="accent1"/>
-              </a:effectRef>
-              <a:fontRef idx="minor">
-                <a:schemeClr val="lt1"/>
-              </a:fontRef>
-            </p:style>
-            <p:txBody>
-              <a:bodyPr rtlCol="0" anchor="ctr"/>
-              <a:lstStyle/>
-              <a:p>
-                <a:pPr algn="ctr"/>
-                <a:endParaRPr lang="en-US"/>
-              </a:p>
-            </p:txBody>
-          </p:sp>
-          <p:grpSp>
-            <p:nvGrpSpPr>
-              <p:cNvPr id="5" name="Group 158"/>
-              <p:cNvGrpSpPr/>
-              <p:nvPr/>
-            </p:nvGrpSpPr>
-            <p:grpSpPr>
-              <a:xfrm rot="5400000">
-                <a:off x="4478766" y="2712647"/>
-                <a:ext cx="373073" cy="1018902"/>
-                <a:chOff x="2555966" y="727167"/>
-                <a:chExt cx="481148" cy="1330237"/>
-              </a:xfrm>
-              <a:solidFill>
-                <a:srgbClr val="7CFC00"/>
-              </a:solidFill>
-            </p:grpSpPr>
-            <p:sp>
-              <p:nvSpPr>
-                <p:cNvPr id="39" name="Right Triangle 38"/>
-                <p:cNvSpPr/>
-                <p:nvPr/>
-              </p:nvSpPr>
-              <p:spPr>
-                <a:xfrm rot="5400000">
-                  <a:off x="2514599" y="1534888"/>
-                  <a:ext cx="738054" cy="306977"/>
-                </a:xfrm>
-                <a:prstGeom prst="rtTriangle">
-                  <a:avLst/>
-                </a:prstGeom>
-                <a:grpFill/>
-                <a:ln>
-                  <a:solidFill>
-                    <a:srgbClr val="66FF33"/>
-                  </a:solidFill>
-                </a:ln>
-              </p:spPr>
-              <p:style>
-                <a:lnRef idx="2">
-                  <a:schemeClr val="accent1">
-                    <a:shade val="50000"/>
-                  </a:schemeClr>
-                </a:lnRef>
-                <a:fillRef idx="1">
-                  <a:schemeClr val="accent1"/>
-                </a:fillRef>
-                <a:effectRef idx="0">
-                  <a:schemeClr val="accent1"/>
-                </a:effectRef>
-                <a:fontRef idx="minor">
-                  <a:schemeClr val="lt1"/>
-                </a:fontRef>
-              </p:style>
-              <p:txBody>
-                <a:bodyPr rtlCol="0" anchor="ctr"/>
-                <a:lstStyle/>
-                <a:p>
-                  <a:pPr algn="ctr"/>
-                  <a:endParaRPr lang="en-US"/>
-                </a:p>
-              </p:txBody>
-            </p:sp>
-            <p:sp>
-              <p:nvSpPr>
-                <p:cNvPr id="40" name="Right Triangle 39"/>
-                <p:cNvSpPr/>
-                <p:nvPr/>
-              </p:nvSpPr>
-              <p:spPr>
-                <a:xfrm rot="16200000">
-                  <a:off x="2340428" y="942705"/>
-                  <a:ext cx="738054" cy="306977"/>
-                </a:xfrm>
-                <a:prstGeom prst="rtTriangle">
-                  <a:avLst/>
-                </a:prstGeom>
-                <a:grpFill/>
-                <a:ln>
-                  <a:solidFill>
-                    <a:srgbClr val="66FF33"/>
-                  </a:solidFill>
-                </a:ln>
-              </p:spPr>
-              <p:style>
-                <a:lnRef idx="2">
-                  <a:schemeClr val="accent1">
-                    <a:shade val="50000"/>
-                  </a:schemeClr>
-                </a:lnRef>
-                <a:fillRef idx="1">
-                  <a:schemeClr val="accent1"/>
-                </a:fillRef>
-                <a:effectRef idx="0">
-                  <a:schemeClr val="accent1"/>
-                </a:effectRef>
-                <a:fontRef idx="minor">
-                  <a:schemeClr val="lt1"/>
-                </a:fontRef>
-              </p:style>
-              <p:txBody>
-                <a:bodyPr rtlCol="0" anchor="ctr"/>
-                <a:lstStyle/>
-                <a:p>
-                  <a:pPr algn="ctr"/>
-                  <a:endParaRPr lang="en-US"/>
-                </a:p>
-              </p:txBody>
-            </p:sp>
-          </p:grpSp>
-        </p:grpSp>
-        <p:grpSp>
-          <p:nvGrpSpPr>
-            <p:cNvPr id="6" name="Group 59"/>
-            <p:cNvGrpSpPr/>
-            <p:nvPr/>
-          </p:nvGrpSpPr>
-          <p:grpSpPr>
-            <a:xfrm>
-              <a:off x="3571055" y="3977587"/>
-              <a:ext cx="524937" cy="303694"/>
-              <a:chOff x="2108199" y="4691638"/>
-              <a:chExt cx="524937" cy="303694"/>
-            </a:xfrm>
-          </p:grpSpPr>
-          <p:sp>
-            <p:nvSpPr>
-              <p:cNvPr id="43" name="Left Bracket 42"/>
-              <p:cNvSpPr/>
-              <p:nvPr/>
-            </p:nvSpPr>
-            <p:spPr>
-              <a:xfrm rot="16200000">
-                <a:off x="2269068" y="4631263"/>
-                <a:ext cx="203200" cy="524937"/>
-              </a:xfrm>
-              <a:prstGeom prst="leftBracket">
-                <a:avLst/>
-              </a:prstGeom>
-              <a:ln w="34925">
-                <a:solidFill>
-                  <a:schemeClr val="tx1">
-                    <a:lumMod val="75000"/>
-                    <a:lumOff val="25000"/>
-                  </a:schemeClr>
-                </a:solidFill>
-              </a:ln>
-            </p:spPr>
-            <p:style>
-              <a:lnRef idx="1">
-                <a:schemeClr val="accent1"/>
-              </a:lnRef>
-              <a:fillRef idx="0">
-                <a:schemeClr val="accent1"/>
-              </a:fillRef>
-              <a:effectRef idx="0">
-                <a:schemeClr val="accent1"/>
-              </a:effectRef>
-              <a:fontRef idx="minor">
-                <a:schemeClr val="tx1"/>
-              </a:fontRef>
-            </p:style>
-            <p:txBody>
-              <a:bodyPr rtlCol="0" anchor="ctr"/>
-              <a:lstStyle/>
-              <a:p>
-                <a:pPr algn="ctr"/>
-                <a:endParaRPr lang="en-US"/>
-              </a:p>
-            </p:txBody>
-          </p:sp>
-          <p:grpSp>
-            <p:nvGrpSpPr>
-              <p:cNvPr id="7" name="Group 49"/>
-              <p:cNvGrpSpPr/>
-              <p:nvPr/>
-            </p:nvGrpSpPr>
-            <p:grpSpPr>
-              <a:xfrm>
-                <a:off x="2183665" y="4691638"/>
-                <a:ext cx="374006" cy="226575"/>
-                <a:chOff x="2186148" y="4691638"/>
-                <a:chExt cx="374006" cy="226575"/>
-              </a:xfrm>
-            </p:grpSpPr>
-            <p:cxnSp>
-              <p:nvCxnSpPr>
-                <p:cNvPr id="45" name="Straight Connector 44"/>
-                <p:cNvCxnSpPr/>
-                <p:nvPr/>
-              </p:nvCxnSpPr>
-              <p:spPr>
-                <a:xfrm>
-                  <a:off x="2186148" y="4761211"/>
-                  <a:ext cx="374006" cy="2946"/>
-                </a:xfrm>
-                <a:prstGeom prst="line">
-                  <a:avLst/>
-                </a:prstGeom>
-                <a:ln w="34925">
-                  <a:solidFill>
-                    <a:schemeClr val="tx1">
-                      <a:lumMod val="75000"/>
-                      <a:lumOff val="25000"/>
-                    </a:schemeClr>
-                  </a:solidFill>
-                </a:ln>
-              </p:spPr>
-              <p:style>
-                <a:lnRef idx="1">
-                  <a:schemeClr val="accent1"/>
-                </a:lnRef>
-                <a:fillRef idx="0">
-                  <a:schemeClr val="accent1"/>
-                </a:fillRef>
-                <a:effectRef idx="0">
-                  <a:schemeClr val="accent1"/>
-                </a:effectRef>
-                <a:fontRef idx="minor">
-                  <a:schemeClr val="tx1"/>
-                </a:fontRef>
-              </p:style>
-            </p:cxnSp>
-            <p:cxnSp>
-              <p:nvCxnSpPr>
-                <p:cNvPr id="47" name="Straight Connector 46"/>
-                <p:cNvCxnSpPr/>
-                <p:nvPr/>
-              </p:nvCxnSpPr>
-              <p:spPr>
-                <a:xfrm>
-                  <a:off x="2186148" y="4691638"/>
-                  <a:ext cx="374006" cy="2946"/>
-                </a:xfrm>
-                <a:prstGeom prst="line">
-                  <a:avLst/>
-                </a:prstGeom>
-                <a:ln w="34925">
-                  <a:solidFill>
-                    <a:schemeClr val="tx1">
-                      <a:lumMod val="75000"/>
-                      <a:lumOff val="25000"/>
-                    </a:schemeClr>
-                  </a:solidFill>
-                </a:ln>
-              </p:spPr>
-              <p:style>
-                <a:lnRef idx="1">
-                  <a:schemeClr val="accent1"/>
-                </a:lnRef>
-                <a:fillRef idx="0">
-                  <a:schemeClr val="accent1"/>
-                </a:fillRef>
-                <a:effectRef idx="0">
-                  <a:schemeClr val="accent1"/>
-                </a:effectRef>
-                <a:fontRef idx="minor">
-                  <a:schemeClr val="tx1"/>
-                </a:fontRef>
-              </p:style>
-            </p:cxnSp>
-            <p:cxnSp>
-              <p:nvCxnSpPr>
-                <p:cNvPr id="48" name="Straight Connector 47"/>
-                <p:cNvCxnSpPr/>
-                <p:nvPr/>
-              </p:nvCxnSpPr>
-              <p:spPr>
-                <a:xfrm>
-                  <a:off x="2186148" y="4830784"/>
-                  <a:ext cx="374006" cy="2946"/>
-                </a:xfrm>
-                <a:prstGeom prst="line">
-                  <a:avLst/>
-                </a:prstGeom>
-                <a:ln w="34925">
-                  <a:solidFill>
-                    <a:schemeClr val="tx1">
-                      <a:lumMod val="75000"/>
-                      <a:lumOff val="25000"/>
-                    </a:schemeClr>
-                  </a:solidFill>
-                </a:ln>
-              </p:spPr>
-              <p:style>
-                <a:lnRef idx="1">
-                  <a:schemeClr val="accent1"/>
-                </a:lnRef>
-                <a:fillRef idx="0">
-                  <a:schemeClr val="accent1"/>
-                </a:fillRef>
-                <a:effectRef idx="0">
-                  <a:schemeClr val="accent1"/>
-                </a:effectRef>
-                <a:fontRef idx="minor">
-                  <a:schemeClr val="tx1"/>
-                </a:fontRef>
-              </p:style>
-            </p:cxnSp>
-            <p:cxnSp>
-              <p:nvCxnSpPr>
-                <p:cNvPr id="49" name="Straight Connector 48"/>
-                <p:cNvCxnSpPr/>
-                <p:nvPr/>
-              </p:nvCxnSpPr>
-              <p:spPr>
-                <a:xfrm>
-                  <a:off x="2186148" y="4915267"/>
-                  <a:ext cx="374006" cy="2946"/>
-                </a:xfrm>
-                <a:prstGeom prst="line">
-                  <a:avLst/>
-                </a:prstGeom>
-                <a:ln w="57150">
-                  <a:solidFill>
-                    <a:schemeClr val="tx1">
-                      <a:lumMod val="75000"/>
-                      <a:lumOff val="25000"/>
-                    </a:schemeClr>
-                  </a:solidFill>
-                </a:ln>
-              </p:spPr>
-              <p:style>
-                <a:lnRef idx="1">
-                  <a:schemeClr val="accent1"/>
-                </a:lnRef>
-                <a:fillRef idx="0">
-                  <a:schemeClr val="accent1"/>
-                </a:fillRef>
-                <a:effectRef idx="0">
-                  <a:schemeClr val="accent1"/>
-                </a:effectRef>
-                <a:fontRef idx="minor">
-                  <a:schemeClr val="tx1"/>
-                </a:fontRef>
-              </p:style>
-            </p:cxnSp>
-          </p:grpSp>
-        </p:grpSp>
-        <p:grpSp>
-          <p:nvGrpSpPr>
-            <p:cNvPr id="8" name="Group 58"/>
-            <p:cNvGrpSpPr/>
-            <p:nvPr/>
-          </p:nvGrpSpPr>
-          <p:grpSpPr>
-            <a:xfrm>
-              <a:off x="4881365" y="3977587"/>
-              <a:ext cx="524937" cy="303694"/>
-              <a:chOff x="3592444" y="4645257"/>
-              <a:chExt cx="524937" cy="303694"/>
-            </a:xfrm>
-          </p:grpSpPr>
-          <p:sp>
-            <p:nvSpPr>
-              <p:cNvPr id="51" name="Left Bracket 50"/>
-              <p:cNvSpPr/>
-              <p:nvPr/>
-            </p:nvSpPr>
-            <p:spPr>
-              <a:xfrm rot="16200000">
-                <a:off x="3753313" y="4584882"/>
-                <a:ext cx="203200" cy="524937"/>
-              </a:xfrm>
-              <a:prstGeom prst="leftBracket">
-                <a:avLst/>
-              </a:prstGeom>
-              <a:ln w="34925">
-                <a:solidFill>
-                  <a:schemeClr val="tx1">
-                    <a:lumMod val="75000"/>
-                    <a:lumOff val="25000"/>
-                  </a:schemeClr>
-                </a:solidFill>
-              </a:ln>
-            </p:spPr>
-            <p:style>
-              <a:lnRef idx="1">
-                <a:schemeClr val="accent1"/>
-              </a:lnRef>
-              <a:fillRef idx="0">
-                <a:schemeClr val="accent1"/>
-              </a:fillRef>
-              <a:effectRef idx="0">
-                <a:schemeClr val="accent1"/>
-              </a:effectRef>
-              <a:fontRef idx="minor">
-                <a:schemeClr val="tx1"/>
-              </a:fontRef>
-            </p:style>
-            <p:txBody>
-              <a:bodyPr rtlCol="0" anchor="ctr"/>
-              <a:lstStyle/>
-              <a:p>
-                <a:pPr algn="ctr"/>
-                <a:endParaRPr lang="en-US"/>
-              </a:p>
-            </p:txBody>
-          </p:sp>
-          <p:grpSp>
-            <p:nvGrpSpPr>
-              <p:cNvPr id="9" name="Group 51"/>
-              <p:cNvGrpSpPr/>
-              <p:nvPr/>
-            </p:nvGrpSpPr>
-            <p:grpSpPr>
-              <a:xfrm rot="10800000">
-                <a:off x="3667910" y="4645257"/>
-                <a:ext cx="374006" cy="226575"/>
-                <a:chOff x="2186148" y="4691638"/>
-                <a:chExt cx="374006" cy="226575"/>
-              </a:xfrm>
-            </p:grpSpPr>
-            <p:cxnSp>
-              <p:nvCxnSpPr>
-                <p:cNvPr id="53" name="Straight Connector 52"/>
-                <p:cNvCxnSpPr/>
-                <p:nvPr/>
-              </p:nvCxnSpPr>
-              <p:spPr>
-                <a:xfrm>
-                  <a:off x="2186148" y="4761211"/>
-                  <a:ext cx="374006" cy="2946"/>
-                </a:xfrm>
-                <a:prstGeom prst="line">
-                  <a:avLst/>
-                </a:prstGeom>
-                <a:ln w="34925">
-                  <a:solidFill>
-                    <a:schemeClr val="tx1">
-                      <a:lumMod val="75000"/>
-                      <a:lumOff val="25000"/>
-                    </a:schemeClr>
-                  </a:solidFill>
-                </a:ln>
-              </p:spPr>
-              <p:style>
-                <a:lnRef idx="1">
-                  <a:schemeClr val="accent1"/>
-                </a:lnRef>
-                <a:fillRef idx="0">
-                  <a:schemeClr val="accent1"/>
-                </a:fillRef>
-                <a:effectRef idx="0">
-                  <a:schemeClr val="accent1"/>
-                </a:effectRef>
-                <a:fontRef idx="minor">
-                  <a:schemeClr val="tx1"/>
-                </a:fontRef>
-              </p:style>
-            </p:cxnSp>
-            <p:cxnSp>
-              <p:nvCxnSpPr>
-                <p:cNvPr id="54" name="Straight Connector 53"/>
-                <p:cNvCxnSpPr/>
-                <p:nvPr/>
-              </p:nvCxnSpPr>
-              <p:spPr>
-                <a:xfrm>
-                  <a:off x="2186148" y="4691638"/>
-                  <a:ext cx="374006" cy="2946"/>
-                </a:xfrm>
-                <a:prstGeom prst="line">
-                  <a:avLst/>
-                </a:prstGeom>
-                <a:ln w="34925">
-                  <a:solidFill>
-                    <a:schemeClr val="tx1">
-                      <a:lumMod val="75000"/>
-                      <a:lumOff val="25000"/>
-                    </a:schemeClr>
-                  </a:solidFill>
-                </a:ln>
-              </p:spPr>
-              <p:style>
-                <a:lnRef idx="1">
-                  <a:schemeClr val="accent1"/>
-                </a:lnRef>
-                <a:fillRef idx="0">
-                  <a:schemeClr val="accent1"/>
-                </a:fillRef>
-                <a:effectRef idx="0">
-                  <a:schemeClr val="accent1"/>
-                </a:effectRef>
-                <a:fontRef idx="minor">
-                  <a:schemeClr val="tx1"/>
-                </a:fontRef>
-              </p:style>
-            </p:cxnSp>
-            <p:cxnSp>
-              <p:nvCxnSpPr>
-                <p:cNvPr id="57" name="Straight Connector 56"/>
-                <p:cNvCxnSpPr/>
-                <p:nvPr/>
-              </p:nvCxnSpPr>
-              <p:spPr>
-                <a:xfrm>
-                  <a:off x="2186148" y="4830784"/>
-                  <a:ext cx="374006" cy="2946"/>
-                </a:xfrm>
-                <a:prstGeom prst="line">
-                  <a:avLst/>
-                </a:prstGeom>
-                <a:ln w="34925">
-                  <a:solidFill>
-                    <a:schemeClr val="tx1">
-                      <a:lumMod val="75000"/>
-                      <a:lumOff val="25000"/>
-                    </a:schemeClr>
-                  </a:solidFill>
-                </a:ln>
-              </p:spPr>
-              <p:style>
-                <a:lnRef idx="1">
-                  <a:schemeClr val="accent1"/>
-                </a:lnRef>
-                <a:fillRef idx="0">
-                  <a:schemeClr val="accent1"/>
-                </a:fillRef>
-                <a:effectRef idx="0">
-                  <a:schemeClr val="accent1"/>
-                </a:effectRef>
-                <a:fontRef idx="minor">
-                  <a:schemeClr val="tx1"/>
-                </a:fontRef>
-              </p:style>
-            </p:cxnSp>
-            <p:cxnSp>
-              <p:nvCxnSpPr>
-                <p:cNvPr id="58" name="Straight Connector 57"/>
-                <p:cNvCxnSpPr/>
-                <p:nvPr/>
-              </p:nvCxnSpPr>
-              <p:spPr>
-                <a:xfrm>
-                  <a:off x="2186148" y="4915267"/>
-                  <a:ext cx="374006" cy="2946"/>
-                </a:xfrm>
-                <a:prstGeom prst="line">
-                  <a:avLst/>
-                </a:prstGeom>
-                <a:ln w="57150">
-                  <a:solidFill>
-                    <a:schemeClr val="tx1">
-                      <a:lumMod val="75000"/>
-                      <a:lumOff val="25000"/>
-                    </a:schemeClr>
-                  </a:solidFill>
-                </a:ln>
-              </p:spPr>
-              <p:style>
-                <a:lnRef idx="1">
-                  <a:schemeClr val="accent1"/>
-                </a:lnRef>
-                <a:fillRef idx="0">
-                  <a:schemeClr val="accent1"/>
-                </a:fillRef>
-                <a:effectRef idx="0">
-                  <a:schemeClr val="accent1"/>
-                </a:effectRef>
-                <a:fontRef idx="minor">
-                  <a:schemeClr val="tx1"/>
-                </a:fontRef>
-              </p:style>
-            </p:cxnSp>
-          </p:grpSp>
-        </p:grpSp>
-        <p:cxnSp>
-          <p:nvCxnSpPr>
-            <p:cNvPr id="62" name="Straight Arrow Connector 61"/>
-            <p:cNvCxnSpPr/>
-            <p:nvPr/>
-          </p:nvCxnSpPr>
-          <p:spPr>
-            <a:xfrm>
-              <a:off x="3259671" y="2726268"/>
-              <a:ext cx="558800" cy="1236134"/>
-            </a:xfrm>
-            <a:prstGeom prst="straightConnector1">
-              <a:avLst/>
-            </a:prstGeom>
-            <a:ln w="25400">
-              <a:solidFill>
-                <a:schemeClr val="tx1">
-                  <a:lumMod val="75000"/>
-                  <a:lumOff val="25000"/>
-                </a:schemeClr>
-              </a:solidFill>
-              <a:tailEnd type="triangle"/>
-            </a:ln>
-          </p:spPr>
-          <p:style>
-            <a:lnRef idx="1">
-              <a:schemeClr val="accent1"/>
-            </a:lnRef>
-            <a:fillRef idx="0">
-              <a:schemeClr val="accent1"/>
-            </a:fillRef>
-            <a:effectRef idx="0">
-              <a:schemeClr val="accent1"/>
-            </a:effectRef>
-            <a:fontRef idx="minor">
-              <a:schemeClr val="tx1"/>
-            </a:fontRef>
-          </p:style>
-        </p:cxnSp>
-        <p:cxnSp>
-          <p:nvCxnSpPr>
-            <p:cNvPr id="66" name="Straight Arrow Connector 65"/>
-            <p:cNvCxnSpPr/>
-            <p:nvPr/>
-          </p:nvCxnSpPr>
-          <p:spPr>
-            <a:xfrm flipV="1">
-              <a:off x="5260015" y="2740985"/>
-              <a:ext cx="377618" cy="1174654"/>
-            </a:xfrm>
-            <a:prstGeom prst="straightConnector1">
-              <a:avLst/>
-            </a:prstGeom>
-            <a:ln w="25400">
-              <a:solidFill>
-                <a:schemeClr val="tx1">
-                  <a:lumMod val="75000"/>
-                  <a:lumOff val="25000"/>
-                </a:schemeClr>
-              </a:solidFill>
-              <a:tailEnd type="triangle"/>
-            </a:ln>
-          </p:spPr>
-          <p:style>
-            <a:lnRef idx="1">
-              <a:schemeClr val="accent1"/>
-            </a:lnRef>
-            <a:fillRef idx="0">
-              <a:schemeClr val="accent1"/>
-            </a:fillRef>
-            <a:effectRef idx="0">
-              <a:schemeClr val="accent1"/>
-            </a:effectRef>
-            <a:fontRef idx="minor">
-              <a:schemeClr val="tx1"/>
-            </a:fontRef>
-          </p:style>
-        </p:cxnSp>
-        <p:sp>
-          <p:nvSpPr>
-            <p:cNvPr id="76" name="TextBox 75"/>
-            <p:cNvSpPr txBox="1"/>
-            <p:nvPr/>
-          </p:nvSpPr>
-          <p:spPr>
-            <a:xfrm>
-              <a:off x="2512905" y="3139310"/>
-              <a:ext cx="1026941" cy="461665"/>
-            </a:xfrm>
-            <a:prstGeom prst="rect">
-              <a:avLst/>
-            </a:prstGeom>
-            <a:noFill/>
-          </p:spPr>
-          <p:txBody>
-            <a:bodyPr wrap="square" rtlCol="0">
-              <a:spAutoFit/>
-            </a:bodyPr>
-            <a:lstStyle/>
-            <a:p>
-              <a:pPr algn="ctr"/>
-              <a:r>
-                <a:rPr lang="en-US" sz="1200" dirty="0" err="1" smtClean="0"/>
-                <a:t>enqueues</a:t>
-              </a:r>
-              <a:endParaRPr lang="en-US" sz="1200" dirty="0" smtClean="0"/>
-            </a:p>
-            <a:p>
-              <a:pPr algn="ctr"/>
-              <a:r>
-                <a:rPr lang="en-US" sz="1200" dirty="0" smtClean="0"/>
-                <a:t>request</a:t>
-              </a:r>
-              <a:endParaRPr lang="en-US" dirty="0"/>
-            </a:p>
-          </p:txBody>
-        </p:sp>
-        <p:sp>
-          <p:nvSpPr>
-            <p:cNvPr id="79" name="TextBox 78"/>
-            <p:cNvSpPr txBox="1"/>
-            <p:nvPr/>
-          </p:nvSpPr>
-          <p:spPr>
-            <a:xfrm>
-              <a:off x="5299479" y="3527214"/>
-              <a:ext cx="752622" cy="461665"/>
-            </a:xfrm>
-            <a:prstGeom prst="rect">
-              <a:avLst/>
-            </a:prstGeom>
-            <a:noFill/>
-          </p:spPr>
-          <p:txBody>
-            <a:bodyPr wrap="square" rtlCol="0">
-              <a:spAutoFit/>
-            </a:bodyPr>
-            <a:lstStyle/>
-            <a:p>
-              <a:pPr algn="ctr"/>
-              <a:r>
-                <a:rPr lang="en-US" sz="1200" dirty="0" err="1" smtClean="0"/>
-                <a:t>dequeue</a:t>
-              </a:r>
-              <a:endParaRPr lang="en-US" sz="1200" dirty="0" smtClean="0"/>
-            </a:p>
-            <a:p>
-              <a:pPr algn="ctr"/>
-              <a:r>
-                <a:rPr lang="en-US" sz="1200" dirty="0" smtClean="0"/>
-                <a:t>request</a:t>
-              </a:r>
-              <a:endParaRPr lang="en-US" dirty="0"/>
-            </a:p>
-          </p:txBody>
-        </p:sp>
-        <p:grpSp>
-          <p:nvGrpSpPr>
-            <p:cNvPr id="10" name="Group 81"/>
-            <p:cNvGrpSpPr/>
-            <p:nvPr/>
-          </p:nvGrpSpPr>
-          <p:grpSpPr>
-            <a:xfrm>
-              <a:off x="1242913" y="1895413"/>
-              <a:ext cx="1008188" cy="840173"/>
-              <a:chOff x="1383320" y="3147182"/>
-              <a:chExt cx="1008188" cy="840173"/>
-            </a:xfrm>
-          </p:grpSpPr>
-          <p:pic>
-            <p:nvPicPr>
-              <p:cNvPr id="3074" name="Picture 2" descr="C:\Devo\git\Synapse\resources\yaml_doc.png"/>
-              <p:cNvPicPr>
-                <a:picLocks noChangeAspect="1" noChangeArrowheads="1"/>
-              </p:cNvPicPr>
-              <p:nvPr/>
-            </p:nvPicPr>
-            <p:blipFill>
-              <a:blip r:embed="rId3" cstate="print"/>
-              <a:srcRect/>
-              <a:stretch>
-                <a:fillRect/>
-              </a:stretch>
-            </p:blipFill>
-            <p:spPr bwMode="auto">
-              <a:xfrm>
-                <a:off x="1654089" y="3147182"/>
-                <a:ext cx="466651" cy="609503"/>
-              </a:xfrm>
-              <a:prstGeom prst="rect">
-                <a:avLst/>
-              </a:prstGeom>
-              <a:noFill/>
-            </p:spPr>
-          </p:pic>
-          <p:sp>
-            <p:nvSpPr>
-              <p:cNvPr id="81" name="TextBox 80"/>
-              <p:cNvSpPr txBox="1"/>
-              <p:nvPr/>
-            </p:nvSpPr>
-            <p:spPr>
-              <a:xfrm>
-                <a:off x="1383320" y="3710356"/>
-                <a:ext cx="1008188" cy="276999"/>
-              </a:xfrm>
-              <a:prstGeom prst="rect">
-                <a:avLst/>
-              </a:prstGeom>
-              <a:noFill/>
-            </p:spPr>
-            <p:txBody>
-              <a:bodyPr wrap="square" rtlCol="0">
-                <a:spAutoFit/>
-              </a:bodyPr>
-              <a:lstStyle/>
-              <a:p>
-                <a:pPr algn="ctr"/>
-                <a:r>
-                  <a:rPr lang="en-US" sz="1200" dirty="0" smtClean="0"/>
-                  <a:t>synapse plan</a:t>
-                </a:r>
-                <a:endParaRPr lang="en-US" dirty="0"/>
-              </a:p>
-            </p:txBody>
-          </p:sp>
-        </p:grpSp>
-        <p:cxnSp>
-          <p:nvCxnSpPr>
-            <p:cNvPr id="96" name="Straight Connector 95"/>
-            <p:cNvCxnSpPr/>
-            <p:nvPr/>
-          </p:nvCxnSpPr>
-          <p:spPr>
-            <a:xfrm>
-              <a:off x="2026014" y="2314392"/>
-              <a:ext cx="844192" cy="0"/>
-            </a:xfrm>
-            <a:prstGeom prst="line">
-              <a:avLst/>
-            </a:prstGeom>
-            <a:ln w="25400">
-              <a:solidFill>
-                <a:schemeClr val="tx1">
-                  <a:lumMod val="75000"/>
-                  <a:lumOff val="25000"/>
-                </a:schemeClr>
-              </a:solidFill>
-              <a:tailEnd type="triangle"/>
-            </a:ln>
-          </p:spPr>
-          <p:style>
-            <a:lnRef idx="1">
-              <a:schemeClr val="accent1"/>
-            </a:lnRef>
-            <a:fillRef idx="0">
-              <a:schemeClr val="accent1"/>
-            </a:fillRef>
-            <a:effectRef idx="0">
-              <a:schemeClr val="accent1"/>
-            </a:effectRef>
-            <a:fontRef idx="minor">
-              <a:schemeClr val="tx1"/>
-            </a:fontRef>
-          </p:style>
-        </p:cxnSp>
-        <p:grpSp>
-          <p:nvGrpSpPr>
-            <p:cNvPr id="11" name="Group 141"/>
-            <p:cNvGrpSpPr/>
-            <p:nvPr/>
-          </p:nvGrpSpPr>
-          <p:grpSpPr>
-            <a:xfrm>
-              <a:off x="6627967" y="1473461"/>
-              <a:ext cx="947224" cy="883524"/>
-              <a:chOff x="6712634" y="3115994"/>
-              <a:chExt cx="947224" cy="883524"/>
-            </a:xfrm>
-          </p:grpSpPr>
-          <p:grpSp>
-            <p:nvGrpSpPr>
-              <p:cNvPr id="12" name="Group 105"/>
-              <p:cNvGrpSpPr/>
-              <p:nvPr/>
-            </p:nvGrpSpPr>
-            <p:grpSpPr>
-              <a:xfrm>
-                <a:off x="6712634" y="3115994"/>
-                <a:ext cx="947224" cy="262207"/>
-                <a:chOff x="6787662" y="3341077"/>
-                <a:chExt cx="1041010" cy="288169"/>
-              </a:xfrm>
-            </p:grpSpPr>
-            <p:sp>
-              <p:nvSpPr>
-                <p:cNvPr id="100" name="Flowchart: Terminator 99"/>
-                <p:cNvSpPr/>
-                <p:nvPr/>
-              </p:nvSpPr>
-              <p:spPr>
-                <a:xfrm>
-                  <a:off x="6787662" y="3341077"/>
-                  <a:ext cx="1041010" cy="288169"/>
-                </a:xfrm>
-                <a:prstGeom prst="flowChartTerminator">
-                  <a:avLst/>
-                </a:prstGeom>
-                <a:solidFill>
-                  <a:schemeClr val="bg1"/>
-                </a:solidFill>
-                <a:ln>
-                  <a:solidFill>
-                    <a:schemeClr val="tx1">
-                      <a:lumMod val="75000"/>
-                      <a:lumOff val="25000"/>
-                    </a:schemeClr>
-                  </a:solidFill>
-                </a:ln>
-              </p:spPr>
-              <p:style>
-                <a:lnRef idx="2">
-                  <a:schemeClr val="accent1">
-                    <a:shade val="50000"/>
-                  </a:schemeClr>
-                </a:lnRef>
-                <a:fillRef idx="1">
-                  <a:schemeClr val="accent1"/>
-                </a:fillRef>
-                <a:effectRef idx="0">
-                  <a:schemeClr val="accent1"/>
-                </a:effectRef>
-                <a:fontRef idx="minor">
-                  <a:schemeClr val="lt1"/>
-                </a:fontRef>
-              </p:style>
-              <p:txBody>
-                <a:bodyPr rtlCol="0" anchor="ctr"/>
-                <a:lstStyle/>
-                <a:p>
-                  <a:pPr algn="ctr"/>
-                  <a:endParaRPr lang="en-US"/>
-                </a:p>
-              </p:txBody>
-            </p:sp>
-            <p:sp>
-              <p:nvSpPr>
-                <p:cNvPr id="101" name="Oval 100"/>
-                <p:cNvSpPr/>
-                <p:nvPr/>
-              </p:nvSpPr>
-              <p:spPr>
-                <a:xfrm>
-                  <a:off x="6893169" y="3425374"/>
-                  <a:ext cx="119575" cy="119575"/>
-                </a:xfrm>
-                <a:prstGeom prst="ellipse">
-                  <a:avLst/>
-                </a:prstGeom>
-                <a:solidFill>
-                  <a:srgbClr val="FF0000"/>
-                </a:solidFill>
-                <a:ln>
-                  <a:solidFill>
-                    <a:srgbClr val="FF0000"/>
-                  </a:solidFill>
-                </a:ln>
-              </p:spPr>
-              <p:style>
-                <a:lnRef idx="2">
-                  <a:schemeClr val="accent1">
-                    <a:shade val="50000"/>
-                  </a:schemeClr>
-                </a:lnRef>
-                <a:fillRef idx="1">
-                  <a:schemeClr val="accent1"/>
-                </a:fillRef>
-                <a:effectRef idx="0">
-                  <a:schemeClr val="accent1"/>
-                </a:effectRef>
-                <a:fontRef idx="minor">
-                  <a:schemeClr val="lt1"/>
-                </a:fontRef>
-              </p:style>
-              <p:txBody>
-                <a:bodyPr rtlCol="0" anchor="ctr"/>
-                <a:lstStyle/>
-                <a:p>
-                  <a:pPr algn="ctr"/>
-                  <a:endParaRPr lang="en-US"/>
-                </a:p>
-              </p:txBody>
-            </p:sp>
-          </p:grpSp>
-          <p:grpSp>
-            <p:nvGrpSpPr>
-              <p:cNvPr id="13" name="Group 108"/>
-              <p:cNvGrpSpPr/>
-              <p:nvPr/>
-            </p:nvGrpSpPr>
-            <p:grpSpPr>
-              <a:xfrm>
-                <a:off x="6712634" y="3426653"/>
-                <a:ext cx="947224" cy="262207"/>
-                <a:chOff x="6787662" y="3341077"/>
-                <a:chExt cx="1041010" cy="288169"/>
-              </a:xfrm>
-            </p:grpSpPr>
-            <p:sp>
-              <p:nvSpPr>
-                <p:cNvPr id="110" name="Flowchart: Terminator 109"/>
-                <p:cNvSpPr/>
-                <p:nvPr/>
-              </p:nvSpPr>
-              <p:spPr>
-                <a:xfrm>
-                  <a:off x="6787662" y="3341077"/>
-                  <a:ext cx="1041010" cy="288169"/>
-                </a:xfrm>
-                <a:prstGeom prst="flowChartTerminator">
-                  <a:avLst/>
-                </a:prstGeom>
-                <a:solidFill>
-                  <a:schemeClr val="bg1"/>
-                </a:solidFill>
-                <a:ln>
-                  <a:solidFill>
-                    <a:schemeClr val="tx1">
-                      <a:lumMod val="75000"/>
-                      <a:lumOff val="25000"/>
-                    </a:schemeClr>
-                  </a:solidFill>
-                </a:ln>
-              </p:spPr>
-              <p:style>
-                <a:lnRef idx="2">
-                  <a:schemeClr val="accent1">
-                    <a:shade val="50000"/>
-                  </a:schemeClr>
-                </a:lnRef>
-                <a:fillRef idx="1">
-                  <a:schemeClr val="accent1"/>
-                </a:fillRef>
-                <a:effectRef idx="0">
-                  <a:schemeClr val="accent1"/>
-                </a:effectRef>
-                <a:fontRef idx="minor">
-                  <a:schemeClr val="lt1"/>
-                </a:fontRef>
-              </p:style>
-              <p:txBody>
-                <a:bodyPr rtlCol="0" anchor="ctr"/>
-                <a:lstStyle/>
-                <a:p>
-                  <a:pPr algn="ctr"/>
-                  <a:endParaRPr lang="en-US"/>
-                </a:p>
-              </p:txBody>
-            </p:sp>
-            <p:sp>
-              <p:nvSpPr>
-                <p:cNvPr id="111" name="Oval 110"/>
-                <p:cNvSpPr/>
-                <p:nvPr/>
-              </p:nvSpPr>
-              <p:spPr>
-                <a:xfrm>
-                  <a:off x="6893169" y="3425374"/>
-                  <a:ext cx="119575" cy="119575"/>
-                </a:xfrm>
-                <a:prstGeom prst="ellipse">
-                  <a:avLst/>
-                </a:prstGeom>
-                <a:solidFill>
-                  <a:srgbClr val="00B050"/>
-                </a:solidFill>
-                <a:ln>
-                  <a:solidFill>
-                    <a:srgbClr val="00B050"/>
-                  </a:solidFill>
-                </a:ln>
-              </p:spPr>
-              <p:style>
-                <a:lnRef idx="2">
-                  <a:schemeClr val="accent1">
-                    <a:shade val="50000"/>
-                  </a:schemeClr>
-                </a:lnRef>
-                <a:fillRef idx="1">
-                  <a:schemeClr val="accent1"/>
-                </a:fillRef>
-                <a:effectRef idx="0">
-                  <a:schemeClr val="accent1"/>
-                </a:effectRef>
-                <a:fontRef idx="minor">
-                  <a:schemeClr val="lt1"/>
-                </a:fontRef>
-              </p:style>
-              <p:txBody>
-                <a:bodyPr rtlCol="0" anchor="ctr"/>
-                <a:lstStyle/>
-                <a:p>
-                  <a:pPr algn="ctr"/>
-                  <a:endParaRPr lang="en-US"/>
-                </a:p>
-              </p:txBody>
-            </p:sp>
-          </p:grpSp>
-          <p:grpSp>
-            <p:nvGrpSpPr>
-              <p:cNvPr id="14" name="Group 114"/>
-              <p:cNvGrpSpPr/>
-              <p:nvPr/>
-            </p:nvGrpSpPr>
-            <p:grpSpPr>
-              <a:xfrm>
-                <a:off x="6712634" y="3737311"/>
-                <a:ext cx="947224" cy="262207"/>
-                <a:chOff x="6787662" y="3341077"/>
-                <a:chExt cx="1041010" cy="288169"/>
-              </a:xfrm>
-            </p:grpSpPr>
-            <p:sp>
-              <p:nvSpPr>
-                <p:cNvPr id="116" name="Flowchart: Terminator 115"/>
-                <p:cNvSpPr/>
-                <p:nvPr/>
-              </p:nvSpPr>
-              <p:spPr>
-                <a:xfrm>
-                  <a:off x="6787662" y="3341077"/>
-                  <a:ext cx="1041010" cy="288169"/>
-                </a:xfrm>
-                <a:prstGeom prst="flowChartTerminator">
-                  <a:avLst/>
-                </a:prstGeom>
-                <a:solidFill>
-                  <a:schemeClr val="bg1"/>
-                </a:solidFill>
-                <a:ln>
-                  <a:solidFill>
-                    <a:schemeClr val="tx1">
-                      <a:lumMod val="75000"/>
-                      <a:lumOff val="25000"/>
-                    </a:schemeClr>
-                  </a:solidFill>
-                </a:ln>
-              </p:spPr>
-              <p:style>
-                <a:lnRef idx="2">
-                  <a:schemeClr val="accent1">
-                    <a:shade val="50000"/>
-                  </a:schemeClr>
-                </a:lnRef>
-                <a:fillRef idx="1">
-                  <a:schemeClr val="accent1"/>
-                </a:fillRef>
-                <a:effectRef idx="0">
-                  <a:schemeClr val="accent1"/>
-                </a:effectRef>
-                <a:fontRef idx="minor">
-                  <a:schemeClr val="lt1"/>
-                </a:fontRef>
-              </p:style>
-              <p:txBody>
-                <a:bodyPr rtlCol="0" anchor="ctr"/>
-                <a:lstStyle/>
-                <a:p>
-                  <a:pPr algn="ctr"/>
-                  <a:endParaRPr lang="en-US"/>
-                </a:p>
-              </p:txBody>
-            </p:sp>
-            <p:sp>
-              <p:nvSpPr>
-                <p:cNvPr id="117" name="Oval 116"/>
-                <p:cNvSpPr/>
-                <p:nvPr/>
-              </p:nvSpPr>
-              <p:spPr>
-                <a:xfrm>
-                  <a:off x="6893169" y="3425374"/>
-                  <a:ext cx="119575" cy="119575"/>
-                </a:xfrm>
-                <a:prstGeom prst="ellipse">
-                  <a:avLst/>
-                </a:prstGeom>
-                <a:solidFill>
-                  <a:srgbClr val="00B050"/>
-                </a:solidFill>
-                <a:ln>
-                  <a:solidFill>
-                    <a:srgbClr val="00B050"/>
-                  </a:solidFill>
-                </a:ln>
-              </p:spPr>
-              <p:style>
-                <a:lnRef idx="2">
-                  <a:schemeClr val="accent1">
-                    <a:shade val="50000"/>
-                  </a:schemeClr>
-                </a:lnRef>
-                <a:fillRef idx="1">
-                  <a:schemeClr val="accent1"/>
-                </a:fillRef>
-                <a:effectRef idx="0">
-                  <a:schemeClr val="accent1"/>
-                </a:effectRef>
-                <a:fontRef idx="minor">
-                  <a:schemeClr val="lt1"/>
-                </a:fontRef>
-              </p:style>
-              <p:txBody>
-                <a:bodyPr rtlCol="0" anchor="ctr"/>
-                <a:lstStyle/>
-                <a:p>
-                  <a:pPr algn="ctr"/>
-                  <a:endParaRPr lang="en-US"/>
-                </a:p>
-              </p:txBody>
-            </p:sp>
-          </p:grpSp>
-        </p:grpSp>
         <p:pic>
           <p:nvPicPr>
-            <p:cNvPr id="3076" name="Picture 4" descr="https://cdn2.iconfinder.com/data/icons/amazon-aws-stencils/100/Non-Service_Specific_copy_Generic_Database-128.png"/>
+            <p:cNvPr id="133" name="Picture 4" descr="https://cdn2.iconfinder.com/data/icons/amazon-aws-stencils/100/Non-Service_Specific_copy_Generic_Database-128.png"/>
             <p:cNvPicPr>
               <a:picLocks noChangeAspect="1" noChangeArrowheads="1"/>
             </p:cNvPicPr>
@@ -9584,8 +10268,8 @@
           </p:blipFill>
           <p:spPr bwMode="auto">
             <a:xfrm>
-              <a:off x="6578255" y="2219049"/>
-              <a:ext cx="1039138" cy="1039140"/>
+              <a:off x="6730914" y="5399650"/>
+              <a:ext cx="914875" cy="914877"/>
             </a:xfrm>
             <a:prstGeom prst="rect">
               <a:avLst/>
@@ -9593,1044 +10277,59 @@
             <a:noFill/>
           </p:spPr>
         </p:pic>
-        <p:cxnSp>
-          <p:nvCxnSpPr>
-            <p:cNvPr id="118" name="Straight Connector 117"/>
-            <p:cNvCxnSpPr>
-              <a:stCxn id="37" idx="3"/>
-              <a:endCxn id="110" idx="1"/>
-            </p:cNvCxnSpPr>
-            <p:nvPr/>
-          </p:nvCxnSpPr>
-          <p:spPr>
-            <a:xfrm flipV="1">
-              <a:off x="5941265" y="1915224"/>
-              <a:ext cx="686702" cy="395129"/>
-            </a:xfrm>
-            <a:prstGeom prst="line">
-              <a:avLst/>
-            </a:prstGeom>
-            <a:ln w="25400">
-              <a:solidFill>
-                <a:schemeClr val="tx1">
-                  <a:lumMod val="75000"/>
-                  <a:lumOff val="25000"/>
-                </a:schemeClr>
-              </a:solidFill>
-              <a:tailEnd type="triangle"/>
-            </a:ln>
-          </p:spPr>
-          <p:style>
-            <a:lnRef idx="1">
-              <a:schemeClr val="accent1"/>
-            </a:lnRef>
-            <a:fillRef idx="0">
-              <a:schemeClr val="accent1"/>
-            </a:fillRef>
-            <a:effectRef idx="0">
-              <a:schemeClr val="accent1"/>
-            </a:effectRef>
-            <a:fontRef idx="minor">
-              <a:schemeClr val="tx1"/>
-            </a:fontRef>
-          </p:style>
-        </p:cxnSp>
-        <p:cxnSp>
-          <p:nvCxnSpPr>
-            <p:cNvPr id="121" name="Straight Connector 120"/>
-            <p:cNvCxnSpPr>
-              <a:stCxn id="37" idx="3"/>
-              <a:endCxn id="116" idx="1"/>
-            </p:cNvCxnSpPr>
-            <p:nvPr/>
-          </p:nvCxnSpPr>
-          <p:spPr>
-            <a:xfrm flipV="1">
-              <a:off x="5941265" y="2225882"/>
-              <a:ext cx="686702" cy="84471"/>
-            </a:xfrm>
-            <a:prstGeom prst="line">
-              <a:avLst/>
-            </a:prstGeom>
-            <a:ln w="25400">
-              <a:solidFill>
-                <a:schemeClr val="tx1">
-                  <a:lumMod val="75000"/>
-                  <a:lumOff val="25000"/>
-                </a:schemeClr>
-              </a:solidFill>
-              <a:tailEnd type="triangle"/>
-            </a:ln>
-          </p:spPr>
-          <p:style>
-            <a:lnRef idx="1">
-              <a:schemeClr val="accent1"/>
-            </a:lnRef>
-            <a:fillRef idx="0">
-              <a:schemeClr val="accent1"/>
-            </a:fillRef>
-            <a:effectRef idx="0">
-              <a:schemeClr val="accent1"/>
-            </a:effectRef>
-            <a:fontRef idx="minor">
-              <a:schemeClr val="tx1"/>
-            </a:fontRef>
-          </p:style>
-        </p:cxnSp>
-        <p:cxnSp>
-          <p:nvCxnSpPr>
-            <p:cNvPr id="124" name="Straight Connector 123"/>
-            <p:cNvCxnSpPr>
-              <a:stCxn id="37" idx="3"/>
-              <a:endCxn id="100" idx="1"/>
-            </p:cNvCxnSpPr>
-            <p:nvPr/>
-          </p:nvCxnSpPr>
-          <p:spPr>
-            <a:xfrm flipV="1">
-              <a:off x="5941265" y="1604565"/>
-              <a:ext cx="686702" cy="705788"/>
-            </a:xfrm>
-            <a:prstGeom prst="line">
-              <a:avLst/>
-            </a:prstGeom>
-            <a:ln w="25400">
-              <a:solidFill>
-                <a:schemeClr val="tx1">
-                  <a:lumMod val="75000"/>
-                  <a:lumOff val="25000"/>
-                </a:schemeClr>
-              </a:solidFill>
-              <a:tailEnd type="triangle"/>
-            </a:ln>
-          </p:spPr>
-          <p:style>
-            <a:lnRef idx="1">
-              <a:schemeClr val="accent1"/>
-            </a:lnRef>
-            <a:fillRef idx="0">
-              <a:schemeClr val="accent1"/>
-            </a:fillRef>
-            <a:effectRef idx="0">
-              <a:schemeClr val="accent1"/>
-            </a:effectRef>
-            <a:fontRef idx="minor">
-              <a:schemeClr val="tx1"/>
-            </a:fontRef>
-          </p:style>
-        </p:cxnSp>
-        <p:cxnSp>
-          <p:nvCxnSpPr>
-            <p:cNvPr id="127" name="Straight Connector 126"/>
-            <p:cNvCxnSpPr>
-              <a:stCxn id="37" idx="3"/>
-            </p:cNvCxnSpPr>
-            <p:nvPr/>
-          </p:nvCxnSpPr>
-          <p:spPr>
-            <a:xfrm>
-              <a:off x="5941265" y="2310353"/>
-              <a:ext cx="937576" cy="450302"/>
-            </a:xfrm>
-            <a:prstGeom prst="line">
-              <a:avLst/>
-            </a:prstGeom>
-            <a:ln w="25400">
-              <a:solidFill>
-                <a:schemeClr val="tx1">
-                  <a:lumMod val="75000"/>
-                  <a:lumOff val="25000"/>
-                </a:schemeClr>
-              </a:solidFill>
-              <a:tailEnd type="triangle"/>
-            </a:ln>
-          </p:spPr>
-          <p:style>
-            <a:lnRef idx="1">
-              <a:schemeClr val="accent1"/>
-            </a:lnRef>
-            <a:fillRef idx="0">
-              <a:schemeClr val="accent1"/>
-            </a:fillRef>
-            <a:effectRef idx="0">
-              <a:schemeClr val="accent1"/>
-            </a:effectRef>
-            <a:fontRef idx="minor">
-              <a:schemeClr val="tx1"/>
-            </a:fontRef>
-          </p:style>
-        </p:cxnSp>
-        <p:cxnSp>
-          <p:nvCxnSpPr>
-            <p:cNvPr id="143" name="Straight Arrow Connector 142"/>
-            <p:cNvCxnSpPr/>
-            <p:nvPr/>
-          </p:nvCxnSpPr>
-          <p:spPr>
-            <a:xfrm>
-              <a:off x="5436902" y="4012679"/>
-              <a:ext cx="991773" cy="499403"/>
-            </a:xfrm>
-            <a:prstGeom prst="straightConnector1">
-              <a:avLst/>
-            </a:prstGeom>
-            <a:ln w="25400">
-              <a:solidFill>
-                <a:schemeClr val="tx1">
-                  <a:lumMod val="75000"/>
-                  <a:lumOff val="25000"/>
-                </a:schemeClr>
-              </a:solidFill>
-              <a:tailEnd type="triangle"/>
-            </a:ln>
-          </p:spPr>
-          <p:style>
-            <a:lnRef idx="1">
-              <a:schemeClr val="accent1"/>
-            </a:lnRef>
-            <a:fillRef idx="0">
-              <a:schemeClr val="accent1"/>
-            </a:fillRef>
-            <a:effectRef idx="0">
-              <a:schemeClr val="accent1"/>
-            </a:effectRef>
-            <a:fontRef idx="minor">
-              <a:schemeClr val="tx1"/>
-            </a:fontRef>
-          </p:style>
-        </p:cxnSp>
-        <p:grpSp>
-          <p:nvGrpSpPr>
-            <p:cNvPr id="15" name="Group 165"/>
-            <p:cNvGrpSpPr/>
-            <p:nvPr/>
-          </p:nvGrpSpPr>
-          <p:grpSpPr>
-            <a:xfrm>
-              <a:off x="6431017" y="3696156"/>
-              <a:ext cx="1214511" cy="1174652"/>
-              <a:chOff x="6515684" y="5338689"/>
-              <a:chExt cx="1214511" cy="1174652"/>
-            </a:xfrm>
-          </p:grpSpPr>
-          <p:grpSp>
-            <p:nvGrpSpPr>
-              <p:cNvPr id="16" name="Group 164"/>
-              <p:cNvGrpSpPr/>
-              <p:nvPr/>
-            </p:nvGrpSpPr>
-            <p:grpSpPr>
-              <a:xfrm>
-                <a:off x="6646983" y="5338689"/>
-                <a:ext cx="1083212" cy="1035925"/>
-                <a:chOff x="6646983" y="5338689"/>
-                <a:chExt cx="1083212" cy="1035925"/>
-              </a:xfrm>
-            </p:grpSpPr>
-            <p:sp>
-              <p:nvSpPr>
-                <p:cNvPr id="131" name="Flowchart: Terminator 130"/>
-                <p:cNvSpPr/>
-                <p:nvPr/>
-              </p:nvSpPr>
-              <p:spPr>
-                <a:xfrm>
-                  <a:off x="6646983" y="5338689"/>
-                  <a:ext cx="1083212" cy="1035925"/>
-                </a:xfrm>
-                <a:prstGeom prst="flowChartTerminator">
-                  <a:avLst/>
-                </a:prstGeom>
-                <a:solidFill>
-                  <a:schemeClr val="bg1"/>
-                </a:solidFill>
-                <a:ln>
-                  <a:solidFill>
-                    <a:schemeClr val="tx1">
-                      <a:lumMod val="75000"/>
-                      <a:lumOff val="25000"/>
-                    </a:schemeClr>
-                  </a:solidFill>
-                </a:ln>
-              </p:spPr>
-              <p:style>
-                <a:lnRef idx="2">
-                  <a:schemeClr val="accent1">
-                    <a:shade val="50000"/>
-                  </a:schemeClr>
-                </a:lnRef>
-                <a:fillRef idx="1">
-                  <a:schemeClr val="accent1"/>
-                </a:fillRef>
-                <a:effectRef idx="0">
-                  <a:schemeClr val="accent1"/>
-                </a:effectRef>
-                <a:fontRef idx="minor">
-                  <a:schemeClr val="lt1"/>
-                </a:fontRef>
-              </p:style>
-              <p:txBody>
-                <a:bodyPr rtlCol="0" anchor="ctr"/>
-                <a:lstStyle/>
-                <a:p>
-                  <a:pPr algn="ctr"/>
-                  <a:endParaRPr lang="en-US"/>
-                </a:p>
-              </p:txBody>
-            </p:sp>
-            <p:sp>
-              <p:nvSpPr>
-                <p:cNvPr id="132" name="Oval 131"/>
-                <p:cNvSpPr/>
-                <p:nvPr/>
-              </p:nvSpPr>
-              <p:spPr>
-                <a:xfrm>
-                  <a:off x="6785188" y="5422420"/>
-                  <a:ext cx="108802" cy="108802"/>
-                </a:xfrm>
-                <a:prstGeom prst="ellipse">
-                  <a:avLst/>
-                </a:prstGeom>
-                <a:solidFill>
-                  <a:srgbClr val="00B050"/>
-                </a:solidFill>
-                <a:ln>
-                  <a:solidFill>
-                    <a:srgbClr val="00B050"/>
-                  </a:solidFill>
-                </a:ln>
-              </p:spPr>
-              <p:style>
-                <a:lnRef idx="2">
-                  <a:schemeClr val="accent1">
-                    <a:shade val="50000"/>
-                  </a:schemeClr>
-                </a:lnRef>
-                <a:fillRef idx="1">
-                  <a:schemeClr val="accent1"/>
-                </a:fillRef>
-                <a:effectRef idx="0">
-                  <a:schemeClr val="accent1"/>
-                </a:effectRef>
-                <a:fontRef idx="minor">
-                  <a:schemeClr val="lt1"/>
-                </a:fontRef>
-              </p:style>
-              <p:txBody>
-                <a:bodyPr rtlCol="0" anchor="ctr"/>
-                <a:lstStyle/>
-                <a:p>
-                  <a:pPr algn="ctr"/>
-                  <a:endParaRPr lang="en-US"/>
-                </a:p>
-              </p:txBody>
-            </p:sp>
-            <p:pic>
-              <p:nvPicPr>
-                <p:cNvPr id="133" name="Picture 4" descr="https://cdn2.iconfinder.com/data/icons/amazon-aws-stencils/100/Non-Service_Specific_copy_Generic_Database-128.png"/>
-                <p:cNvPicPr>
-                  <a:picLocks noChangeAspect="1" noChangeArrowheads="1"/>
-                </p:cNvPicPr>
-                <p:nvPr/>
-              </p:nvPicPr>
-              <p:blipFill>
-                <a:blip r:embed="rId4" cstate="print"/>
-                <a:srcRect/>
-                <a:stretch>
-                  <a:fillRect/>
-                </a:stretch>
-              </p:blipFill>
-              <p:spPr bwMode="auto">
-                <a:xfrm>
-                  <a:off x="6730914" y="5399650"/>
-                  <a:ext cx="914875" cy="914877"/>
-                </a:xfrm>
-                <a:prstGeom prst="rect">
-                  <a:avLst/>
-                </a:prstGeom>
-                <a:noFill/>
-              </p:spPr>
-            </p:pic>
-          </p:grpSp>
-          <p:grpSp>
-            <p:nvGrpSpPr>
-              <p:cNvPr id="17" name="Group 156"/>
-              <p:cNvGrpSpPr/>
-              <p:nvPr/>
-            </p:nvGrpSpPr>
-            <p:grpSpPr>
-              <a:xfrm>
-                <a:off x="6515684" y="6119446"/>
-                <a:ext cx="394653" cy="393895"/>
-                <a:chOff x="1355187" y="4692915"/>
-                <a:chExt cx="1220841" cy="1218496"/>
-              </a:xfrm>
-            </p:grpSpPr>
-            <p:sp>
-              <p:nvSpPr>
-                <p:cNvPr id="158" name="Rounded Rectangle 157"/>
-                <p:cNvSpPr/>
-                <p:nvPr/>
-              </p:nvSpPr>
-              <p:spPr>
-                <a:xfrm>
-                  <a:off x="1359876" y="4692915"/>
-                  <a:ext cx="1216152" cy="1216152"/>
-                </a:xfrm>
-                <a:prstGeom prst="roundRect">
-                  <a:avLst/>
-                </a:prstGeom>
-                <a:solidFill>
-                  <a:srgbClr val="F8F8F8"/>
-                </a:solidFill>
-                <a:ln w="0">
-                  <a:noFill/>
-                </a:ln>
-              </p:spPr>
-              <p:style>
-                <a:lnRef idx="2">
-                  <a:schemeClr val="accent1">
-                    <a:shade val="50000"/>
-                  </a:schemeClr>
-                </a:lnRef>
-                <a:fillRef idx="1">
-                  <a:schemeClr val="accent1"/>
-                </a:fillRef>
-                <a:effectRef idx="0">
-                  <a:schemeClr val="accent1"/>
-                </a:effectRef>
-                <a:fontRef idx="minor">
-                  <a:schemeClr val="lt1"/>
-                </a:fontRef>
-              </p:style>
-              <p:txBody>
-                <a:bodyPr rtlCol="0" anchor="ctr"/>
-                <a:lstStyle/>
-                <a:p>
-                  <a:pPr algn="ctr"/>
-                  <a:endParaRPr lang="en-US"/>
-                </a:p>
-              </p:txBody>
-            </p:sp>
-            <p:sp>
-              <p:nvSpPr>
-                <p:cNvPr id="159" name="Rounded Rectangle 158"/>
-                <p:cNvSpPr/>
-                <p:nvPr/>
-              </p:nvSpPr>
-              <p:spPr>
-                <a:xfrm>
-                  <a:off x="1355187" y="4695259"/>
-                  <a:ext cx="1216152" cy="1216152"/>
-                </a:xfrm>
-                <a:prstGeom prst="roundRect">
-                  <a:avLst/>
-                </a:prstGeom>
-                <a:solidFill>
-                  <a:srgbClr val="002060">
-                    <a:alpha val="50000"/>
-                  </a:srgbClr>
-                </a:solidFill>
-                <a:ln w="0">
-                  <a:noFill/>
-                </a:ln>
-              </p:spPr>
-              <p:style>
-                <a:lnRef idx="2">
-                  <a:schemeClr val="accent1">
-                    <a:shade val="50000"/>
-                  </a:schemeClr>
-                </a:lnRef>
-                <a:fillRef idx="1">
-                  <a:schemeClr val="accent1"/>
-                </a:fillRef>
-                <a:effectRef idx="0">
-                  <a:schemeClr val="accent1"/>
-                </a:effectRef>
-                <a:fontRef idx="minor">
-                  <a:schemeClr val="lt1"/>
-                </a:fontRef>
-              </p:style>
-              <p:txBody>
-                <a:bodyPr rtlCol="0" anchor="ctr"/>
-                <a:lstStyle/>
-                <a:p>
-                  <a:pPr algn="ctr"/>
-                  <a:endParaRPr lang="en-US"/>
-                </a:p>
-              </p:txBody>
-            </p:sp>
-            <p:grpSp>
-              <p:nvGrpSpPr>
-                <p:cNvPr id="18" name="Group 158"/>
-                <p:cNvGrpSpPr/>
-                <p:nvPr/>
-              </p:nvGrpSpPr>
-              <p:grpSpPr>
-                <a:xfrm rot="5400000">
-                  <a:off x="1764244" y="4781396"/>
-                  <a:ext cx="398041" cy="1018902"/>
-                  <a:chOff x="2523766" y="727167"/>
-                  <a:chExt cx="513350" cy="1330238"/>
-                </a:xfrm>
-                <a:solidFill>
-                  <a:srgbClr val="7CFC00"/>
-                </a:solidFill>
-              </p:grpSpPr>
-              <p:sp>
-                <p:nvSpPr>
-                  <p:cNvPr id="161" name="Right Triangle 160"/>
-                  <p:cNvSpPr/>
-                  <p:nvPr/>
-                </p:nvSpPr>
-                <p:spPr>
-                  <a:xfrm rot="5400000">
-                    <a:off x="2514601" y="1534889"/>
-                    <a:ext cx="738054" cy="306977"/>
-                  </a:xfrm>
-                  <a:prstGeom prst="rtTriangle">
-                    <a:avLst/>
-                  </a:prstGeom>
-                  <a:grpFill/>
-                  <a:ln>
-                    <a:solidFill>
-                      <a:srgbClr val="66FF33"/>
-                    </a:solidFill>
-                  </a:ln>
-                </p:spPr>
-                <p:style>
-                  <a:lnRef idx="2">
-                    <a:schemeClr val="accent1">
-                      <a:shade val="50000"/>
-                    </a:schemeClr>
-                  </a:lnRef>
-                  <a:fillRef idx="1">
-                    <a:schemeClr val="accent1"/>
-                  </a:fillRef>
-                  <a:effectRef idx="0">
-                    <a:schemeClr val="accent1"/>
-                  </a:effectRef>
-                  <a:fontRef idx="minor">
-                    <a:schemeClr val="lt1"/>
-                  </a:fontRef>
-                </p:style>
-                <p:txBody>
-                  <a:bodyPr rtlCol="0" anchor="ctr"/>
-                  <a:lstStyle/>
-                  <a:p>
-                    <a:pPr algn="ctr"/>
-                    <a:endParaRPr lang="en-US"/>
-                  </a:p>
-                </p:txBody>
-              </p:sp>
-              <p:sp>
-                <p:nvSpPr>
-                  <p:cNvPr id="162" name="Right Triangle 161"/>
-                  <p:cNvSpPr/>
-                  <p:nvPr/>
-                </p:nvSpPr>
-                <p:spPr>
-                  <a:xfrm rot="16200000">
-                    <a:off x="2324329" y="926604"/>
-                    <a:ext cx="738054" cy="339180"/>
-                  </a:xfrm>
-                  <a:prstGeom prst="rtTriangle">
-                    <a:avLst/>
-                  </a:prstGeom>
-                  <a:grpFill/>
-                  <a:ln>
-                    <a:solidFill>
-                      <a:srgbClr val="66FF33"/>
-                    </a:solidFill>
-                  </a:ln>
-                </p:spPr>
-                <p:style>
-                  <a:lnRef idx="2">
-                    <a:schemeClr val="accent1">
-                      <a:shade val="50000"/>
-                    </a:schemeClr>
-                  </a:lnRef>
-                  <a:fillRef idx="1">
-                    <a:schemeClr val="accent1"/>
-                  </a:fillRef>
-                  <a:effectRef idx="0">
-                    <a:schemeClr val="accent1"/>
-                  </a:effectRef>
-                  <a:fontRef idx="minor">
-                    <a:schemeClr val="lt1"/>
-                  </a:fontRef>
-                </p:style>
-                <p:txBody>
-                  <a:bodyPr rtlCol="0" anchor="ctr"/>
-                  <a:lstStyle/>
-                  <a:p>
-                    <a:pPr algn="ctr"/>
-                    <a:endParaRPr lang="en-US"/>
-                  </a:p>
-                </p:txBody>
-              </p:sp>
-            </p:grpSp>
-          </p:grpSp>
-        </p:grpSp>
-        <p:sp>
-          <p:nvSpPr>
-            <p:cNvPr id="167" name="TextBox 166"/>
-            <p:cNvSpPr txBox="1"/>
-            <p:nvPr/>
-          </p:nvSpPr>
-          <p:spPr>
-            <a:xfrm>
-              <a:off x="5600109" y="1556308"/>
-              <a:ext cx="778415" cy="276999"/>
-            </a:xfrm>
-            <a:prstGeom prst="rect">
-              <a:avLst/>
-            </a:prstGeom>
-            <a:noFill/>
-          </p:spPr>
-          <p:txBody>
-            <a:bodyPr wrap="square" rtlCol="0">
-              <a:spAutoFit/>
-            </a:bodyPr>
-            <a:lstStyle/>
-            <a:p>
-              <a:pPr algn="ctr"/>
-              <a:r>
-                <a:rPr lang="en-US" sz="1200" dirty="0" err="1" smtClean="0"/>
-                <a:t>agentless</a:t>
-              </a:r>
-              <a:endParaRPr lang="en-US" dirty="0"/>
-            </a:p>
-          </p:txBody>
-        </p:sp>
-        <p:sp>
-          <p:nvSpPr>
-            <p:cNvPr id="168" name="TextBox 167"/>
-            <p:cNvSpPr txBox="1"/>
-            <p:nvPr/>
-          </p:nvSpPr>
-          <p:spPr>
-            <a:xfrm>
-              <a:off x="6717058" y="4766475"/>
-              <a:ext cx="778415" cy="276999"/>
-            </a:xfrm>
-            <a:prstGeom prst="rect">
-              <a:avLst/>
-            </a:prstGeom>
-            <a:noFill/>
-          </p:spPr>
-          <p:txBody>
-            <a:bodyPr wrap="square" rtlCol="0">
-              <a:spAutoFit/>
-            </a:bodyPr>
-            <a:lstStyle/>
-            <a:p>
-              <a:pPr algn="ctr"/>
-              <a:r>
-                <a:rPr lang="en-US" sz="1200" dirty="0" smtClean="0"/>
-                <a:t>agent</a:t>
-              </a:r>
-              <a:endParaRPr lang="en-US" dirty="0"/>
-            </a:p>
-          </p:txBody>
-        </p:sp>
-        <p:cxnSp>
-          <p:nvCxnSpPr>
-            <p:cNvPr id="103" name="Straight Arrow Connector 102"/>
-            <p:cNvCxnSpPr/>
-            <p:nvPr/>
-          </p:nvCxnSpPr>
-          <p:spPr>
-            <a:xfrm>
-              <a:off x="5867398" y="2760134"/>
-              <a:ext cx="583418" cy="1693073"/>
-            </a:xfrm>
-            <a:prstGeom prst="straightConnector1">
-              <a:avLst/>
-            </a:prstGeom>
-            <a:ln w="25400">
-              <a:solidFill>
-                <a:schemeClr val="tx1">
-                  <a:lumMod val="75000"/>
-                  <a:lumOff val="25000"/>
-                </a:schemeClr>
-              </a:solidFill>
-              <a:prstDash val="dash"/>
-              <a:tailEnd type="triangle"/>
-            </a:ln>
-          </p:spPr>
-          <p:style>
-            <a:lnRef idx="1">
-              <a:schemeClr val="accent1"/>
-            </a:lnRef>
-            <a:fillRef idx="0">
-              <a:schemeClr val="accent1"/>
-            </a:fillRef>
-            <a:effectRef idx="0">
-              <a:schemeClr val="accent1"/>
-            </a:effectRef>
-            <a:fontRef idx="minor">
-              <a:schemeClr val="tx1"/>
-            </a:fontRef>
-          </p:style>
-        </p:cxnSp>
-        <p:sp>
-          <p:nvSpPr>
-            <p:cNvPr id="105" name="TextBox 104"/>
-            <p:cNvSpPr txBox="1"/>
-            <p:nvPr/>
-          </p:nvSpPr>
-          <p:spPr>
-            <a:xfrm>
-              <a:off x="6048192" y="3200143"/>
-              <a:ext cx="778415" cy="276999"/>
-            </a:xfrm>
-            <a:prstGeom prst="rect">
-              <a:avLst/>
-            </a:prstGeom>
-            <a:noFill/>
-          </p:spPr>
-          <p:txBody>
-            <a:bodyPr wrap="square" rtlCol="0">
-              <a:spAutoFit/>
-            </a:bodyPr>
-            <a:lstStyle/>
-            <a:p>
-              <a:pPr algn="ctr"/>
-              <a:r>
-                <a:rPr lang="en-US" sz="1200" dirty="0" smtClean="0"/>
-                <a:t>proxy</a:t>
-              </a:r>
-              <a:endParaRPr lang="en-US" dirty="0"/>
-            </a:p>
-          </p:txBody>
-        </p:sp>
-        <p:pic>
-          <p:nvPicPr>
-            <p:cNvPr id="2" name="Picture 2" descr="C:\Devo\git\Synapse\resources\service_syn_f.png"/>
-            <p:cNvPicPr>
-              <a:picLocks noChangeAspect="1" noChangeArrowheads="1"/>
-            </p:cNvPicPr>
-            <p:nvPr/>
-          </p:nvPicPr>
-          <p:blipFill>
-            <a:blip r:embed="rId5" cstate="print"/>
-            <a:srcRect/>
-            <a:stretch>
-              <a:fillRect/>
-            </a:stretch>
-          </p:blipFill>
-          <p:spPr bwMode="auto">
-            <a:xfrm>
-              <a:off x="3023470" y="2071656"/>
-              <a:ext cx="478917" cy="478917"/>
-            </a:xfrm>
-            <a:prstGeom prst="rect">
-              <a:avLst/>
-            </a:prstGeom>
-            <a:noFill/>
-          </p:spPr>
-        </p:pic>
-        <p:sp>
-          <p:nvSpPr>
-            <p:cNvPr id="72" name="TextBox 71"/>
-            <p:cNvSpPr txBox="1"/>
-            <p:nvPr/>
-          </p:nvSpPr>
-          <p:spPr>
-            <a:xfrm>
-              <a:off x="3401905" y="2758311"/>
-              <a:ext cx="1026941" cy="461665"/>
-            </a:xfrm>
-            <a:prstGeom prst="rect">
-              <a:avLst/>
-            </a:prstGeom>
-            <a:noFill/>
-          </p:spPr>
-          <p:txBody>
-            <a:bodyPr wrap="square" rtlCol="0">
-              <a:spAutoFit/>
-            </a:bodyPr>
-            <a:lstStyle/>
-            <a:p>
-              <a:pPr algn="ctr"/>
-              <a:r>
-                <a:rPr lang="en-US" sz="1200" dirty="0" err="1" smtClean="0">
-                  <a:solidFill>
-                    <a:srgbClr val="002060"/>
-                  </a:solidFill>
-                </a:rPr>
-                <a:t>dequeues</a:t>
-              </a:r>
-              <a:endParaRPr lang="en-US" sz="1200" dirty="0" smtClean="0">
-                <a:solidFill>
-                  <a:srgbClr val="002060"/>
-                </a:solidFill>
-              </a:endParaRPr>
-            </a:p>
-            <a:p>
-              <a:pPr algn="ctr"/>
-              <a:r>
-                <a:rPr lang="en-US" sz="1200" dirty="0" smtClean="0">
-                  <a:solidFill>
-                    <a:srgbClr val="002060"/>
-                  </a:solidFill>
-                </a:rPr>
-                <a:t>response</a:t>
-              </a:r>
-              <a:endParaRPr lang="en-US" dirty="0">
-                <a:solidFill>
-                  <a:srgbClr val="002060"/>
-                </a:solidFill>
-              </a:endParaRPr>
-            </a:p>
-          </p:txBody>
-        </p:sp>
-        <p:cxnSp>
-          <p:nvCxnSpPr>
-            <p:cNvPr id="74" name="Straight Arrow Connector 73"/>
-            <p:cNvCxnSpPr/>
-            <p:nvPr/>
-          </p:nvCxnSpPr>
-          <p:spPr>
-            <a:xfrm>
-              <a:off x="5926661" y="2726260"/>
-              <a:ext cx="583418" cy="1693073"/>
-            </a:xfrm>
-            <a:prstGeom prst="straightConnector1">
-              <a:avLst/>
-            </a:prstGeom>
-            <a:ln w="25400">
-              <a:solidFill>
-                <a:srgbClr val="002060">
-                  <a:alpha val="74902"/>
-                </a:srgbClr>
-              </a:solidFill>
-              <a:prstDash val="dash"/>
-              <a:headEnd type="triangle"/>
-              <a:tailEnd type="none"/>
-            </a:ln>
-          </p:spPr>
-          <p:style>
-            <a:lnRef idx="1">
-              <a:schemeClr val="accent1"/>
-            </a:lnRef>
-            <a:fillRef idx="0">
-              <a:schemeClr val="accent1"/>
-            </a:fillRef>
-            <a:effectRef idx="0">
-              <a:schemeClr val="accent1"/>
-            </a:effectRef>
-            <a:fontRef idx="minor">
-              <a:schemeClr val="tx1"/>
-            </a:fontRef>
-          </p:style>
-        </p:cxnSp>
-        <p:cxnSp>
-          <p:nvCxnSpPr>
-            <p:cNvPr id="77" name="Straight Arrow Connector 76"/>
-            <p:cNvCxnSpPr/>
-            <p:nvPr/>
-          </p:nvCxnSpPr>
-          <p:spPr>
-            <a:xfrm>
-              <a:off x="5419968" y="4088879"/>
-              <a:ext cx="991773" cy="499403"/>
-            </a:xfrm>
-            <a:prstGeom prst="straightConnector1">
-              <a:avLst/>
-            </a:prstGeom>
-            <a:ln w="25400">
-              <a:solidFill>
-                <a:srgbClr val="002060">
-                  <a:alpha val="74902"/>
-                </a:srgbClr>
-              </a:solidFill>
-              <a:headEnd type="triangle"/>
-              <a:tailEnd type="none"/>
-            </a:ln>
-          </p:spPr>
-          <p:style>
-            <a:lnRef idx="1">
-              <a:schemeClr val="accent1"/>
-            </a:lnRef>
-            <a:fillRef idx="0">
-              <a:schemeClr val="accent1"/>
-            </a:fillRef>
-            <a:effectRef idx="0">
-              <a:schemeClr val="accent1"/>
-            </a:effectRef>
-            <a:fontRef idx="minor">
-              <a:schemeClr val="tx1"/>
-            </a:fontRef>
-          </p:style>
-        </p:cxnSp>
-        <p:cxnSp>
-          <p:nvCxnSpPr>
-            <p:cNvPr id="80" name="Straight Arrow Connector 79"/>
-            <p:cNvCxnSpPr/>
-            <p:nvPr/>
-          </p:nvCxnSpPr>
-          <p:spPr>
-            <a:xfrm flipV="1">
-              <a:off x="5166882" y="2766385"/>
-              <a:ext cx="377618" cy="1174654"/>
-            </a:xfrm>
-            <a:prstGeom prst="straightConnector1">
-              <a:avLst/>
-            </a:prstGeom>
-            <a:ln w="25400">
-              <a:solidFill>
-                <a:srgbClr val="002060">
-                  <a:alpha val="74902"/>
-                </a:srgbClr>
-              </a:solidFill>
-              <a:headEnd type="triangle"/>
-              <a:tailEnd type="none"/>
-            </a:ln>
-          </p:spPr>
-          <p:style>
-            <a:lnRef idx="1">
-              <a:schemeClr val="accent1"/>
-            </a:lnRef>
-            <a:fillRef idx="0">
-              <a:schemeClr val="accent1"/>
-            </a:fillRef>
-            <a:effectRef idx="0">
-              <a:schemeClr val="accent1"/>
-            </a:effectRef>
-            <a:fontRef idx="minor">
-              <a:schemeClr val="tx1"/>
-            </a:fontRef>
-          </p:style>
-        </p:cxnSp>
-        <p:cxnSp>
-          <p:nvCxnSpPr>
-            <p:cNvPr id="82" name="Straight Arrow Connector 81"/>
-            <p:cNvCxnSpPr/>
-            <p:nvPr/>
-          </p:nvCxnSpPr>
-          <p:spPr>
-            <a:xfrm>
-              <a:off x="3335868" y="2709328"/>
-              <a:ext cx="558800" cy="1236134"/>
-            </a:xfrm>
-            <a:prstGeom prst="straightConnector1">
-              <a:avLst/>
-            </a:prstGeom>
-            <a:ln w="25400">
-              <a:solidFill>
-                <a:srgbClr val="002060">
-                  <a:alpha val="74902"/>
-                </a:srgbClr>
-              </a:solidFill>
-              <a:headEnd type="triangle"/>
-              <a:tailEnd type="none"/>
-            </a:ln>
-          </p:spPr>
-          <p:style>
-            <a:lnRef idx="1">
-              <a:schemeClr val="accent1"/>
-            </a:lnRef>
-            <a:fillRef idx="0">
-              <a:schemeClr val="accent1"/>
-            </a:fillRef>
-            <a:effectRef idx="0">
-              <a:schemeClr val="accent1"/>
-            </a:effectRef>
-            <a:fontRef idx="minor">
-              <a:schemeClr val="tx1"/>
-            </a:fontRef>
-          </p:style>
-        </p:cxnSp>
-        <p:sp>
-          <p:nvSpPr>
-            <p:cNvPr id="83" name="TextBox 82"/>
-            <p:cNvSpPr txBox="1"/>
-            <p:nvPr/>
-          </p:nvSpPr>
-          <p:spPr>
-            <a:xfrm>
-              <a:off x="5188371" y="4341578"/>
-              <a:ext cx="1026941" cy="461665"/>
-            </a:xfrm>
-            <a:prstGeom prst="rect">
-              <a:avLst/>
-            </a:prstGeom>
-            <a:noFill/>
-          </p:spPr>
-          <p:txBody>
-            <a:bodyPr wrap="square" rtlCol="0">
-              <a:spAutoFit/>
-            </a:bodyPr>
-            <a:lstStyle/>
-            <a:p>
-              <a:pPr algn="ctr"/>
-              <a:r>
-                <a:rPr lang="en-US" sz="1200" dirty="0" err="1" smtClean="0">
-                  <a:solidFill>
-                    <a:srgbClr val="002060"/>
-                  </a:solidFill>
-                </a:rPr>
-                <a:t>enqueues</a:t>
-              </a:r>
-              <a:endParaRPr lang="en-US" sz="1200" dirty="0" smtClean="0">
-                <a:solidFill>
-                  <a:srgbClr val="002060"/>
-                </a:solidFill>
-              </a:endParaRPr>
-            </a:p>
-            <a:p>
-              <a:pPr algn="ctr"/>
-              <a:r>
-                <a:rPr lang="en-US" sz="1200" dirty="0" smtClean="0">
-                  <a:solidFill>
-                    <a:srgbClr val="002060"/>
-                  </a:solidFill>
-                </a:rPr>
-                <a:t>response</a:t>
-              </a:r>
-              <a:endParaRPr lang="en-US" dirty="0">
-                <a:solidFill>
-                  <a:srgbClr val="002060"/>
-                </a:solidFill>
-              </a:endParaRPr>
-            </a:p>
-          </p:txBody>
-        </p:sp>
-        <p:sp>
-          <p:nvSpPr>
-            <p:cNvPr id="85" name="TextBox 84"/>
-            <p:cNvSpPr txBox="1"/>
-            <p:nvPr/>
-          </p:nvSpPr>
-          <p:spPr>
-            <a:xfrm>
-              <a:off x="2416644" y="1471638"/>
-              <a:ext cx="1689690" cy="461665"/>
-            </a:xfrm>
-            <a:prstGeom prst="rect">
-              <a:avLst/>
-            </a:prstGeom>
-            <a:noFill/>
-          </p:spPr>
-          <p:txBody>
-            <a:bodyPr wrap="square" rtlCol="0">
-              <a:spAutoFit/>
-            </a:bodyPr>
-            <a:lstStyle/>
-            <a:p>
-              <a:pPr algn="ctr"/>
-              <a:r>
-                <a:rPr lang="en-US" sz="1200" dirty="0" smtClean="0"/>
-                <a:t>synapse enterprise service</a:t>
-              </a:r>
-              <a:endParaRPr lang="en-US" dirty="0"/>
-            </a:p>
-          </p:txBody>
-        </p:sp>
       </p:grpSp>
+      <p:pic>
+        <p:nvPicPr>
+          <p:cNvPr id="93" name="Picture 4" descr="C:\Devo\git\Synapse\resources\syn_logo_icon.png"/>
+          <p:cNvPicPr>
+            <a:picLocks noChangeAspect="1" noChangeArrowheads="1"/>
+          </p:cNvPicPr>
+          <p:nvPr/>
+        </p:nvPicPr>
+        <p:blipFill>
+          <a:blip r:embed="rId6" cstate="print"/>
+          <a:srcRect/>
+          <a:stretch>
+            <a:fillRect/>
+          </a:stretch>
+        </p:blipFill>
+        <p:spPr bwMode="auto">
+          <a:xfrm>
+            <a:off x="6428232" y="4480560"/>
+            <a:ext cx="393192" cy="393192"/>
+          </a:xfrm>
+          <a:prstGeom prst="rect">
+            <a:avLst/>
+          </a:prstGeom>
+          <a:noFill/>
+        </p:spPr>
+      </p:pic>
+      <p:pic>
+        <p:nvPicPr>
+          <p:cNvPr id="95" name="Picture 4" descr="C:\Devo\git\Synapse\resources\syn_logo_icon.png"/>
+          <p:cNvPicPr>
+            <a:picLocks noChangeAspect="1" noChangeArrowheads="1"/>
+          </p:cNvPicPr>
+          <p:nvPr/>
+        </p:nvPicPr>
+        <p:blipFill>
+          <a:blip r:embed="rId6" cstate="print"/>
+          <a:srcRect/>
+          <a:stretch>
+            <a:fillRect/>
+          </a:stretch>
+        </p:blipFill>
+        <p:spPr bwMode="auto">
+          <a:xfrm>
+            <a:off x="5101675" y="1892808"/>
+            <a:ext cx="841248" cy="841248"/>
+          </a:xfrm>
+          <a:prstGeom prst="rect">
+            <a:avLst/>
+          </a:prstGeom>
+          <a:noFill/>
+        </p:spPr>
+      </p:pic>
     </p:spTree>
   </p:cSld>
   <p:clrMapOvr>
@@ -10658,16 +10357,16 @@
       </p:grpSpPr>
       <p:grpSp>
         <p:nvGrpSpPr>
-          <p:cNvPr id="211" name="Group 210"/>
+          <p:cNvPr id="220" name="Group 219"/>
           <p:cNvGrpSpPr/>
           <p:nvPr/>
         </p:nvGrpSpPr>
         <p:grpSpPr>
           <a:xfrm>
             <a:off x="1912034" y="1439333"/>
-            <a:ext cx="5597898" cy="3321408"/>
+            <a:ext cx="5597898" cy="3324248"/>
             <a:chOff x="1912034" y="1439333"/>
-            <a:chExt cx="5597898" cy="3321408"/>
+            <a:chExt cx="5597898" cy="3324248"/>
           </a:xfrm>
         </p:grpSpPr>
         <p:grpSp>
@@ -11041,10 +10740,10 @@
           </p:nvGrpSpPr>
           <p:grpSpPr>
             <a:xfrm>
-              <a:off x="5038431" y="2076452"/>
-              <a:ext cx="1040636" cy="1140716"/>
-              <a:chOff x="4428845" y="789519"/>
-              <a:chExt cx="322224" cy="386959"/>
+              <a:off x="5038430" y="2076452"/>
+              <a:ext cx="1040629" cy="1140716"/>
+              <a:chOff x="4428847" y="789519"/>
+              <a:chExt cx="322222" cy="386959"/>
             </a:xfrm>
           </p:grpSpPr>
           <p:cxnSp>
@@ -11057,7 +10756,7 @@
             </p:nvCxnSpPr>
             <p:spPr>
               <a:xfrm flipV="1">
-                <a:off x="4428845" y="1049867"/>
+                <a:off x="4428847" y="1049867"/>
                 <a:ext cx="134688" cy="126611"/>
               </a:xfrm>
               <a:prstGeom prst="line">
@@ -11321,8 +11020,8 @@
           </p:nvCxnSpPr>
           <p:spPr>
             <a:xfrm flipH="1" flipV="1">
-              <a:off x="3541183" y="2834217"/>
-              <a:ext cx="453171" cy="382951"/>
+              <a:off x="3541184" y="2834218"/>
+              <a:ext cx="453170" cy="382950"/>
             </a:xfrm>
             <a:prstGeom prst="line">
               <a:avLst/>
@@ -11573,8 +11272,8 @@
           </p:nvCxnSpPr>
           <p:spPr>
             <a:xfrm>
-              <a:off x="5038431" y="3693679"/>
-              <a:ext cx="421310" cy="235965"/>
+              <a:off x="5038431" y="3693680"/>
+              <a:ext cx="421310" cy="235964"/>
             </a:xfrm>
             <a:prstGeom prst="line">
               <a:avLst/>
@@ -11689,184 +11388,6 @@
             </a:p>
           </p:txBody>
         </p:sp>
-        <p:grpSp>
-          <p:nvGrpSpPr>
-            <p:cNvPr id="117" name="Group 116"/>
-            <p:cNvGrpSpPr/>
-            <p:nvPr/>
-          </p:nvGrpSpPr>
-          <p:grpSpPr>
-            <a:xfrm>
-              <a:off x="3778119" y="3118479"/>
-              <a:ext cx="1476547" cy="673890"/>
-              <a:chOff x="5361385" y="3643412"/>
-              <a:chExt cx="1476547" cy="673890"/>
-            </a:xfrm>
-          </p:grpSpPr>
-          <p:sp>
-            <p:nvSpPr>
-              <p:cNvPr id="67" name="Oval 66"/>
-              <p:cNvSpPr/>
-              <p:nvPr/>
-            </p:nvSpPr>
-            <p:spPr>
-              <a:xfrm>
-                <a:off x="5361385" y="3643412"/>
-                <a:ext cx="1476547" cy="673890"/>
-              </a:xfrm>
-              <a:prstGeom prst="ellipse">
-                <a:avLst/>
-              </a:prstGeom>
-              <a:solidFill>
-                <a:srgbClr val="002060">
-                  <a:alpha val="50196"/>
-                </a:srgbClr>
-              </a:solidFill>
-              <a:ln>
-                <a:solidFill>
-                  <a:srgbClr val="002060">
-                    <a:alpha val="74902"/>
-                  </a:srgbClr>
-                </a:solidFill>
-              </a:ln>
-            </p:spPr>
-            <p:style>
-              <a:lnRef idx="2">
-                <a:schemeClr val="accent1">
-                  <a:shade val="50000"/>
-                </a:schemeClr>
-              </a:lnRef>
-              <a:fillRef idx="1">
-                <a:schemeClr val="accent1"/>
-              </a:fillRef>
-              <a:effectRef idx="0">
-                <a:schemeClr val="accent1"/>
-              </a:effectRef>
-              <a:fontRef idx="minor">
-                <a:schemeClr val="lt1"/>
-              </a:fontRef>
-            </p:style>
-            <p:txBody>
-              <a:bodyPr rtlCol="0" anchor="ctr"/>
-              <a:lstStyle/>
-              <a:p>
-                <a:pPr algn="ctr"/>
-                <a:endParaRPr lang="en-US"/>
-              </a:p>
-            </p:txBody>
-          </p:sp>
-          <p:grpSp>
-            <p:nvGrpSpPr>
-              <p:cNvPr id="115" name="Group 114"/>
-              <p:cNvGrpSpPr/>
-              <p:nvPr/>
-            </p:nvGrpSpPr>
-            <p:grpSpPr>
-              <a:xfrm>
-                <a:off x="5594667" y="3793550"/>
-                <a:ext cx="1018902" cy="373073"/>
-                <a:chOff x="5569266" y="3785083"/>
-                <a:chExt cx="1018902" cy="373073"/>
-              </a:xfrm>
-            </p:grpSpPr>
-            <p:sp>
-              <p:nvSpPr>
-                <p:cNvPr id="110" name="Right Triangle 109"/>
-                <p:cNvSpPr/>
-                <p:nvPr/>
-              </p:nvSpPr>
-              <p:spPr>
-                <a:xfrm rot="10800000">
-                  <a:off x="5569266" y="3920132"/>
-                  <a:ext cx="565316" cy="238024"/>
-                </a:xfrm>
-                <a:prstGeom prst="rtTriangle">
-                  <a:avLst/>
-                </a:prstGeom>
-                <a:solidFill>
-                  <a:srgbClr val="7CFC00"/>
-                </a:solidFill>
-                <a:ln>
-                  <a:solidFill>
-                    <a:srgbClr val="66FF33"/>
-                  </a:solidFill>
-                </a:ln>
-              </p:spPr>
-              <p:style>
-                <a:lnRef idx="2">
-                  <a:schemeClr val="accent1">
-                    <a:shade val="50000"/>
-                  </a:schemeClr>
-                </a:lnRef>
-                <a:fillRef idx="1">
-                  <a:schemeClr val="accent1"/>
-                </a:fillRef>
-                <a:effectRef idx="0">
-                  <a:schemeClr val="accent1"/>
-                </a:effectRef>
-                <a:fontRef idx="minor">
-                  <a:schemeClr val="lt1"/>
-                </a:fontRef>
-              </p:style>
-              <p:txBody>
-                <a:bodyPr rtlCol="0" anchor="ctr"/>
-                <a:lstStyle/>
-                <a:p>
-                  <a:pPr algn="ctr"/>
-                  <a:endParaRPr lang="en-US"/>
-                </a:p>
-              </p:txBody>
-            </p:sp>
-            <p:sp>
-              <p:nvSpPr>
-                <p:cNvPr id="111" name="Right Triangle 110"/>
-                <p:cNvSpPr/>
-                <p:nvPr/>
-              </p:nvSpPr>
-              <p:spPr>
-                <a:xfrm>
-                  <a:off x="6022852" y="3785083"/>
-                  <a:ext cx="565316" cy="238024"/>
-                </a:xfrm>
-                <a:prstGeom prst="rtTriangle">
-                  <a:avLst/>
-                </a:prstGeom>
-                <a:solidFill>
-                  <a:srgbClr val="7CFC00"/>
-                </a:solidFill>
-                <a:ln>
-                  <a:solidFill>
-                    <a:srgbClr val="66FF33"/>
-                  </a:solidFill>
-                </a:ln>
-              </p:spPr>
-              <p:style>
-                <a:lnRef idx="2">
-                  <a:schemeClr val="accent1">
-                    <a:shade val="50000"/>
-                  </a:schemeClr>
-                </a:lnRef>
-                <a:fillRef idx="1">
-                  <a:schemeClr val="accent1"/>
-                </a:fillRef>
-                <a:effectRef idx="0">
-                  <a:schemeClr val="accent1"/>
-                </a:effectRef>
-                <a:fontRef idx="minor">
-                  <a:schemeClr val="lt1"/>
-                </a:fontRef>
-              </p:style>
-              <p:txBody>
-                <a:bodyPr rtlCol="0" anchor="ctr"/>
-                <a:lstStyle/>
-                <a:p>
-                  <a:pPr algn="ctr"/>
-                  <a:endParaRPr lang="en-US"/>
-                </a:p>
-              </p:txBody>
-            </p:sp>
-          </p:grpSp>
-        </p:grpSp>
         <p:sp>
           <p:nvSpPr>
             <p:cNvPr id="119" name="TextBox 118"/>
@@ -12076,9 +11597,7 @@
         <p:cxnSp>
           <p:nvCxnSpPr>
             <p:cNvPr id="208" name="Straight Connector 207"/>
-            <p:cNvCxnSpPr>
-              <a:stCxn id="166" idx="2"/>
-            </p:cNvCxnSpPr>
+            <p:cNvCxnSpPr/>
             <p:nvPr/>
           </p:nvCxnSpPr>
           <p:spPr>
@@ -12112,275 +11631,6 @@
             </a:fontRef>
           </p:style>
         </p:cxnSp>
-        <p:grpSp>
-          <p:nvGrpSpPr>
-            <p:cNvPr id="154" name="Group 156"/>
-            <p:cNvGrpSpPr/>
-            <p:nvPr/>
-          </p:nvGrpSpPr>
-          <p:grpSpPr>
-            <a:xfrm>
-              <a:off x="6033084" y="4366846"/>
-              <a:ext cx="394653" cy="393895"/>
-              <a:chOff x="1355187" y="4692915"/>
-              <a:chExt cx="1220841" cy="1218496"/>
-            </a:xfrm>
-          </p:grpSpPr>
-          <p:sp>
-            <p:nvSpPr>
-              <p:cNvPr id="159" name="Rounded Rectangle 158"/>
-              <p:cNvSpPr/>
-              <p:nvPr/>
-            </p:nvSpPr>
-            <p:spPr>
-              <a:xfrm>
-                <a:off x="1359876" y="4692915"/>
-                <a:ext cx="1216152" cy="1216152"/>
-              </a:xfrm>
-              <a:prstGeom prst="roundRect">
-                <a:avLst/>
-              </a:prstGeom>
-              <a:solidFill>
-                <a:srgbClr val="F8F8F8"/>
-              </a:solidFill>
-              <a:ln w="0">
-                <a:noFill/>
-              </a:ln>
-            </p:spPr>
-            <p:style>
-              <a:lnRef idx="2">
-                <a:schemeClr val="accent1">
-                  <a:shade val="50000"/>
-                </a:schemeClr>
-              </a:lnRef>
-              <a:fillRef idx="1">
-                <a:schemeClr val="accent1"/>
-              </a:fillRef>
-              <a:effectRef idx="0">
-                <a:schemeClr val="accent1"/>
-              </a:effectRef>
-              <a:fontRef idx="minor">
-                <a:schemeClr val="lt1"/>
-              </a:fontRef>
-            </p:style>
-            <p:txBody>
-              <a:bodyPr rtlCol="0" anchor="ctr"/>
-              <a:lstStyle/>
-              <a:p>
-                <a:pPr algn="ctr"/>
-                <a:endParaRPr lang="en-US"/>
-              </a:p>
-            </p:txBody>
-          </p:sp>
-          <p:sp>
-            <p:nvSpPr>
-              <p:cNvPr id="161" name="Rounded Rectangle 160"/>
-              <p:cNvSpPr/>
-              <p:nvPr/>
-            </p:nvSpPr>
-            <p:spPr>
-              <a:xfrm>
-                <a:off x="1355187" y="4695259"/>
-                <a:ext cx="1216152" cy="1216152"/>
-              </a:xfrm>
-              <a:prstGeom prst="roundRect">
-                <a:avLst/>
-              </a:prstGeom>
-              <a:solidFill>
-                <a:srgbClr val="002060">
-                  <a:alpha val="50000"/>
-                </a:srgbClr>
-              </a:solidFill>
-              <a:ln w="0">
-                <a:noFill/>
-              </a:ln>
-            </p:spPr>
-            <p:style>
-              <a:lnRef idx="2">
-                <a:schemeClr val="accent1">
-                  <a:shade val="50000"/>
-                </a:schemeClr>
-              </a:lnRef>
-              <a:fillRef idx="1">
-                <a:schemeClr val="accent1"/>
-              </a:fillRef>
-              <a:effectRef idx="0">
-                <a:schemeClr val="accent1"/>
-              </a:effectRef>
-              <a:fontRef idx="minor">
-                <a:schemeClr val="lt1"/>
-              </a:fontRef>
-            </p:style>
-            <p:txBody>
-              <a:bodyPr rtlCol="0" anchor="ctr"/>
-              <a:lstStyle/>
-              <a:p>
-                <a:pPr algn="ctr"/>
-                <a:endParaRPr lang="en-US"/>
-              </a:p>
-            </p:txBody>
-          </p:sp>
-          <p:grpSp>
-            <p:nvGrpSpPr>
-              <p:cNvPr id="164" name="Group 158"/>
-              <p:cNvGrpSpPr/>
-              <p:nvPr/>
-            </p:nvGrpSpPr>
-            <p:grpSpPr>
-              <a:xfrm rot="5400000">
-                <a:off x="1764244" y="4781396"/>
-                <a:ext cx="398041" cy="1018902"/>
-                <a:chOff x="2523766" y="727167"/>
-                <a:chExt cx="513350" cy="1330238"/>
-              </a:xfrm>
-              <a:solidFill>
-                <a:srgbClr val="7CFC00"/>
-              </a:solidFill>
-            </p:grpSpPr>
-            <p:sp>
-              <p:nvSpPr>
-                <p:cNvPr id="165" name="Right Triangle 164"/>
-                <p:cNvSpPr/>
-                <p:nvPr/>
-              </p:nvSpPr>
-              <p:spPr>
-                <a:xfrm rot="5400000">
-                  <a:off x="2514601" y="1534889"/>
-                  <a:ext cx="738054" cy="306977"/>
-                </a:xfrm>
-                <a:prstGeom prst="rtTriangle">
-                  <a:avLst/>
-                </a:prstGeom>
-                <a:grpFill/>
-                <a:ln>
-                  <a:solidFill>
-                    <a:srgbClr val="66FF33"/>
-                  </a:solidFill>
-                </a:ln>
-              </p:spPr>
-              <p:style>
-                <a:lnRef idx="2">
-                  <a:schemeClr val="accent1">
-                    <a:shade val="50000"/>
-                  </a:schemeClr>
-                </a:lnRef>
-                <a:fillRef idx="1">
-                  <a:schemeClr val="accent1"/>
-                </a:fillRef>
-                <a:effectRef idx="0">
-                  <a:schemeClr val="accent1"/>
-                </a:effectRef>
-                <a:fontRef idx="minor">
-                  <a:schemeClr val="lt1"/>
-                </a:fontRef>
-              </p:style>
-              <p:txBody>
-                <a:bodyPr rtlCol="0" anchor="ctr"/>
-                <a:lstStyle/>
-                <a:p>
-                  <a:pPr algn="ctr"/>
-                  <a:endParaRPr lang="en-US"/>
-                </a:p>
-              </p:txBody>
-            </p:sp>
-            <p:sp>
-              <p:nvSpPr>
-                <p:cNvPr id="166" name="Right Triangle 165"/>
-                <p:cNvSpPr/>
-                <p:nvPr/>
-              </p:nvSpPr>
-              <p:spPr>
-                <a:xfrm rot="16200000">
-                  <a:off x="2324329" y="926604"/>
-                  <a:ext cx="738054" cy="339180"/>
-                </a:xfrm>
-                <a:prstGeom prst="rtTriangle">
-                  <a:avLst/>
-                </a:prstGeom>
-                <a:grpFill/>
-                <a:ln>
-                  <a:solidFill>
-                    <a:srgbClr val="66FF33"/>
-                  </a:solidFill>
-                </a:ln>
-              </p:spPr>
-              <p:style>
-                <a:lnRef idx="2">
-                  <a:schemeClr val="accent1">
-                    <a:shade val="50000"/>
-                  </a:schemeClr>
-                </a:lnRef>
-                <a:fillRef idx="1">
-                  <a:schemeClr val="accent1"/>
-                </a:fillRef>
-                <a:effectRef idx="0">
-                  <a:schemeClr val="accent1"/>
-                </a:effectRef>
-                <a:fontRef idx="minor">
-                  <a:schemeClr val="lt1"/>
-                </a:fontRef>
-              </p:style>
-              <p:txBody>
-                <a:bodyPr rtlCol="0" anchor="ctr"/>
-                <a:lstStyle/>
-                <a:p>
-                  <a:pPr algn="ctr"/>
-                  <a:endParaRPr lang="en-US"/>
-                </a:p>
-              </p:txBody>
-            </p:sp>
-          </p:grpSp>
-        </p:grpSp>
-        <p:sp>
-          <p:nvSpPr>
-            <p:cNvPr id="77" name="Oval 76"/>
-            <p:cNvSpPr/>
-            <p:nvPr/>
-          </p:nvSpPr>
-          <p:spPr>
-            <a:xfrm>
-              <a:off x="5979963" y="4310226"/>
-              <a:ext cx="147651" cy="134775"/>
-            </a:xfrm>
-            <a:prstGeom prst="ellipse">
-              <a:avLst/>
-            </a:prstGeom>
-            <a:solidFill>
-              <a:srgbClr val="7CFC00"/>
-            </a:solidFill>
-            <a:ln>
-              <a:solidFill>
-                <a:srgbClr val="002060">
-                  <a:alpha val="50196"/>
-                </a:srgbClr>
-              </a:solidFill>
-            </a:ln>
-          </p:spPr>
-          <p:style>
-            <a:lnRef idx="2">
-              <a:schemeClr val="accent1">
-                <a:shade val="50000"/>
-              </a:schemeClr>
-            </a:lnRef>
-            <a:fillRef idx="1">
-              <a:schemeClr val="accent1"/>
-            </a:fillRef>
-            <a:effectRef idx="0">
-              <a:schemeClr val="accent1"/>
-            </a:effectRef>
-            <a:fontRef idx="minor">
-              <a:schemeClr val="lt1"/>
-            </a:fontRef>
-          </p:style>
-          <p:txBody>
-            <a:bodyPr rtlCol="0" anchor="ctr"/>
-            <a:lstStyle/>
-            <a:p>
-              <a:pPr algn="ctr"/>
-              <a:endParaRPr lang="en-US"/>
-            </a:p>
-          </p:txBody>
-        </p:sp>
         <p:grpSp>
           <p:nvGrpSpPr>
             <p:cNvPr id="176" name="Group 105"/>
@@ -13162,8 +12412,8 @@
           </p:nvCxnSpPr>
           <p:spPr>
             <a:xfrm flipV="1">
-              <a:off x="3545698" y="3693679"/>
-              <a:ext cx="448654" cy="148606"/>
+              <a:off x="3545698" y="3693680"/>
+              <a:ext cx="448656" cy="148606"/>
             </a:xfrm>
             <a:prstGeom prst="line">
               <a:avLst/>
@@ -13391,6 +12641,160 @@
             </a:p>
           </p:txBody>
         </p:sp>
+        <p:sp>
+          <p:nvSpPr>
+            <p:cNvPr id="67" name="Oval 66"/>
+            <p:cNvSpPr/>
+            <p:nvPr/>
+          </p:nvSpPr>
+          <p:spPr>
+            <a:xfrm>
+              <a:off x="3778119" y="3118479"/>
+              <a:ext cx="1476547" cy="673890"/>
+            </a:xfrm>
+            <a:prstGeom prst="ellipse">
+              <a:avLst/>
+            </a:prstGeom>
+            <a:solidFill>
+              <a:srgbClr val="002060">
+                <a:alpha val="50196"/>
+              </a:srgbClr>
+            </a:solidFill>
+            <a:ln>
+              <a:solidFill>
+                <a:srgbClr val="002060">
+                  <a:alpha val="74902"/>
+                </a:srgbClr>
+              </a:solidFill>
+            </a:ln>
+          </p:spPr>
+          <p:style>
+            <a:lnRef idx="2">
+              <a:schemeClr val="accent1">
+                <a:shade val="50000"/>
+              </a:schemeClr>
+            </a:lnRef>
+            <a:fillRef idx="1">
+              <a:schemeClr val="accent1"/>
+            </a:fillRef>
+            <a:effectRef idx="0">
+              <a:schemeClr val="accent1"/>
+            </a:effectRef>
+            <a:fontRef idx="minor">
+              <a:schemeClr val="lt1"/>
+            </a:fontRef>
+          </p:style>
+          <p:txBody>
+            <a:bodyPr rtlCol="0" anchor="ctr"/>
+            <a:lstStyle/>
+            <a:p>
+              <a:pPr algn="ctr"/>
+              <a:endParaRPr lang="en-US"/>
+            </a:p>
+          </p:txBody>
+        </p:sp>
+        <p:pic>
+          <p:nvPicPr>
+            <p:cNvPr id="218" name="Picture 4" descr="C:\Devo\git\Synapse\resources\syn_logo_icon.png"/>
+            <p:cNvPicPr>
+              <a:picLocks noChangeAspect="1" noChangeArrowheads="1"/>
+            </p:cNvPicPr>
+            <p:nvPr/>
+          </p:nvPicPr>
+          <p:blipFill>
+            <a:blip r:embed="rId5" cstate="print"/>
+            <a:srcRect/>
+            <a:stretch>
+              <a:fillRect/>
+            </a:stretch>
+          </p:blipFill>
+          <p:spPr bwMode="auto">
+            <a:xfrm>
+              <a:off x="6035040" y="4370389"/>
+              <a:ext cx="393192" cy="393192"/>
+            </a:xfrm>
+            <a:prstGeom prst="rect">
+              <a:avLst/>
+            </a:prstGeom>
+            <a:noFill/>
+          </p:spPr>
+        </p:pic>
+        <p:pic>
+          <p:nvPicPr>
+            <p:cNvPr id="219" name="Picture 5" descr="C:\Devo\git\Synapse\resources\syn_lightning.png"/>
+            <p:cNvPicPr>
+              <a:picLocks noChangeAspect="1" noChangeArrowheads="1"/>
+            </p:cNvPicPr>
+            <p:nvPr/>
+          </p:nvPicPr>
+          <p:blipFill>
+            <a:blip r:embed="rId6" cstate="print"/>
+            <a:srcRect/>
+            <a:stretch>
+              <a:fillRect/>
+            </a:stretch>
+          </p:blipFill>
+          <p:spPr bwMode="auto">
+            <a:xfrm>
+              <a:off x="3982992" y="3245874"/>
+              <a:ext cx="1066800" cy="419100"/>
+            </a:xfrm>
+            <a:prstGeom prst="rect">
+              <a:avLst/>
+            </a:prstGeom>
+            <a:noFill/>
+          </p:spPr>
+        </p:pic>
+        <p:sp>
+          <p:nvSpPr>
+            <p:cNvPr id="77" name="Oval 76"/>
+            <p:cNvSpPr/>
+            <p:nvPr/>
+          </p:nvSpPr>
+          <p:spPr>
+            <a:xfrm>
+              <a:off x="5979963" y="4310226"/>
+              <a:ext cx="147651" cy="134775"/>
+            </a:xfrm>
+            <a:prstGeom prst="ellipse">
+              <a:avLst/>
+            </a:prstGeom>
+            <a:solidFill>
+              <a:srgbClr val="7CFC00"/>
+            </a:solidFill>
+            <a:ln>
+              <a:solidFill>
+                <a:srgbClr val="002060">
+                  <a:alpha val="50196"/>
+                </a:srgbClr>
+              </a:solidFill>
+            </a:ln>
+          </p:spPr>
+          <p:style>
+            <a:lnRef idx="2">
+              <a:schemeClr val="accent1">
+                <a:shade val="50000"/>
+              </a:schemeClr>
+            </a:lnRef>
+            <a:fillRef idx="1">
+              <a:schemeClr val="accent1"/>
+            </a:fillRef>
+            <a:effectRef idx="0">
+              <a:schemeClr val="accent1"/>
+            </a:effectRef>
+            <a:fontRef idx="minor">
+              <a:schemeClr val="lt1"/>
+            </a:fontRef>
+          </p:style>
+          <p:txBody>
+            <a:bodyPr rtlCol="0" anchor="ctr"/>
+            <a:lstStyle/>
+            <a:p>
+              <a:pPr algn="ctr"/>
+              <a:endParaRPr lang="en-US"/>
+            </a:p>
+          </p:txBody>
+        </p:sp>
       </p:grpSp>
     </p:spTree>
   </p:cSld>
@@ -13401,6 +12805,83 @@
 </file>
 
 <file path=ppt/slides/slide6.xml><?xml version="1.0" encoding="utf-8"?>
+<p:sld xmlns:a="http://schemas.openxmlformats.org/drawingml/2006/main" xmlns:r="http://schemas.openxmlformats.org/officeDocument/2006/relationships" xmlns:p="http://schemas.openxmlformats.org/presentationml/2006/main">
+  <p:cSld>
+    <p:spTree>
+      <p:nvGrpSpPr>
+        <p:cNvPr id="1" name=""/>
+        <p:cNvGrpSpPr/>
+        <p:nvPr/>
+      </p:nvGrpSpPr>
+      <p:grpSpPr>
+        <a:xfrm>
+          <a:off x="0" y="0"/>
+          <a:ext cx="0" cy="0"/>
+          <a:chOff x="0" y="0"/>
+          <a:chExt cx="0" cy="0"/>
+        </a:xfrm>
+      </p:grpSpPr>
+      <p:pic>
+        <p:nvPicPr>
+          <p:cNvPr id="4100" name="Picture 4" descr="C:\Devo\git\Synapse\resources\syn_logo_icon.png"/>
+          <p:cNvPicPr>
+            <a:picLocks noChangeAspect="1" noChangeArrowheads="1"/>
+          </p:cNvPicPr>
+          <p:nvPr/>
+        </p:nvPicPr>
+        <p:blipFill>
+          <a:blip r:embed="rId2" cstate="print"/>
+          <a:srcRect/>
+          <a:stretch>
+            <a:fillRect/>
+          </a:stretch>
+        </p:blipFill>
+        <p:spPr bwMode="auto">
+          <a:xfrm>
+            <a:off x="4792663" y="2387071"/>
+            <a:ext cx="1219200" cy="1219200"/>
+          </a:xfrm>
+          <a:prstGeom prst="rect">
+            <a:avLst/>
+          </a:prstGeom>
+          <a:noFill/>
+        </p:spPr>
+      </p:pic>
+      <p:pic>
+        <p:nvPicPr>
+          <p:cNvPr id="4101" name="Picture 5" descr="C:\Devo\git\Synapse\resources\syn_lightning.png"/>
+          <p:cNvPicPr>
+            <a:picLocks noChangeAspect="1" noChangeArrowheads="1"/>
+          </p:cNvPicPr>
+          <p:nvPr/>
+        </p:nvPicPr>
+        <p:blipFill>
+          <a:blip r:embed="rId3" cstate="print"/>
+          <a:srcRect/>
+          <a:stretch>
+            <a:fillRect/>
+          </a:stretch>
+        </p:blipFill>
+        <p:spPr bwMode="auto">
+          <a:xfrm>
+            <a:off x="2938462" y="2829455"/>
+            <a:ext cx="1066800" cy="419100"/>
+          </a:xfrm>
+          <a:prstGeom prst="rect">
+            <a:avLst/>
+          </a:prstGeom>
+          <a:noFill/>
+        </p:spPr>
+      </p:pic>
+    </p:spTree>
+  </p:cSld>
+  <p:clrMapOvr>
+    <a:masterClrMapping/>
+  </p:clrMapOvr>
+</p:sld>
+</file>
+
+<file path=ppt/slides/slide7.xml><?xml version="1.0" encoding="utf-8"?>
 <p:sld xmlns:a="http://schemas.openxmlformats.org/drawingml/2006/main" xmlns:r="http://schemas.openxmlformats.org/officeDocument/2006/relationships" xmlns:p="http://schemas.openxmlformats.org/presentationml/2006/main">
   <p:cSld>
     <p:spTree>
@@ -16830,7 +16311,7 @@
 </p:sld>
 </file>
 
-<file path=ppt/slides/slide7.xml><?xml version="1.0" encoding="utf-8"?>
+<file path=ppt/slides/slide8.xml><?xml version="1.0" encoding="utf-8"?>
 <p:sld xmlns:a="http://schemas.openxmlformats.org/drawingml/2006/main" xmlns:r="http://schemas.openxmlformats.org/officeDocument/2006/relationships" xmlns:p="http://schemas.openxmlformats.org/presentationml/2006/main">
   <p:cSld>
     <p:spTree>
@@ -17983,7 +17464,7 @@
         </p:nvGrpSpPr>
         <p:grpSpPr>
           <a:xfrm>
-            <a:off x="6253432" y="2092781"/>
+            <a:off x="7523432" y="738114"/>
             <a:ext cx="1234440" cy="448056"/>
             <a:chOff x="4652059" y="2517156"/>
             <a:chExt cx="1234440" cy="448056"/>
@@ -18159,7 +17640,7 @@
         </p:blipFill>
         <p:spPr bwMode="auto">
           <a:xfrm>
-            <a:off x="7197196" y="2679172"/>
+            <a:off x="6325129" y="401639"/>
             <a:ext cx="1219200" cy="1219200"/>
           </a:xfrm>
           <a:prstGeom prst="rect">
@@ -19215,6 +18696,310 @@
           </a:p>
         </p:txBody>
       </p:sp>
+      <p:sp>
+        <p:nvSpPr>
+          <p:cNvPr id="76" name="Oval 75"/>
+          <p:cNvSpPr/>
+          <p:nvPr/>
+        </p:nvSpPr>
+        <p:spPr>
+          <a:xfrm>
+            <a:off x="5558623" y="5633919"/>
+            <a:ext cx="1676400" cy="914400"/>
+          </a:xfrm>
+          <a:prstGeom prst="ellipse">
+            <a:avLst/>
+          </a:prstGeom>
+          <a:solidFill>
+            <a:srgbClr val="002060">
+              <a:alpha val="50196"/>
+            </a:srgbClr>
+          </a:solidFill>
+          <a:ln>
+            <a:solidFill>
+              <a:srgbClr val="002060">
+                <a:alpha val="74902"/>
+              </a:srgbClr>
+            </a:solidFill>
+          </a:ln>
+        </p:spPr>
+        <p:style>
+          <a:lnRef idx="2">
+            <a:schemeClr val="accent1">
+              <a:shade val="50000"/>
+            </a:schemeClr>
+          </a:lnRef>
+          <a:fillRef idx="1">
+            <a:schemeClr val="accent1"/>
+          </a:fillRef>
+          <a:effectRef idx="0">
+            <a:schemeClr val="accent1"/>
+          </a:effectRef>
+          <a:fontRef idx="minor">
+            <a:schemeClr val="lt1"/>
+          </a:fontRef>
+        </p:style>
+        <p:txBody>
+          <a:bodyPr rtlCol="0" anchor="ctr"/>
+          <a:lstStyle/>
+          <a:p>
+            <a:pPr algn="ctr"/>
+            <a:endParaRPr lang="en-US"/>
+          </a:p>
+        </p:txBody>
+      </p:sp>
+      <p:pic>
+        <p:nvPicPr>
+          <p:cNvPr id="2051" name="Picture 3" descr="C:\Devo\git\Synapse\resources\syn_lightning.png"/>
+          <p:cNvPicPr>
+            <a:picLocks noChangeAspect="1" noChangeArrowheads="1"/>
+          </p:cNvPicPr>
+          <p:nvPr/>
+        </p:nvPicPr>
+        <p:blipFill>
+          <a:blip r:embed="rId3" cstate="print"/>
+          <a:srcRect/>
+          <a:stretch>
+            <a:fillRect/>
+          </a:stretch>
+        </p:blipFill>
+        <p:spPr bwMode="auto">
+          <a:xfrm>
+            <a:off x="5884333" y="5886450"/>
+            <a:ext cx="1066800" cy="419100"/>
+          </a:xfrm>
+          <a:prstGeom prst="rect">
+            <a:avLst/>
+          </a:prstGeom>
+          <a:noFill/>
+        </p:spPr>
+      </p:pic>
+      <p:grpSp>
+        <p:nvGrpSpPr>
+          <p:cNvPr id="99" name="Group 98"/>
+          <p:cNvGrpSpPr/>
+          <p:nvPr/>
+        </p:nvGrpSpPr>
+        <p:grpSpPr>
+          <a:xfrm>
+            <a:off x="6690359" y="2436224"/>
+            <a:ext cx="1216152" cy="1216152"/>
+            <a:chOff x="6690359" y="2436224"/>
+            <a:chExt cx="1216152" cy="1216152"/>
+          </a:xfrm>
+        </p:grpSpPr>
+        <p:sp>
+          <p:nvSpPr>
+            <p:cNvPr id="81" name="Rounded Rectangle 80"/>
+            <p:cNvSpPr/>
+            <p:nvPr/>
+          </p:nvSpPr>
+          <p:spPr>
+            <a:xfrm>
+              <a:off x="6690359" y="2436224"/>
+              <a:ext cx="1216152" cy="1216152"/>
+            </a:xfrm>
+            <a:prstGeom prst="roundRect">
+              <a:avLst/>
+            </a:prstGeom>
+            <a:solidFill>
+              <a:srgbClr val="002060">
+                <a:alpha val="50000"/>
+              </a:srgbClr>
+            </a:solidFill>
+            <a:ln w="0">
+              <a:noFill/>
+            </a:ln>
+          </p:spPr>
+          <p:style>
+            <a:lnRef idx="2">
+              <a:schemeClr val="accent1">
+                <a:shade val="50000"/>
+              </a:schemeClr>
+            </a:lnRef>
+            <a:fillRef idx="1">
+              <a:schemeClr val="accent1"/>
+            </a:fillRef>
+            <a:effectRef idx="0">
+              <a:schemeClr val="accent1"/>
+            </a:effectRef>
+            <a:fontRef idx="minor">
+              <a:schemeClr val="lt1"/>
+            </a:fontRef>
+          </p:style>
+          <p:txBody>
+            <a:bodyPr rtlCol="0" anchor="ctr"/>
+            <a:lstStyle/>
+            <a:p>
+              <a:pPr algn="ctr"/>
+              <a:endParaRPr lang="en-US"/>
+            </a:p>
+          </p:txBody>
+        </p:sp>
+        <p:pic>
+          <p:nvPicPr>
+            <p:cNvPr id="96" name="Picture 3" descr="C:\Devo\git\Synapse\resources\syn_lightning.png"/>
+            <p:cNvPicPr>
+              <a:picLocks noChangeAspect="1" noChangeArrowheads="1"/>
+            </p:cNvPicPr>
+            <p:nvPr/>
+          </p:nvPicPr>
+          <p:blipFill>
+            <a:blip r:embed="rId3" cstate="print"/>
+            <a:srcRect/>
+            <a:stretch>
+              <a:fillRect/>
+            </a:stretch>
+          </p:blipFill>
+          <p:spPr bwMode="auto">
+            <a:xfrm>
+              <a:off x="6765035" y="2834750"/>
+              <a:ext cx="1066800" cy="419100"/>
+            </a:xfrm>
+            <a:prstGeom prst="rect">
+              <a:avLst/>
+            </a:prstGeom>
+            <a:noFill/>
+          </p:spPr>
+        </p:pic>
+      </p:grpSp>
+      <p:grpSp>
+        <p:nvGrpSpPr>
+          <p:cNvPr id="100" name="Group 99"/>
+          <p:cNvGrpSpPr/>
+          <p:nvPr/>
+        </p:nvGrpSpPr>
+        <p:grpSpPr>
+          <a:xfrm>
+            <a:off x="7855268" y="6316617"/>
+            <a:ext cx="1018902" cy="373073"/>
+            <a:chOff x="5806333" y="6485950"/>
+            <a:chExt cx="1018902" cy="373073"/>
+          </a:xfrm>
+        </p:grpSpPr>
+        <p:sp>
+          <p:nvSpPr>
+            <p:cNvPr id="101" name="Right Triangle 100"/>
+            <p:cNvSpPr/>
+            <p:nvPr/>
+          </p:nvSpPr>
+          <p:spPr>
+            <a:xfrm rot="10800000">
+              <a:off x="5806333" y="6620999"/>
+              <a:ext cx="565316" cy="238024"/>
+            </a:xfrm>
+            <a:prstGeom prst="rtTriangle">
+              <a:avLst/>
+            </a:prstGeom>
+            <a:solidFill>
+              <a:srgbClr val="7CFC00"/>
+            </a:solidFill>
+            <a:ln>
+              <a:solidFill>
+                <a:srgbClr val="66FF33"/>
+              </a:solidFill>
+            </a:ln>
+          </p:spPr>
+          <p:style>
+            <a:lnRef idx="2">
+              <a:schemeClr val="accent1">
+                <a:shade val="50000"/>
+              </a:schemeClr>
+            </a:lnRef>
+            <a:fillRef idx="1">
+              <a:schemeClr val="accent1"/>
+            </a:fillRef>
+            <a:effectRef idx="0">
+              <a:schemeClr val="accent1"/>
+            </a:effectRef>
+            <a:fontRef idx="minor">
+              <a:schemeClr val="lt1"/>
+            </a:fontRef>
+          </p:style>
+          <p:txBody>
+            <a:bodyPr rtlCol="0" anchor="ctr"/>
+            <a:lstStyle/>
+            <a:p>
+              <a:pPr algn="ctr"/>
+              <a:endParaRPr lang="en-US"/>
+            </a:p>
+          </p:txBody>
+        </p:sp>
+        <p:sp>
+          <p:nvSpPr>
+            <p:cNvPr id="102" name="Right Triangle 101"/>
+            <p:cNvSpPr/>
+            <p:nvPr/>
+          </p:nvSpPr>
+          <p:spPr>
+            <a:xfrm>
+              <a:off x="6259919" y="6485950"/>
+              <a:ext cx="565316" cy="238024"/>
+            </a:xfrm>
+            <a:prstGeom prst="rtTriangle">
+              <a:avLst/>
+            </a:prstGeom>
+            <a:solidFill>
+              <a:srgbClr val="7CFC00"/>
+            </a:solidFill>
+            <a:ln>
+              <a:solidFill>
+                <a:srgbClr val="66FF33"/>
+              </a:solidFill>
+            </a:ln>
+          </p:spPr>
+          <p:style>
+            <a:lnRef idx="2">
+              <a:schemeClr val="accent1">
+                <a:shade val="50000"/>
+              </a:schemeClr>
+            </a:lnRef>
+            <a:fillRef idx="1">
+              <a:schemeClr val="accent1"/>
+            </a:fillRef>
+            <a:effectRef idx="0">
+              <a:schemeClr val="accent1"/>
+            </a:effectRef>
+            <a:fontRef idx="minor">
+              <a:schemeClr val="lt1"/>
+            </a:fontRef>
+          </p:style>
+          <p:txBody>
+            <a:bodyPr rtlCol="0" anchor="ctr"/>
+            <a:lstStyle/>
+            <a:p>
+              <a:pPr algn="ctr"/>
+              <a:endParaRPr lang="en-US"/>
+            </a:p>
+          </p:txBody>
+        </p:sp>
+      </p:grpSp>
+      <p:pic>
+        <p:nvPicPr>
+          <p:cNvPr id="2052" name="Picture 4" descr="C:\Devo\git\Synapse\resources\syn_lightning.png"/>
+          <p:cNvPicPr>
+            <a:picLocks noChangeAspect="1" noChangeArrowheads="1"/>
+          </p:cNvPicPr>
+          <p:nvPr/>
+        </p:nvPicPr>
+        <p:blipFill>
+          <a:blip r:embed="rId4" cstate="print"/>
+          <a:srcRect/>
+          <a:stretch>
+            <a:fillRect/>
+          </a:stretch>
+        </p:blipFill>
+        <p:spPr bwMode="auto">
+          <a:xfrm>
+            <a:off x="7823200" y="3778250"/>
+            <a:ext cx="1066800" cy="419100"/>
+          </a:xfrm>
+          <a:prstGeom prst="rect">
+            <a:avLst/>
+          </a:prstGeom>
+          <a:noFill/>
+        </p:spPr>
+      </p:pic>
     </p:spTree>
   </p:cSld>
   <p:clrMapOvr>

--- a/resources/graphics.pptx
+++ b/resources/graphics.pptx
@@ -200,7 +200,7 @@
             <a:fld id="{3D198B4A-6CEA-4635-A00A-E19E57BBFDB9}" type="datetimeFigureOut">
               <a:rPr lang="en-US" smtClean="0"/>
               <a:pPr/>
-              <a:t>5/7/2016</a:t>
+              <a:t>5/24/2016</a:t>
             </a:fld>
             <a:endParaRPr lang="en-US"/>
           </a:p>
@@ -812,7 +812,7 @@
             <a:fld id="{44226C23-AE07-4433-9B3A-8CE06417A35D}" type="datetimeFigureOut">
               <a:rPr lang="en-US" smtClean="0"/>
               <a:pPr/>
-              <a:t>5/7/2016</a:t>
+              <a:t>5/24/2016</a:t>
             </a:fld>
             <a:endParaRPr lang="en-US"/>
           </a:p>
@@ -979,7 +979,7 @@
             <a:fld id="{44226C23-AE07-4433-9B3A-8CE06417A35D}" type="datetimeFigureOut">
               <a:rPr lang="en-US" smtClean="0"/>
               <a:pPr/>
-              <a:t>5/7/2016</a:t>
+              <a:t>5/24/2016</a:t>
             </a:fld>
             <a:endParaRPr lang="en-US"/>
           </a:p>
@@ -1156,7 +1156,7 @@
             <a:fld id="{44226C23-AE07-4433-9B3A-8CE06417A35D}" type="datetimeFigureOut">
               <a:rPr lang="en-US" smtClean="0"/>
               <a:pPr/>
-              <a:t>5/7/2016</a:t>
+              <a:t>5/24/2016</a:t>
             </a:fld>
             <a:endParaRPr lang="en-US"/>
           </a:p>
@@ -1323,7 +1323,7 @@
             <a:fld id="{44226C23-AE07-4433-9B3A-8CE06417A35D}" type="datetimeFigureOut">
               <a:rPr lang="en-US" smtClean="0"/>
               <a:pPr/>
-              <a:t>5/7/2016</a:t>
+              <a:t>5/24/2016</a:t>
             </a:fld>
             <a:endParaRPr lang="en-US"/>
           </a:p>
@@ -1566,7 +1566,7 @@
             <a:fld id="{44226C23-AE07-4433-9B3A-8CE06417A35D}" type="datetimeFigureOut">
               <a:rPr lang="en-US" smtClean="0"/>
               <a:pPr/>
-              <a:t>5/7/2016</a:t>
+              <a:t>5/24/2016</a:t>
             </a:fld>
             <a:endParaRPr lang="en-US"/>
           </a:p>
@@ -1851,7 +1851,7 @@
             <a:fld id="{44226C23-AE07-4433-9B3A-8CE06417A35D}" type="datetimeFigureOut">
               <a:rPr lang="en-US" smtClean="0"/>
               <a:pPr/>
-              <a:t>5/7/2016</a:t>
+              <a:t>5/24/2016</a:t>
             </a:fld>
             <a:endParaRPr lang="en-US"/>
           </a:p>
@@ -2270,7 +2270,7 @@
             <a:fld id="{44226C23-AE07-4433-9B3A-8CE06417A35D}" type="datetimeFigureOut">
               <a:rPr lang="en-US" smtClean="0"/>
               <a:pPr/>
-              <a:t>5/7/2016</a:t>
+              <a:t>5/24/2016</a:t>
             </a:fld>
             <a:endParaRPr lang="en-US"/>
           </a:p>
@@ -2385,7 +2385,7 @@
             <a:fld id="{44226C23-AE07-4433-9B3A-8CE06417A35D}" type="datetimeFigureOut">
               <a:rPr lang="en-US" smtClean="0"/>
               <a:pPr/>
-              <a:t>5/7/2016</a:t>
+              <a:t>5/24/2016</a:t>
             </a:fld>
             <a:endParaRPr lang="en-US"/>
           </a:p>
@@ -2477,7 +2477,7 @@
             <a:fld id="{44226C23-AE07-4433-9B3A-8CE06417A35D}" type="datetimeFigureOut">
               <a:rPr lang="en-US" smtClean="0"/>
               <a:pPr/>
-              <a:t>5/7/2016</a:t>
+              <a:t>5/24/2016</a:t>
             </a:fld>
             <a:endParaRPr lang="en-US"/>
           </a:p>
@@ -2751,7 +2751,7 @@
             <a:fld id="{44226C23-AE07-4433-9B3A-8CE06417A35D}" type="datetimeFigureOut">
               <a:rPr lang="en-US" smtClean="0"/>
               <a:pPr/>
-              <a:t>5/7/2016</a:t>
+              <a:t>5/24/2016</a:t>
             </a:fld>
             <a:endParaRPr lang="en-US"/>
           </a:p>
@@ -3001,7 +3001,7 @@
             <a:fld id="{44226C23-AE07-4433-9B3A-8CE06417A35D}" type="datetimeFigureOut">
               <a:rPr lang="en-US" smtClean="0"/>
               <a:pPr/>
-              <a:t>5/7/2016</a:t>
+              <a:t>5/24/2016</a:t>
             </a:fld>
             <a:endParaRPr lang="en-US"/>
           </a:p>
@@ -3211,7 +3211,7 @@
             <a:fld id="{44226C23-AE07-4433-9B3A-8CE06417A35D}" type="datetimeFigureOut">
               <a:rPr lang="en-US" smtClean="0"/>
               <a:pPr/>
-              <a:t>5/7/2016</a:t>
+              <a:t>5/24/2016</a:t>
             </a:fld>
             <a:endParaRPr lang="en-US"/>
           </a:p>
@@ -3566,7 +3566,7 @@
 </file>
 
 <file path=ppt/slides/slide1.xml><?xml version="1.0" encoding="utf-8"?>
-<p:sld xmlns:a="http://schemas.openxmlformats.org/drawingml/2006/main" xmlns:r="http://schemas.openxmlformats.org/officeDocument/2006/relationships" xmlns:p="http://schemas.openxmlformats.org/presentationml/2006/main">
+<p:sld xmlns:a="http://schemas.openxmlformats.org/drawingml/2006/main" xmlns:r="http://schemas.openxmlformats.org/officeDocument/2006/relationships" xmlns:p="http://schemas.openxmlformats.org/presentationml/2006/main" show="0">
   <p:cSld>
     <p:spTree>
       <p:nvGrpSpPr>
@@ -4856,6 +4856,7 @@
   <p:clrMapOvr>
     <a:masterClrMapping/>
   </p:clrMapOvr>
+  <p:transition/>
 </p:sld>
 </file>
 
@@ -5043,756 +5044,874 @@
           </p:txBody>
         </p:sp>
       </p:grpSp>
+      <p:cxnSp>
+        <p:nvCxnSpPr>
+          <p:cNvPr id="59" name="Straight Connector 58"/>
+          <p:cNvCxnSpPr/>
+          <p:nvPr/>
+        </p:nvCxnSpPr>
+        <p:spPr>
+          <a:xfrm flipH="1" flipV="1">
+            <a:off x="2854234" y="2364377"/>
+            <a:ext cx="1412966" cy="1140823"/>
+          </a:xfrm>
+          <a:prstGeom prst="line">
+            <a:avLst/>
+          </a:prstGeom>
+          <a:ln w="44450" cmpd="sng">
+            <a:solidFill>
+              <a:srgbClr val="002060">
+                <a:alpha val="74902"/>
+              </a:srgbClr>
+            </a:solidFill>
+            <a:bevel/>
+          </a:ln>
+        </p:spPr>
+        <p:style>
+          <a:lnRef idx="1">
+            <a:schemeClr val="accent1"/>
+          </a:lnRef>
+          <a:fillRef idx="0">
+            <a:schemeClr val="accent1"/>
+          </a:fillRef>
+          <a:effectRef idx="0">
+            <a:schemeClr val="accent1"/>
+          </a:effectRef>
+          <a:fontRef idx="minor">
+            <a:schemeClr val="tx1"/>
+          </a:fontRef>
+        </p:style>
+      </p:cxnSp>
+      <p:cxnSp>
+        <p:nvCxnSpPr>
+          <p:cNvPr id="62" name="Straight Connector 61"/>
+          <p:cNvCxnSpPr/>
+          <p:nvPr/>
+        </p:nvCxnSpPr>
+        <p:spPr>
+          <a:xfrm flipH="1" flipV="1">
+            <a:off x="2410097" y="3383280"/>
+            <a:ext cx="1857103" cy="121920"/>
+          </a:xfrm>
+          <a:prstGeom prst="line">
+            <a:avLst/>
+          </a:prstGeom>
+          <a:ln w="44450" cmpd="sng">
+            <a:solidFill>
+              <a:srgbClr val="002060">
+                <a:alpha val="74902"/>
+              </a:srgbClr>
+            </a:solidFill>
+            <a:bevel/>
+          </a:ln>
+        </p:spPr>
+        <p:style>
+          <a:lnRef idx="1">
+            <a:schemeClr val="accent1"/>
+          </a:lnRef>
+          <a:fillRef idx="0">
+            <a:schemeClr val="accent1"/>
+          </a:fillRef>
+          <a:effectRef idx="0">
+            <a:schemeClr val="accent1"/>
+          </a:effectRef>
+          <a:fontRef idx="minor">
+            <a:schemeClr val="tx1"/>
+          </a:fontRef>
+        </p:style>
+      </p:cxnSp>
+      <p:cxnSp>
+        <p:nvCxnSpPr>
+          <p:cNvPr id="65" name="Straight Connector 64"/>
+          <p:cNvCxnSpPr/>
+          <p:nvPr/>
+        </p:nvCxnSpPr>
+        <p:spPr>
+          <a:xfrm flipH="1">
+            <a:off x="2612571" y="3505200"/>
+            <a:ext cx="1654629" cy="714103"/>
+          </a:xfrm>
+          <a:prstGeom prst="line">
+            <a:avLst/>
+          </a:prstGeom>
+          <a:ln w="44450" cmpd="sng">
+            <a:solidFill>
+              <a:srgbClr val="002060">
+                <a:alpha val="74902"/>
+              </a:srgbClr>
+            </a:solidFill>
+            <a:bevel/>
+          </a:ln>
+        </p:spPr>
+        <p:style>
+          <a:lnRef idx="1">
+            <a:schemeClr val="accent1"/>
+          </a:lnRef>
+          <a:fillRef idx="0">
+            <a:schemeClr val="accent1"/>
+          </a:fillRef>
+          <a:effectRef idx="0">
+            <a:schemeClr val="accent1"/>
+          </a:effectRef>
+          <a:fontRef idx="minor">
+            <a:schemeClr val="tx1"/>
+          </a:fontRef>
+        </p:style>
+      </p:cxnSp>
+      <p:cxnSp>
+        <p:nvCxnSpPr>
+          <p:cNvPr id="68" name="Straight Connector 67"/>
+          <p:cNvCxnSpPr/>
+          <p:nvPr/>
+        </p:nvCxnSpPr>
+        <p:spPr>
+          <a:xfrm flipH="1">
+            <a:off x="3276600" y="3505200"/>
+            <a:ext cx="990600" cy="1219200"/>
+          </a:xfrm>
+          <a:prstGeom prst="line">
+            <a:avLst/>
+          </a:prstGeom>
+          <a:ln w="44450" cmpd="sng">
+            <a:solidFill>
+              <a:srgbClr val="002060">
+                <a:alpha val="74902"/>
+              </a:srgbClr>
+            </a:solidFill>
+            <a:bevel/>
+          </a:ln>
+        </p:spPr>
+        <p:style>
+          <a:lnRef idx="1">
+            <a:schemeClr val="accent1"/>
+          </a:lnRef>
+          <a:fillRef idx="0">
+            <a:schemeClr val="accent1"/>
+          </a:fillRef>
+          <a:effectRef idx="0">
+            <a:schemeClr val="accent1"/>
+          </a:effectRef>
+          <a:fontRef idx="minor">
+            <a:schemeClr val="tx1"/>
+          </a:fontRef>
+        </p:style>
+      </p:cxnSp>
+      <p:pic>
+        <p:nvPicPr>
+          <p:cNvPr id="1028" name="Picture 4" descr="bitbucket, branch, contribute, files, manage, repository, svn icon"/>
+          <p:cNvPicPr>
+            <a:picLocks noChangeAspect="1" noChangeArrowheads="1"/>
+          </p:cNvPicPr>
+          <p:nvPr/>
+        </p:nvPicPr>
+        <p:blipFill>
+          <a:blip r:embed="rId2" cstate="print"/>
+          <a:srcRect/>
+          <a:stretch>
+            <a:fillRect/>
+          </a:stretch>
+        </p:blipFill>
+        <p:spPr bwMode="auto">
+          <a:xfrm>
+            <a:off x="2286000" y="2133599"/>
+            <a:ext cx="838200" cy="838201"/>
+          </a:xfrm>
+          <a:prstGeom prst="rect">
+            <a:avLst/>
+          </a:prstGeom>
+          <a:noFill/>
+        </p:spPr>
+      </p:pic>
+      <p:pic>
+        <p:nvPicPr>
+          <p:cNvPr id="1032" name="Picture 8" descr="branch, contribute, files, github, manage, repository, svn icon"/>
+          <p:cNvPicPr>
+            <a:picLocks noChangeAspect="1" noChangeArrowheads="1"/>
+          </p:cNvPicPr>
+          <p:nvPr/>
+        </p:nvPicPr>
+        <p:blipFill>
+          <a:blip r:embed="rId3" cstate="print"/>
+          <a:srcRect/>
+          <a:stretch>
+            <a:fillRect/>
+          </a:stretch>
+        </p:blipFill>
+        <p:spPr bwMode="auto">
+          <a:xfrm>
+            <a:off x="6180667" y="5638800"/>
+            <a:ext cx="838199" cy="838200"/>
+          </a:xfrm>
+          <a:prstGeom prst="rect">
+            <a:avLst/>
+          </a:prstGeom>
+          <a:noFill/>
+        </p:spPr>
+      </p:pic>
+      <p:sp>
+        <p:nvSpPr>
+          <p:cNvPr id="12" name="Oval 11"/>
+          <p:cNvSpPr/>
+          <p:nvPr/>
+        </p:nvSpPr>
+        <p:spPr>
+          <a:xfrm>
+            <a:off x="2057400" y="3048000"/>
+            <a:ext cx="685800" cy="685800"/>
+          </a:xfrm>
+          <a:prstGeom prst="ellipse">
+            <a:avLst/>
+          </a:prstGeom>
+          <a:solidFill>
+            <a:srgbClr val="FFFF99"/>
+          </a:solidFill>
+          <a:ln>
+            <a:solidFill>
+              <a:srgbClr val="FFFF66"/>
+            </a:solidFill>
+          </a:ln>
+        </p:spPr>
+        <p:style>
+          <a:lnRef idx="2">
+            <a:schemeClr val="accent1">
+              <a:shade val="50000"/>
+            </a:schemeClr>
+          </a:lnRef>
+          <a:fillRef idx="1">
+            <a:schemeClr val="accent1"/>
+          </a:fillRef>
+          <a:effectRef idx="0">
+            <a:schemeClr val="accent1"/>
+          </a:effectRef>
+          <a:fontRef idx="minor">
+            <a:schemeClr val="lt1"/>
+          </a:fontRef>
+        </p:style>
+        <p:txBody>
+          <a:bodyPr rtlCol="0" anchor="ctr"/>
+          <a:lstStyle/>
+          <a:p>
+            <a:pPr algn="ctr"/>
+            <a:endParaRPr lang="en-US"/>
+          </a:p>
+        </p:txBody>
+      </p:sp>
+      <p:cxnSp>
+        <p:nvCxnSpPr>
+          <p:cNvPr id="42" name="Straight Connector 41"/>
+          <p:cNvCxnSpPr/>
+          <p:nvPr/>
+        </p:nvCxnSpPr>
+        <p:spPr>
+          <a:xfrm flipV="1">
+            <a:off x="5791200" y="1981200"/>
+            <a:ext cx="762000" cy="838200"/>
+          </a:xfrm>
+          <a:prstGeom prst="line">
+            <a:avLst/>
+          </a:prstGeom>
+          <a:ln w="44450" cmpd="sng">
+            <a:solidFill>
+              <a:schemeClr val="bg1">
+                <a:lumMod val="65000"/>
+              </a:schemeClr>
+            </a:solidFill>
+            <a:bevel/>
+          </a:ln>
+        </p:spPr>
+        <p:style>
+          <a:lnRef idx="1">
+            <a:schemeClr val="accent1"/>
+          </a:lnRef>
+          <a:fillRef idx="0">
+            <a:schemeClr val="accent1"/>
+          </a:fillRef>
+          <a:effectRef idx="0">
+            <a:schemeClr val="accent1"/>
+          </a:effectRef>
+          <a:fontRef idx="minor">
+            <a:schemeClr val="tx1"/>
+          </a:fontRef>
+        </p:style>
+      </p:cxnSp>
+      <p:cxnSp>
+        <p:nvCxnSpPr>
+          <p:cNvPr id="43" name="Straight Connector 42"/>
+          <p:cNvCxnSpPr/>
+          <p:nvPr/>
+        </p:nvCxnSpPr>
+        <p:spPr>
+          <a:xfrm flipH="1" flipV="1">
+            <a:off x="5791200" y="2819400"/>
+            <a:ext cx="838200" cy="381000"/>
+          </a:xfrm>
+          <a:prstGeom prst="line">
+            <a:avLst/>
+          </a:prstGeom>
+          <a:ln w="44450" cmpd="sng">
+            <a:solidFill>
+              <a:schemeClr val="bg1">
+                <a:lumMod val="65000"/>
+              </a:schemeClr>
+            </a:solidFill>
+            <a:bevel/>
+          </a:ln>
+        </p:spPr>
+        <p:style>
+          <a:lnRef idx="1">
+            <a:schemeClr val="accent1"/>
+          </a:lnRef>
+          <a:fillRef idx="0">
+            <a:schemeClr val="accent1"/>
+          </a:fillRef>
+          <a:effectRef idx="0">
+            <a:schemeClr val="accent1"/>
+          </a:effectRef>
+          <a:fontRef idx="minor">
+            <a:schemeClr val="tx1"/>
+          </a:fontRef>
+        </p:style>
+      </p:cxnSp>
+      <p:cxnSp>
+        <p:nvCxnSpPr>
+          <p:cNvPr id="44" name="Straight Connector 43"/>
+          <p:cNvCxnSpPr/>
+          <p:nvPr/>
+        </p:nvCxnSpPr>
+        <p:spPr>
+          <a:xfrm flipV="1">
+            <a:off x="5791200" y="2590800"/>
+            <a:ext cx="914400" cy="228600"/>
+          </a:xfrm>
+          <a:prstGeom prst="line">
+            <a:avLst/>
+          </a:prstGeom>
+          <a:ln w="44450" cmpd="sng">
+            <a:solidFill>
+              <a:schemeClr val="bg1">
+                <a:lumMod val="65000"/>
+              </a:schemeClr>
+            </a:solidFill>
+            <a:bevel/>
+          </a:ln>
+        </p:spPr>
+        <p:style>
+          <a:lnRef idx="1">
+            <a:schemeClr val="accent1"/>
+          </a:lnRef>
+          <a:fillRef idx="0">
+            <a:schemeClr val="accent1"/>
+          </a:fillRef>
+          <a:effectRef idx="0">
+            <a:schemeClr val="accent1"/>
+          </a:effectRef>
+          <a:fontRef idx="minor">
+            <a:schemeClr val="tx1"/>
+          </a:fontRef>
+        </p:style>
+      </p:cxnSp>
+      <p:cxnSp>
+        <p:nvCxnSpPr>
+          <p:cNvPr id="45" name="Straight Connector 44"/>
+          <p:cNvCxnSpPr/>
+          <p:nvPr/>
+        </p:nvCxnSpPr>
+        <p:spPr>
+          <a:xfrm flipV="1">
+            <a:off x="4267200" y="2819400"/>
+            <a:ext cx="1524000" cy="685800"/>
+          </a:xfrm>
+          <a:prstGeom prst="line">
+            <a:avLst/>
+          </a:prstGeom>
+          <a:ln w="44450" cmpd="sng">
+            <a:solidFill>
+              <a:srgbClr val="002060">
+                <a:alpha val="74902"/>
+              </a:srgbClr>
+            </a:solidFill>
+            <a:bevel/>
+          </a:ln>
+        </p:spPr>
+        <p:style>
+          <a:lnRef idx="1">
+            <a:schemeClr val="accent1"/>
+          </a:lnRef>
+          <a:fillRef idx="0">
+            <a:schemeClr val="accent1"/>
+          </a:fillRef>
+          <a:effectRef idx="0">
+            <a:schemeClr val="accent1"/>
+          </a:effectRef>
+          <a:fontRef idx="minor">
+            <a:schemeClr val="tx1"/>
+          </a:fontRef>
+        </p:style>
+      </p:cxnSp>
+      <p:cxnSp>
+        <p:nvCxnSpPr>
+          <p:cNvPr id="46" name="Straight Connector 45"/>
+          <p:cNvCxnSpPr/>
+          <p:nvPr/>
+        </p:nvCxnSpPr>
+        <p:spPr>
+          <a:xfrm flipH="1" flipV="1">
+            <a:off x="4267200" y="3505200"/>
+            <a:ext cx="1371600" cy="419100"/>
+          </a:xfrm>
+          <a:prstGeom prst="line">
+            <a:avLst/>
+          </a:prstGeom>
+          <a:ln w="44450" cmpd="sng">
+            <a:solidFill>
+              <a:srgbClr val="002060">
+                <a:alpha val="74902"/>
+              </a:srgbClr>
+            </a:solidFill>
+            <a:bevel/>
+          </a:ln>
+        </p:spPr>
+        <p:style>
+          <a:lnRef idx="1">
+            <a:schemeClr val="accent1"/>
+          </a:lnRef>
+          <a:fillRef idx="0">
+            <a:schemeClr val="accent1"/>
+          </a:fillRef>
+          <a:effectRef idx="0">
+            <a:schemeClr val="accent1"/>
+          </a:effectRef>
+          <a:fontRef idx="minor">
+            <a:schemeClr val="tx1"/>
+          </a:fontRef>
+        </p:style>
+      </p:cxnSp>
+      <p:sp>
+        <p:nvSpPr>
+          <p:cNvPr id="61" name="Oval 60"/>
+          <p:cNvSpPr/>
+          <p:nvPr/>
+        </p:nvSpPr>
+        <p:spPr>
+          <a:xfrm>
+            <a:off x="3430093" y="3049093"/>
+            <a:ext cx="1676400" cy="914400"/>
+          </a:xfrm>
+          <a:prstGeom prst="ellipse">
+            <a:avLst/>
+          </a:prstGeom>
+          <a:solidFill>
+            <a:srgbClr val="FFFFFF"/>
+          </a:solidFill>
+          <a:ln>
+            <a:solidFill>
+              <a:schemeClr val="bg1"/>
+            </a:solidFill>
+          </a:ln>
+        </p:spPr>
+        <p:style>
+          <a:lnRef idx="2">
+            <a:schemeClr val="accent1">
+              <a:shade val="50000"/>
+            </a:schemeClr>
+          </a:lnRef>
+          <a:fillRef idx="1">
+            <a:schemeClr val="accent1"/>
+          </a:fillRef>
+          <a:effectRef idx="0">
+            <a:schemeClr val="accent1"/>
+          </a:effectRef>
+          <a:fontRef idx="minor">
+            <a:schemeClr val="lt1"/>
+          </a:fontRef>
+        </p:style>
+        <p:txBody>
+          <a:bodyPr rtlCol="0" anchor="ctr"/>
+          <a:lstStyle/>
+          <a:p>
+            <a:pPr algn="ctr"/>
+            <a:endParaRPr lang="en-US"/>
+          </a:p>
+        </p:txBody>
+      </p:sp>
+      <p:sp>
+        <p:nvSpPr>
+          <p:cNvPr id="49" name="Oval 48"/>
+          <p:cNvSpPr/>
+          <p:nvPr/>
+        </p:nvSpPr>
+        <p:spPr>
+          <a:xfrm>
+            <a:off x="6324600" y="1828800"/>
+            <a:ext cx="381000" cy="381000"/>
+          </a:xfrm>
+          <a:prstGeom prst="ellipse">
+            <a:avLst/>
+          </a:prstGeom>
+          <a:solidFill>
+            <a:schemeClr val="bg1">
+              <a:lumMod val="85000"/>
+            </a:schemeClr>
+          </a:solidFill>
+          <a:ln>
+            <a:solidFill>
+              <a:schemeClr val="bg1">
+                <a:lumMod val="65000"/>
+              </a:schemeClr>
+            </a:solidFill>
+          </a:ln>
+        </p:spPr>
+        <p:style>
+          <a:lnRef idx="2">
+            <a:schemeClr val="accent1">
+              <a:shade val="50000"/>
+            </a:schemeClr>
+          </a:lnRef>
+          <a:fillRef idx="1">
+            <a:schemeClr val="accent1"/>
+          </a:fillRef>
+          <a:effectRef idx="0">
+            <a:schemeClr val="accent1"/>
+          </a:effectRef>
+          <a:fontRef idx="minor">
+            <a:schemeClr val="lt1"/>
+          </a:fontRef>
+        </p:style>
+        <p:txBody>
+          <a:bodyPr rtlCol="0" anchor="ctr"/>
+          <a:lstStyle/>
+          <a:p>
+            <a:pPr algn="ctr"/>
+            <a:endParaRPr lang="en-US"/>
+          </a:p>
+        </p:txBody>
+      </p:sp>
+      <p:sp>
+        <p:nvSpPr>
+          <p:cNvPr id="50" name="Oval 49"/>
+          <p:cNvSpPr/>
+          <p:nvPr/>
+        </p:nvSpPr>
+        <p:spPr>
+          <a:xfrm>
+            <a:off x="6553200" y="2362200"/>
+            <a:ext cx="381000" cy="381000"/>
+          </a:xfrm>
+          <a:prstGeom prst="ellipse">
+            <a:avLst/>
+          </a:prstGeom>
+          <a:solidFill>
+            <a:schemeClr val="bg1">
+              <a:lumMod val="85000"/>
+            </a:schemeClr>
+          </a:solidFill>
+          <a:ln>
+            <a:solidFill>
+              <a:schemeClr val="bg1">
+                <a:lumMod val="65000"/>
+              </a:schemeClr>
+            </a:solidFill>
+          </a:ln>
+        </p:spPr>
+        <p:style>
+          <a:lnRef idx="2">
+            <a:schemeClr val="accent1">
+              <a:shade val="50000"/>
+            </a:schemeClr>
+          </a:lnRef>
+          <a:fillRef idx="1">
+            <a:schemeClr val="accent1"/>
+          </a:fillRef>
+          <a:effectRef idx="0">
+            <a:schemeClr val="accent1"/>
+          </a:effectRef>
+          <a:fontRef idx="minor">
+            <a:schemeClr val="lt1"/>
+          </a:fontRef>
+        </p:style>
+        <p:txBody>
+          <a:bodyPr rtlCol="0" anchor="ctr"/>
+          <a:lstStyle/>
+          <a:p>
+            <a:pPr algn="ctr"/>
+            <a:endParaRPr lang="en-US"/>
+          </a:p>
+        </p:txBody>
+      </p:sp>
+      <p:sp>
+        <p:nvSpPr>
+          <p:cNvPr id="51" name="Oval 50"/>
+          <p:cNvSpPr/>
+          <p:nvPr/>
+        </p:nvSpPr>
+        <p:spPr>
+          <a:xfrm>
+            <a:off x="6477000" y="2971800"/>
+            <a:ext cx="381000" cy="381000"/>
+          </a:xfrm>
+          <a:prstGeom prst="ellipse">
+            <a:avLst/>
+          </a:prstGeom>
+          <a:solidFill>
+            <a:schemeClr val="bg1">
+              <a:lumMod val="85000"/>
+            </a:schemeClr>
+          </a:solidFill>
+          <a:ln>
+            <a:solidFill>
+              <a:schemeClr val="bg1">
+                <a:lumMod val="65000"/>
+              </a:schemeClr>
+            </a:solidFill>
+          </a:ln>
+        </p:spPr>
+        <p:style>
+          <a:lnRef idx="2">
+            <a:schemeClr val="accent1">
+              <a:shade val="50000"/>
+            </a:schemeClr>
+          </a:lnRef>
+          <a:fillRef idx="1">
+            <a:schemeClr val="accent1"/>
+          </a:fillRef>
+          <a:effectRef idx="0">
+            <a:schemeClr val="accent1"/>
+          </a:effectRef>
+          <a:fontRef idx="minor">
+            <a:schemeClr val="lt1"/>
+          </a:fontRef>
+        </p:style>
+        <p:txBody>
+          <a:bodyPr rtlCol="0" anchor="ctr"/>
+          <a:lstStyle/>
+          <a:p>
+            <a:pPr algn="ctr"/>
+            <a:endParaRPr lang="en-US"/>
+          </a:p>
+        </p:txBody>
+      </p:sp>
+      <p:sp>
+        <p:nvSpPr>
+          <p:cNvPr id="53" name="Oval 52"/>
+          <p:cNvSpPr/>
+          <p:nvPr/>
+        </p:nvSpPr>
+        <p:spPr>
+          <a:xfrm>
+            <a:off x="3430093" y="3049093"/>
+            <a:ext cx="1676400" cy="914400"/>
+          </a:xfrm>
+          <a:prstGeom prst="ellipse">
+            <a:avLst/>
+          </a:prstGeom>
+          <a:solidFill>
+            <a:srgbClr val="002060">
+              <a:alpha val="50196"/>
+            </a:srgbClr>
+          </a:solidFill>
+          <a:ln>
+            <a:solidFill>
+              <a:srgbClr val="002060">
+                <a:alpha val="74902"/>
+              </a:srgbClr>
+            </a:solidFill>
+          </a:ln>
+        </p:spPr>
+        <p:style>
+          <a:lnRef idx="2">
+            <a:schemeClr val="accent1">
+              <a:shade val="50000"/>
+            </a:schemeClr>
+          </a:lnRef>
+          <a:fillRef idx="1">
+            <a:schemeClr val="accent1"/>
+          </a:fillRef>
+          <a:effectRef idx="0">
+            <a:schemeClr val="accent1"/>
+          </a:effectRef>
+          <a:fontRef idx="minor">
+            <a:schemeClr val="lt1"/>
+          </a:fontRef>
+        </p:style>
+        <p:txBody>
+          <a:bodyPr rtlCol="0" anchor="ctr"/>
+          <a:lstStyle/>
+          <a:p>
+            <a:pPr algn="ctr"/>
+            <a:endParaRPr lang="en-US"/>
+          </a:p>
+        </p:txBody>
+      </p:sp>
+      <p:sp>
+        <p:nvSpPr>
+          <p:cNvPr id="48" name="Oval 47"/>
+          <p:cNvSpPr/>
+          <p:nvPr/>
+        </p:nvSpPr>
+        <p:spPr>
+          <a:xfrm>
+            <a:off x="5410200" y="2438400"/>
+            <a:ext cx="762000" cy="762000"/>
+          </a:xfrm>
+          <a:prstGeom prst="ellipse">
+            <a:avLst/>
+          </a:prstGeom>
+          <a:solidFill>
+            <a:schemeClr val="bg1">
+              <a:lumMod val="85000"/>
+            </a:schemeClr>
+          </a:solidFill>
+          <a:ln>
+            <a:solidFill>
+              <a:schemeClr val="bg1">
+                <a:lumMod val="65000"/>
+              </a:schemeClr>
+            </a:solidFill>
+          </a:ln>
+        </p:spPr>
+        <p:style>
+          <a:lnRef idx="2">
+            <a:schemeClr val="accent1">
+              <a:shade val="50000"/>
+            </a:schemeClr>
+          </a:lnRef>
+          <a:fillRef idx="1">
+            <a:schemeClr val="accent1"/>
+          </a:fillRef>
+          <a:effectRef idx="0">
+            <a:schemeClr val="accent1"/>
+          </a:effectRef>
+          <a:fontRef idx="minor">
+            <a:schemeClr val="lt1"/>
+          </a:fontRef>
+        </p:style>
+        <p:txBody>
+          <a:bodyPr rtlCol="0" anchor="ctr"/>
+          <a:lstStyle/>
+          <a:p>
+            <a:pPr algn="ctr"/>
+            <a:endParaRPr lang="en-US"/>
+          </a:p>
+        </p:txBody>
+      </p:sp>
+      <p:pic>
+        <p:nvPicPr>
+          <p:cNvPr id="2050" name="Picture 2" descr="computing, hosting, internet network, network, server, web hosting, web server icon"/>
+          <p:cNvPicPr>
+            <a:picLocks noChangeAspect="1" noChangeArrowheads="1"/>
+          </p:cNvPicPr>
+          <p:nvPr/>
+        </p:nvPicPr>
+        <p:blipFill>
+          <a:blip r:embed="rId4" cstate="print"/>
+          <a:srcRect/>
+          <a:stretch>
+            <a:fillRect/>
+          </a:stretch>
+        </p:blipFill>
+        <p:spPr bwMode="auto">
+          <a:xfrm>
+            <a:off x="5562600" y="3657600"/>
+            <a:ext cx="685800" cy="685801"/>
+          </a:xfrm>
+          <a:prstGeom prst="rect">
+            <a:avLst/>
+          </a:prstGeom>
+          <a:noFill/>
+        </p:spPr>
+      </p:pic>
+      <p:pic>
+        <p:nvPicPr>
+          <p:cNvPr id="2052" name="Picture 4" descr="cloud, cloudy, server, sky, weather icon"/>
+          <p:cNvPicPr>
+            <a:picLocks noChangeAspect="1" noChangeArrowheads="1"/>
+          </p:cNvPicPr>
+          <p:nvPr/>
+        </p:nvPicPr>
+        <p:blipFill>
+          <a:blip r:embed="rId5" cstate="print"/>
+          <a:srcRect/>
+          <a:stretch>
+            <a:fillRect/>
+          </a:stretch>
+        </p:blipFill>
+        <p:spPr bwMode="auto">
+          <a:xfrm>
+            <a:off x="5562600" y="2590800"/>
+            <a:ext cx="457200" cy="457200"/>
+          </a:xfrm>
+          <a:prstGeom prst="rect">
+            <a:avLst/>
+          </a:prstGeom>
+          <a:noFill/>
+        </p:spPr>
+      </p:pic>
+      <p:pic>
+        <p:nvPicPr>
+          <p:cNvPr id="2053" name="Picture 5" descr="C:\Users\Steve Shortt\Desktop\Untitled.png"/>
+          <p:cNvPicPr>
+            <a:picLocks noChangeAspect="1" noChangeArrowheads="1"/>
+          </p:cNvPicPr>
+          <p:nvPr/>
+        </p:nvPicPr>
+        <p:blipFill>
+          <a:blip r:embed="rId6" cstate="print"/>
+          <a:srcRect/>
+          <a:stretch>
+            <a:fillRect/>
+          </a:stretch>
+        </p:blipFill>
+        <p:spPr bwMode="auto">
+          <a:xfrm>
+            <a:off x="2257695" y="3897222"/>
+            <a:ext cx="694509" cy="694509"/>
+          </a:xfrm>
+          <a:prstGeom prst="rect">
+            <a:avLst/>
+          </a:prstGeom>
+          <a:noFill/>
+        </p:spPr>
+      </p:pic>
       <p:grpSp>
         <p:nvGrpSpPr>
-          <p:cNvPr id="60" name="Group 59"/>
+          <p:cNvPr id="6" name="Group 36"/>
           <p:cNvGrpSpPr/>
           <p:nvPr/>
         </p:nvGrpSpPr>
         <p:grpSpPr>
           <a:xfrm>
-            <a:off x="2057400" y="1752600"/>
-            <a:ext cx="4876800" cy="3315789"/>
-            <a:chOff x="2057400" y="1752600"/>
-            <a:chExt cx="4876800" cy="3315789"/>
+            <a:off x="2934788" y="4382589"/>
+            <a:ext cx="685800" cy="685800"/>
+            <a:chOff x="2934788" y="4382589"/>
+            <a:chExt cx="685800" cy="685800"/>
           </a:xfrm>
+          <a:solidFill>
+            <a:schemeClr val="accent6">
+              <a:lumMod val="60000"/>
+              <a:lumOff val="40000"/>
+            </a:schemeClr>
+          </a:solidFill>
         </p:grpSpPr>
-        <p:cxnSp>
-          <p:nvCxnSpPr>
-            <p:cNvPr id="59" name="Straight Connector 58"/>
-            <p:cNvCxnSpPr/>
-            <p:nvPr/>
-          </p:nvCxnSpPr>
-          <p:spPr>
-            <a:xfrm flipH="1" flipV="1">
-              <a:off x="2854234" y="2364377"/>
-              <a:ext cx="1412966" cy="1140823"/>
-            </a:xfrm>
-            <a:prstGeom prst="line">
-              <a:avLst/>
-            </a:prstGeom>
-            <a:ln w="44450" cmpd="sng">
-              <a:solidFill>
-                <a:srgbClr val="002060">
-                  <a:alpha val="74902"/>
-                </a:srgbClr>
-              </a:solidFill>
-              <a:bevel/>
-            </a:ln>
-          </p:spPr>
-          <p:style>
-            <a:lnRef idx="1">
-              <a:schemeClr val="accent1"/>
-            </a:lnRef>
-            <a:fillRef idx="0">
-              <a:schemeClr val="accent1"/>
-            </a:fillRef>
-            <a:effectRef idx="0">
-              <a:schemeClr val="accent1"/>
-            </a:effectRef>
-            <a:fontRef idx="minor">
-              <a:schemeClr val="tx1"/>
-            </a:fontRef>
-          </p:style>
-        </p:cxnSp>
-        <p:cxnSp>
-          <p:nvCxnSpPr>
-            <p:cNvPr id="62" name="Straight Connector 61"/>
-            <p:cNvCxnSpPr/>
-            <p:nvPr/>
-          </p:nvCxnSpPr>
-          <p:spPr>
-            <a:xfrm flipH="1" flipV="1">
-              <a:off x="2410097" y="3383280"/>
-              <a:ext cx="1857103" cy="121920"/>
-            </a:xfrm>
-            <a:prstGeom prst="line">
-              <a:avLst/>
-            </a:prstGeom>
-            <a:ln w="44450" cmpd="sng">
-              <a:solidFill>
-                <a:srgbClr val="002060">
-                  <a:alpha val="74902"/>
-                </a:srgbClr>
-              </a:solidFill>
-              <a:bevel/>
-            </a:ln>
-          </p:spPr>
-          <p:style>
-            <a:lnRef idx="1">
-              <a:schemeClr val="accent1"/>
-            </a:lnRef>
-            <a:fillRef idx="0">
-              <a:schemeClr val="accent1"/>
-            </a:fillRef>
-            <a:effectRef idx="0">
-              <a:schemeClr val="accent1"/>
-            </a:effectRef>
-            <a:fontRef idx="minor">
-              <a:schemeClr val="tx1"/>
-            </a:fontRef>
-          </p:style>
-        </p:cxnSp>
-        <p:cxnSp>
-          <p:nvCxnSpPr>
-            <p:cNvPr id="65" name="Straight Connector 64"/>
-            <p:cNvCxnSpPr/>
-            <p:nvPr/>
-          </p:nvCxnSpPr>
-          <p:spPr>
-            <a:xfrm flipH="1">
-              <a:off x="2612571" y="3505200"/>
-              <a:ext cx="1654629" cy="714103"/>
-            </a:xfrm>
-            <a:prstGeom prst="line">
-              <a:avLst/>
-            </a:prstGeom>
-            <a:ln w="44450" cmpd="sng">
-              <a:solidFill>
-                <a:srgbClr val="002060">
-                  <a:alpha val="74902"/>
-                </a:srgbClr>
-              </a:solidFill>
-              <a:bevel/>
-            </a:ln>
-          </p:spPr>
-          <p:style>
-            <a:lnRef idx="1">
-              <a:schemeClr val="accent1"/>
-            </a:lnRef>
-            <a:fillRef idx="0">
-              <a:schemeClr val="accent1"/>
-            </a:fillRef>
-            <a:effectRef idx="0">
-              <a:schemeClr val="accent1"/>
-            </a:effectRef>
-            <a:fontRef idx="minor">
-              <a:schemeClr val="tx1"/>
-            </a:fontRef>
-          </p:style>
-        </p:cxnSp>
-        <p:cxnSp>
-          <p:nvCxnSpPr>
-            <p:cNvPr id="68" name="Straight Connector 67"/>
-            <p:cNvCxnSpPr/>
-            <p:nvPr/>
-          </p:nvCxnSpPr>
-          <p:spPr>
-            <a:xfrm flipH="1">
-              <a:off x="3276600" y="3505200"/>
-              <a:ext cx="990600" cy="1219200"/>
-            </a:xfrm>
-            <a:prstGeom prst="line">
-              <a:avLst/>
-            </a:prstGeom>
-            <a:ln w="44450" cmpd="sng">
-              <a:solidFill>
-                <a:srgbClr val="002060">
-                  <a:alpha val="74902"/>
-                </a:srgbClr>
-              </a:solidFill>
-              <a:bevel/>
-            </a:ln>
-          </p:spPr>
-          <p:style>
-            <a:lnRef idx="1">
-              <a:schemeClr val="accent1"/>
-            </a:lnRef>
-            <a:fillRef idx="0">
-              <a:schemeClr val="accent1"/>
-            </a:fillRef>
-            <a:effectRef idx="0">
-              <a:schemeClr val="accent1"/>
-            </a:effectRef>
-            <a:fontRef idx="minor">
-              <a:schemeClr val="tx1"/>
-            </a:fontRef>
-          </p:style>
-        </p:cxnSp>
-        <p:grpSp>
-          <p:nvGrpSpPr>
-            <p:cNvPr id="4" name="Group 55"/>
-            <p:cNvGrpSpPr/>
-            <p:nvPr/>
-          </p:nvGrpSpPr>
-          <p:grpSpPr>
-            <a:xfrm>
-              <a:off x="2286000" y="1752600"/>
-              <a:ext cx="1219199" cy="1219200"/>
-              <a:chOff x="2286000" y="1752600"/>
-              <a:chExt cx="1219199" cy="1219200"/>
-            </a:xfrm>
-          </p:grpSpPr>
-          <p:pic>
-            <p:nvPicPr>
-              <p:cNvPr id="1028" name="Picture 4" descr="bitbucket, branch, contribute, files, manage, repository, svn icon"/>
-              <p:cNvPicPr>
-                <a:picLocks noChangeAspect="1" noChangeArrowheads="1"/>
-              </p:cNvPicPr>
-              <p:nvPr/>
-            </p:nvPicPr>
-            <p:blipFill>
-              <a:blip r:embed="rId2" cstate="print"/>
-              <a:srcRect/>
-              <a:stretch>
-                <a:fillRect/>
-              </a:stretch>
-            </p:blipFill>
-            <p:spPr bwMode="auto">
-              <a:xfrm>
-                <a:off x="2286000" y="2133599"/>
-                <a:ext cx="838200" cy="838201"/>
-              </a:xfrm>
-              <a:prstGeom prst="rect">
-                <a:avLst/>
-              </a:prstGeom>
-              <a:noFill/>
-            </p:spPr>
-          </p:pic>
-          <p:pic>
-            <p:nvPicPr>
-              <p:cNvPr id="1032" name="Picture 8" descr="branch, contribute, files, github, manage, repository, svn icon"/>
-              <p:cNvPicPr>
-                <a:picLocks noChangeAspect="1" noChangeArrowheads="1"/>
-              </p:cNvPicPr>
-              <p:nvPr/>
-            </p:nvPicPr>
-            <p:blipFill>
-              <a:blip r:embed="rId3" cstate="print"/>
-              <a:srcRect/>
-              <a:stretch>
-                <a:fillRect/>
-              </a:stretch>
-            </p:blipFill>
-            <p:spPr bwMode="auto">
-              <a:xfrm>
-                <a:off x="2667000" y="1752600"/>
-                <a:ext cx="838199" cy="838200"/>
-              </a:xfrm>
-              <a:prstGeom prst="rect">
-                <a:avLst/>
-              </a:prstGeom>
-              <a:noFill/>
-            </p:spPr>
-          </p:pic>
-        </p:grpSp>
         <p:sp>
           <p:nvSpPr>
-            <p:cNvPr id="12" name="Oval 11"/>
+            <p:cNvPr id="35" name="Oval 34"/>
             <p:cNvSpPr/>
             <p:nvPr/>
           </p:nvSpPr>
           <p:spPr>
             <a:xfrm>
-              <a:off x="2057400" y="3048000"/>
+              <a:off x="2934788" y="4382589"/>
               <a:ext cx="685800" cy="685800"/>
             </a:xfrm>
             <a:prstGeom prst="ellipse">
               <a:avLst/>
             </a:prstGeom>
-            <a:solidFill>
-              <a:srgbClr val="FFFF99"/>
-            </a:solidFill>
+            <a:grpFill/>
             <a:ln>
               <a:solidFill>
-                <a:srgbClr val="FFFF66"/>
-              </a:solidFill>
-            </a:ln>
-          </p:spPr>
-          <p:style>
-            <a:lnRef idx="2">
-              <a:schemeClr val="accent1">
-                <a:shade val="50000"/>
-              </a:schemeClr>
-            </a:lnRef>
-            <a:fillRef idx="1">
-              <a:schemeClr val="accent1"/>
-            </a:fillRef>
-            <a:effectRef idx="0">
-              <a:schemeClr val="accent1"/>
-            </a:effectRef>
-            <a:fontRef idx="minor">
-              <a:schemeClr val="lt1"/>
-            </a:fontRef>
-          </p:style>
-          <p:txBody>
-            <a:bodyPr rtlCol="0" anchor="ctr"/>
-            <a:lstStyle/>
-            <a:p>
-              <a:pPr algn="ctr"/>
-              <a:endParaRPr lang="en-US"/>
-            </a:p>
-          </p:txBody>
-        </p:sp>
-        <p:cxnSp>
-          <p:nvCxnSpPr>
-            <p:cNvPr id="42" name="Straight Connector 41"/>
-            <p:cNvCxnSpPr/>
-            <p:nvPr/>
-          </p:nvCxnSpPr>
-          <p:spPr>
-            <a:xfrm flipV="1">
-              <a:off x="5791200" y="1981200"/>
-              <a:ext cx="762000" cy="838200"/>
-            </a:xfrm>
-            <a:prstGeom prst="line">
-              <a:avLst/>
-            </a:prstGeom>
-            <a:ln w="44450" cmpd="sng">
-              <a:solidFill>
-                <a:schemeClr val="bg1">
-                  <a:lumMod val="65000"/>
-                </a:schemeClr>
-              </a:solidFill>
-              <a:bevel/>
-            </a:ln>
-          </p:spPr>
-          <p:style>
-            <a:lnRef idx="1">
-              <a:schemeClr val="accent1"/>
-            </a:lnRef>
-            <a:fillRef idx="0">
-              <a:schemeClr val="accent1"/>
-            </a:fillRef>
-            <a:effectRef idx="0">
-              <a:schemeClr val="accent1"/>
-            </a:effectRef>
-            <a:fontRef idx="minor">
-              <a:schemeClr val="tx1"/>
-            </a:fontRef>
-          </p:style>
-        </p:cxnSp>
-        <p:cxnSp>
-          <p:nvCxnSpPr>
-            <p:cNvPr id="43" name="Straight Connector 42"/>
-            <p:cNvCxnSpPr/>
-            <p:nvPr/>
-          </p:nvCxnSpPr>
-          <p:spPr>
-            <a:xfrm flipH="1" flipV="1">
-              <a:off x="5791200" y="2819400"/>
-              <a:ext cx="838200" cy="381000"/>
-            </a:xfrm>
-            <a:prstGeom prst="line">
-              <a:avLst/>
-            </a:prstGeom>
-            <a:ln w="44450" cmpd="sng">
-              <a:solidFill>
-                <a:schemeClr val="bg1">
-                  <a:lumMod val="65000"/>
-                </a:schemeClr>
-              </a:solidFill>
-              <a:bevel/>
-            </a:ln>
-          </p:spPr>
-          <p:style>
-            <a:lnRef idx="1">
-              <a:schemeClr val="accent1"/>
-            </a:lnRef>
-            <a:fillRef idx="0">
-              <a:schemeClr val="accent1"/>
-            </a:fillRef>
-            <a:effectRef idx="0">
-              <a:schemeClr val="accent1"/>
-            </a:effectRef>
-            <a:fontRef idx="minor">
-              <a:schemeClr val="tx1"/>
-            </a:fontRef>
-          </p:style>
-        </p:cxnSp>
-        <p:cxnSp>
-          <p:nvCxnSpPr>
-            <p:cNvPr id="44" name="Straight Connector 43"/>
-            <p:cNvCxnSpPr/>
-            <p:nvPr/>
-          </p:nvCxnSpPr>
-          <p:spPr>
-            <a:xfrm flipV="1">
-              <a:off x="5791200" y="2590800"/>
-              <a:ext cx="914400" cy="228600"/>
-            </a:xfrm>
-            <a:prstGeom prst="line">
-              <a:avLst/>
-            </a:prstGeom>
-            <a:ln w="44450" cmpd="sng">
-              <a:solidFill>
-                <a:schemeClr val="bg1">
-                  <a:lumMod val="65000"/>
-                </a:schemeClr>
-              </a:solidFill>
-              <a:bevel/>
-            </a:ln>
-          </p:spPr>
-          <p:style>
-            <a:lnRef idx="1">
-              <a:schemeClr val="accent1"/>
-            </a:lnRef>
-            <a:fillRef idx="0">
-              <a:schemeClr val="accent1"/>
-            </a:fillRef>
-            <a:effectRef idx="0">
-              <a:schemeClr val="accent1"/>
-            </a:effectRef>
-            <a:fontRef idx="minor">
-              <a:schemeClr val="tx1"/>
-            </a:fontRef>
-          </p:style>
-        </p:cxnSp>
-        <p:cxnSp>
-          <p:nvCxnSpPr>
-            <p:cNvPr id="45" name="Straight Connector 44"/>
-            <p:cNvCxnSpPr/>
-            <p:nvPr/>
-          </p:nvCxnSpPr>
-          <p:spPr>
-            <a:xfrm flipV="1">
-              <a:off x="4267200" y="2819400"/>
-              <a:ext cx="1524000" cy="685800"/>
-            </a:xfrm>
-            <a:prstGeom prst="line">
-              <a:avLst/>
-            </a:prstGeom>
-            <a:ln w="44450" cmpd="sng">
-              <a:solidFill>
-                <a:srgbClr val="002060">
-                  <a:alpha val="74902"/>
-                </a:srgbClr>
-              </a:solidFill>
-              <a:bevel/>
-            </a:ln>
-          </p:spPr>
-          <p:style>
-            <a:lnRef idx="1">
-              <a:schemeClr val="accent1"/>
-            </a:lnRef>
-            <a:fillRef idx="0">
-              <a:schemeClr val="accent1"/>
-            </a:fillRef>
-            <a:effectRef idx="0">
-              <a:schemeClr val="accent1"/>
-            </a:effectRef>
-            <a:fontRef idx="minor">
-              <a:schemeClr val="tx1"/>
-            </a:fontRef>
-          </p:style>
-        </p:cxnSp>
-        <p:cxnSp>
-          <p:nvCxnSpPr>
-            <p:cNvPr id="46" name="Straight Connector 45"/>
-            <p:cNvCxnSpPr/>
-            <p:nvPr/>
-          </p:nvCxnSpPr>
-          <p:spPr>
-            <a:xfrm flipH="1" flipV="1">
-              <a:off x="4267200" y="3505200"/>
-              <a:ext cx="1371600" cy="419100"/>
-            </a:xfrm>
-            <a:prstGeom prst="line">
-              <a:avLst/>
-            </a:prstGeom>
-            <a:ln w="44450" cmpd="sng">
-              <a:solidFill>
-                <a:srgbClr val="002060">
-                  <a:alpha val="74902"/>
-                </a:srgbClr>
-              </a:solidFill>
-              <a:bevel/>
-            </a:ln>
-          </p:spPr>
-          <p:style>
-            <a:lnRef idx="1">
-              <a:schemeClr val="accent1"/>
-            </a:lnRef>
-            <a:fillRef idx="0">
-              <a:schemeClr val="accent1"/>
-            </a:fillRef>
-            <a:effectRef idx="0">
-              <a:schemeClr val="accent1"/>
-            </a:effectRef>
-            <a:fontRef idx="minor">
-              <a:schemeClr val="tx1"/>
-            </a:fontRef>
-          </p:style>
-        </p:cxnSp>
-        <p:sp>
-          <p:nvSpPr>
-            <p:cNvPr id="61" name="Oval 60"/>
-            <p:cNvSpPr/>
-            <p:nvPr/>
-          </p:nvSpPr>
-          <p:spPr>
-            <a:xfrm>
-              <a:off x="3430093" y="3049093"/>
-              <a:ext cx="1676400" cy="914400"/>
-            </a:xfrm>
-            <a:prstGeom prst="ellipse">
-              <a:avLst/>
-            </a:prstGeom>
-            <a:solidFill>
-              <a:srgbClr val="FFFFFF"/>
-            </a:solidFill>
-            <a:ln>
-              <a:solidFill>
-                <a:schemeClr val="bg1"/>
-              </a:solidFill>
-            </a:ln>
-          </p:spPr>
-          <p:style>
-            <a:lnRef idx="2">
-              <a:schemeClr val="accent1">
-                <a:shade val="50000"/>
-              </a:schemeClr>
-            </a:lnRef>
-            <a:fillRef idx="1">
-              <a:schemeClr val="accent1"/>
-            </a:fillRef>
-            <a:effectRef idx="0">
-              <a:schemeClr val="accent1"/>
-            </a:effectRef>
-            <a:fontRef idx="minor">
-              <a:schemeClr val="lt1"/>
-            </a:fontRef>
-          </p:style>
-          <p:txBody>
-            <a:bodyPr rtlCol="0" anchor="ctr"/>
-            <a:lstStyle/>
-            <a:p>
-              <a:pPr algn="ctr"/>
-              <a:endParaRPr lang="en-US"/>
-            </a:p>
-          </p:txBody>
-        </p:sp>
-        <p:sp>
-          <p:nvSpPr>
-            <p:cNvPr id="49" name="Oval 48"/>
-            <p:cNvSpPr/>
-            <p:nvPr/>
-          </p:nvSpPr>
-          <p:spPr>
-            <a:xfrm>
-              <a:off x="6324600" y="1828800"/>
-              <a:ext cx="381000" cy="381000"/>
-            </a:xfrm>
-            <a:prstGeom prst="ellipse">
-              <a:avLst/>
-            </a:prstGeom>
-            <a:solidFill>
-              <a:schemeClr val="bg1">
-                <a:lumMod val="85000"/>
-              </a:schemeClr>
-            </a:solidFill>
-            <a:ln>
-              <a:solidFill>
-                <a:schemeClr val="bg1">
-                  <a:lumMod val="65000"/>
-                </a:schemeClr>
-              </a:solidFill>
-            </a:ln>
-          </p:spPr>
-          <p:style>
-            <a:lnRef idx="2">
-              <a:schemeClr val="accent1">
-                <a:shade val="50000"/>
-              </a:schemeClr>
-            </a:lnRef>
-            <a:fillRef idx="1">
-              <a:schemeClr val="accent1"/>
-            </a:fillRef>
-            <a:effectRef idx="0">
-              <a:schemeClr val="accent1"/>
-            </a:effectRef>
-            <a:fontRef idx="minor">
-              <a:schemeClr val="lt1"/>
-            </a:fontRef>
-          </p:style>
-          <p:txBody>
-            <a:bodyPr rtlCol="0" anchor="ctr"/>
-            <a:lstStyle/>
-            <a:p>
-              <a:pPr algn="ctr"/>
-              <a:endParaRPr lang="en-US"/>
-            </a:p>
-          </p:txBody>
-        </p:sp>
-        <p:sp>
-          <p:nvSpPr>
-            <p:cNvPr id="50" name="Oval 49"/>
-            <p:cNvSpPr/>
-            <p:nvPr/>
-          </p:nvSpPr>
-          <p:spPr>
-            <a:xfrm>
-              <a:off x="6553200" y="2362200"/>
-              <a:ext cx="381000" cy="381000"/>
-            </a:xfrm>
-            <a:prstGeom prst="ellipse">
-              <a:avLst/>
-            </a:prstGeom>
-            <a:solidFill>
-              <a:schemeClr val="bg1">
-                <a:lumMod val="85000"/>
-              </a:schemeClr>
-            </a:solidFill>
-            <a:ln>
-              <a:solidFill>
-                <a:schemeClr val="bg1">
-                  <a:lumMod val="65000"/>
-                </a:schemeClr>
-              </a:solidFill>
-            </a:ln>
-          </p:spPr>
-          <p:style>
-            <a:lnRef idx="2">
-              <a:schemeClr val="accent1">
-                <a:shade val="50000"/>
-              </a:schemeClr>
-            </a:lnRef>
-            <a:fillRef idx="1">
-              <a:schemeClr val="accent1"/>
-            </a:fillRef>
-            <a:effectRef idx="0">
-              <a:schemeClr val="accent1"/>
-            </a:effectRef>
-            <a:fontRef idx="minor">
-              <a:schemeClr val="lt1"/>
-            </a:fontRef>
-          </p:style>
-          <p:txBody>
-            <a:bodyPr rtlCol="0" anchor="ctr"/>
-            <a:lstStyle/>
-            <a:p>
-              <a:pPr algn="ctr"/>
-              <a:endParaRPr lang="en-US"/>
-            </a:p>
-          </p:txBody>
-        </p:sp>
-        <p:sp>
-          <p:nvSpPr>
-            <p:cNvPr id="51" name="Oval 50"/>
-            <p:cNvSpPr/>
-            <p:nvPr/>
-          </p:nvSpPr>
-          <p:spPr>
-            <a:xfrm>
-              <a:off x="6477000" y="2971800"/>
-              <a:ext cx="381000" cy="381000"/>
-            </a:xfrm>
-            <a:prstGeom prst="ellipse">
-              <a:avLst/>
-            </a:prstGeom>
-            <a:solidFill>
-              <a:schemeClr val="bg1">
-                <a:lumMod val="85000"/>
-              </a:schemeClr>
-            </a:solidFill>
-            <a:ln>
-              <a:solidFill>
-                <a:schemeClr val="bg1">
-                  <a:lumMod val="65000"/>
-                </a:schemeClr>
-              </a:solidFill>
-            </a:ln>
-          </p:spPr>
-          <p:style>
-            <a:lnRef idx="2">
-              <a:schemeClr val="accent1">
-                <a:shade val="50000"/>
-              </a:schemeClr>
-            </a:lnRef>
-            <a:fillRef idx="1">
-              <a:schemeClr val="accent1"/>
-            </a:fillRef>
-            <a:effectRef idx="0">
-              <a:schemeClr val="accent1"/>
-            </a:effectRef>
-            <a:fontRef idx="minor">
-              <a:schemeClr val="lt1"/>
-            </a:fontRef>
-          </p:style>
-          <p:txBody>
-            <a:bodyPr rtlCol="0" anchor="ctr"/>
-            <a:lstStyle/>
-            <a:p>
-              <a:pPr algn="ctr"/>
-              <a:endParaRPr lang="en-US"/>
-            </a:p>
-          </p:txBody>
-        </p:sp>
-        <p:sp>
-          <p:nvSpPr>
-            <p:cNvPr id="53" name="Oval 52"/>
-            <p:cNvSpPr/>
-            <p:nvPr/>
-          </p:nvSpPr>
-          <p:spPr>
-            <a:xfrm>
-              <a:off x="3430093" y="3049093"/>
-              <a:ext cx="1676400" cy="914400"/>
-            </a:xfrm>
-            <a:prstGeom prst="ellipse">
-              <a:avLst/>
-            </a:prstGeom>
-            <a:solidFill>
-              <a:srgbClr val="002060">
-                <a:alpha val="50196"/>
-              </a:srgbClr>
-            </a:solidFill>
-            <a:ln>
-              <a:solidFill>
-                <a:srgbClr val="002060">
-                  <a:alpha val="74902"/>
-                </a:srgbClr>
-              </a:solidFill>
-            </a:ln>
-          </p:spPr>
-          <p:style>
-            <a:lnRef idx="2">
-              <a:schemeClr val="accent1">
-                <a:shade val="50000"/>
-              </a:schemeClr>
-            </a:lnRef>
-            <a:fillRef idx="1">
-              <a:schemeClr val="accent1"/>
-            </a:fillRef>
-            <a:effectRef idx="0">
-              <a:schemeClr val="accent1"/>
-            </a:effectRef>
-            <a:fontRef idx="minor">
-              <a:schemeClr val="lt1"/>
-            </a:fontRef>
-          </p:style>
-          <p:txBody>
-            <a:bodyPr rtlCol="0" anchor="ctr"/>
-            <a:lstStyle/>
-            <a:p>
-              <a:pPr algn="ctr"/>
-              <a:endParaRPr lang="en-US"/>
-            </a:p>
-          </p:txBody>
-        </p:sp>
-        <p:sp>
-          <p:nvSpPr>
-            <p:cNvPr id="48" name="Oval 47"/>
-            <p:cNvSpPr/>
-            <p:nvPr/>
-          </p:nvSpPr>
-          <p:spPr>
-            <a:xfrm>
-              <a:off x="5410200" y="2438400"/>
-              <a:ext cx="762000" cy="762000"/>
-            </a:xfrm>
-            <a:prstGeom prst="ellipse">
-              <a:avLst/>
-            </a:prstGeom>
-            <a:solidFill>
-              <a:schemeClr val="bg1">
-                <a:lumMod val="85000"/>
-              </a:schemeClr>
-            </a:solidFill>
-            <a:ln>
-              <a:solidFill>
-                <a:schemeClr val="bg1">
-                  <a:lumMod val="65000"/>
+                <a:schemeClr val="accent6">
+                  <a:lumMod val="60000"/>
+                  <a:lumOff val="40000"/>
                 </a:schemeClr>
               </a:solidFill>
             </a:ln>
@@ -5824,14 +5943,14 @@
         </p:sp>
         <p:pic>
           <p:nvPicPr>
-            <p:cNvPr id="2050" name="Picture 2" descr="computing, hosting, internet network, network, server, web hosting, web server icon"/>
+            <p:cNvPr id="2051" name="Picture 3" descr="C:\Devo\git\categories-128.png"/>
             <p:cNvPicPr>
               <a:picLocks noChangeAspect="1" noChangeArrowheads="1"/>
             </p:cNvPicPr>
             <p:nvPr/>
           </p:nvPicPr>
           <p:blipFill>
-            <a:blip r:embed="rId4" cstate="print"/>
+            <a:blip r:embed="rId7" cstate="print"/>
             <a:srcRect/>
             <a:stretch>
               <a:fillRect/>
@@ -5839,8 +5958,231 @@
           </p:blipFill>
           <p:spPr bwMode="auto">
             <a:xfrm>
-              <a:off x="5562600" y="3657600"/>
-              <a:ext cx="685800" cy="685801"/>
+              <a:off x="3087370" y="4535171"/>
+              <a:ext cx="380637" cy="380637"/>
+            </a:xfrm>
+            <a:prstGeom prst="rect">
+              <a:avLst/>
+            </a:prstGeom>
+            <a:grpFill/>
+            <a:ln>
+              <a:solidFill>
+                <a:schemeClr val="accent6">
+                  <a:lumMod val="60000"/>
+                  <a:lumOff val="40000"/>
+                </a:schemeClr>
+              </a:solidFill>
+            </a:ln>
+          </p:spPr>
+        </p:pic>
+      </p:grpSp>
+      <p:pic>
+        <p:nvPicPr>
+          <p:cNvPr id="10" name="Picture 3" descr="C:\Devo\git\Synapse\resources\service_gray.png"/>
+          <p:cNvPicPr>
+            <a:picLocks noChangeAspect="1" noChangeArrowheads="1"/>
+          </p:cNvPicPr>
+          <p:nvPr/>
+        </p:nvPicPr>
+        <p:blipFill>
+          <a:blip r:embed="rId8" cstate="print"/>
+          <a:srcRect/>
+          <a:stretch>
+            <a:fillRect/>
+          </a:stretch>
+        </p:blipFill>
+        <p:spPr bwMode="auto">
+          <a:xfrm>
+            <a:off x="2164066" y="3142554"/>
+            <a:ext cx="496692" cy="496692"/>
+          </a:xfrm>
+          <a:prstGeom prst="rect">
+            <a:avLst/>
+          </a:prstGeom>
+          <a:noFill/>
+        </p:spPr>
+      </p:pic>
+      <p:pic>
+        <p:nvPicPr>
+          <p:cNvPr id="58" name="Picture 5" descr="C:\Devo\git\Synapse\resources\syn_lightning.png"/>
+          <p:cNvPicPr>
+            <a:picLocks noChangeAspect="1" noChangeArrowheads="1"/>
+          </p:cNvPicPr>
+          <p:nvPr/>
+        </p:nvPicPr>
+        <p:blipFill>
+          <a:blip r:embed="rId9" cstate="print"/>
+          <a:srcRect/>
+          <a:stretch>
+            <a:fillRect/>
+          </a:stretch>
+        </p:blipFill>
+        <p:spPr bwMode="auto">
+          <a:xfrm>
+            <a:off x="3669361" y="3270998"/>
+            <a:ext cx="1197864" cy="470590"/>
+          </a:xfrm>
+          <a:prstGeom prst="rect">
+            <a:avLst/>
+          </a:prstGeom>
+          <a:noFill/>
+        </p:spPr>
+      </p:pic>
+      <p:sp>
+        <p:nvSpPr>
+          <p:cNvPr id="52" name="TextBox 51"/>
+          <p:cNvSpPr txBox="1"/>
+          <p:nvPr/>
+        </p:nvSpPr>
+        <p:spPr>
+          <a:xfrm>
+            <a:off x="3836925" y="3343938"/>
+            <a:ext cx="862737" cy="307777"/>
+          </a:xfrm>
+          <a:prstGeom prst="rect">
+            <a:avLst/>
+          </a:prstGeom>
+          <a:noFill/>
+        </p:spPr>
+        <p:txBody>
+          <a:bodyPr wrap="none" rtlCol="0">
+            <a:spAutoFit/>
+          </a:bodyPr>
+          <a:lstStyle/>
+          <a:p>
+            <a:r>
+              <a:rPr lang="en-US" sz="1400" i="1" dirty="0" smtClean="0">
+                <a:solidFill>
+                  <a:srgbClr val="002060"/>
+                </a:solidFill>
+                <a:latin typeface="Microsoft JhengHei" pitchFamily="34" charset="-120"/>
+                <a:ea typeface="Microsoft JhengHei" pitchFamily="34" charset="-120"/>
+              </a:rPr>
+              <a:t>synapse</a:t>
+            </a:r>
+            <a:endParaRPr lang="en-US" sz="1200" i="1" dirty="0">
+              <a:solidFill>
+                <a:srgbClr val="002060"/>
+              </a:solidFill>
+              <a:latin typeface="Microsoft JhengHei" pitchFamily="34" charset="-120"/>
+              <a:ea typeface="Microsoft JhengHei" pitchFamily="34" charset="-120"/>
+            </a:endParaRPr>
+          </a:p>
+        </p:txBody>
+      </p:sp>
+      <p:pic>
+        <p:nvPicPr>
+          <p:cNvPr id="36" name="Picture 2" descr="C:\Devo\git\Synapse\resources\gitlogo.png"/>
+          <p:cNvPicPr>
+            <a:picLocks noChangeAspect="1" noChangeArrowheads="1"/>
+          </p:cNvPicPr>
+          <p:nvPr/>
+        </p:nvPicPr>
+        <p:blipFill>
+          <a:blip r:embed="rId10" cstate="print"/>
+          <a:srcRect/>
+          <a:stretch>
+            <a:fillRect/>
+          </a:stretch>
+        </p:blipFill>
+        <p:spPr bwMode="auto">
+          <a:xfrm>
+            <a:off x="5677693" y="5948627"/>
+            <a:ext cx="455612" cy="455612"/>
+          </a:xfrm>
+          <a:prstGeom prst="rect">
+            <a:avLst/>
+          </a:prstGeom>
+          <a:noFill/>
+        </p:spPr>
+      </p:pic>
+      <p:grpSp>
+        <p:nvGrpSpPr>
+          <p:cNvPr id="54" name="Group 53"/>
+          <p:cNvGrpSpPr/>
+          <p:nvPr/>
+        </p:nvGrpSpPr>
+        <p:grpSpPr>
+          <a:xfrm>
+            <a:off x="2743199" y="1828800"/>
+            <a:ext cx="685800" cy="685800"/>
+            <a:chOff x="2743199" y="1828800"/>
+            <a:chExt cx="685800" cy="685800"/>
+          </a:xfrm>
+        </p:grpSpPr>
+        <p:sp>
+          <p:nvSpPr>
+            <p:cNvPr id="37" name="Oval 36"/>
+            <p:cNvSpPr/>
+            <p:nvPr/>
+          </p:nvSpPr>
+          <p:spPr>
+            <a:xfrm>
+              <a:off x="2743199" y="1828800"/>
+              <a:ext cx="685800" cy="685800"/>
+            </a:xfrm>
+            <a:prstGeom prst="ellipse">
+              <a:avLst/>
+            </a:prstGeom>
+            <a:solidFill>
+              <a:schemeClr val="accent5">
+                <a:lumMod val="20000"/>
+                <a:lumOff val="80000"/>
+              </a:schemeClr>
+            </a:solidFill>
+            <a:ln>
+              <a:solidFill>
+                <a:schemeClr val="accent6">
+                  <a:lumMod val="75000"/>
+                  <a:alpha val="50196"/>
+                </a:schemeClr>
+              </a:solidFill>
+            </a:ln>
+          </p:spPr>
+          <p:style>
+            <a:lnRef idx="2">
+              <a:schemeClr val="accent1">
+                <a:shade val="50000"/>
+              </a:schemeClr>
+            </a:lnRef>
+            <a:fillRef idx="1">
+              <a:schemeClr val="accent1"/>
+            </a:fillRef>
+            <a:effectRef idx="0">
+              <a:schemeClr val="accent1"/>
+            </a:effectRef>
+            <a:fontRef idx="minor">
+              <a:schemeClr val="lt1"/>
+            </a:fontRef>
+          </p:style>
+          <p:txBody>
+            <a:bodyPr rtlCol="0" anchor="ctr"/>
+            <a:lstStyle/>
+            <a:p>
+              <a:pPr algn="ctr"/>
+              <a:endParaRPr lang="en-US"/>
+            </a:p>
+          </p:txBody>
+        </p:sp>
+        <p:pic>
+          <p:nvPicPr>
+            <p:cNvPr id="1026" name="Picture 2" descr="C:\Users\Steve Shortt\Desktop\git.png"/>
+            <p:cNvPicPr>
+              <a:picLocks noChangeAspect="1" noChangeArrowheads="1"/>
+            </p:cNvPicPr>
+            <p:nvPr/>
+          </p:nvPicPr>
+          <p:blipFill>
+            <a:blip r:embed="rId11" cstate="print"/>
+            <a:srcRect/>
+            <a:stretch>
+              <a:fillRect/>
+            </a:stretch>
+          </p:blipFill>
+          <p:spPr bwMode="auto">
+            <a:xfrm>
+              <a:off x="2863056" y="1948657"/>
+              <a:ext cx="446086" cy="446086"/>
             </a:xfrm>
             <a:prstGeom prst="rect">
               <a:avLst/>
@@ -5848,267 +6190,24 @@
             <a:noFill/>
           </p:spPr>
         </p:pic>
-        <p:pic>
-          <p:nvPicPr>
-            <p:cNvPr id="2052" name="Picture 4" descr="cloud, cloudy, server, sky, weather icon"/>
-            <p:cNvPicPr>
-              <a:picLocks noChangeAspect="1" noChangeArrowheads="1"/>
-            </p:cNvPicPr>
-            <p:nvPr/>
-          </p:nvPicPr>
-          <p:blipFill>
-            <a:blip r:embed="rId5" cstate="print"/>
-            <a:srcRect/>
-            <a:stretch>
-              <a:fillRect/>
-            </a:stretch>
-          </p:blipFill>
-          <p:spPr bwMode="auto">
-            <a:xfrm>
-              <a:off x="5562600" y="2590800"/>
-              <a:ext cx="457200" cy="457200"/>
-            </a:xfrm>
-            <a:prstGeom prst="rect">
-              <a:avLst/>
-            </a:prstGeom>
-            <a:noFill/>
-          </p:spPr>
-        </p:pic>
-        <p:pic>
-          <p:nvPicPr>
-            <p:cNvPr id="2053" name="Picture 5" descr="C:\Users\Steve Shortt\Desktop\Untitled.png"/>
-            <p:cNvPicPr>
-              <a:picLocks noChangeAspect="1" noChangeArrowheads="1"/>
-            </p:cNvPicPr>
-            <p:nvPr/>
-          </p:nvPicPr>
-          <p:blipFill>
-            <a:blip r:embed="rId6" cstate="print"/>
-            <a:srcRect/>
-            <a:stretch>
-              <a:fillRect/>
-            </a:stretch>
-          </p:blipFill>
-          <p:spPr bwMode="auto">
-            <a:xfrm>
-              <a:off x="2257695" y="3897222"/>
-              <a:ext cx="694509" cy="694509"/>
-            </a:xfrm>
-            <a:prstGeom prst="rect">
-              <a:avLst/>
-            </a:prstGeom>
-            <a:noFill/>
-          </p:spPr>
-        </p:pic>
-        <p:grpSp>
-          <p:nvGrpSpPr>
-            <p:cNvPr id="6" name="Group 36"/>
-            <p:cNvGrpSpPr/>
-            <p:nvPr/>
-          </p:nvGrpSpPr>
-          <p:grpSpPr>
-            <a:xfrm>
-              <a:off x="2934788" y="4382589"/>
-              <a:ext cx="685800" cy="685800"/>
-              <a:chOff x="2934788" y="4382589"/>
-              <a:chExt cx="685800" cy="685800"/>
-            </a:xfrm>
-            <a:solidFill>
-              <a:schemeClr val="accent6">
-                <a:lumMod val="60000"/>
-                <a:lumOff val="40000"/>
-              </a:schemeClr>
-            </a:solidFill>
-          </p:grpSpPr>
-          <p:sp>
-            <p:nvSpPr>
-              <p:cNvPr id="35" name="Oval 34"/>
-              <p:cNvSpPr/>
-              <p:nvPr/>
-            </p:nvSpPr>
-            <p:spPr>
-              <a:xfrm>
-                <a:off x="2934788" y="4382589"/>
-                <a:ext cx="685800" cy="685800"/>
-              </a:xfrm>
-              <a:prstGeom prst="ellipse">
-                <a:avLst/>
-              </a:prstGeom>
-              <a:grpFill/>
-              <a:ln>
-                <a:solidFill>
-                  <a:schemeClr val="accent6">
-                    <a:lumMod val="60000"/>
-                    <a:lumOff val="40000"/>
-                  </a:schemeClr>
-                </a:solidFill>
-              </a:ln>
-            </p:spPr>
-            <p:style>
-              <a:lnRef idx="2">
-                <a:schemeClr val="accent1">
-                  <a:shade val="50000"/>
-                </a:schemeClr>
-              </a:lnRef>
-              <a:fillRef idx="1">
-                <a:schemeClr val="accent1"/>
-              </a:fillRef>
-              <a:effectRef idx="0">
-                <a:schemeClr val="accent1"/>
-              </a:effectRef>
-              <a:fontRef idx="minor">
-                <a:schemeClr val="lt1"/>
-              </a:fontRef>
-            </p:style>
-            <p:txBody>
-              <a:bodyPr rtlCol="0" anchor="ctr"/>
-              <a:lstStyle/>
-              <a:p>
-                <a:pPr algn="ctr"/>
-                <a:endParaRPr lang="en-US"/>
-              </a:p>
-            </p:txBody>
-          </p:sp>
-          <p:pic>
-            <p:nvPicPr>
-              <p:cNvPr id="2051" name="Picture 3" descr="C:\Devo\git\categories-128.png"/>
-              <p:cNvPicPr>
-                <a:picLocks noChangeAspect="1" noChangeArrowheads="1"/>
-              </p:cNvPicPr>
-              <p:nvPr/>
-            </p:nvPicPr>
-            <p:blipFill>
-              <a:blip r:embed="rId7" cstate="print"/>
-              <a:srcRect/>
-              <a:stretch>
-                <a:fillRect/>
-              </a:stretch>
-            </p:blipFill>
-            <p:spPr bwMode="auto">
-              <a:xfrm>
-                <a:off x="3087370" y="4535171"/>
-                <a:ext cx="380637" cy="380637"/>
-              </a:xfrm>
-              <a:prstGeom prst="rect">
-                <a:avLst/>
-              </a:prstGeom>
-              <a:grpFill/>
-              <a:ln>
-                <a:solidFill>
-                  <a:schemeClr val="accent6">
-                    <a:lumMod val="60000"/>
-                    <a:lumOff val="40000"/>
-                  </a:schemeClr>
-                </a:solidFill>
-              </a:ln>
-            </p:spPr>
-          </p:pic>
-        </p:grpSp>
-        <p:pic>
-          <p:nvPicPr>
-            <p:cNvPr id="10" name="Picture 3" descr="C:\Devo\git\Synapse\resources\service_gray.png"/>
-            <p:cNvPicPr>
-              <a:picLocks noChangeAspect="1" noChangeArrowheads="1"/>
-            </p:cNvPicPr>
-            <p:nvPr/>
-          </p:nvPicPr>
-          <p:blipFill>
-            <a:blip r:embed="rId8" cstate="print"/>
-            <a:srcRect/>
-            <a:stretch>
-              <a:fillRect/>
-            </a:stretch>
-          </p:blipFill>
-          <p:spPr bwMode="auto">
-            <a:xfrm>
-              <a:off x="2164066" y="3142554"/>
-              <a:ext cx="496692" cy="496692"/>
-            </a:xfrm>
-            <a:prstGeom prst="rect">
-              <a:avLst/>
-            </a:prstGeom>
-            <a:noFill/>
-          </p:spPr>
-        </p:pic>
-        <p:pic>
-          <p:nvPicPr>
-            <p:cNvPr id="58" name="Picture 5" descr="C:\Devo\git\Synapse\resources\syn_lightning.png"/>
-            <p:cNvPicPr>
-              <a:picLocks noChangeAspect="1" noChangeArrowheads="1"/>
-            </p:cNvPicPr>
-            <p:nvPr/>
-          </p:nvPicPr>
-          <p:blipFill>
-            <a:blip r:embed="rId9" cstate="print"/>
-            <a:srcRect/>
-            <a:stretch>
-              <a:fillRect/>
-            </a:stretch>
-          </p:blipFill>
-          <p:spPr bwMode="auto">
-            <a:xfrm>
-              <a:off x="3669361" y="3270998"/>
-              <a:ext cx="1197864" cy="470590"/>
-            </a:xfrm>
-            <a:prstGeom prst="rect">
-              <a:avLst/>
-            </a:prstGeom>
-            <a:noFill/>
-          </p:spPr>
-        </p:pic>
-        <p:sp>
-          <p:nvSpPr>
-            <p:cNvPr id="52" name="TextBox 51"/>
-            <p:cNvSpPr txBox="1"/>
-            <p:nvPr/>
-          </p:nvSpPr>
-          <p:spPr>
-            <a:xfrm>
-              <a:off x="3836925" y="3343938"/>
-              <a:ext cx="862737" cy="307777"/>
-            </a:xfrm>
-            <a:prstGeom prst="rect">
-              <a:avLst/>
-            </a:prstGeom>
-            <a:noFill/>
-          </p:spPr>
-          <p:txBody>
-            <a:bodyPr wrap="none" rtlCol="0">
-              <a:spAutoFit/>
-            </a:bodyPr>
-            <a:lstStyle/>
-            <a:p>
-              <a:r>
-                <a:rPr lang="en-US" sz="1400" i="1" dirty="0" smtClean="0">
-                  <a:solidFill>
-                    <a:srgbClr val="002060"/>
-                  </a:solidFill>
-                  <a:latin typeface="Microsoft JhengHei" pitchFamily="34" charset="-120"/>
-                  <a:ea typeface="Microsoft JhengHei" pitchFamily="34" charset="-120"/>
-                </a:rPr>
-                <a:t>synapse</a:t>
-              </a:r>
-              <a:endParaRPr lang="en-US" sz="1200" i="1" dirty="0">
-                <a:solidFill>
-                  <a:srgbClr val="002060"/>
-                </a:solidFill>
-                <a:latin typeface="Microsoft JhengHei" pitchFamily="34" charset="-120"/>
-                <a:ea typeface="Microsoft JhengHei" pitchFamily="34" charset="-120"/>
-              </a:endParaRPr>
-            </a:p>
-          </p:txBody>
-        </p:sp>
       </p:grpSp>
     </p:spTree>
   </p:cSld>
   <p:clrMapOvr>
     <a:masterClrMapping/>
   </p:clrMapOvr>
+  <p:timing>
+    <p:tnLst>
+      <p:par>
+        <p:cTn id="1" dur="indefinite" restart="never" nodeType="tmRoot"/>
+      </p:par>
+    </p:tnLst>
+  </p:timing>
 </p:sld>
 </file>
 
 <file path=ppt/slides/slide3.xml><?xml version="1.0" encoding="utf-8"?>
-<p:sld xmlns:a="http://schemas.openxmlformats.org/drawingml/2006/main" xmlns:r="http://schemas.openxmlformats.org/officeDocument/2006/relationships" xmlns:p="http://schemas.openxmlformats.org/presentationml/2006/main">
+<p:sld xmlns:a="http://schemas.openxmlformats.org/drawingml/2006/main" xmlns:r="http://schemas.openxmlformats.org/officeDocument/2006/relationships" xmlns:p="http://schemas.openxmlformats.org/presentationml/2006/main" show="0">
   <p:cSld>
     <p:spTree>
       <p:nvGrpSpPr>
@@ -8256,6 +8355,14 @@
   <p:clrMapOvr>
     <a:masterClrMapping/>
   </p:clrMapOvr>
+  <p:transition/>
+  <p:timing>
+    <p:tnLst>
+      <p:par>
+        <p:cTn id="1" dur="indefinite" restart="never" nodeType="tmRoot"/>
+      </p:par>
+    </p:tnLst>
+  </p:timing>
 </p:sld>
 </file>
 
@@ -8276,148 +8383,102 @@
           <a:chExt cx="0" cy="0"/>
         </a:xfrm>
       </p:grpSpPr>
-      <p:sp>
-        <p:nvSpPr>
-          <p:cNvPr id="75" name="Can 74"/>
-          <p:cNvSpPr/>
-          <p:nvPr/>
-        </p:nvSpPr>
-        <p:spPr>
-          <a:xfrm>
-            <a:off x="4121815" y="3608734"/>
-            <a:ext cx="738788" cy="810866"/>
-          </a:xfrm>
-          <a:prstGeom prst="can">
-            <a:avLst/>
-          </a:prstGeom>
-          <a:solidFill>
-            <a:srgbClr val="FFFF00"/>
-          </a:solidFill>
-          <a:ln>
-            <a:solidFill>
-              <a:srgbClr val="FFC000"/>
-            </a:solidFill>
-          </a:ln>
-        </p:spPr>
-        <p:style>
-          <a:lnRef idx="2">
-            <a:schemeClr val="accent1">
-              <a:shade val="50000"/>
-            </a:schemeClr>
-          </a:lnRef>
-          <a:fillRef idx="1">
-            <a:schemeClr val="accent1"/>
-          </a:fillRef>
-          <a:effectRef idx="0">
-            <a:schemeClr val="accent1"/>
-          </a:effectRef>
-          <a:fontRef idx="minor">
-            <a:schemeClr val="lt1"/>
-          </a:fontRef>
-        </p:style>
-        <p:txBody>
-          <a:bodyPr rtlCol="0" anchor="ctr"/>
-          <a:lstStyle/>
-          <a:p>
-            <a:pPr algn="ctr"/>
-            <a:endParaRPr lang="en-US"/>
-          </a:p>
-        </p:txBody>
-      </p:sp>
-      <p:sp>
-        <p:nvSpPr>
-          <p:cNvPr id="78" name="10-Point Star 77"/>
-          <p:cNvSpPr/>
-          <p:nvPr/>
-        </p:nvSpPr>
-        <p:spPr>
-          <a:xfrm>
-            <a:off x="2842304" y="1890490"/>
-            <a:ext cx="841248" cy="841248"/>
-          </a:xfrm>
-          <a:prstGeom prst="star10">
-            <a:avLst/>
-          </a:prstGeom>
-          <a:solidFill>
-            <a:srgbClr val="002060">
-              <a:alpha val="50196"/>
-            </a:srgbClr>
-          </a:solidFill>
-        </p:spPr>
-        <p:style>
-          <a:lnRef idx="2">
-            <a:schemeClr val="accent1">
-              <a:shade val="50000"/>
-            </a:schemeClr>
-          </a:lnRef>
-          <a:fillRef idx="1">
-            <a:schemeClr val="accent1"/>
-          </a:fillRef>
-          <a:effectRef idx="0">
-            <a:schemeClr val="accent1"/>
-          </a:effectRef>
-          <a:fontRef idx="minor">
-            <a:schemeClr val="lt1"/>
-          </a:fontRef>
-        </p:style>
-        <p:txBody>
-          <a:bodyPr rtlCol="0" anchor="ctr"/>
-          <a:lstStyle/>
-          <a:p>
-            <a:pPr algn="ctr"/>
-            <a:endParaRPr lang="en-US"/>
-          </a:p>
-        </p:txBody>
-      </p:sp>
       <p:grpSp>
         <p:nvGrpSpPr>
-          <p:cNvPr id="6" name="Group 59"/>
+          <p:cNvPr id="97" name="Group 96"/>
           <p:cNvGrpSpPr/>
           <p:nvPr/>
         </p:nvGrpSpPr>
         <p:grpSpPr>
           <a:xfrm>
-            <a:off x="3571055" y="3977587"/>
-            <a:ext cx="524937" cy="303694"/>
-            <a:chOff x="2108199" y="4691638"/>
-            <a:chExt cx="524937" cy="303694"/>
+            <a:off x="1242913" y="1471638"/>
+            <a:ext cx="6402615" cy="3571836"/>
+            <a:chOff x="1242913" y="1471638"/>
+            <a:chExt cx="6402615" cy="3571836"/>
           </a:xfrm>
         </p:grpSpPr>
         <p:sp>
           <p:nvSpPr>
-            <p:cNvPr id="43" name="Left Bracket 42"/>
+            <p:cNvPr id="75" name="Can 74"/>
             <p:cNvSpPr/>
             <p:nvPr/>
           </p:nvSpPr>
           <p:spPr>
-            <a:xfrm rot="16200000">
-              <a:off x="2269068" y="4631263"/>
-              <a:ext cx="203200" cy="524937"/>
+            <a:xfrm>
+              <a:off x="4121815" y="3608734"/>
+              <a:ext cx="738788" cy="810866"/>
             </a:xfrm>
-            <a:prstGeom prst="leftBracket">
+            <a:prstGeom prst="can">
               <a:avLst/>
             </a:prstGeom>
-            <a:ln w="34925">
+            <a:solidFill>
+              <a:srgbClr val="FFFF00"/>
+            </a:solidFill>
+            <a:ln>
               <a:solidFill>
-                <a:schemeClr val="tx1">
-                  <a:lumMod val="75000"/>
-                  <a:lumOff val="25000"/>
-                </a:schemeClr>
+                <a:srgbClr val="FFC000"/>
               </a:solidFill>
             </a:ln>
           </p:spPr>
           <p:style>
-            <a:lnRef idx="1">
-              <a:schemeClr val="accent1"/>
+            <a:lnRef idx="2">
+              <a:schemeClr val="accent1">
+                <a:shade val="50000"/>
+              </a:schemeClr>
             </a:lnRef>
-            <a:fillRef idx="0">
+            <a:fillRef idx="1">
               <a:schemeClr val="accent1"/>
             </a:fillRef>
             <a:effectRef idx="0">
               <a:schemeClr val="accent1"/>
             </a:effectRef>
             <a:fontRef idx="minor">
-              <a:schemeClr val="tx1"/>
+              <a:schemeClr val="lt1"/>
+            </a:fontRef>
+          </p:style>
+          <p:txBody>
+            <a:bodyPr rtlCol="0" anchor="ctr"/>
+            <a:lstStyle/>
+            <a:p>
+              <a:pPr algn="ctr"/>
+              <a:endParaRPr lang="en-US"/>
+            </a:p>
+          </p:txBody>
+        </p:sp>
+        <p:sp>
+          <p:nvSpPr>
+            <p:cNvPr id="78" name="10-Point Star 77"/>
+            <p:cNvSpPr/>
+            <p:nvPr/>
+          </p:nvSpPr>
+          <p:spPr>
+            <a:xfrm>
+              <a:off x="2842304" y="1890490"/>
+              <a:ext cx="841248" cy="841248"/>
+            </a:xfrm>
+            <a:prstGeom prst="star10">
+              <a:avLst/>
+            </a:prstGeom>
+            <a:solidFill>
+              <a:srgbClr val="002060">
+                <a:alpha val="50196"/>
+              </a:srgbClr>
+            </a:solidFill>
+          </p:spPr>
+          <p:style>
+            <a:lnRef idx="2">
+              <a:schemeClr val="accent1">
+                <a:shade val="50000"/>
+              </a:schemeClr>
+            </a:lnRef>
+            <a:fillRef idx="1">
+              <a:schemeClr val="accent1"/>
+            </a:fillRef>
+            <a:effectRef idx="0">
+              <a:schemeClr val="accent1"/>
+            </a:effectRef>
+            <a:fontRef idx="minor">
+              <a:schemeClr val="lt1"/>
             </a:fontRef>
           </p:style>
           <p:txBody>
@@ -8431,30 +8492,30 @@
         </p:sp>
         <p:grpSp>
           <p:nvGrpSpPr>
-            <p:cNvPr id="7" name="Group 49"/>
+            <p:cNvPr id="6" name="Group 59"/>
             <p:cNvGrpSpPr/>
             <p:nvPr/>
           </p:nvGrpSpPr>
           <p:grpSpPr>
             <a:xfrm>
-              <a:off x="2183665" y="4691638"/>
-              <a:ext cx="374006" cy="226575"/>
-              <a:chOff x="2186148" y="4691638"/>
-              <a:chExt cx="374006" cy="226575"/>
+              <a:off x="3571055" y="3977587"/>
+              <a:ext cx="524937" cy="303694"/>
+              <a:chOff x="2108199" y="4691638"/>
+              <a:chExt cx="524937" cy="303694"/>
             </a:xfrm>
           </p:grpSpPr>
-          <p:cxnSp>
-            <p:nvCxnSpPr>
-              <p:cNvPr id="45" name="Straight Connector 44"/>
-              <p:cNvCxnSpPr/>
+          <p:sp>
+            <p:nvSpPr>
+              <p:cNvPr id="43" name="Left Bracket 42"/>
+              <p:cNvSpPr/>
               <p:nvPr/>
-            </p:nvCxnSpPr>
+            </p:nvSpPr>
             <p:spPr>
-              <a:xfrm>
-                <a:off x="2186148" y="4761211"/>
-                <a:ext cx="374006" cy="2946"/>
+              <a:xfrm rot="16200000">
+                <a:off x="2269068" y="4631263"/>
+                <a:ext cx="203200" cy="524937"/>
               </a:xfrm>
-              <a:prstGeom prst="line">
+              <a:prstGeom prst="leftBracket">
                 <a:avLst/>
               </a:prstGeom>
               <a:ln w="34925">
@@ -8480,19 +8541,209 @@
                 <a:schemeClr val="tx1"/>
               </a:fontRef>
             </p:style>
-          </p:cxnSp>
-          <p:cxnSp>
-            <p:nvCxnSpPr>
-              <p:cNvPr id="47" name="Straight Connector 46"/>
-              <p:cNvCxnSpPr/>
+            <p:txBody>
+              <a:bodyPr rtlCol="0" anchor="ctr"/>
+              <a:lstStyle/>
+              <a:p>
+                <a:pPr algn="ctr"/>
+                <a:endParaRPr lang="en-US"/>
+              </a:p>
+            </p:txBody>
+          </p:sp>
+          <p:grpSp>
+            <p:nvGrpSpPr>
+              <p:cNvPr id="7" name="Group 49"/>
+              <p:cNvGrpSpPr/>
               <p:nvPr/>
-            </p:nvCxnSpPr>
+            </p:nvGrpSpPr>
+            <p:grpSpPr>
+              <a:xfrm>
+                <a:off x="2183665" y="4691638"/>
+                <a:ext cx="374006" cy="226575"/>
+                <a:chOff x="2186148" y="4691638"/>
+                <a:chExt cx="374006" cy="226575"/>
+              </a:xfrm>
+            </p:grpSpPr>
+            <p:cxnSp>
+              <p:nvCxnSpPr>
+                <p:cNvPr id="45" name="Straight Connector 44"/>
+                <p:cNvCxnSpPr/>
+                <p:nvPr/>
+              </p:nvCxnSpPr>
+              <p:spPr>
+                <a:xfrm>
+                  <a:off x="2186148" y="4761211"/>
+                  <a:ext cx="374006" cy="2946"/>
+                </a:xfrm>
+                <a:prstGeom prst="line">
+                  <a:avLst/>
+                </a:prstGeom>
+                <a:ln w="34925">
+                  <a:solidFill>
+                    <a:schemeClr val="tx1">
+                      <a:lumMod val="75000"/>
+                      <a:lumOff val="25000"/>
+                    </a:schemeClr>
+                  </a:solidFill>
+                </a:ln>
+              </p:spPr>
+              <p:style>
+                <a:lnRef idx="1">
+                  <a:schemeClr val="accent1"/>
+                </a:lnRef>
+                <a:fillRef idx="0">
+                  <a:schemeClr val="accent1"/>
+                </a:fillRef>
+                <a:effectRef idx="0">
+                  <a:schemeClr val="accent1"/>
+                </a:effectRef>
+                <a:fontRef idx="minor">
+                  <a:schemeClr val="tx1"/>
+                </a:fontRef>
+              </p:style>
+            </p:cxnSp>
+            <p:cxnSp>
+              <p:nvCxnSpPr>
+                <p:cNvPr id="47" name="Straight Connector 46"/>
+                <p:cNvCxnSpPr/>
+                <p:nvPr/>
+              </p:nvCxnSpPr>
+              <p:spPr>
+                <a:xfrm>
+                  <a:off x="2186148" y="4691638"/>
+                  <a:ext cx="374006" cy="2946"/>
+                </a:xfrm>
+                <a:prstGeom prst="line">
+                  <a:avLst/>
+                </a:prstGeom>
+                <a:ln w="34925">
+                  <a:solidFill>
+                    <a:schemeClr val="tx1">
+                      <a:lumMod val="75000"/>
+                      <a:lumOff val="25000"/>
+                    </a:schemeClr>
+                  </a:solidFill>
+                </a:ln>
+              </p:spPr>
+              <p:style>
+                <a:lnRef idx="1">
+                  <a:schemeClr val="accent1"/>
+                </a:lnRef>
+                <a:fillRef idx="0">
+                  <a:schemeClr val="accent1"/>
+                </a:fillRef>
+                <a:effectRef idx="0">
+                  <a:schemeClr val="accent1"/>
+                </a:effectRef>
+                <a:fontRef idx="minor">
+                  <a:schemeClr val="tx1"/>
+                </a:fontRef>
+              </p:style>
+            </p:cxnSp>
+            <p:cxnSp>
+              <p:nvCxnSpPr>
+                <p:cNvPr id="48" name="Straight Connector 47"/>
+                <p:cNvCxnSpPr/>
+                <p:nvPr/>
+              </p:nvCxnSpPr>
+              <p:spPr>
+                <a:xfrm>
+                  <a:off x="2186148" y="4830784"/>
+                  <a:ext cx="374006" cy="2946"/>
+                </a:xfrm>
+                <a:prstGeom prst="line">
+                  <a:avLst/>
+                </a:prstGeom>
+                <a:ln w="34925">
+                  <a:solidFill>
+                    <a:schemeClr val="tx1">
+                      <a:lumMod val="75000"/>
+                      <a:lumOff val="25000"/>
+                    </a:schemeClr>
+                  </a:solidFill>
+                </a:ln>
+              </p:spPr>
+              <p:style>
+                <a:lnRef idx="1">
+                  <a:schemeClr val="accent1"/>
+                </a:lnRef>
+                <a:fillRef idx="0">
+                  <a:schemeClr val="accent1"/>
+                </a:fillRef>
+                <a:effectRef idx="0">
+                  <a:schemeClr val="accent1"/>
+                </a:effectRef>
+                <a:fontRef idx="minor">
+                  <a:schemeClr val="tx1"/>
+                </a:fontRef>
+              </p:style>
+            </p:cxnSp>
+            <p:cxnSp>
+              <p:nvCxnSpPr>
+                <p:cNvPr id="49" name="Straight Connector 48"/>
+                <p:cNvCxnSpPr/>
+                <p:nvPr/>
+              </p:nvCxnSpPr>
+              <p:spPr>
+                <a:xfrm>
+                  <a:off x="2186148" y="4915267"/>
+                  <a:ext cx="374006" cy="2946"/>
+                </a:xfrm>
+                <a:prstGeom prst="line">
+                  <a:avLst/>
+                </a:prstGeom>
+                <a:ln w="57150">
+                  <a:solidFill>
+                    <a:schemeClr val="tx1">
+                      <a:lumMod val="75000"/>
+                      <a:lumOff val="25000"/>
+                    </a:schemeClr>
+                  </a:solidFill>
+                </a:ln>
+              </p:spPr>
+              <p:style>
+                <a:lnRef idx="1">
+                  <a:schemeClr val="accent1"/>
+                </a:lnRef>
+                <a:fillRef idx="0">
+                  <a:schemeClr val="accent1"/>
+                </a:fillRef>
+                <a:effectRef idx="0">
+                  <a:schemeClr val="accent1"/>
+                </a:effectRef>
+                <a:fontRef idx="minor">
+                  <a:schemeClr val="tx1"/>
+                </a:fontRef>
+              </p:style>
+            </p:cxnSp>
+          </p:grpSp>
+        </p:grpSp>
+        <p:grpSp>
+          <p:nvGrpSpPr>
+            <p:cNvPr id="8" name="Group 58"/>
+            <p:cNvGrpSpPr/>
+            <p:nvPr/>
+          </p:nvGrpSpPr>
+          <p:grpSpPr>
+            <a:xfrm>
+              <a:off x="4881365" y="3977587"/>
+              <a:ext cx="524937" cy="303694"/>
+              <a:chOff x="3592444" y="4645257"/>
+              <a:chExt cx="524937" cy="303694"/>
+            </a:xfrm>
+          </p:grpSpPr>
+          <p:sp>
+            <p:nvSpPr>
+              <p:cNvPr id="51" name="Left Bracket 50"/>
+              <p:cNvSpPr/>
+              <p:nvPr/>
+            </p:nvSpPr>
             <p:spPr>
-              <a:xfrm>
-                <a:off x="2186148" y="4691638"/>
-                <a:ext cx="374006" cy="2946"/>
+              <a:xfrm rot="16200000">
+                <a:off x="3753313" y="4584882"/>
+                <a:ext cx="203200" cy="524937"/>
               </a:xfrm>
-              <a:prstGeom prst="line">
+              <a:prstGeom prst="leftBracket">
                 <a:avLst/>
               </a:prstGeom>
               <a:ln w="34925">
@@ -8518,120 +8769,205 @@
                 <a:schemeClr val="tx1"/>
               </a:fontRef>
             </p:style>
-          </p:cxnSp>
-          <p:cxnSp>
-            <p:nvCxnSpPr>
-              <p:cNvPr id="48" name="Straight Connector 47"/>
-              <p:cNvCxnSpPr/>
+            <p:txBody>
+              <a:bodyPr rtlCol="0" anchor="ctr"/>
+              <a:lstStyle/>
+              <a:p>
+                <a:pPr algn="ctr"/>
+                <a:endParaRPr lang="en-US"/>
+              </a:p>
+            </p:txBody>
+          </p:sp>
+          <p:grpSp>
+            <p:nvGrpSpPr>
+              <p:cNvPr id="9" name="Group 51"/>
+              <p:cNvGrpSpPr/>
               <p:nvPr/>
-            </p:nvCxnSpPr>
-            <p:spPr>
-              <a:xfrm>
-                <a:off x="2186148" y="4830784"/>
-                <a:ext cx="374006" cy="2946"/>
+            </p:nvGrpSpPr>
+            <p:grpSpPr>
+              <a:xfrm rot="10800000">
+                <a:off x="3667910" y="4645257"/>
+                <a:ext cx="374006" cy="226575"/>
+                <a:chOff x="2186148" y="4691638"/>
+                <a:chExt cx="374006" cy="226575"/>
               </a:xfrm>
-              <a:prstGeom prst="line">
-                <a:avLst/>
-              </a:prstGeom>
-              <a:ln w="34925">
-                <a:solidFill>
-                  <a:schemeClr val="tx1">
-                    <a:lumMod val="75000"/>
-                    <a:lumOff val="25000"/>
-                  </a:schemeClr>
-                </a:solidFill>
-              </a:ln>
-            </p:spPr>
-            <p:style>
-              <a:lnRef idx="1">
-                <a:schemeClr val="accent1"/>
-              </a:lnRef>
-              <a:fillRef idx="0">
-                <a:schemeClr val="accent1"/>
-              </a:fillRef>
-              <a:effectRef idx="0">
-                <a:schemeClr val="accent1"/>
-              </a:effectRef>
-              <a:fontRef idx="minor">
-                <a:schemeClr val="tx1"/>
-              </a:fontRef>
-            </p:style>
-          </p:cxnSp>
-          <p:cxnSp>
-            <p:nvCxnSpPr>
-              <p:cNvPr id="49" name="Straight Connector 48"/>
-              <p:cNvCxnSpPr/>
-              <p:nvPr/>
-            </p:nvCxnSpPr>
-            <p:spPr>
-              <a:xfrm>
-                <a:off x="2186148" y="4915267"/>
-                <a:ext cx="374006" cy="2946"/>
-              </a:xfrm>
-              <a:prstGeom prst="line">
-                <a:avLst/>
-              </a:prstGeom>
-              <a:ln w="57150">
-                <a:solidFill>
-                  <a:schemeClr val="tx1">
-                    <a:lumMod val="75000"/>
-                    <a:lumOff val="25000"/>
-                  </a:schemeClr>
-                </a:solidFill>
-              </a:ln>
-            </p:spPr>
-            <p:style>
-              <a:lnRef idx="1">
-                <a:schemeClr val="accent1"/>
-              </a:lnRef>
-              <a:fillRef idx="0">
-                <a:schemeClr val="accent1"/>
-              </a:fillRef>
-              <a:effectRef idx="0">
-                <a:schemeClr val="accent1"/>
-              </a:effectRef>
-              <a:fontRef idx="minor">
-                <a:schemeClr val="tx1"/>
-              </a:fontRef>
-            </p:style>
-          </p:cxnSp>
+            </p:grpSpPr>
+            <p:cxnSp>
+              <p:nvCxnSpPr>
+                <p:cNvPr id="53" name="Straight Connector 52"/>
+                <p:cNvCxnSpPr/>
+                <p:nvPr/>
+              </p:nvCxnSpPr>
+              <p:spPr>
+                <a:xfrm>
+                  <a:off x="2186148" y="4761211"/>
+                  <a:ext cx="374006" cy="2946"/>
+                </a:xfrm>
+                <a:prstGeom prst="line">
+                  <a:avLst/>
+                </a:prstGeom>
+                <a:ln w="34925">
+                  <a:solidFill>
+                    <a:schemeClr val="tx1">
+                      <a:lumMod val="75000"/>
+                      <a:lumOff val="25000"/>
+                    </a:schemeClr>
+                  </a:solidFill>
+                </a:ln>
+              </p:spPr>
+              <p:style>
+                <a:lnRef idx="1">
+                  <a:schemeClr val="accent1"/>
+                </a:lnRef>
+                <a:fillRef idx="0">
+                  <a:schemeClr val="accent1"/>
+                </a:fillRef>
+                <a:effectRef idx="0">
+                  <a:schemeClr val="accent1"/>
+                </a:effectRef>
+                <a:fontRef idx="minor">
+                  <a:schemeClr val="tx1"/>
+                </a:fontRef>
+              </p:style>
+            </p:cxnSp>
+            <p:cxnSp>
+              <p:nvCxnSpPr>
+                <p:cNvPr id="54" name="Straight Connector 53"/>
+                <p:cNvCxnSpPr/>
+                <p:nvPr/>
+              </p:nvCxnSpPr>
+              <p:spPr>
+                <a:xfrm>
+                  <a:off x="2186148" y="4691638"/>
+                  <a:ext cx="374006" cy="2946"/>
+                </a:xfrm>
+                <a:prstGeom prst="line">
+                  <a:avLst/>
+                </a:prstGeom>
+                <a:ln w="34925">
+                  <a:solidFill>
+                    <a:schemeClr val="tx1">
+                      <a:lumMod val="75000"/>
+                      <a:lumOff val="25000"/>
+                    </a:schemeClr>
+                  </a:solidFill>
+                </a:ln>
+              </p:spPr>
+              <p:style>
+                <a:lnRef idx="1">
+                  <a:schemeClr val="accent1"/>
+                </a:lnRef>
+                <a:fillRef idx="0">
+                  <a:schemeClr val="accent1"/>
+                </a:fillRef>
+                <a:effectRef idx="0">
+                  <a:schemeClr val="accent1"/>
+                </a:effectRef>
+                <a:fontRef idx="minor">
+                  <a:schemeClr val="tx1"/>
+                </a:fontRef>
+              </p:style>
+            </p:cxnSp>
+            <p:cxnSp>
+              <p:nvCxnSpPr>
+                <p:cNvPr id="57" name="Straight Connector 56"/>
+                <p:cNvCxnSpPr/>
+                <p:nvPr/>
+              </p:nvCxnSpPr>
+              <p:spPr>
+                <a:xfrm>
+                  <a:off x="2186148" y="4830784"/>
+                  <a:ext cx="374006" cy="2946"/>
+                </a:xfrm>
+                <a:prstGeom prst="line">
+                  <a:avLst/>
+                </a:prstGeom>
+                <a:ln w="34925">
+                  <a:solidFill>
+                    <a:schemeClr val="tx1">
+                      <a:lumMod val="75000"/>
+                      <a:lumOff val="25000"/>
+                    </a:schemeClr>
+                  </a:solidFill>
+                </a:ln>
+              </p:spPr>
+              <p:style>
+                <a:lnRef idx="1">
+                  <a:schemeClr val="accent1"/>
+                </a:lnRef>
+                <a:fillRef idx="0">
+                  <a:schemeClr val="accent1"/>
+                </a:fillRef>
+                <a:effectRef idx="0">
+                  <a:schemeClr val="accent1"/>
+                </a:effectRef>
+                <a:fontRef idx="minor">
+                  <a:schemeClr val="tx1"/>
+                </a:fontRef>
+              </p:style>
+            </p:cxnSp>
+            <p:cxnSp>
+              <p:nvCxnSpPr>
+                <p:cNvPr id="58" name="Straight Connector 57"/>
+                <p:cNvCxnSpPr/>
+                <p:nvPr/>
+              </p:nvCxnSpPr>
+              <p:spPr>
+                <a:xfrm>
+                  <a:off x="2186148" y="4915267"/>
+                  <a:ext cx="374006" cy="2946"/>
+                </a:xfrm>
+                <a:prstGeom prst="line">
+                  <a:avLst/>
+                </a:prstGeom>
+                <a:ln w="57150">
+                  <a:solidFill>
+                    <a:schemeClr val="tx1">
+                      <a:lumMod val="75000"/>
+                      <a:lumOff val="25000"/>
+                    </a:schemeClr>
+                  </a:solidFill>
+                </a:ln>
+              </p:spPr>
+              <p:style>
+                <a:lnRef idx="1">
+                  <a:schemeClr val="accent1"/>
+                </a:lnRef>
+                <a:fillRef idx="0">
+                  <a:schemeClr val="accent1"/>
+                </a:fillRef>
+                <a:effectRef idx="0">
+                  <a:schemeClr val="accent1"/>
+                </a:effectRef>
+                <a:fontRef idx="minor">
+                  <a:schemeClr val="tx1"/>
+                </a:fontRef>
+              </p:style>
+            </p:cxnSp>
+          </p:grpSp>
         </p:grpSp>
-      </p:grpSp>
-      <p:grpSp>
-        <p:nvGrpSpPr>
-          <p:cNvPr id="8" name="Group 58"/>
-          <p:cNvGrpSpPr/>
-          <p:nvPr/>
-        </p:nvGrpSpPr>
-        <p:grpSpPr>
-          <a:xfrm>
-            <a:off x="4881365" y="3977587"/>
-            <a:ext cx="524937" cy="303694"/>
-            <a:chOff x="3592444" y="4645257"/>
-            <a:chExt cx="524937" cy="303694"/>
-          </a:xfrm>
-        </p:grpSpPr>
-        <p:sp>
-          <p:nvSpPr>
-            <p:cNvPr id="51" name="Left Bracket 50"/>
-            <p:cNvSpPr/>
+        <p:cxnSp>
+          <p:nvCxnSpPr>
+            <p:cNvPr id="62" name="Straight Arrow Connector 61"/>
+            <p:cNvCxnSpPr/>
             <p:nvPr/>
-          </p:nvSpPr>
+          </p:nvCxnSpPr>
           <p:spPr>
-            <a:xfrm rot="16200000">
-              <a:off x="3753313" y="4584882"/>
-              <a:ext cx="203200" cy="524937"/>
+            <a:xfrm>
+              <a:off x="3259671" y="2726268"/>
+              <a:ext cx="558800" cy="1236134"/>
             </a:xfrm>
-            <a:prstGeom prst="leftBracket">
+            <a:prstGeom prst="straightConnector1">
               <a:avLst/>
             </a:prstGeom>
-            <a:ln w="34925">
+            <a:ln w="25400">
               <a:solidFill>
                 <a:schemeClr val="tx1">
                   <a:lumMod val="75000"/>
                   <a:lumOff val="25000"/>
                 </a:schemeClr>
               </a:solidFill>
+              <a:tailEnd type="triangle"/>
             </a:ln>
           </p:spPr>
           <p:style>
@@ -8648,363 +8984,602 @@
               <a:schemeClr val="tx1"/>
             </a:fontRef>
           </p:style>
+        </p:cxnSp>
+        <p:cxnSp>
+          <p:nvCxnSpPr>
+            <p:cNvPr id="66" name="Straight Arrow Connector 65"/>
+            <p:cNvCxnSpPr/>
+            <p:nvPr/>
+          </p:nvCxnSpPr>
+          <p:spPr>
+            <a:xfrm flipV="1">
+              <a:off x="5260015" y="2740985"/>
+              <a:ext cx="377618" cy="1174654"/>
+            </a:xfrm>
+            <a:prstGeom prst="straightConnector1">
+              <a:avLst/>
+            </a:prstGeom>
+            <a:ln w="25400">
+              <a:solidFill>
+                <a:schemeClr val="tx1">
+                  <a:lumMod val="75000"/>
+                  <a:lumOff val="25000"/>
+                </a:schemeClr>
+              </a:solidFill>
+              <a:tailEnd type="triangle"/>
+            </a:ln>
+          </p:spPr>
+          <p:style>
+            <a:lnRef idx="1">
+              <a:schemeClr val="accent1"/>
+            </a:lnRef>
+            <a:fillRef idx="0">
+              <a:schemeClr val="accent1"/>
+            </a:fillRef>
+            <a:effectRef idx="0">
+              <a:schemeClr val="accent1"/>
+            </a:effectRef>
+            <a:fontRef idx="minor">
+              <a:schemeClr val="tx1"/>
+            </a:fontRef>
+          </p:style>
+        </p:cxnSp>
+        <p:sp>
+          <p:nvSpPr>
+            <p:cNvPr id="76" name="TextBox 75"/>
+            <p:cNvSpPr txBox="1"/>
+            <p:nvPr/>
+          </p:nvSpPr>
+          <p:spPr>
+            <a:xfrm>
+              <a:off x="2512905" y="3139310"/>
+              <a:ext cx="1026941" cy="461665"/>
+            </a:xfrm>
+            <a:prstGeom prst="rect">
+              <a:avLst/>
+            </a:prstGeom>
+            <a:noFill/>
+          </p:spPr>
           <p:txBody>
-            <a:bodyPr rtlCol="0" anchor="ctr"/>
+            <a:bodyPr wrap="square" rtlCol="0">
+              <a:spAutoFit/>
+            </a:bodyPr>
             <a:lstStyle/>
             <a:p>
               <a:pPr algn="ctr"/>
-              <a:endParaRPr lang="en-US"/>
+              <a:r>
+                <a:rPr lang="en-US" sz="1200" dirty="0" err="1" smtClean="0"/>
+                <a:t>enqueues</a:t>
+              </a:r>
+              <a:endParaRPr lang="en-US" sz="1200" dirty="0" smtClean="0"/>
+            </a:p>
+            <a:p>
+              <a:pPr algn="ctr"/>
+              <a:r>
+                <a:rPr lang="en-US" sz="1200" dirty="0" smtClean="0"/>
+                <a:t>request</a:t>
+              </a:r>
+              <a:endParaRPr lang="en-US" dirty="0"/>
+            </a:p>
+          </p:txBody>
+        </p:sp>
+        <p:sp>
+          <p:nvSpPr>
+            <p:cNvPr id="79" name="TextBox 78"/>
+            <p:cNvSpPr txBox="1"/>
+            <p:nvPr/>
+          </p:nvSpPr>
+          <p:spPr>
+            <a:xfrm>
+              <a:off x="5265610" y="3527214"/>
+              <a:ext cx="847321" cy="461665"/>
+            </a:xfrm>
+            <a:prstGeom prst="rect">
+              <a:avLst/>
+            </a:prstGeom>
+            <a:noFill/>
+          </p:spPr>
+          <p:txBody>
+            <a:bodyPr wrap="square" rtlCol="0">
+              <a:spAutoFit/>
+            </a:bodyPr>
+            <a:lstStyle/>
+            <a:p>
+              <a:pPr algn="ctr"/>
+              <a:r>
+                <a:rPr lang="en-US" sz="1200" dirty="0" err="1" smtClean="0"/>
+                <a:t>dequeues</a:t>
+              </a:r>
+              <a:endParaRPr lang="en-US" sz="1200" dirty="0" smtClean="0"/>
+            </a:p>
+            <a:p>
+              <a:pPr algn="ctr"/>
+              <a:r>
+                <a:rPr lang="en-US" sz="1200" dirty="0" smtClean="0"/>
+                <a:t>request</a:t>
+              </a:r>
+              <a:endParaRPr lang="en-US" dirty="0"/>
             </a:p>
           </p:txBody>
         </p:sp>
         <p:grpSp>
           <p:nvGrpSpPr>
-            <p:cNvPr id="9" name="Group 51"/>
+            <p:cNvPr id="10" name="Group 81"/>
             <p:cNvGrpSpPr/>
             <p:nvPr/>
           </p:nvGrpSpPr>
           <p:grpSpPr>
-            <a:xfrm rot="10800000">
-              <a:off x="3667910" y="4645257"/>
-              <a:ext cx="374006" cy="226575"/>
-              <a:chOff x="2186148" y="4691638"/>
-              <a:chExt cx="374006" cy="226575"/>
+            <a:xfrm>
+              <a:off x="1242913" y="1895413"/>
+              <a:ext cx="1008188" cy="840173"/>
+              <a:chOff x="1383320" y="3147182"/>
+              <a:chExt cx="1008188" cy="840173"/>
             </a:xfrm>
           </p:grpSpPr>
-          <p:cxnSp>
-            <p:nvCxnSpPr>
-              <p:cNvPr id="53" name="Straight Connector 52"/>
-              <p:cNvCxnSpPr/>
+          <p:pic>
+            <p:nvPicPr>
+              <p:cNvPr id="3074" name="Picture 2" descr="C:\Devo\git\Synapse\resources\yaml_doc.png"/>
+              <p:cNvPicPr>
+                <a:picLocks noChangeAspect="1" noChangeArrowheads="1"/>
+              </p:cNvPicPr>
               <p:nvPr/>
-            </p:nvCxnSpPr>
+            </p:nvPicPr>
+            <p:blipFill>
+              <a:blip r:embed="rId3" cstate="print"/>
+              <a:srcRect/>
+              <a:stretch>
+                <a:fillRect/>
+              </a:stretch>
+            </p:blipFill>
+            <p:spPr bwMode="auto">
+              <a:xfrm>
+                <a:off x="1654089" y="3147182"/>
+                <a:ext cx="466651" cy="609503"/>
+              </a:xfrm>
+              <a:prstGeom prst="rect">
+                <a:avLst/>
+              </a:prstGeom>
+              <a:noFill/>
+            </p:spPr>
+          </p:pic>
+          <p:sp>
+            <p:nvSpPr>
+              <p:cNvPr id="81" name="TextBox 80"/>
+              <p:cNvSpPr txBox="1"/>
+              <p:nvPr/>
+            </p:nvSpPr>
             <p:spPr>
               <a:xfrm>
-                <a:off x="2186148" y="4761211"/>
-                <a:ext cx="374006" cy="2946"/>
+                <a:off x="1383320" y="3710356"/>
+                <a:ext cx="1008188" cy="276999"/>
               </a:xfrm>
-              <a:prstGeom prst="line">
+              <a:prstGeom prst="rect">
                 <a:avLst/>
               </a:prstGeom>
-              <a:ln w="34925">
+              <a:noFill/>
+            </p:spPr>
+            <p:txBody>
+              <a:bodyPr wrap="square" rtlCol="0">
+                <a:spAutoFit/>
+              </a:bodyPr>
+              <a:lstStyle/>
+              <a:p>
+                <a:pPr algn="ctr"/>
+                <a:r>
+                  <a:rPr lang="en-US" sz="1200" dirty="0" smtClean="0"/>
+                  <a:t>synapse plan</a:t>
+                </a:r>
+                <a:endParaRPr lang="en-US" dirty="0"/>
+              </a:p>
+            </p:txBody>
+          </p:sp>
+        </p:grpSp>
+        <p:cxnSp>
+          <p:nvCxnSpPr>
+            <p:cNvPr id="96" name="Straight Connector 95"/>
+            <p:cNvCxnSpPr/>
+            <p:nvPr/>
+          </p:nvCxnSpPr>
+          <p:spPr>
+            <a:xfrm>
+              <a:off x="2026014" y="2314392"/>
+              <a:ext cx="844192" cy="0"/>
+            </a:xfrm>
+            <a:prstGeom prst="line">
+              <a:avLst/>
+            </a:prstGeom>
+            <a:ln w="25400">
+              <a:solidFill>
+                <a:schemeClr val="tx1">
+                  <a:lumMod val="75000"/>
+                  <a:lumOff val="25000"/>
+                </a:schemeClr>
+              </a:solidFill>
+              <a:tailEnd type="triangle"/>
+            </a:ln>
+          </p:spPr>
+          <p:style>
+            <a:lnRef idx="1">
+              <a:schemeClr val="accent1"/>
+            </a:lnRef>
+            <a:fillRef idx="0">
+              <a:schemeClr val="accent1"/>
+            </a:fillRef>
+            <a:effectRef idx="0">
+              <a:schemeClr val="accent1"/>
+            </a:effectRef>
+            <a:fontRef idx="minor">
+              <a:schemeClr val="tx1"/>
+            </a:fontRef>
+          </p:style>
+        </p:cxnSp>
+        <p:grpSp>
+          <p:nvGrpSpPr>
+            <p:cNvPr id="11" name="Group 141"/>
+            <p:cNvGrpSpPr/>
+            <p:nvPr/>
+          </p:nvGrpSpPr>
+          <p:grpSpPr>
+            <a:xfrm>
+              <a:off x="6627967" y="1473461"/>
+              <a:ext cx="947224" cy="883524"/>
+              <a:chOff x="6712634" y="3115994"/>
+              <a:chExt cx="947224" cy="883524"/>
+            </a:xfrm>
+          </p:grpSpPr>
+          <p:grpSp>
+            <p:nvGrpSpPr>
+              <p:cNvPr id="12" name="Group 105"/>
+              <p:cNvGrpSpPr/>
+              <p:nvPr/>
+            </p:nvGrpSpPr>
+            <p:grpSpPr>
+              <a:xfrm>
+                <a:off x="6712634" y="3115994"/>
+                <a:ext cx="947224" cy="262207"/>
+                <a:chOff x="6787662" y="3341077"/>
+                <a:chExt cx="1041010" cy="288169"/>
+              </a:xfrm>
+            </p:grpSpPr>
+            <p:sp>
+              <p:nvSpPr>
+                <p:cNvPr id="100" name="Flowchart: Terminator 99"/>
+                <p:cNvSpPr/>
+                <p:nvPr/>
+              </p:nvSpPr>
+              <p:spPr>
+                <a:xfrm>
+                  <a:off x="6787662" y="3341077"/>
+                  <a:ext cx="1041010" cy="288169"/>
+                </a:xfrm>
+                <a:prstGeom prst="flowChartTerminator">
+                  <a:avLst/>
+                </a:prstGeom>
                 <a:solidFill>
-                  <a:schemeClr val="tx1">
-                    <a:lumMod val="75000"/>
-                    <a:lumOff val="25000"/>
+                  <a:schemeClr val="bg1"/>
+                </a:solidFill>
+                <a:ln>
+                  <a:solidFill>
+                    <a:schemeClr val="tx1">
+                      <a:lumMod val="75000"/>
+                      <a:lumOff val="25000"/>
+                    </a:schemeClr>
+                  </a:solidFill>
+                </a:ln>
+              </p:spPr>
+              <p:style>
+                <a:lnRef idx="2">
+                  <a:schemeClr val="accent1">
+                    <a:shade val="50000"/>
                   </a:schemeClr>
+                </a:lnRef>
+                <a:fillRef idx="1">
+                  <a:schemeClr val="accent1"/>
+                </a:fillRef>
+                <a:effectRef idx="0">
+                  <a:schemeClr val="accent1"/>
+                </a:effectRef>
+                <a:fontRef idx="minor">
+                  <a:schemeClr val="lt1"/>
+                </a:fontRef>
+              </p:style>
+              <p:txBody>
+                <a:bodyPr rtlCol="0" anchor="ctr"/>
+                <a:lstStyle/>
+                <a:p>
+                  <a:pPr algn="ctr"/>
+                  <a:endParaRPr lang="en-US"/>
+                </a:p>
+              </p:txBody>
+            </p:sp>
+            <p:sp>
+              <p:nvSpPr>
+                <p:cNvPr id="101" name="Oval 100"/>
+                <p:cNvSpPr/>
+                <p:nvPr/>
+              </p:nvSpPr>
+              <p:spPr>
+                <a:xfrm>
+                  <a:off x="6893169" y="3425374"/>
+                  <a:ext cx="119575" cy="119575"/>
+                </a:xfrm>
+                <a:prstGeom prst="ellipse">
+                  <a:avLst/>
+                </a:prstGeom>
+                <a:solidFill>
+                  <a:srgbClr val="FF0000"/>
                 </a:solidFill>
-              </a:ln>
-            </p:spPr>
-            <p:style>
-              <a:lnRef idx="1">
-                <a:schemeClr val="accent1"/>
-              </a:lnRef>
-              <a:fillRef idx="0">
-                <a:schemeClr val="accent1"/>
-              </a:fillRef>
-              <a:effectRef idx="0">
-                <a:schemeClr val="accent1"/>
-              </a:effectRef>
-              <a:fontRef idx="minor">
-                <a:schemeClr val="tx1"/>
-              </a:fontRef>
-            </p:style>
-          </p:cxnSp>
-          <p:cxnSp>
-            <p:nvCxnSpPr>
-              <p:cNvPr id="54" name="Straight Connector 53"/>
-              <p:cNvCxnSpPr/>
+                <a:ln>
+                  <a:solidFill>
+                    <a:srgbClr val="FF0000"/>
+                  </a:solidFill>
+                </a:ln>
+              </p:spPr>
+              <p:style>
+                <a:lnRef idx="2">
+                  <a:schemeClr val="accent1">
+                    <a:shade val="50000"/>
+                  </a:schemeClr>
+                </a:lnRef>
+                <a:fillRef idx="1">
+                  <a:schemeClr val="accent1"/>
+                </a:fillRef>
+                <a:effectRef idx="0">
+                  <a:schemeClr val="accent1"/>
+                </a:effectRef>
+                <a:fontRef idx="minor">
+                  <a:schemeClr val="lt1"/>
+                </a:fontRef>
+              </p:style>
+              <p:txBody>
+                <a:bodyPr rtlCol="0" anchor="ctr"/>
+                <a:lstStyle/>
+                <a:p>
+                  <a:pPr algn="ctr"/>
+                  <a:endParaRPr lang="en-US"/>
+                </a:p>
+              </p:txBody>
+            </p:sp>
+          </p:grpSp>
+          <p:grpSp>
+            <p:nvGrpSpPr>
+              <p:cNvPr id="13" name="Group 108"/>
+              <p:cNvGrpSpPr/>
               <p:nvPr/>
-            </p:nvCxnSpPr>
-            <p:spPr>
+            </p:nvGrpSpPr>
+            <p:grpSpPr>
               <a:xfrm>
-                <a:off x="2186148" y="4691638"/>
-                <a:ext cx="374006" cy="2946"/>
+                <a:off x="6712634" y="3426653"/>
+                <a:ext cx="947224" cy="262207"/>
+                <a:chOff x="6787662" y="3341077"/>
+                <a:chExt cx="1041010" cy="288169"/>
               </a:xfrm>
-              <a:prstGeom prst="line">
-                <a:avLst/>
-              </a:prstGeom>
-              <a:ln w="34925">
+            </p:grpSpPr>
+            <p:sp>
+              <p:nvSpPr>
+                <p:cNvPr id="110" name="Flowchart: Terminator 109"/>
+                <p:cNvSpPr/>
+                <p:nvPr/>
+              </p:nvSpPr>
+              <p:spPr>
+                <a:xfrm>
+                  <a:off x="6787662" y="3341077"/>
+                  <a:ext cx="1041010" cy="288169"/>
+                </a:xfrm>
+                <a:prstGeom prst="flowChartTerminator">
+                  <a:avLst/>
+                </a:prstGeom>
                 <a:solidFill>
-                  <a:schemeClr val="tx1">
-                    <a:lumMod val="75000"/>
-                    <a:lumOff val="25000"/>
+                  <a:schemeClr val="bg1"/>
+                </a:solidFill>
+                <a:ln>
+                  <a:solidFill>
+                    <a:schemeClr val="tx1">
+                      <a:lumMod val="75000"/>
+                      <a:lumOff val="25000"/>
+                    </a:schemeClr>
+                  </a:solidFill>
+                </a:ln>
+              </p:spPr>
+              <p:style>
+                <a:lnRef idx="2">
+                  <a:schemeClr val="accent1">
+                    <a:shade val="50000"/>
                   </a:schemeClr>
+                </a:lnRef>
+                <a:fillRef idx="1">
+                  <a:schemeClr val="accent1"/>
+                </a:fillRef>
+                <a:effectRef idx="0">
+                  <a:schemeClr val="accent1"/>
+                </a:effectRef>
+                <a:fontRef idx="minor">
+                  <a:schemeClr val="lt1"/>
+                </a:fontRef>
+              </p:style>
+              <p:txBody>
+                <a:bodyPr rtlCol="0" anchor="ctr"/>
+                <a:lstStyle/>
+                <a:p>
+                  <a:pPr algn="ctr"/>
+                  <a:endParaRPr lang="en-US"/>
+                </a:p>
+              </p:txBody>
+            </p:sp>
+            <p:sp>
+              <p:nvSpPr>
+                <p:cNvPr id="111" name="Oval 110"/>
+                <p:cNvSpPr/>
+                <p:nvPr/>
+              </p:nvSpPr>
+              <p:spPr>
+                <a:xfrm>
+                  <a:off x="6893169" y="3425374"/>
+                  <a:ext cx="119575" cy="119575"/>
+                </a:xfrm>
+                <a:prstGeom prst="ellipse">
+                  <a:avLst/>
+                </a:prstGeom>
+                <a:solidFill>
+                  <a:srgbClr val="00B050"/>
                 </a:solidFill>
-              </a:ln>
-            </p:spPr>
-            <p:style>
-              <a:lnRef idx="1">
-                <a:schemeClr val="accent1"/>
-              </a:lnRef>
-              <a:fillRef idx="0">
-                <a:schemeClr val="accent1"/>
-              </a:fillRef>
-              <a:effectRef idx="0">
-                <a:schemeClr val="accent1"/>
-              </a:effectRef>
-              <a:fontRef idx="minor">
-                <a:schemeClr val="tx1"/>
-              </a:fontRef>
-            </p:style>
-          </p:cxnSp>
-          <p:cxnSp>
-            <p:nvCxnSpPr>
-              <p:cNvPr id="57" name="Straight Connector 56"/>
-              <p:cNvCxnSpPr/>
+                <a:ln>
+                  <a:solidFill>
+                    <a:srgbClr val="00B050"/>
+                  </a:solidFill>
+                </a:ln>
+              </p:spPr>
+              <p:style>
+                <a:lnRef idx="2">
+                  <a:schemeClr val="accent1">
+                    <a:shade val="50000"/>
+                  </a:schemeClr>
+                </a:lnRef>
+                <a:fillRef idx="1">
+                  <a:schemeClr val="accent1"/>
+                </a:fillRef>
+                <a:effectRef idx="0">
+                  <a:schemeClr val="accent1"/>
+                </a:effectRef>
+                <a:fontRef idx="minor">
+                  <a:schemeClr val="lt1"/>
+                </a:fontRef>
+              </p:style>
+              <p:txBody>
+                <a:bodyPr rtlCol="0" anchor="ctr"/>
+                <a:lstStyle/>
+                <a:p>
+                  <a:pPr algn="ctr"/>
+                  <a:endParaRPr lang="en-US"/>
+                </a:p>
+              </p:txBody>
+            </p:sp>
+          </p:grpSp>
+          <p:grpSp>
+            <p:nvGrpSpPr>
+              <p:cNvPr id="14" name="Group 114"/>
+              <p:cNvGrpSpPr/>
               <p:nvPr/>
-            </p:nvCxnSpPr>
-            <p:spPr>
+            </p:nvGrpSpPr>
+            <p:grpSpPr>
               <a:xfrm>
-                <a:off x="2186148" y="4830784"/>
-                <a:ext cx="374006" cy="2946"/>
+                <a:off x="6712634" y="3737311"/>
+                <a:ext cx="947224" cy="262207"/>
+                <a:chOff x="6787662" y="3341077"/>
+                <a:chExt cx="1041010" cy="288169"/>
               </a:xfrm>
-              <a:prstGeom prst="line">
-                <a:avLst/>
-              </a:prstGeom>
-              <a:ln w="34925">
+            </p:grpSpPr>
+            <p:sp>
+              <p:nvSpPr>
+                <p:cNvPr id="116" name="Flowchart: Terminator 115"/>
+                <p:cNvSpPr/>
+                <p:nvPr/>
+              </p:nvSpPr>
+              <p:spPr>
+                <a:xfrm>
+                  <a:off x="6787662" y="3341077"/>
+                  <a:ext cx="1041010" cy="288169"/>
+                </a:xfrm>
+                <a:prstGeom prst="flowChartTerminator">
+                  <a:avLst/>
+                </a:prstGeom>
                 <a:solidFill>
-                  <a:schemeClr val="tx1">
-                    <a:lumMod val="75000"/>
-                    <a:lumOff val="25000"/>
+                  <a:schemeClr val="bg1"/>
+                </a:solidFill>
+                <a:ln>
+                  <a:solidFill>
+                    <a:schemeClr val="tx1">
+                      <a:lumMod val="75000"/>
+                      <a:lumOff val="25000"/>
+                    </a:schemeClr>
+                  </a:solidFill>
+                </a:ln>
+              </p:spPr>
+              <p:style>
+                <a:lnRef idx="2">
+                  <a:schemeClr val="accent1">
+                    <a:shade val="50000"/>
                   </a:schemeClr>
+                </a:lnRef>
+                <a:fillRef idx="1">
+                  <a:schemeClr val="accent1"/>
+                </a:fillRef>
+                <a:effectRef idx="0">
+                  <a:schemeClr val="accent1"/>
+                </a:effectRef>
+                <a:fontRef idx="minor">
+                  <a:schemeClr val="lt1"/>
+                </a:fontRef>
+              </p:style>
+              <p:txBody>
+                <a:bodyPr rtlCol="0" anchor="ctr"/>
+                <a:lstStyle/>
+                <a:p>
+                  <a:pPr algn="ctr"/>
+                  <a:endParaRPr lang="en-US"/>
+                </a:p>
+              </p:txBody>
+            </p:sp>
+            <p:sp>
+              <p:nvSpPr>
+                <p:cNvPr id="117" name="Oval 116"/>
+                <p:cNvSpPr/>
+                <p:nvPr/>
+              </p:nvSpPr>
+              <p:spPr>
+                <a:xfrm>
+                  <a:off x="6893169" y="3425374"/>
+                  <a:ext cx="119575" cy="119575"/>
+                </a:xfrm>
+                <a:prstGeom prst="ellipse">
+                  <a:avLst/>
+                </a:prstGeom>
+                <a:solidFill>
+                  <a:srgbClr val="00B050"/>
                 </a:solidFill>
-              </a:ln>
-            </p:spPr>
-            <p:style>
-              <a:lnRef idx="1">
-                <a:schemeClr val="accent1"/>
-              </a:lnRef>
-              <a:fillRef idx="0">
-                <a:schemeClr val="accent1"/>
-              </a:fillRef>
-              <a:effectRef idx="0">
-                <a:schemeClr val="accent1"/>
-              </a:effectRef>
-              <a:fontRef idx="minor">
-                <a:schemeClr val="tx1"/>
-              </a:fontRef>
-            </p:style>
-          </p:cxnSp>
-          <p:cxnSp>
-            <p:nvCxnSpPr>
-              <p:cNvPr id="58" name="Straight Connector 57"/>
-              <p:cNvCxnSpPr/>
-              <p:nvPr/>
-            </p:nvCxnSpPr>
-            <p:spPr>
-              <a:xfrm>
-                <a:off x="2186148" y="4915267"/>
-                <a:ext cx="374006" cy="2946"/>
-              </a:xfrm>
-              <a:prstGeom prst="line">
-                <a:avLst/>
-              </a:prstGeom>
-              <a:ln w="57150">
-                <a:solidFill>
-                  <a:schemeClr val="tx1">
-                    <a:lumMod val="75000"/>
-                    <a:lumOff val="25000"/>
+                <a:ln>
+                  <a:solidFill>
+                    <a:srgbClr val="00B050"/>
+                  </a:solidFill>
+                </a:ln>
+              </p:spPr>
+              <p:style>
+                <a:lnRef idx="2">
+                  <a:schemeClr val="accent1">
+                    <a:shade val="50000"/>
                   </a:schemeClr>
-                </a:solidFill>
-              </a:ln>
-            </p:spPr>
-            <p:style>
-              <a:lnRef idx="1">
-                <a:schemeClr val="accent1"/>
-              </a:lnRef>
-              <a:fillRef idx="0">
-                <a:schemeClr val="accent1"/>
-              </a:fillRef>
-              <a:effectRef idx="0">
-                <a:schemeClr val="accent1"/>
-              </a:effectRef>
-              <a:fontRef idx="minor">
-                <a:schemeClr val="tx1"/>
-              </a:fontRef>
-            </p:style>
-          </p:cxnSp>
+                </a:lnRef>
+                <a:fillRef idx="1">
+                  <a:schemeClr val="accent1"/>
+                </a:fillRef>
+                <a:effectRef idx="0">
+                  <a:schemeClr val="accent1"/>
+                </a:effectRef>
+                <a:fontRef idx="minor">
+                  <a:schemeClr val="lt1"/>
+                </a:fontRef>
+              </p:style>
+              <p:txBody>
+                <a:bodyPr rtlCol="0" anchor="ctr"/>
+                <a:lstStyle/>
+                <a:p>
+                  <a:pPr algn="ctr"/>
+                  <a:endParaRPr lang="en-US"/>
+                </a:p>
+              </p:txBody>
+            </p:sp>
+          </p:grpSp>
         </p:grpSp>
-      </p:grpSp>
-      <p:cxnSp>
-        <p:nvCxnSpPr>
-          <p:cNvPr id="62" name="Straight Arrow Connector 61"/>
-          <p:cNvCxnSpPr/>
-          <p:nvPr/>
-        </p:nvCxnSpPr>
-        <p:spPr>
-          <a:xfrm>
-            <a:off x="3259671" y="2726268"/>
-            <a:ext cx="558800" cy="1236134"/>
-          </a:xfrm>
-          <a:prstGeom prst="straightConnector1">
-            <a:avLst/>
-          </a:prstGeom>
-          <a:ln w="25400">
-            <a:solidFill>
-              <a:schemeClr val="tx1">
-                <a:lumMod val="75000"/>
-                <a:lumOff val="25000"/>
-              </a:schemeClr>
-            </a:solidFill>
-            <a:tailEnd type="triangle"/>
-          </a:ln>
-        </p:spPr>
-        <p:style>
-          <a:lnRef idx="1">
-            <a:schemeClr val="accent1"/>
-          </a:lnRef>
-          <a:fillRef idx="0">
-            <a:schemeClr val="accent1"/>
-          </a:fillRef>
-          <a:effectRef idx="0">
-            <a:schemeClr val="accent1"/>
-          </a:effectRef>
-          <a:fontRef idx="minor">
-            <a:schemeClr val="tx1"/>
-          </a:fontRef>
-        </p:style>
-      </p:cxnSp>
-      <p:cxnSp>
-        <p:nvCxnSpPr>
-          <p:cNvPr id="66" name="Straight Arrow Connector 65"/>
-          <p:cNvCxnSpPr/>
-          <p:nvPr/>
-        </p:nvCxnSpPr>
-        <p:spPr>
-          <a:xfrm flipV="1">
-            <a:off x="5260015" y="2740985"/>
-            <a:ext cx="377618" cy="1174654"/>
-          </a:xfrm>
-          <a:prstGeom prst="straightConnector1">
-            <a:avLst/>
-          </a:prstGeom>
-          <a:ln w="25400">
-            <a:solidFill>
-              <a:schemeClr val="tx1">
-                <a:lumMod val="75000"/>
-                <a:lumOff val="25000"/>
-              </a:schemeClr>
-            </a:solidFill>
-            <a:tailEnd type="triangle"/>
-          </a:ln>
-        </p:spPr>
-        <p:style>
-          <a:lnRef idx="1">
-            <a:schemeClr val="accent1"/>
-          </a:lnRef>
-          <a:fillRef idx="0">
-            <a:schemeClr val="accent1"/>
-          </a:fillRef>
-          <a:effectRef idx="0">
-            <a:schemeClr val="accent1"/>
-          </a:effectRef>
-          <a:fontRef idx="minor">
-            <a:schemeClr val="tx1"/>
-          </a:fontRef>
-        </p:style>
-      </p:cxnSp>
-      <p:sp>
-        <p:nvSpPr>
-          <p:cNvPr id="76" name="TextBox 75"/>
-          <p:cNvSpPr txBox="1"/>
-          <p:nvPr/>
-        </p:nvSpPr>
-        <p:spPr>
-          <a:xfrm>
-            <a:off x="2512905" y="3139310"/>
-            <a:ext cx="1026941" cy="461665"/>
-          </a:xfrm>
-          <a:prstGeom prst="rect">
-            <a:avLst/>
-          </a:prstGeom>
-          <a:noFill/>
-        </p:spPr>
-        <p:txBody>
-          <a:bodyPr wrap="square" rtlCol="0">
-            <a:spAutoFit/>
-          </a:bodyPr>
-          <a:lstStyle/>
-          <a:p>
-            <a:pPr algn="ctr"/>
-            <a:r>
-              <a:rPr lang="en-US" sz="1200" dirty="0" err="1" smtClean="0"/>
-              <a:t>enqueues</a:t>
-            </a:r>
-            <a:endParaRPr lang="en-US" sz="1200" dirty="0" smtClean="0"/>
-          </a:p>
-          <a:p>
-            <a:pPr algn="ctr"/>
-            <a:r>
-              <a:rPr lang="en-US" sz="1200" dirty="0" smtClean="0"/>
-              <a:t>request</a:t>
-            </a:r>
-            <a:endParaRPr lang="en-US" dirty="0"/>
-          </a:p>
-        </p:txBody>
-      </p:sp>
-      <p:sp>
-        <p:nvSpPr>
-          <p:cNvPr id="79" name="TextBox 78"/>
-          <p:cNvSpPr txBox="1"/>
-          <p:nvPr/>
-        </p:nvSpPr>
-        <p:spPr>
-          <a:xfrm>
-            <a:off x="5299479" y="3527214"/>
-            <a:ext cx="752622" cy="461665"/>
-          </a:xfrm>
-          <a:prstGeom prst="rect">
-            <a:avLst/>
-          </a:prstGeom>
-          <a:noFill/>
-        </p:spPr>
-        <p:txBody>
-          <a:bodyPr wrap="square" rtlCol="0">
-            <a:spAutoFit/>
-          </a:bodyPr>
-          <a:lstStyle/>
-          <a:p>
-            <a:pPr algn="ctr"/>
-            <a:r>
-              <a:rPr lang="en-US" sz="1200" dirty="0" err="1" smtClean="0"/>
-              <a:t>dequeue</a:t>
-            </a:r>
-            <a:endParaRPr lang="en-US" sz="1200" dirty="0" smtClean="0"/>
-          </a:p>
-          <a:p>
-            <a:pPr algn="ctr"/>
-            <a:r>
-              <a:rPr lang="en-US" sz="1200" dirty="0" smtClean="0"/>
-              <a:t>request</a:t>
-            </a:r>
-            <a:endParaRPr lang="en-US" dirty="0"/>
-          </a:p>
-        </p:txBody>
-      </p:sp>
-      <p:grpSp>
-        <p:nvGrpSpPr>
-          <p:cNvPr id="10" name="Group 81"/>
-          <p:cNvGrpSpPr/>
-          <p:nvPr/>
-        </p:nvGrpSpPr>
-        <p:grpSpPr>
-          <a:xfrm>
-            <a:off x="1242913" y="1895413"/>
-            <a:ext cx="1008188" cy="840173"/>
-            <a:chOff x="1383320" y="3147182"/>
-            <a:chExt cx="1008188" cy="840173"/>
-          </a:xfrm>
-        </p:grpSpPr>
         <p:pic>
           <p:nvPicPr>
-            <p:cNvPr id="3074" name="Picture 2" descr="C:\Devo\git\Synapse\resources\yaml_doc.png"/>
+            <p:cNvPr id="3076" name="Picture 4" descr="https://cdn2.iconfinder.com/data/icons/amazon-aws-stencils/100/Non-Service_Specific_copy_Generic_Database-128.png"/>
             <p:cNvPicPr>
               <a:picLocks noChangeAspect="1" noChangeArrowheads="1"/>
             </p:cNvPicPr>
             <p:nvPr/>
           </p:nvPicPr>
           <p:blipFill>
-            <a:blip r:embed="rId3" cstate="print"/>
+            <a:blip r:embed="rId4" cstate="print"/>
             <a:srcRect/>
             <a:stretch>
               <a:fillRect/>
@@ -9012,8 +9587,8 @@
           </p:blipFill>
           <p:spPr bwMode="auto">
             <a:xfrm>
-              <a:off x="1654089" y="3147182"/>
-              <a:ext cx="466651" cy="609503"/>
+              <a:off x="6578255" y="2219049"/>
+              <a:ext cx="1039138" cy="1039140"/>
             </a:xfrm>
             <a:prstGeom prst="rect">
               <a:avLst/>
@@ -9021,16 +9596,253 @@
             <a:noFill/>
           </p:spPr>
         </p:pic>
+        <p:cxnSp>
+          <p:nvCxnSpPr>
+            <p:cNvPr id="118" name="Straight Connector 117"/>
+            <p:cNvCxnSpPr>
+              <a:stCxn id="37" idx="3"/>
+              <a:endCxn id="110" idx="1"/>
+            </p:cNvCxnSpPr>
+            <p:nvPr/>
+          </p:nvCxnSpPr>
+          <p:spPr>
+            <a:xfrm flipV="1">
+              <a:off x="5941265" y="1915224"/>
+              <a:ext cx="686702" cy="395129"/>
+            </a:xfrm>
+            <a:prstGeom prst="line">
+              <a:avLst/>
+            </a:prstGeom>
+            <a:ln w="25400">
+              <a:solidFill>
+                <a:schemeClr val="tx1">
+                  <a:lumMod val="75000"/>
+                  <a:lumOff val="25000"/>
+                </a:schemeClr>
+              </a:solidFill>
+              <a:tailEnd type="triangle"/>
+            </a:ln>
+          </p:spPr>
+          <p:style>
+            <a:lnRef idx="1">
+              <a:schemeClr val="accent1"/>
+            </a:lnRef>
+            <a:fillRef idx="0">
+              <a:schemeClr val="accent1"/>
+            </a:fillRef>
+            <a:effectRef idx="0">
+              <a:schemeClr val="accent1"/>
+            </a:effectRef>
+            <a:fontRef idx="minor">
+              <a:schemeClr val="tx1"/>
+            </a:fontRef>
+          </p:style>
+        </p:cxnSp>
+        <p:cxnSp>
+          <p:nvCxnSpPr>
+            <p:cNvPr id="121" name="Straight Connector 120"/>
+            <p:cNvCxnSpPr>
+              <a:stCxn id="37" idx="3"/>
+              <a:endCxn id="116" idx="1"/>
+            </p:cNvCxnSpPr>
+            <p:nvPr/>
+          </p:nvCxnSpPr>
+          <p:spPr>
+            <a:xfrm flipV="1">
+              <a:off x="5941265" y="2225882"/>
+              <a:ext cx="686702" cy="84471"/>
+            </a:xfrm>
+            <a:prstGeom prst="line">
+              <a:avLst/>
+            </a:prstGeom>
+            <a:ln w="25400">
+              <a:solidFill>
+                <a:schemeClr val="tx1">
+                  <a:lumMod val="75000"/>
+                  <a:lumOff val="25000"/>
+                </a:schemeClr>
+              </a:solidFill>
+              <a:tailEnd type="triangle"/>
+            </a:ln>
+          </p:spPr>
+          <p:style>
+            <a:lnRef idx="1">
+              <a:schemeClr val="accent1"/>
+            </a:lnRef>
+            <a:fillRef idx="0">
+              <a:schemeClr val="accent1"/>
+            </a:fillRef>
+            <a:effectRef idx="0">
+              <a:schemeClr val="accent1"/>
+            </a:effectRef>
+            <a:fontRef idx="minor">
+              <a:schemeClr val="tx1"/>
+            </a:fontRef>
+          </p:style>
+        </p:cxnSp>
+        <p:cxnSp>
+          <p:nvCxnSpPr>
+            <p:cNvPr id="124" name="Straight Connector 123"/>
+            <p:cNvCxnSpPr>
+              <a:stCxn id="37" idx="3"/>
+              <a:endCxn id="100" idx="1"/>
+            </p:cNvCxnSpPr>
+            <p:nvPr/>
+          </p:nvCxnSpPr>
+          <p:spPr>
+            <a:xfrm flipV="1">
+              <a:off x="5941265" y="1604565"/>
+              <a:ext cx="686702" cy="705788"/>
+            </a:xfrm>
+            <a:prstGeom prst="line">
+              <a:avLst/>
+            </a:prstGeom>
+            <a:ln w="25400">
+              <a:solidFill>
+                <a:schemeClr val="tx1">
+                  <a:lumMod val="75000"/>
+                  <a:lumOff val="25000"/>
+                </a:schemeClr>
+              </a:solidFill>
+              <a:tailEnd type="triangle"/>
+            </a:ln>
+          </p:spPr>
+          <p:style>
+            <a:lnRef idx="1">
+              <a:schemeClr val="accent1"/>
+            </a:lnRef>
+            <a:fillRef idx="0">
+              <a:schemeClr val="accent1"/>
+            </a:fillRef>
+            <a:effectRef idx="0">
+              <a:schemeClr val="accent1"/>
+            </a:effectRef>
+            <a:fontRef idx="minor">
+              <a:schemeClr val="tx1"/>
+            </a:fontRef>
+          </p:style>
+        </p:cxnSp>
+        <p:cxnSp>
+          <p:nvCxnSpPr>
+            <p:cNvPr id="127" name="Straight Connector 126"/>
+            <p:cNvCxnSpPr>
+              <a:stCxn id="37" idx="3"/>
+            </p:cNvCxnSpPr>
+            <p:nvPr/>
+          </p:nvCxnSpPr>
+          <p:spPr>
+            <a:xfrm>
+              <a:off x="5941265" y="2310353"/>
+              <a:ext cx="937576" cy="450302"/>
+            </a:xfrm>
+            <a:prstGeom prst="line">
+              <a:avLst/>
+            </a:prstGeom>
+            <a:ln w="25400">
+              <a:solidFill>
+                <a:schemeClr val="tx1">
+                  <a:lumMod val="75000"/>
+                  <a:lumOff val="25000"/>
+                </a:schemeClr>
+              </a:solidFill>
+              <a:tailEnd type="triangle"/>
+            </a:ln>
+          </p:spPr>
+          <p:style>
+            <a:lnRef idx="1">
+              <a:schemeClr val="accent1"/>
+            </a:lnRef>
+            <a:fillRef idx="0">
+              <a:schemeClr val="accent1"/>
+            </a:fillRef>
+            <a:effectRef idx="0">
+              <a:schemeClr val="accent1"/>
+            </a:effectRef>
+            <a:fontRef idx="minor">
+              <a:schemeClr val="tx1"/>
+            </a:fontRef>
+          </p:style>
+        </p:cxnSp>
+        <p:cxnSp>
+          <p:nvCxnSpPr>
+            <p:cNvPr id="143" name="Straight Arrow Connector 142"/>
+            <p:cNvCxnSpPr/>
+            <p:nvPr/>
+          </p:nvCxnSpPr>
+          <p:spPr>
+            <a:xfrm>
+              <a:off x="5436902" y="4012679"/>
+              <a:ext cx="991773" cy="499403"/>
+            </a:xfrm>
+            <a:prstGeom prst="straightConnector1">
+              <a:avLst/>
+            </a:prstGeom>
+            <a:ln w="25400">
+              <a:solidFill>
+                <a:schemeClr val="tx1">
+                  <a:lumMod val="75000"/>
+                  <a:lumOff val="25000"/>
+                </a:schemeClr>
+              </a:solidFill>
+              <a:tailEnd type="triangle"/>
+            </a:ln>
+          </p:spPr>
+          <p:style>
+            <a:lnRef idx="1">
+              <a:schemeClr val="accent1"/>
+            </a:lnRef>
+            <a:fillRef idx="0">
+              <a:schemeClr val="accent1"/>
+            </a:fillRef>
+            <a:effectRef idx="0">
+              <a:schemeClr val="accent1"/>
+            </a:effectRef>
+            <a:fontRef idx="minor">
+              <a:schemeClr val="tx1"/>
+            </a:fontRef>
+          </p:style>
+        </p:cxnSp>
         <p:sp>
           <p:nvSpPr>
-            <p:cNvPr id="81" name="TextBox 80"/>
+            <p:cNvPr id="167" name="TextBox 166"/>
             <p:cNvSpPr txBox="1"/>
             <p:nvPr/>
           </p:nvSpPr>
           <p:spPr>
             <a:xfrm>
-              <a:off x="1383320" y="3710356"/>
-              <a:ext cx="1008188" cy="276999"/>
+              <a:off x="5600109" y="1556308"/>
+              <a:ext cx="778415" cy="276999"/>
+            </a:xfrm>
+            <a:prstGeom prst="rect">
+              <a:avLst/>
+            </a:prstGeom>
+            <a:noFill/>
+          </p:spPr>
+          <p:txBody>
+            <a:bodyPr wrap="square" rtlCol="0">
+              <a:spAutoFit/>
+            </a:bodyPr>
+            <a:lstStyle/>
+            <a:p>
+              <a:pPr algn="ctr"/>
+              <a:r>
+                <a:rPr lang="en-US" sz="1200" dirty="0" err="1" smtClean="0"/>
+                <a:t>agentless</a:t>
+              </a:r>
+              <a:endParaRPr lang="en-US" dirty="0"/>
+            </a:p>
+          </p:txBody>
+        </p:sp>
+        <p:sp>
+          <p:nvSpPr>
+            <p:cNvPr id="168" name="TextBox 167"/>
+            <p:cNvSpPr txBox="1"/>
+            <p:nvPr/>
+          </p:nvSpPr>
+          <p:spPr>
+            <a:xfrm>
+              <a:off x="6717058" y="4766475"/>
+              <a:ext cx="778415" cy="276999"/>
             </a:xfrm>
             <a:prstGeom prst="rect">
               <a:avLst/>
@@ -9046,90 +9858,431 @@
               <a:pPr algn="ctr"/>
               <a:r>
                 <a:rPr lang="en-US" sz="1200" dirty="0" smtClean="0"/>
-                <a:t>synapse plan</a:t>
+                <a:t>agent</a:t>
               </a:r>
               <a:endParaRPr lang="en-US" dirty="0"/>
             </a:p>
           </p:txBody>
         </p:sp>
-      </p:grpSp>
-      <p:cxnSp>
-        <p:nvCxnSpPr>
-          <p:cNvPr id="96" name="Straight Connector 95"/>
-          <p:cNvCxnSpPr/>
-          <p:nvPr/>
-        </p:nvCxnSpPr>
-        <p:spPr>
-          <a:xfrm>
-            <a:off x="2026014" y="2314392"/>
-            <a:ext cx="844192" cy="0"/>
-          </a:xfrm>
-          <a:prstGeom prst="line">
-            <a:avLst/>
-          </a:prstGeom>
-          <a:ln w="25400">
-            <a:solidFill>
-              <a:schemeClr val="tx1">
-                <a:lumMod val="75000"/>
-                <a:lumOff val="25000"/>
-              </a:schemeClr>
-            </a:solidFill>
-            <a:tailEnd type="triangle"/>
-          </a:ln>
-        </p:spPr>
-        <p:style>
-          <a:lnRef idx="1">
-            <a:schemeClr val="accent1"/>
-          </a:lnRef>
-          <a:fillRef idx="0">
-            <a:schemeClr val="accent1"/>
-          </a:fillRef>
-          <a:effectRef idx="0">
-            <a:schemeClr val="accent1"/>
-          </a:effectRef>
-          <a:fontRef idx="minor">
-            <a:schemeClr val="tx1"/>
-          </a:fontRef>
-        </p:style>
-      </p:cxnSp>
-      <p:grpSp>
-        <p:nvGrpSpPr>
-          <p:cNvPr id="11" name="Group 141"/>
-          <p:cNvGrpSpPr/>
-          <p:nvPr/>
-        </p:nvGrpSpPr>
-        <p:grpSpPr>
-          <a:xfrm>
-            <a:off x="6627967" y="1473461"/>
-            <a:ext cx="947224" cy="883524"/>
-            <a:chOff x="6712634" y="3115994"/>
-            <a:chExt cx="947224" cy="883524"/>
-          </a:xfrm>
-        </p:grpSpPr>
+        <p:cxnSp>
+          <p:nvCxnSpPr>
+            <p:cNvPr id="103" name="Straight Arrow Connector 102"/>
+            <p:cNvCxnSpPr/>
+            <p:nvPr/>
+          </p:nvCxnSpPr>
+          <p:spPr>
+            <a:xfrm>
+              <a:off x="5867398" y="2760134"/>
+              <a:ext cx="583418" cy="1693073"/>
+            </a:xfrm>
+            <a:prstGeom prst="straightConnector1">
+              <a:avLst/>
+            </a:prstGeom>
+            <a:ln w="25400">
+              <a:solidFill>
+                <a:schemeClr val="tx1">
+                  <a:lumMod val="75000"/>
+                  <a:lumOff val="25000"/>
+                </a:schemeClr>
+              </a:solidFill>
+              <a:prstDash val="dash"/>
+              <a:tailEnd type="triangle"/>
+            </a:ln>
+          </p:spPr>
+          <p:style>
+            <a:lnRef idx="1">
+              <a:schemeClr val="accent1"/>
+            </a:lnRef>
+            <a:fillRef idx="0">
+              <a:schemeClr val="accent1"/>
+            </a:fillRef>
+            <a:effectRef idx="0">
+              <a:schemeClr val="accent1"/>
+            </a:effectRef>
+            <a:fontRef idx="minor">
+              <a:schemeClr val="tx1"/>
+            </a:fontRef>
+          </p:style>
+        </p:cxnSp>
+        <p:sp>
+          <p:nvSpPr>
+            <p:cNvPr id="105" name="TextBox 104"/>
+            <p:cNvSpPr txBox="1"/>
+            <p:nvPr/>
+          </p:nvSpPr>
+          <p:spPr>
+            <a:xfrm>
+              <a:off x="6048192" y="3200143"/>
+              <a:ext cx="778415" cy="276999"/>
+            </a:xfrm>
+            <a:prstGeom prst="rect">
+              <a:avLst/>
+            </a:prstGeom>
+            <a:noFill/>
+          </p:spPr>
+          <p:txBody>
+            <a:bodyPr wrap="square" rtlCol="0">
+              <a:spAutoFit/>
+            </a:bodyPr>
+            <a:lstStyle/>
+            <a:p>
+              <a:pPr algn="ctr"/>
+              <a:r>
+                <a:rPr lang="en-US" sz="1200" dirty="0" smtClean="0"/>
+                <a:t>proxy</a:t>
+              </a:r>
+              <a:endParaRPr lang="en-US" dirty="0"/>
+            </a:p>
+          </p:txBody>
+        </p:sp>
+        <p:pic>
+          <p:nvPicPr>
+            <p:cNvPr id="2" name="Picture 2" descr="C:\Devo\git\Synapse\resources\service_syn_f.png"/>
+            <p:cNvPicPr>
+              <a:picLocks noChangeAspect="1" noChangeArrowheads="1"/>
+            </p:cNvPicPr>
+            <p:nvPr/>
+          </p:nvPicPr>
+          <p:blipFill>
+            <a:blip r:embed="rId5" cstate="print"/>
+            <a:srcRect/>
+            <a:stretch>
+              <a:fillRect/>
+            </a:stretch>
+          </p:blipFill>
+          <p:spPr bwMode="auto">
+            <a:xfrm>
+              <a:off x="3023470" y="2071656"/>
+              <a:ext cx="478917" cy="478917"/>
+            </a:xfrm>
+            <a:prstGeom prst="rect">
+              <a:avLst/>
+            </a:prstGeom>
+            <a:noFill/>
+          </p:spPr>
+        </p:pic>
+        <p:sp>
+          <p:nvSpPr>
+            <p:cNvPr id="72" name="TextBox 71"/>
+            <p:cNvSpPr txBox="1"/>
+            <p:nvPr/>
+          </p:nvSpPr>
+          <p:spPr>
+            <a:xfrm>
+              <a:off x="3401905" y="2758311"/>
+              <a:ext cx="1026941" cy="461665"/>
+            </a:xfrm>
+            <a:prstGeom prst="rect">
+              <a:avLst/>
+            </a:prstGeom>
+            <a:noFill/>
+          </p:spPr>
+          <p:txBody>
+            <a:bodyPr wrap="square" rtlCol="0">
+              <a:spAutoFit/>
+            </a:bodyPr>
+            <a:lstStyle/>
+            <a:p>
+              <a:pPr algn="ctr"/>
+              <a:r>
+                <a:rPr lang="en-US" sz="1200" dirty="0" err="1" smtClean="0">
+                  <a:solidFill>
+                    <a:srgbClr val="002060"/>
+                  </a:solidFill>
+                </a:rPr>
+                <a:t>dequeues</a:t>
+              </a:r>
+              <a:endParaRPr lang="en-US" sz="1200" dirty="0" smtClean="0">
+                <a:solidFill>
+                  <a:srgbClr val="002060"/>
+                </a:solidFill>
+              </a:endParaRPr>
+            </a:p>
+            <a:p>
+              <a:pPr algn="ctr"/>
+              <a:r>
+                <a:rPr lang="en-US" sz="1200" dirty="0" smtClean="0">
+                  <a:solidFill>
+                    <a:srgbClr val="002060"/>
+                  </a:solidFill>
+                </a:rPr>
+                <a:t>response</a:t>
+              </a:r>
+              <a:endParaRPr lang="en-US" dirty="0">
+                <a:solidFill>
+                  <a:srgbClr val="002060"/>
+                </a:solidFill>
+              </a:endParaRPr>
+            </a:p>
+          </p:txBody>
+        </p:sp>
+        <p:cxnSp>
+          <p:nvCxnSpPr>
+            <p:cNvPr id="74" name="Straight Arrow Connector 73"/>
+            <p:cNvCxnSpPr/>
+            <p:nvPr/>
+          </p:nvCxnSpPr>
+          <p:spPr>
+            <a:xfrm>
+              <a:off x="5926661" y="2726260"/>
+              <a:ext cx="583418" cy="1693073"/>
+            </a:xfrm>
+            <a:prstGeom prst="straightConnector1">
+              <a:avLst/>
+            </a:prstGeom>
+            <a:ln w="25400">
+              <a:solidFill>
+                <a:srgbClr val="002060">
+                  <a:alpha val="74902"/>
+                </a:srgbClr>
+              </a:solidFill>
+              <a:prstDash val="dash"/>
+              <a:headEnd type="triangle"/>
+              <a:tailEnd type="none"/>
+            </a:ln>
+          </p:spPr>
+          <p:style>
+            <a:lnRef idx="1">
+              <a:schemeClr val="accent1"/>
+            </a:lnRef>
+            <a:fillRef idx="0">
+              <a:schemeClr val="accent1"/>
+            </a:fillRef>
+            <a:effectRef idx="0">
+              <a:schemeClr val="accent1"/>
+            </a:effectRef>
+            <a:fontRef idx="minor">
+              <a:schemeClr val="tx1"/>
+            </a:fontRef>
+          </p:style>
+        </p:cxnSp>
+        <p:cxnSp>
+          <p:nvCxnSpPr>
+            <p:cNvPr id="77" name="Straight Arrow Connector 76"/>
+            <p:cNvCxnSpPr/>
+            <p:nvPr/>
+          </p:nvCxnSpPr>
+          <p:spPr>
+            <a:xfrm>
+              <a:off x="5419968" y="4088879"/>
+              <a:ext cx="991773" cy="499403"/>
+            </a:xfrm>
+            <a:prstGeom prst="straightConnector1">
+              <a:avLst/>
+            </a:prstGeom>
+            <a:ln w="25400">
+              <a:solidFill>
+                <a:srgbClr val="002060">
+                  <a:alpha val="74902"/>
+                </a:srgbClr>
+              </a:solidFill>
+              <a:headEnd type="triangle"/>
+              <a:tailEnd type="none"/>
+            </a:ln>
+          </p:spPr>
+          <p:style>
+            <a:lnRef idx="1">
+              <a:schemeClr val="accent1"/>
+            </a:lnRef>
+            <a:fillRef idx="0">
+              <a:schemeClr val="accent1"/>
+            </a:fillRef>
+            <a:effectRef idx="0">
+              <a:schemeClr val="accent1"/>
+            </a:effectRef>
+            <a:fontRef idx="minor">
+              <a:schemeClr val="tx1"/>
+            </a:fontRef>
+          </p:style>
+        </p:cxnSp>
+        <p:cxnSp>
+          <p:nvCxnSpPr>
+            <p:cNvPr id="80" name="Straight Arrow Connector 79"/>
+            <p:cNvCxnSpPr/>
+            <p:nvPr/>
+          </p:nvCxnSpPr>
+          <p:spPr>
+            <a:xfrm flipV="1">
+              <a:off x="5166882" y="2766385"/>
+              <a:ext cx="377618" cy="1174654"/>
+            </a:xfrm>
+            <a:prstGeom prst="straightConnector1">
+              <a:avLst/>
+            </a:prstGeom>
+            <a:ln w="25400">
+              <a:solidFill>
+                <a:srgbClr val="002060">
+                  <a:alpha val="74902"/>
+                </a:srgbClr>
+              </a:solidFill>
+              <a:headEnd type="triangle"/>
+              <a:tailEnd type="none"/>
+            </a:ln>
+          </p:spPr>
+          <p:style>
+            <a:lnRef idx="1">
+              <a:schemeClr val="accent1"/>
+            </a:lnRef>
+            <a:fillRef idx="0">
+              <a:schemeClr val="accent1"/>
+            </a:fillRef>
+            <a:effectRef idx="0">
+              <a:schemeClr val="accent1"/>
+            </a:effectRef>
+            <a:fontRef idx="minor">
+              <a:schemeClr val="tx1"/>
+            </a:fontRef>
+          </p:style>
+        </p:cxnSp>
+        <p:cxnSp>
+          <p:nvCxnSpPr>
+            <p:cNvPr id="82" name="Straight Arrow Connector 81"/>
+            <p:cNvCxnSpPr/>
+            <p:nvPr/>
+          </p:nvCxnSpPr>
+          <p:spPr>
+            <a:xfrm>
+              <a:off x="3335868" y="2709328"/>
+              <a:ext cx="558800" cy="1236134"/>
+            </a:xfrm>
+            <a:prstGeom prst="straightConnector1">
+              <a:avLst/>
+            </a:prstGeom>
+            <a:ln w="25400">
+              <a:solidFill>
+                <a:srgbClr val="002060">
+                  <a:alpha val="74902"/>
+                </a:srgbClr>
+              </a:solidFill>
+              <a:headEnd type="triangle"/>
+              <a:tailEnd type="none"/>
+            </a:ln>
+          </p:spPr>
+          <p:style>
+            <a:lnRef idx="1">
+              <a:schemeClr val="accent1"/>
+            </a:lnRef>
+            <a:fillRef idx="0">
+              <a:schemeClr val="accent1"/>
+            </a:fillRef>
+            <a:effectRef idx="0">
+              <a:schemeClr val="accent1"/>
+            </a:effectRef>
+            <a:fontRef idx="minor">
+              <a:schemeClr val="tx1"/>
+            </a:fontRef>
+          </p:style>
+        </p:cxnSp>
+        <p:sp>
+          <p:nvSpPr>
+            <p:cNvPr id="83" name="TextBox 82"/>
+            <p:cNvSpPr txBox="1"/>
+            <p:nvPr/>
+          </p:nvSpPr>
+          <p:spPr>
+            <a:xfrm>
+              <a:off x="5188371" y="4341578"/>
+              <a:ext cx="1026941" cy="461665"/>
+            </a:xfrm>
+            <a:prstGeom prst="rect">
+              <a:avLst/>
+            </a:prstGeom>
+            <a:noFill/>
+          </p:spPr>
+          <p:txBody>
+            <a:bodyPr wrap="square" rtlCol="0">
+              <a:spAutoFit/>
+            </a:bodyPr>
+            <a:lstStyle/>
+            <a:p>
+              <a:pPr algn="ctr"/>
+              <a:r>
+                <a:rPr lang="en-US" sz="1200" dirty="0" err="1" smtClean="0">
+                  <a:solidFill>
+                    <a:srgbClr val="002060"/>
+                  </a:solidFill>
+                </a:rPr>
+                <a:t>enqueues</a:t>
+              </a:r>
+              <a:endParaRPr lang="en-US" sz="1200" dirty="0" smtClean="0">
+                <a:solidFill>
+                  <a:srgbClr val="002060"/>
+                </a:solidFill>
+              </a:endParaRPr>
+            </a:p>
+            <a:p>
+              <a:pPr algn="ctr"/>
+              <a:r>
+                <a:rPr lang="en-US" sz="1200" dirty="0" smtClean="0">
+                  <a:solidFill>
+                    <a:srgbClr val="002060"/>
+                  </a:solidFill>
+                </a:rPr>
+                <a:t>response</a:t>
+              </a:r>
+              <a:endParaRPr lang="en-US" dirty="0">
+                <a:solidFill>
+                  <a:srgbClr val="002060"/>
+                </a:solidFill>
+              </a:endParaRPr>
+            </a:p>
+          </p:txBody>
+        </p:sp>
+        <p:sp>
+          <p:nvSpPr>
+            <p:cNvPr id="85" name="TextBox 84"/>
+            <p:cNvSpPr txBox="1"/>
+            <p:nvPr/>
+          </p:nvSpPr>
+          <p:spPr>
+            <a:xfrm>
+              <a:off x="2416644" y="1471638"/>
+              <a:ext cx="1689690" cy="461665"/>
+            </a:xfrm>
+            <a:prstGeom prst="rect">
+              <a:avLst/>
+            </a:prstGeom>
+            <a:noFill/>
+          </p:spPr>
+          <p:txBody>
+            <a:bodyPr wrap="square" rtlCol="0">
+              <a:spAutoFit/>
+            </a:bodyPr>
+            <a:lstStyle/>
+            <a:p>
+              <a:pPr algn="ctr"/>
+              <a:r>
+                <a:rPr lang="en-US" sz="1200" dirty="0" smtClean="0"/>
+                <a:t>synapse enterprise service</a:t>
+              </a:r>
+              <a:endParaRPr lang="en-US" dirty="0"/>
+            </a:p>
+          </p:txBody>
+        </p:sp>
         <p:grpSp>
           <p:nvGrpSpPr>
-            <p:cNvPr id="12" name="Group 105"/>
+            <p:cNvPr id="16" name="Group 164"/>
             <p:cNvGrpSpPr/>
             <p:nvPr/>
           </p:nvGrpSpPr>
           <p:grpSpPr>
             <a:xfrm>
-              <a:off x="6712634" y="3115994"/>
-              <a:ext cx="947224" cy="262207"/>
-              <a:chOff x="6787662" y="3341077"/>
-              <a:chExt cx="1041010" cy="288169"/>
+              <a:off x="6562316" y="3696156"/>
+              <a:ext cx="1083212" cy="1035925"/>
+              <a:chOff x="6646983" y="5338689"/>
+              <a:chExt cx="1083212" cy="1035925"/>
             </a:xfrm>
           </p:grpSpPr>
           <p:sp>
             <p:nvSpPr>
-              <p:cNvPr id="100" name="Flowchart: Terminator 99"/>
+              <p:cNvPr id="131" name="Flowchart: Terminator 130"/>
               <p:cNvSpPr/>
               <p:nvPr/>
             </p:nvSpPr>
             <p:spPr>
               <a:xfrm>
-                <a:off x="6787662" y="3341077"/>
-                <a:ext cx="1041010" cy="288169"/>
+                <a:off x="6646983" y="5338689"/>
+                <a:ext cx="1083212" cy="1035925"/>
               </a:xfrm>
               <a:prstGeom prst="flowChartTerminator">
                 <a:avLst/>
@@ -9173,128 +10326,14 @@
           </p:sp>
           <p:sp>
             <p:nvSpPr>
-              <p:cNvPr id="101" name="Oval 100"/>
+              <p:cNvPr id="132" name="Oval 131"/>
               <p:cNvSpPr/>
               <p:nvPr/>
             </p:nvSpPr>
             <p:spPr>
               <a:xfrm>
-                <a:off x="6893169" y="3425374"/>
-                <a:ext cx="119575" cy="119575"/>
-              </a:xfrm>
-              <a:prstGeom prst="ellipse">
-                <a:avLst/>
-              </a:prstGeom>
-              <a:solidFill>
-                <a:srgbClr val="FF0000"/>
-              </a:solidFill>
-              <a:ln>
-                <a:solidFill>
-                  <a:srgbClr val="FF0000"/>
-                </a:solidFill>
-              </a:ln>
-            </p:spPr>
-            <p:style>
-              <a:lnRef idx="2">
-                <a:schemeClr val="accent1">
-                  <a:shade val="50000"/>
-                </a:schemeClr>
-              </a:lnRef>
-              <a:fillRef idx="1">
-                <a:schemeClr val="accent1"/>
-              </a:fillRef>
-              <a:effectRef idx="0">
-                <a:schemeClr val="accent1"/>
-              </a:effectRef>
-              <a:fontRef idx="minor">
-                <a:schemeClr val="lt1"/>
-              </a:fontRef>
-            </p:style>
-            <p:txBody>
-              <a:bodyPr rtlCol="0" anchor="ctr"/>
-              <a:lstStyle/>
-              <a:p>
-                <a:pPr algn="ctr"/>
-                <a:endParaRPr lang="en-US"/>
-              </a:p>
-            </p:txBody>
-          </p:sp>
-        </p:grpSp>
-        <p:grpSp>
-          <p:nvGrpSpPr>
-            <p:cNvPr id="13" name="Group 108"/>
-            <p:cNvGrpSpPr/>
-            <p:nvPr/>
-          </p:nvGrpSpPr>
-          <p:grpSpPr>
-            <a:xfrm>
-              <a:off x="6712634" y="3426653"/>
-              <a:ext cx="947224" cy="262207"/>
-              <a:chOff x="6787662" y="3341077"/>
-              <a:chExt cx="1041010" cy="288169"/>
-            </a:xfrm>
-          </p:grpSpPr>
-          <p:sp>
-            <p:nvSpPr>
-              <p:cNvPr id="110" name="Flowchart: Terminator 109"/>
-              <p:cNvSpPr/>
-              <p:nvPr/>
-            </p:nvSpPr>
-            <p:spPr>
-              <a:xfrm>
-                <a:off x="6787662" y="3341077"/>
-                <a:ext cx="1041010" cy="288169"/>
-              </a:xfrm>
-              <a:prstGeom prst="flowChartTerminator">
-                <a:avLst/>
-              </a:prstGeom>
-              <a:solidFill>
-                <a:schemeClr val="bg1"/>
-              </a:solidFill>
-              <a:ln>
-                <a:solidFill>
-                  <a:schemeClr val="tx1">
-                    <a:lumMod val="75000"/>
-                    <a:lumOff val="25000"/>
-                  </a:schemeClr>
-                </a:solidFill>
-              </a:ln>
-            </p:spPr>
-            <p:style>
-              <a:lnRef idx="2">
-                <a:schemeClr val="accent1">
-                  <a:shade val="50000"/>
-                </a:schemeClr>
-              </a:lnRef>
-              <a:fillRef idx="1">
-                <a:schemeClr val="accent1"/>
-              </a:fillRef>
-              <a:effectRef idx="0">
-                <a:schemeClr val="accent1"/>
-              </a:effectRef>
-              <a:fontRef idx="minor">
-                <a:schemeClr val="lt1"/>
-              </a:fontRef>
-            </p:style>
-            <p:txBody>
-              <a:bodyPr rtlCol="0" anchor="ctr"/>
-              <a:lstStyle/>
-              <a:p>
-                <a:pPr algn="ctr"/>
-                <a:endParaRPr lang="en-US"/>
-              </a:p>
-            </p:txBody>
-          </p:sp>
-          <p:sp>
-            <p:nvSpPr>
-              <p:cNvPr id="111" name="Oval 110"/>
-              <p:cNvSpPr/>
-              <p:nvPr/>
-            </p:nvSpPr>
-            <p:spPr>
-              <a:xfrm>
-                <a:off x="6893169" y="3425374"/>
-                <a:ext cx="119575" cy="119575"/>
+                <a:off x="6785188" y="5422420"/>
+                <a:ext cx="108802" cy="108802"/>
               </a:xfrm>
               <a:prstGeom prst="ellipse">
                 <a:avLst/>
@@ -9333,934 +10372,43 @@
               </a:p>
             </p:txBody>
           </p:sp>
-        </p:grpSp>
-        <p:grpSp>
-          <p:nvGrpSpPr>
-            <p:cNvPr id="14" name="Group 114"/>
-            <p:cNvGrpSpPr/>
-            <p:nvPr/>
-          </p:nvGrpSpPr>
-          <p:grpSpPr>
-            <a:xfrm>
-              <a:off x="6712634" y="3737311"/>
-              <a:ext cx="947224" cy="262207"/>
-              <a:chOff x="6787662" y="3341077"/>
-              <a:chExt cx="1041010" cy="288169"/>
-            </a:xfrm>
-          </p:grpSpPr>
-          <p:sp>
-            <p:nvSpPr>
-              <p:cNvPr id="116" name="Flowchart: Terminator 115"/>
-              <p:cNvSpPr/>
+          <p:pic>
+            <p:nvPicPr>
+              <p:cNvPr id="133" name="Picture 4" descr="https://cdn2.iconfinder.com/data/icons/amazon-aws-stencils/100/Non-Service_Specific_copy_Generic_Database-128.png"/>
+              <p:cNvPicPr>
+                <a:picLocks noChangeAspect="1" noChangeArrowheads="1"/>
+              </p:cNvPicPr>
               <p:nvPr/>
-            </p:nvSpPr>
-            <p:spPr>
+            </p:nvPicPr>
+            <p:blipFill>
+              <a:blip r:embed="rId4" cstate="print"/>
+              <a:srcRect/>
+              <a:stretch>
+                <a:fillRect/>
+              </a:stretch>
+            </p:blipFill>
+            <p:spPr bwMode="auto">
               <a:xfrm>
-                <a:off x="6787662" y="3341077"/>
-                <a:ext cx="1041010" cy="288169"/>
+                <a:off x="6730914" y="5399650"/>
+                <a:ext cx="914875" cy="914877"/>
               </a:xfrm>
-              <a:prstGeom prst="flowChartTerminator">
+              <a:prstGeom prst="rect">
                 <a:avLst/>
               </a:prstGeom>
-              <a:solidFill>
-                <a:schemeClr val="bg1"/>
-              </a:solidFill>
-              <a:ln>
-                <a:solidFill>
-                  <a:schemeClr val="tx1">
-                    <a:lumMod val="75000"/>
-                    <a:lumOff val="25000"/>
-                  </a:schemeClr>
-                </a:solidFill>
-              </a:ln>
+              <a:noFill/>
             </p:spPr>
-            <p:style>
-              <a:lnRef idx="2">
-                <a:schemeClr val="accent1">
-                  <a:shade val="50000"/>
-                </a:schemeClr>
-              </a:lnRef>
-              <a:fillRef idx="1">
-                <a:schemeClr val="accent1"/>
-              </a:fillRef>
-              <a:effectRef idx="0">
-                <a:schemeClr val="accent1"/>
-              </a:effectRef>
-              <a:fontRef idx="minor">
-                <a:schemeClr val="lt1"/>
-              </a:fontRef>
-            </p:style>
-            <p:txBody>
-              <a:bodyPr rtlCol="0" anchor="ctr"/>
-              <a:lstStyle/>
-              <a:p>
-                <a:pPr algn="ctr"/>
-                <a:endParaRPr lang="en-US"/>
-              </a:p>
-            </p:txBody>
-          </p:sp>
-          <p:sp>
-            <p:nvSpPr>
-              <p:cNvPr id="117" name="Oval 116"/>
-              <p:cNvSpPr/>
-              <p:nvPr/>
-            </p:nvSpPr>
-            <p:spPr>
-              <a:xfrm>
-                <a:off x="6893169" y="3425374"/>
-                <a:ext cx="119575" cy="119575"/>
-              </a:xfrm>
-              <a:prstGeom prst="ellipse">
-                <a:avLst/>
-              </a:prstGeom>
-              <a:solidFill>
-                <a:srgbClr val="00B050"/>
-              </a:solidFill>
-              <a:ln>
-                <a:solidFill>
-                  <a:srgbClr val="00B050"/>
-                </a:solidFill>
-              </a:ln>
-            </p:spPr>
-            <p:style>
-              <a:lnRef idx="2">
-                <a:schemeClr val="accent1">
-                  <a:shade val="50000"/>
-                </a:schemeClr>
-              </a:lnRef>
-              <a:fillRef idx="1">
-                <a:schemeClr val="accent1"/>
-              </a:fillRef>
-              <a:effectRef idx="0">
-                <a:schemeClr val="accent1"/>
-              </a:effectRef>
-              <a:fontRef idx="minor">
-                <a:schemeClr val="lt1"/>
-              </a:fontRef>
-            </p:style>
-            <p:txBody>
-              <a:bodyPr rtlCol="0" anchor="ctr"/>
-              <a:lstStyle/>
-              <a:p>
-                <a:pPr algn="ctr"/>
-                <a:endParaRPr lang="en-US"/>
-              </a:p>
-            </p:txBody>
-          </p:sp>
+          </p:pic>
         </p:grpSp>
-      </p:grpSp>
-      <p:pic>
-        <p:nvPicPr>
-          <p:cNvPr id="3076" name="Picture 4" descr="https://cdn2.iconfinder.com/data/icons/amazon-aws-stencils/100/Non-Service_Specific_copy_Generic_Database-128.png"/>
-          <p:cNvPicPr>
-            <a:picLocks noChangeAspect="1" noChangeArrowheads="1"/>
-          </p:cNvPicPr>
-          <p:nvPr/>
-        </p:nvPicPr>
-        <p:blipFill>
-          <a:blip r:embed="rId4" cstate="print"/>
-          <a:srcRect/>
-          <a:stretch>
-            <a:fillRect/>
-          </a:stretch>
-        </p:blipFill>
-        <p:spPr bwMode="auto">
-          <a:xfrm>
-            <a:off x="6578255" y="2219049"/>
-            <a:ext cx="1039138" cy="1039140"/>
-          </a:xfrm>
-          <a:prstGeom prst="rect">
-            <a:avLst/>
-          </a:prstGeom>
-          <a:noFill/>
-        </p:spPr>
-      </p:pic>
-      <p:cxnSp>
-        <p:nvCxnSpPr>
-          <p:cNvPr id="118" name="Straight Connector 117"/>
-          <p:cNvCxnSpPr>
-            <a:stCxn id="37" idx="3"/>
-            <a:endCxn id="110" idx="1"/>
-          </p:cNvCxnSpPr>
-          <p:nvPr/>
-        </p:nvCxnSpPr>
-        <p:spPr>
-          <a:xfrm flipV="1">
-            <a:off x="5941265" y="1915224"/>
-            <a:ext cx="686702" cy="395129"/>
-          </a:xfrm>
-          <a:prstGeom prst="line">
-            <a:avLst/>
-          </a:prstGeom>
-          <a:ln w="25400">
-            <a:solidFill>
-              <a:schemeClr val="tx1">
-                <a:lumMod val="75000"/>
-                <a:lumOff val="25000"/>
-              </a:schemeClr>
-            </a:solidFill>
-            <a:tailEnd type="triangle"/>
-          </a:ln>
-        </p:spPr>
-        <p:style>
-          <a:lnRef idx="1">
-            <a:schemeClr val="accent1"/>
-          </a:lnRef>
-          <a:fillRef idx="0">
-            <a:schemeClr val="accent1"/>
-          </a:fillRef>
-          <a:effectRef idx="0">
-            <a:schemeClr val="accent1"/>
-          </a:effectRef>
-          <a:fontRef idx="minor">
-            <a:schemeClr val="tx1"/>
-          </a:fontRef>
-        </p:style>
-      </p:cxnSp>
-      <p:cxnSp>
-        <p:nvCxnSpPr>
-          <p:cNvPr id="121" name="Straight Connector 120"/>
-          <p:cNvCxnSpPr>
-            <a:stCxn id="37" idx="3"/>
-            <a:endCxn id="116" idx="1"/>
-          </p:cNvCxnSpPr>
-          <p:nvPr/>
-        </p:nvCxnSpPr>
-        <p:spPr>
-          <a:xfrm flipV="1">
-            <a:off x="5941265" y="2225882"/>
-            <a:ext cx="686702" cy="84471"/>
-          </a:xfrm>
-          <a:prstGeom prst="line">
-            <a:avLst/>
-          </a:prstGeom>
-          <a:ln w="25400">
-            <a:solidFill>
-              <a:schemeClr val="tx1">
-                <a:lumMod val="75000"/>
-                <a:lumOff val="25000"/>
-              </a:schemeClr>
-            </a:solidFill>
-            <a:tailEnd type="triangle"/>
-          </a:ln>
-        </p:spPr>
-        <p:style>
-          <a:lnRef idx="1">
-            <a:schemeClr val="accent1"/>
-          </a:lnRef>
-          <a:fillRef idx="0">
-            <a:schemeClr val="accent1"/>
-          </a:fillRef>
-          <a:effectRef idx="0">
-            <a:schemeClr val="accent1"/>
-          </a:effectRef>
-          <a:fontRef idx="minor">
-            <a:schemeClr val="tx1"/>
-          </a:fontRef>
-        </p:style>
-      </p:cxnSp>
-      <p:cxnSp>
-        <p:nvCxnSpPr>
-          <p:cNvPr id="124" name="Straight Connector 123"/>
-          <p:cNvCxnSpPr>
-            <a:stCxn id="37" idx="3"/>
-            <a:endCxn id="100" idx="1"/>
-          </p:cNvCxnSpPr>
-          <p:nvPr/>
-        </p:nvCxnSpPr>
-        <p:spPr>
-          <a:xfrm flipV="1">
-            <a:off x="5941265" y="1604565"/>
-            <a:ext cx="686702" cy="705788"/>
-          </a:xfrm>
-          <a:prstGeom prst="line">
-            <a:avLst/>
-          </a:prstGeom>
-          <a:ln w="25400">
-            <a:solidFill>
-              <a:schemeClr val="tx1">
-                <a:lumMod val="75000"/>
-                <a:lumOff val="25000"/>
-              </a:schemeClr>
-            </a:solidFill>
-            <a:tailEnd type="triangle"/>
-          </a:ln>
-        </p:spPr>
-        <p:style>
-          <a:lnRef idx="1">
-            <a:schemeClr val="accent1"/>
-          </a:lnRef>
-          <a:fillRef idx="0">
-            <a:schemeClr val="accent1"/>
-          </a:fillRef>
-          <a:effectRef idx="0">
-            <a:schemeClr val="accent1"/>
-          </a:effectRef>
-          <a:fontRef idx="minor">
-            <a:schemeClr val="tx1"/>
-          </a:fontRef>
-        </p:style>
-      </p:cxnSp>
-      <p:cxnSp>
-        <p:nvCxnSpPr>
-          <p:cNvPr id="127" name="Straight Connector 126"/>
-          <p:cNvCxnSpPr>
-            <a:stCxn id="37" idx="3"/>
-          </p:cNvCxnSpPr>
-          <p:nvPr/>
-        </p:nvCxnSpPr>
-        <p:spPr>
-          <a:xfrm>
-            <a:off x="5941265" y="2310353"/>
-            <a:ext cx="937576" cy="450302"/>
-          </a:xfrm>
-          <a:prstGeom prst="line">
-            <a:avLst/>
-          </a:prstGeom>
-          <a:ln w="25400">
-            <a:solidFill>
-              <a:schemeClr val="tx1">
-                <a:lumMod val="75000"/>
-                <a:lumOff val="25000"/>
-              </a:schemeClr>
-            </a:solidFill>
-            <a:tailEnd type="triangle"/>
-          </a:ln>
-        </p:spPr>
-        <p:style>
-          <a:lnRef idx="1">
-            <a:schemeClr val="accent1"/>
-          </a:lnRef>
-          <a:fillRef idx="0">
-            <a:schemeClr val="accent1"/>
-          </a:fillRef>
-          <a:effectRef idx="0">
-            <a:schemeClr val="accent1"/>
-          </a:effectRef>
-          <a:fontRef idx="minor">
-            <a:schemeClr val="tx1"/>
-          </a:fontRef>
-        </p:style>
-      </p:cxnSp>
-      <p:cxnSp>
-        <p:nvCxnSpPr>
-          <p:cNvPr id="143" name="Straight Arrow Connector 142"/>
-          <p:cNvCxnSpPr/>
-          <p:nvPr/>
-        </p:nvCxnSpPr>
-        <p:spPr>
-          <a:xfrm>
-            <a:off x="5436902" y="4012679"/>
-            <a:ext cx="991773" cy="499403"/>
-          </a:xfrm>
-          <a:prstGeom prst="straightConnector1">
-            <a:avLst/>
-          </a:prstGeom>
-          <a:ln w="25400">
-            <a:solidFill>
-              <a:schemeClr val="tx1">
-                <a:lumMod val="75000"/>
-                <a:lumOff val="25000"/>
-              </a:schemeClr>
-            </a:solidFill>
-            <a:tailEnd type="triangle"/>
-          </a:ln>
-        </p:spPr>
-        <p:style>
-          <a:lnRef idx="1">
-            <a:schemeClr val="accent1"/>
-          </a:lnRef>
-          <a:fillRef idx="0">
-            <a:schemeClr val="accent1"/>
-          </a:fillRef>
-          <a:effectRef idx="0">
-            <a:schemeClr val="accent1"/>
-          </a:effectRef>
-          <a:fontRef idx="minor">
-            <a:schemeClr val="tx1"/>
-          </a:fontRef>
-        </p:style>
-      </p:cxnSp>
-      <p:sp>
-        <p:nvSpPr>
-          <p:cNvPr id="167" name="TextBox 166"/>
-          <p:cNvSpPr txBox="1"/>
-          <p:nvPr/>
-        </p:nvSpPr>
-        <p:spPr>
-          <a:xfrm>
-            <a:off x="5600109" y="1556308"/>
-            <a:ext cx="778415" cy="276999"/>
-          </a:xfrm>
-          <a:prstGeom prst="rect">
-            <a:avLst/>
-          </a:prstGeom>
-          <a:noFill/>
-        </p:spPr>
-        <p:txBody>
-          <a:bodyPr wrap="square" rtlCol="0">
-            <a:spAutoFit/>
-          </a:bodyPr>
-          <a:lstStyle/>
-          <a:p>
-            <a:pPr algn="ctr"/>
-            <a:r>
-              <a:rPr lang="en-US" sz="1200" dirty="0" err="1" smtClean="0"/>
-              <a:t>agentless</a:t>
-            </a:r>
-            <a:endParaRPr lang="en-US" dirty="0"/>
-          </a:p>
-        </p:txBody>
-      </p:sp>
-      <p:sp>
-        <p:nvSpPr>
-          <p:cNvPr id="168" name="TextBox 167"/>
-          <p:cNvSpPr txBox="1"/>
-          <p:nvPr/>
-        </p:nvSpPr>
-        <p:spPr>
-          <a:xfrm>
-            <a:off x="6717058" y="4766475"/>
-            <a:ext cx="778415" cy="276999"/>
-          </a:xfrm>
-          <a:prstGeom prst="rect">
-            <a:avLst/>
-          </a:prstGeom>
-          <a:noFill/>
-        </p:spPr>
-        <p:txBody>
-          <a:bodyPr wrap="square" rtlCol="0">
-            <a:spAutoFit/>
-          </a:bodyPr>
-          <a:lstStyle/>
-          <a:p>
-            <a:pPr algn="ctr"/>
-            <a:r>
-              <a:rPr lang="en-US" sz="1200" dirty="0" smtClean="0"/>
-              <a:t>agent</a:t>
-            </a:r>
-            <a:endParaRPr lang="en-US" dirty="0"/>
-          </a:p>
-        </p:txBody>
-      </p:sp>
-      <p:cxnSp>
-        <p:nvCxnSpPr>
-          <p:cNvPr id="103" name="Straight Arrow Connector 102"/>
-          <p:cNvCxnSpPr/>
-          <p:nvPr/>
-        </p:nvCxnSpPr>
-        <p:spPr>
-          <a:xfrm>
-            <a:off x="5867398" y="2760134"/>
-            <a:ext cx="583418" cy="1693073"/>
-          </a:xfrm>
-          <a:prstGeom prst="straightConnector1">
-            <a:avLst/>
-          </a:prstGeom>
-          <a:ln w="25400">
-            <a:solidFill>
-              <a:schemeClr val="tx1">
-                <a:lumMod val="75000"/>
-                <a:lumOff val="25000"/>
-              </a:schemeClr>
-            </a:solidFill>
-            <a:prstDash val="dash"/>
-            <a:tailEnd type="triangle"/>
-          </a:ln>
-        </p:spPr>
-        <p:style>
-          <a:lnRef idx="1">
-            <a:schemeClr val="accent1"/>
-          </a:lnRef>
-          <a:fillRef idx="0">
-            <a:schemeClr val="accent1"/>
-          </a:fillRef>
-          <a:effectRef idx="0">
-            <a:schemeClr val="accent1"/>
-          </a:effectRef>
-          <a:fontRef idx="minor">
-            <a:schemeClr val="tx1"/>
-          </a:fontRef>
-        </p:style>
-      </p:cxnSp>
-      <p:sp>
-        <p:nvSpPr>
-          <p:cNvPr id="105" name="TextBox 104"/>
-          <p:cNvSpPr txBox="1"/>
-          <p:nvPr/>
-        </p:nvSpPr>
-        <p:spPr>
-          <a:xfrm>
-            <a:off x="6048192" y="3200143"/>
-            <a:ext cx="778415" cy="276999"/>
-          </a:xfrm>
-          <a:prstGeom prst="rect">
-            <a:avLst/>
-          </a:prstGeom>
-          <a:noFill/>
-        </p:spPr>
-        <p:txBody>
-          <a:bodyPr wrap="square" rtlCol="0">
-            <a:spAutoFit/>
-          </a:bodyPr>
-          <a:lstStyle/>
-          <a:p>
-            <a:pPr algn="ctr"/>
-            <a:r>
-              <a:rPr lang="en-US" sz="1200" dirty="0" smtClean="0"/>
-              <a:t>proxy</a:t>
-            </a:r>
-            <a:endParaRPr lang="en-US" dirty="0"/>
-          </a:p>
-        </p:txBody>
-      </p:sp>
-      <p:pic>
-        <p:nvPicPr>
-          <p:cNvPr id="2" name="Picture 2" descr="C:\Devo\git\Synapse\resources\service_syn_f.png"/>
-          <p:cNvPicPr>
-            <a:picLocks noChangeAspect="1" noChangeArrowheads="1"/>
-          </p:cNvPicPr>
-          <p:nvPr/>
-        </p:nvPicPr>
-        <p:blipFill>
-          <a:blip r:embed="rId5" cstate="print"/>
-          <a:srcRect/>
-          <a:stretch>
-            <a:fillRect/>
-          </a:stretch>
-        </p:blipFill>
-        <p:spPr bwMode="auto">
-          <a:xfrm>
-            <a:off x="3023470" y="2071656"/>
-            <a:ext cx="478917" cy="478917"/>
-          </a:xfrm>
-          <a:prstGeom prst="rect">
-            <a:avLst/>
-          </a:prstGeom>
-          <a:noFill/>
-        </p:spPr>
-      </p:pic>
-      <p:sp>
-        <p:nvSpPr>
-          <p:cNvPr id="72" name="TextBox 71"/>
-          <p:cNvSpPr txBox="1"/>
-          <p:nvPr/>
-        </p:nvSpPr>
-        <p:spPr>
-          <a:xfrm>
-            <a:off x="3401905" y="2758311"/>
-            <a:ext cx="1026941" cy="461665"/>
-          </a:xfrm>
-          <a:prstGeom prst="rect">
-            <a:avLst/>
-          </a:prstGeom>
-          <a:noFill/>
-        </p:spPr>
-        <p:txBody>
-          <a:bodyPr wrap="square" rtlCol="0">
-            <a:spAutoFit/>
-          </a:bodyPr>
-          <a:lstStyle/>
-          <a:p>
-            <a:pPr algn="ctr"/>
-            <a:r>
-              <a:rPr lang="en-US" sz="1200" dirty="0" err="1" smtClean="0">
-                <a:solidFill>
-                  <a:srgbClr val="002060"/>
-                </a:solidFill>
-              </a:rPr>
-              <a:t>dequeues</a:t>
-            </a:r>
-            <a:endParaRPr lang="en-US" sz="1200" dirty="0" smtClean="0">
-              <a:solidFill>
-                <a:srgbClr val="002060"/>
-              </a:solidFill>
-            </a:endParaRPr>
-          </a:p>
-          <a:p>
-            <a:pPr algn="ctr"/>
-            <a:r>
-              <a:rPr lang="en-US" sz="1200" dirty="0" smtClean="0">
-                <a:solidFill>
-                  <a:srgbClr val="002060"/>
-                </a:solidFill>
-              </a:rPr>
-              <a:t>response</a:t>
-            </a:r>
-            <a:endParaRPr lang="en-US" dirty="0">
-              <a:solidFill>
-                <a:srgbClr val="002060"/>
-              </a:solidFill>
-            </a:endParaRPr>
-          </a:p>
-        </p:txBody>
-      </p:sp>
-      <p:cxnSp>
-        <p:nvCxnSpPr>
-          <p:cNvPr id="74" name="Straight Arrow Connector 73"/>
-          <p:cNvCxnSpPr/>
-          <p:nvPr/>
-        </p:nvCxnSpPr>
-        <p:spPr>
-          <a:xfrm>
-            <a:off x="5926661" y="2726260"/>
-            <a:ext cx="583418" cy="1693073"/>
-          </a:xfrm>
-          <a:prstGeom prst="straightConnector1">
-            <a:avLst/>
-          </a:prstGeom>
-          <a:ln w="25400">
-            <a:solidFill>
-              <a:srgbClr val="002060">
-                <a:alpha val="74902"/>
-              </a:srgbClr>
-            </a:solidFill>
-            <a:prstDash val="dash"/>
-            <a:headEnd type="triangle"/>
-            <a:tailEnd type="none"/>
-          </a:ln>
-        </p:spPr>
-        <p:style>
-          <a:lnRef idx="1">
-            <a:schemeClr val="accent1"/>
-          </a:lnRef>
-          <a:fillRef idx="0">
-            <a:schemeClr val="accent1"/>
-          </a:fillRef>
-          <a:effectRef idx="0">
-            <a:schemeClr val="accent1"/>
-          </a:effectRef>
-          <a:fontRef idx="minor">
-            <a:schemeClr val="tx1"/>
-          </a:fontRef>
-        </p:style>
-      </p:cxnSp>
-      <p:cxnSp>
-        <p:nvCxnSpPr>
-          <p:cNvPr id="77" name="Straight Arrow Connector 76"/>
-          <p:cNvCxnSpPr/>
-          <p:nvPr/>
-        </p:nvCxnSpPr>
-        <p:spPr>
-          <a:xfrm>
-            <a:off x="5419968" y="4088879"/>
-            <a:ext cx="991773" cy="499403"/>
-          </a:xfrm>
-          <a:prstGeom prst="straightConnector1">
-            <a:avLst/>
-          </a:prstGeom>
-          <a:ln w="25400">
-            <a:solidFill>
-              <a:srgbClr val="002060">
-                <a:alpha val="74902"/>
-              </a:srgbClr>
-            </a:solidFill>
-            <a:headEnd type="triangle"/>
-            <a:tailEnd type="none"/>
-          </a:ln>
-        </p:spPr>
-        <p:style>
-          <a:lnRef idx="1">
-            <a:schemeClr val="accent1"/>
-          </a:lnRef>
-          <a:fillRef idx="0">
-            <a:schemeClr val="accent1"/>
-          </a:fillRef>
-          <a:effectRef idx="0">
-            <a:schemeClr val="accent1"/>
-          </a:effectRef>
-          <a:fontRef idx="minor">
-            <a:schemeClr val="tx1"/>
-          </a:fontRef>
-        </p:style>
-      </p:cxnSp>
-      <p:cxnSp>
-        <p:nvCxnSpPr>
-          <p:cNvPr id="80" name="Straight Arrow Connector 79"/>
-          <p:cNvCxnSpPr/>
-          <p:nvPr/>
-        </p:nvCxnSpPr>
-        <p:spPr>
-          <a:xfrm flipV="1">
-            <a:off x="5166882" y="2766385"/>
-            <a:ext cx="377618" cy="1174654"/>
-          </a:xfrm>
-          <a:prstGeom prst="straightConnector1">
-            <a:avLst/>
-          </a:prstGeom>
-          <a:ln w="25400">
-            <a:solidFill>
-              <a:srgbClr val="002060">
-                <a:alpha val="74902"/>
-              </a:srgbClr>
-            </a:solidFill>
-            <a:headEnd type="triangle"/>
-            <a:tailEnd type="none"/>
-          </a:ln>
-        </p:spPr>
-        <p:style>
-          <a:lnRef idx="1">
-            <a:schemeClr val="accent1"/>
-          </a:lnRef>
-          <a:fillRef idx="0">
-            <a:schemeClr val="accent1"/>
-          </a:fillRef>
-          <a:effectRef idx="0">
-            <a:schemeClr val="accent1"/>
-          </a:effectRef>
-          <a:fontRef idx="minor">
-            <a:schemeClr val="tx1"/>
-          </a:fontRef>
-        </p:style>
-      </p:cxnSp>
-      <p:cxnSp>
-        <p:nvCxnSpPr>
-          <p:cNvPr id="82" name="Straight Arrow Connector 81"/>
-          <p:cNvCxnSpPr/>
-          <p:nvPr/>
-        </p:nvCxnSpPr>
-        <p:spPr>
-          <a:xfrm>
-            <a:off x="3335868" y="2709328"/>
-            <a:ext cx="558800" cy="1236134"/>
-          </a:xfrm>
-          <a:prstGeom prst="straightConnector1">
-            <a:avLst/>
-          </a:prstGeom>
-          <a:ln w="25400">
-            <a:solidFill>
-              <a:srgbClr val="002060">
-                <a:alpha val="74902"/>
-              </a:srgbClr>
-            </a:solidFill>
-            <a:headEnd type="triangle"/>
-            <a:tailEnd type="none"/>
-          </a:ln>
-        </p:spPr>
-        <p:style>
-          <a:lnRef idx="1">
-            <a:schemeClr val="accent1"/>
-          </a:lnRef>
-          <a:fillRef idx="0">
-            <a:schemeClr val="accent1"/>
-          </a:fillRef>
-          <a:effectRef idx="0">
-            <a:schemeClr val="accent1"/>
-          </a:effectRef>
-          <a:fontRef idx="minor">
-            <a:schemeClr val="tx1"/>
-          </a:fontRef>
-        </p:style>
-      </p:cxnSp>
-      <p:sp>
-        <p:nvSpPr>
-          <p:cNvPr id="83" name="TextBox 82"/>
-          <p:cNvSpPr txBox="1"/>
-          <p:nvPr/>
-        </p:nvSpPr>
-        <p:spPr>
-          <a:xfrm>
-            <a:off x="5188371" y="4341578"/>
-            <a:ext cx="1026941" cy="461665"/>
-          </a:xfrm>
-          <a:prstGeom prst="rect">
-            <a:avLst/>
-          </a:prstGeom>
-          <a:noFill/>
-        </p:spPr>
-        <p:txBody>
-          <a:bodyPr wrap="square" rtlCol="0">
-            <a:spAutoFit/>
-          </a:bodyPr>
-          <a:lstStyle/>
-          <a:p>
-            <a:pPr algn="ctr"/>
-            <a:r>
-              <a:rPr lang="en-US" sz="1200" dirty="0" err="1" smtClean="0">
-                <a:solidFill>
-                  <a:srgbClr val="002060"/>
-                </a:solidFill>
-              </a:rPr>
-              <a:t>enqueues</a:t>
-            </a:r>
-            <a:endParaRPr lang="en-US" sz="1200" dirty="0" smtClean="0">
-              <a:solidFill>
-                <a:srgbClr val="002060"/>
-              </a:solidFill>
-            </a:endParaRPr>
-          </a:p>
-          <a:p>
-            <a:pPr algn="ctr"/>
-            <a:r>
-              <a:rPr lang="en-US" sz="1200" dirty="0" smtClean="0">
-                <a:solidFill>
-                  <a:srgbClr val="002060"/>
-                </a:solidFill>
-              </a:rPr>
-              <a:t>response</a:t>
-            </a:r>
-            <a:endParaRPr lang="en-US" dirty="0">
-              <a:solidFill>
-                <a:srgbClr val="002060"/>
-              </a:solidFill>
-            </a:endParaRPr>
-          </a:p>
-        </p:txBody>
-      </p:sp>
-      <p:sp>
-        <p:nvSpPr>
-          <p:cNvPr id="85" name="TextBox 84"/>
-          <p:cNvSpPr txBox="1"/>
-          <p:nvPr/>
-        </p:nvSpPr>
-        <p:spPr>
-          <a:xfrm>
-            <a:off x="2416644" y="1471638"/>
-            <a:ext cx="1689690" cy="461665"/>
-          </a:xfrm>
-          <a:prstGeom prst="rect">
-            <a:avLst/>
-          </a:prstGeom>
-          <a:noFill/>
-        </p:spPr>
-        <p:txBody>
-          <a:bodyPr wrap="square" rtlCol="0">
-            <a:spAutoFit/>
-          </a:bodyPr>
-          <a:lstStyle/>
-          <a:p>
-            <a:pPr algn="ctr"/>
-            <a:r>
-              <a:rPr lang="en-US" sz="1200" dirty="0" smtClean="0"/>
-              <a:t>synapse enterprise service</a:t>
-            </a:r>
-            <a:endParaRPr lang="en-US" dirty="0"/>
-          </a:p>
-        </p:txBody>
-      </p:sp>
-      <p:grpSp>
-        <p:nvGrpSpPr>
-          <p:cNvPr id="16" name="Group 164"/>
-          <p:cNvGrpSpPr/>
-          <p:nvPr/>
-        </p:nvGrpSpPr>
-        <p:grpSpPr>
-          <a:xfrm>
-            <a:off x="6562316" y="3696156"/>
-            <a:ext cx="1083212" cy="1035925"/>
-            <a:chOff x="6646983" y="5338689"/>
-            <a:chExt cx="1083212" cy="1035925"/>
-          </a:xfrm>
-        </p:grpSpPr>
-        <p:sp>
-          <p:nvSpPr>
-            <p:cNvPr id="131" name="Flowchart: Terminator 130"/>
-            <p:cNvSpPr/>
-            <p:nvPr/>
-          </p:nvSpPr>
-          <p:spPr>
-            <a:xfrm>
-              <a:off x="6646983" y="5338689"/>
-              <a:ext cx="1083212" cy="1035925"/>
-            </a:xfrm>
-            <a:prstGeom prst="flowChartTerminator">
-              <a:avLst/>
-            </a:prstGeom>
-            <a:solidFill>
-              <a:schemeClr val="bg1"/>
-            </a:solidFill>
-            <a:ln>
-              <a:solidFill>
-                <a:schemeClr val="tx1">
-                  <a:lumMod val="75000"/>
-                  <a:lumOff val="25000"/>
-                </a:schemeClr>
-              </a:solidFill>
-            </a:ln>
-          </p:spPr>
-          <p:style>
-            <a:lnRef idx="2">
-              <a:schemeClr val="accent1">
-                <a:shade val="50000"/>
-              </a:schemeClr>
-            </a:lnRef>
-            <a:fillRef idx="1">
-              <a:schemeClr val="accent1"/>
-            </a:fillRef>
-            <a:effectRef idx="0">
-              <a:schemeClr val="accent1"/>
-            </a:effectRef>
-            <a:fontRef idx="minor">
-              <a:schemeClr val="lt1"/>
-            </a:fontRef>
-          </p:style>
-          <p:txBody>
-            <a:bodyPr rtlCol="0" anchor="ctr"/>
-            <a:lstStyle/>
-            <a:p>
-              <a:pPr algn="ctr"/>
-              <a:endParaRPr lang="en-US"/>
-            </a:p>
-          </p:txBody>
-        </p:sp>
-        <p:sp>
-          <p:nvSpPr>
-            <p:cNvPr id="132" name="Oval 131"/>
-            <p:cNvSpPr/>
-            <p:nvPr/>
-          </p:nvSpPr>
-          <p:spPr>
-            <a:xfrm>
-              <a:off x="6785188" y="5422420"/>
-              <a:ext cx="108802" cy="108802"/>
-            </a:xfrm>
-            <a:prstGeom prst="ellipse">
-              <a:avLst/>
-            </a:prstGeom>
-            <a:solidFill>
-              <a:srgbClr val="00B050"/>
-            </a:solidFill>
-            <a:ln>
-              <a:solidFill>
-                <a:srgbClr val="00B050"/>
-              </a:solidFill>
-            </a:ln>
-          </p:spPr>
-          <p:style>
-            <a:lnRef idx="2">
-              <a:schemeClr val="accent1">
-                <a:shade val="50000"/>
-              </a:schemeClr>
-            </a:lnRef>
-            <a:fillRef idx="1">
-              <a:schemeClr val="accent1"/>
-            </a:fillRef>
-            <a:effectRef idx="0">
-              <a:schemeClr val="accent1"/>
-            </a:effectRef>
-            <a:fontRef idx="minor">
-              <a:schemeClr val="lt1"/>
-            </a:fontRef>
-          </p:style>
-          <p:txBody>
-            <a:bodyPr rtlCol="0" anchor="ctr"/>
-            <a:lstStyle/>
-            <a:p>
-              <a:pPr algn="ctr"/>
-              <a:endParaRPr lang="en-US"/>
-            </a:p>
-          </p:txBody>
-        </p:sp>
         <p:pic>
           <p:nvPicPr>
-            <p:cNvPr id="133" name="Picture 4" descr="https://cdn2.iconfinder.com/data/icons/amazon-aws-stencils/100/Non-Service_Specific_copy_Generic_Database-128.png"/>
+            <p:cNvPr id="93" name="Picture 4" descr="C:\Devo\git\Synapse\resources\syn_logo_icon.png"/>
             <p:cNvPicPr>
               <a:picLocks noChangeAspect="1" noChangeArrowheads="1"/>
             </p:cNvPicPr>
             <p:nvPr/>
           </p:nvPicPr>
           <p:blipFill>
-            <a:blip r:embed="rId4" cstate="print"/>
+            <a:blip r:embed="rId6" cstate="print"/>
             <a:srcRect/>
             <a:stretch>
               <a:fillRect/>
@@ -10268,8 +10416,34 @@
           </p:blipFill>
           <p:spPr bwMode="auto">
             <a:xfrm>
-              <a:off x="6730914" y="5399650"/>
-              <a:ext cx="914875" cy="914877"/>
+              <a:off x="6428232" y="4480560"/>
+              <a:ext cx="393192" cy="393192"/>
+            </a:xfrm>
+            <a:prstGeom prst="rect">
+              <a:avLst/>
+            </a:prstGeom>
+            <a:noFill/>
+          </p:spPr>
+        </p:pic>
+        <p:pic>
+          <p:nvPicPr>
+            <p:cNvPr id="95" name="Picture 4" descr="C:\Devo\git\Synapse\resources\syn_logo_icon.png"/>
+            <p:cNvPicPr>
+              <a:picLocks noChangeAspect="1" noChangeArrowheads="1"/>
+            </p:cNvPicPr>
+            <p:nvPr/>
+          </p:nvPicPr>
+          <p:blipFill>
+            <a:blip r:embed="rId6" cstate="print"/>
+            <a:srcRect/>
+            <a:stretch>
+              <a:fillRect/>
+            </a:stretch>
+          </p:blipFill>
+          <p:spPr bwMode="auto">
+            <a:xfrm>
+              <a:off x="5101675" y="1892808"/>
+              <a:ext cx="841248" cy="841248"/>
             </a:xfrm>
             <a:prstGeom prst="rect">
               <a:avLst/>
@@ -10278,58 +10452,6 @@
           </p:spPr>
         </p:pic>
       </p:grpSp>
-      <p:pic>
-        <p:nvPicPr>
-          <p:cNvPr id="93" name="Picture 4" descr="C:\Devo\git\Synapse\resources\syn_logo_icon.png"/>
-          <p:cNvPicPr>
-            <a:picLocks noChangeAspect="1" noChangeArrowheads="1"/>
-          </p:cNvPicPr>
-          <p:nvPr/>
-        </p:nvPicPr>
-        <p:blipFill>
-          <a:blip r:embed="rId6" cstate="print"/>
-          <a:srcRect/>
-          <a:stretch>
-            <a:fillRect/>
-          </a:stretch>
-        </p:blipFill>
-        <p:spPr bwMode="auto">
-          <a:xfrm>
-            <a:off x="6428232" y="4480560"/>
-            <a:ext cx="393192" cy="393192"/>
-          </a:xfrm>
-          <a:prstGeom prst="rect">
-            <a:avLst/>
-          </a:prstGeom>
-          <a:noFill/>
-        </p:spPr>
-      </p:pic>
-      <p:pic>
-        <p:nvPicPr>
-          <p:cNvPr id="95" name="Picture 4" descr="C:\Devo\git\Synapse\resources\syn_logo_icon.png"/>
-          <p:cNvPicPr>
-            <a:picLocks noChangeAspect="1" noChangeArrowheads="1"/>
-          </p:cNvPicPr>
-          <p:nvPr/>
-        </p:nvPicPr>
-        <p:blipFill>
-          <a:blip r:embed="rId6" cstate="print"/>
-          <a:srcRect/>
-          <a:stretch>
-            <a:fillRect/>
-          </a:stretch>
-        </p:blipFill>
-        <p:spPr bwMode="auto">
-          <a:xfrm>
-            <a:off x="5101675" y="1892808"/>
-            <a:ext cx="841248" cy="841248"/>
-          </a:xfrm>
-          <a:prstGeom prst="rect">
-            <a:avLst/>
-          </a:prstGeom>
-          <a:noFill/>
-        </p:spPr>
-      </p:pic>
     </p:spTree>
   </p:cSld>
   <p:clrMapOvr>
@@ -11413,11 +11535,7 @@
               <a:pPr algn="ctr"/>
               <a:r>
                 <a:rPr lang="en-US" sz="1200" dirty="0" smtClean="0"/>
-                <a:t>synapse </a:t>
-              </a:r>
-              <a:r>
-                <a:rPr lang="en-US" sz="1200" dirty="0" smtClean="0"/>
-                <a:t>engine</a:t>
+                <a:t>synapse engine</a:t>
               </a:r>
               <a:endParaRPr lang="en-US" dirty="0"/>
             </a:p>

--- a/resources/graphics.pptx
+++ b/resources/graphics.pptx
@@ -200,7 +200,7 @@
             <a:fld id="{3D198B4A-6CEA-4635-A00A-E19E57BBFDB9}" type="datetimeFigureOut">
               <a:rPr lang="en-US" smtClean="0"/>
               <a:pPr/>
-              <a:t>5/24/2016</a:t>
+              <a:t>5/30/2016</a:t>
             </a:fld>
             <a:endParaRPr lang="en-US"/>
           </a:p>
@@ -812,7 +812,7 @@
             <a:fld id="{44226C23-AE07-4433-9B3A-8CE06417A35D}" type="datetimeFigureOut">
               <a:rPr lang="en-US" smtClean="0"/>
               <a:pPr/>
-              <a:t>5/24/2016</a:t>
+              <a:t>5/30/2016</a:t>
             </a:fld>
             <a:endParaRPr lang="en-US"/>
           </a:p>
@@ -979,7 +979,7 @@
             <a:fld id="{44226C23-AE07-4433-9B3A-8CE06417A35D}" type="datetimeFigureOut">
               <a:rPr lang="en-US" smtClean="0"/>
               <a:pPr/>
-              <a:t>5/24/2016</a:t>
+              <a:t>5/30/2016</a:t>
             </a:fld>
             <a:endParaRPr lang="en-US"/>
           </a:p>
@@ -1156,7 +1156,7 @@
             <a:fld id="{44226C23-AE07-4433-9B3A-8CE06417A35D}" type="datetimeFigureOut">
               <a:rPr lang="en-US" smtClean="0"/>
               <a:pPr/>
-              <a:t>5/24/2016</a:t>
+              <a:t>5/30/2016</a:t>
             </a:fld>
             <a:endParaRPr lang="en-US"/>
           </a:p>
@@ -1323,7 +1323,7 @@
             <a:fld id="{44226C23-AE07-4433-9B3A-8CE06417A35D}" type="datetimeFigureOut">
               <a:rPr lang="en-US" smtClean="0"/>
               <a:pPr/>
-              <a:t>5/24/2016</a:t>
+              <a:t>5/30/2016</a:t>
             </a:fld>
             <a:endParaRPr lang="en-US"/>
           </a:p>
@@ -1566,7 +1566,7 @@
             <a:fld id="{44226C23-AE07-4433-9B3A-8CE06417A35D}" type="datetimeFigureOut">
               <a:rPr lang="en-US" smtClean="0"/>
               <a:pPr/>
-              <a:t>5/24/2016</a:t>
+              <a:t>5/30/2016</a:t>
             </a:fld>
             <a:endParaRPr lang="en-US"/>
           </a:p>
@@ -1851,7 +1851,7 @@
             <a:fld id="{44226C23-AE07-4433-9B3A-8CE06417A35D}" type="datetimeFigureOut">
               <a:rPr lang="en-US" smtClean="0"/>
               <a:pPr/>
-              <a:t>5/24/2016</a:t>
+              <a:t>5/30/2016</a:t>
             </a:fld>
             <a:endParaRPr lang="en-US"/>
           </a:p>
@@ -2270,7 +2270,7 @@
             <a:fld id="{44226C23-AE07-4433-9B3A-8CE06417A35D}" type="datetimeFigureOut">
               <a:rPr lang="en-US" smtClean="0"/>
               <a:pPr/>
-              <a:t>5/24/2016</a:t>
+              <a:t>5/30/2016</a:t>
             </a:fld>
             <a:endParaRPr lang="en-US"/>
           </a:p>
@@ -2385,7 +2385,7 @@
             <a:fld id="{44226C23-AE07-4433-9B3A-8CE06417A35D}" type="datetimeFigureOut">
               <a:rPr lang="en-US" smtClean="0"/>
               <a:pPr/>
-              <a:t>5/24/2016</a:t>
+              <a:t>5/30/2016</a:t>
             </a:fld>
             <a:endParaRPr lang="en-US"/>
           </a:p>
@@ -2477,7 +2477,7 @@
             <a:fld id="{44226C23-AE07-4433-9B3A-8CE06417A35D}" type="datetimeFigureOut">
               <a:rPr lang="en-US" smtClean="0"/>
               <a:pPr/>
-              <a:t>5/24/2016</a:t>
+              <a:t>5/30/2016</a:t>
             </a:fld>
             <a:endParaRPr lang="en-US"/>
           </a:p>
@@ -2751,7 +2751,7 @@
             <a:fld id="{44226C23-AE07-4433-9B3A-8CE06417A35D}" type="datetimeFigureOut">
               <a:rPr lang="en-US" smtClean="0"/>
               <a:pPr/>
-              <a:t>5/24/2016</a:t>
+              <a:t>5/30/2016</a:t>
             </a:fld>
             <a:endParaRPr lang="en-US"/>
           </a:p>
@@ -3001,7 +3001,7 @@
             <a:fld id="{44226C23-AE07-4433-9B3A-8CE06417A35D}" type="datetimeFigureOut">
               <a:rPr lang="en-US" smtClean="0"/>
               <a:pPr/>
-              <a:t>5/24/2016</a:t>
+              <a:t>5/30/2016</a:t>
             </a:fld>
             <a:endParaRPr lang="en-US"/>
           </a:p>
@@ -3211,7 +3211,7 @@
             <a:fld id="{44226C23-AE07-4433-9B3A-8CE06417A35D}" type="datetimeFigureOut">
               <a:rPr lang="en-US" smtClean="0"/>
               <a:pPr/>
-              <a:t>5/24/2016</a:t>
+              <a:t>5/30/2016</a:t>
             </a:fld>
             <a:endParaRPr lang="en-US"/>
           </a:p>
@@ -5267,7 +5267,9 @@
           </a:solidFill>
           <a:ln>
             <a:solidFill>
-              <a:srgbClr val="FFFF66"/>
+              <a:schemeClr val="bg2">
+                <a:lumMod val="75000"/>
+              </a:schemeClr>
             </a:solidFill>
           </a:ln>
         </p:spPr>
